--- a/reference_content/Slides/009_Feature_Selection.pptx
+++ b/reference_content/Slides/009_Feature_Selection.pptx
@@ -12,19 +12,23 @@
     <p:sldId id="273" r:id="rId6"/>
     <p:sldId id="264" r:id="rId7"/>
     <p:sldId id="266" r:id="rId8"/>
-    <p:sldId id="267" r:id="rId9"/>
-    <p:sldId id="274" r:id="rId10"/>
-    <p:sldId id="275" r:id="rId11"/>
-    <p:sldId id="268" r:id="rId12"/>
-    <p:sldId id="258" r:id="rId13"/>
-    <p:sldId id="259" r:id="rId14"/>
-    <p:sldId id="260" r:id="rId15"/>
-    <p:sldId id="262" r:id="rId16"/>
-    <p:sldId id="271" r:id="rId17"/>
-    <p:sldId id="269" r:id="rId18"/>
-    <p:sldId id="270" r:id="rId19"/>
-    <p:sldId id="265" r:id="rId20"/>
-    <p:sldId id="272" r:id="rId21"/>
+    <p:sldId id="276" r:id="rId9"/>
+    <p:sldId id="277" r:id="rId10"/>
+    <p:sldId id="267" r:id="rId11"/>
+    <p:sldId id="274" r:id="rId12"/>
+    <p:sldId id="275" r:id="rId13"/>
+    <p:sldId id="268" r:id="rId14"/>
+    <p:sldId id="258" r:id="rId15"/>
+    <p:sldId id="259" r:id="rId16"/>
+    <p:sldId id="260" r:id="rId17"/>
+    <p:sldId id="262" r:id="rId18"/>
+    <p:sldId id="278" r:id="rId19"/>
+    <p:sldId id="271" r:id="rId20"/>
+    <p:sldId id="269" r:id="rId21"/>
+    <p:sldId id="270" r:id="rId22"/>
+    <p:sldId id="279" r:id="rId23"/>
+    <p:sldId id="265" r:id="rId24"/>
+    <p:sldId id="272" r:id="rId25"/>
   </p:sldIdLst>
   <p:sldSz cx="12192000" cy="6858000"/>
   <p:notesSz cx="6858000" cy="9144000"/>
@@ -270,7 +274,7 @@
           <a:p>
             <a:fld id="{58A3C616-8F30-EA4A-B186-C027DE3D5CBE}" type="datetimeFigureOut">
               <a:rPr lang="en-US" smtClean="0"/>
-              <a:t>1/31/25</a:t>
+              <a:t>1/22/26</a:t>
             </a:fld>
             <a:endParaRPr lang="en-US"/>
           </a:p>
@@ -481,7 +485,7 @@
           <a:p>
             <a:fld id="{58A3C616-8F30-EA4A-B186-C027DE3D5CBE}" type="datetimeFigureOut">
               <a:rPr lang="en-US" smtClean="0"/>
-              <a:t>1/31/25</a:t>
+              <a:t>1/22/26</a:t>
             </a:fld>
             <a:endParaRPr lang="en-US"/>
           </a:p>
@@ -696,7 +700,7 @@
           <a:p>
             <a:fld id="{58A3C616-8F30-EA4A-B186-C027DE3D5CBE}" type="datetimeFigureOut">
               <a:rPr lang="en-US" smtClean="0"/>
-              <a:t>1/31/25</a:t>
+              <a:t>1/22/26</a:t>
             </a:fld>
             <a:endParaRPr lang="en-US"/>
           </a:p>
@@ -897,7 +901,7 @@
           <a:p>
             <a:fld id="{58A3C616-8F30-EA4A-B186-C027DE3D5CBE}" type="datetimeFigureOut">
               <a:rPr lang="en-US" smtClean="0"/>
-              <a:t>1/31/25</a:t>
+              <a:t>1/22/26</a:t>
             </a:fld>
             <a:endParaRPr lang="en-US"/>
           </a:p>
@@ -1176,7 +1180,7 @@
           <a:p>
             <a:fld id="{58A3C616-8F30-EA4A-B186-C027DE3D5CBE}" type="datetimeFigureOut">
               <a:rPr lang="en-US" smtClean="0"/>
-              <a:t>1/31/25</a:t>
+              <a:t>1/22/26</a:t>
             </a:fld>
             <a:endParaRPr lang="en-US"/>
           </a:p>
@@ -1444,7 +1448,7 @@
           <a:p>
             <a:fld id="{58A3C616-8F30-EA4A-B186-C027DE3D5CBE}" type="datetimeFigureOut">
               <a:rPr lang="en-US" smtClean="0"/>
-              <a:t>1/31/25</a:t>
+              <a:t>1/22/26</a:t>
             </a:fld>
             <a:endParaRPr lang="en-US"/>
           </a:p>
@@ -1860,7 +1864,7 @@
           <a:p>
             <a:fld id="{58A3C616-8F30-EA4A-B186-C027DE3D5CBE}" type="datetimeFigureOut">
               <a:rPr lang="en-US" smtClean="0"/>
-              <a:t>1/31/25</a:t>
+              <a:t>1/22/26</a:t>
             </a:fld>
             <a:endParaRPr lang="en-US"/>
           </a:p>
@@ -2009,7 +2013,7 @@
           <a:p>
             <a:fld id="{58A3C616-8F30-EA4A-B186-C027DE3D5CBE}" type="datetimeFigureOut">
               <a:rPr lang="en-US" smtClean="0"/>
-              <a:t>1/31/25</a:t>
+              <a:t>1/22/26</a:t>
             </a:fld>
             <a:endParaRPr lang="en-US"/>
           </a:p>
@@ -2135,7 +2139,7 @@
           <a:p>
             <a:fld id="{58A3C616-8F30-EA4A-B186-C027DE3D5CBE}" type="datetimeFigureOut">
               <a:rPr lang="en-US" smtClean="0"/>
-              <a:t>1/31/25</a:t>
+              <a:t>1/22/26</a:t>
             </a:fld>
             <a:endParaRPr lang="en-US"/>
           </a:p>
@@ -2386,7 +2390,7 @@
           <a:p>
             <a:fld id="{58A3C616-8F30-EA4A-B186-C027DE3D5CBE}" type="datetimeFigureOut">
               <a:rPr lang="en-US" smtClean="0"/>
-              <a:t>1/31/25</a:t>
+              <a:t>1/22/26</a:t>
             </a:fld>
             <a:endParaRPr lang="en-US"/>
           </a:p>
@@ -2831,7 +2835,7 @@
           <a:p>
             <a:fld id="{58A3C616-8F30-EA4A-B186-C027DE3D5CBE}" type="datetimeFigureOut">
               <a:rPr lang="en-US" smtClean="0"/>
-              <a:t>1/31/25</a:t>
+              <a:t>1/22/26</a:t>
             </a:fld>
             <a:endParaRPr lang="en-US"/>
           </a:p>
@@ -2998,6 +3002,13 @@
             <a:schemeClr val="lt1"/>
           </a:fontRef>
         </p:style>
+        <p:txBody>
+          <a:bodyPr/>
+          <a:lstStyle/>
+          <a:p>
+            <a:endParaRPr lang="en-US"/>
+          </a:p>
+        </p:txBody>
       </p:sp>
       <p:pic>
         <p:nvPicPr>
@@ -3158,7 +3169,7 @@
           <a:p>
             <a:fld id="{58A3C616-8F30-EA4A-B186-C027DE3D5CBE}" type="datetimeFigureOut">
               <a:rPr lang="en-US" smtClean="0"/>
-              <a:t>1/31/25</a:t>
+              <a:t>1/22/26</a:t>
             </a:fld>
             <a:endParaRPr lang="en-US"/>
           </a:p>
@@ -3823,6 +3834,589 @@
       </p:grpSpPr>
       <p:sp>
         <p:nvSpPr>
+          <p:cNvPr id="9" name="Rectangle 8">
+            <a:extLst>
+              <a:ext uri="{FF2B5EF4-FFF2-40B4-BE49-F238E27FC236}">
+                <a16:creationId xmlns:a16="http://schemas.microsoft.com/office/drawing/2014/main" id="{C63C853E-3842-4594-86A9-051FFAF4D343}"/>
+              </a:ext>
+              <a:ext uri="{C183D7F6-B498-43B3-948B-1728B52AA6E4}">
+                <adec:decorative xmlns:adec="http://schemas.microsoft.com/office/drawing/2017/decorative" val="1"/>
+              </a:ext>
+            </a:extLst>
+          </p:cNvPr>
+          <p:cNvSpPr>
+            <a:spLocks noGrp="1" noRot="1" noChangeAspect="1" noMove="1" noResize="1" noEditPoints="1" noAdjustHandles="1" noChangeArrowheads="1" noChangeShapeType="1" noTextEdit="1"/>
+          </p:cNvSpPr>
+          <p:nvPr>
+            <p:extLst>
+              <p:ext uri="{386F3935-93C4-4BCD-93E2-E3B085C9AB24}">
+                <p16:designElem xmlns:p16="http://schemas.microsoft.com/office/powerpoint/2015/main" val="1"/>
+              </p:ext>
+            </p:extLst>
+          </p:nvPr>
+        </p:nvSpPr>
+        <p:spPr>
+          <a:xfrm>
+            <a:off x="0" y="2019476"/>
+            <a:ext cx="12192000" cy="4105941"/>
+          </a:xfrm>
+          <a:prstGeom prst="rect">
+            <a:avLst/>
+          </a:prstGeom>
+          <a:gradFill flip="none" rotWithShape="1">
+            <a:gsLst>
+              <a:gs pos="0">
+                <a:schemeClr val="bg2">
+                  <a:alpha val="0"/>
+                </a:schemeClr>
+              </a:gs>
+              <a:gs pos="100000">
+                <a:schemeClr val="bg2"/>
+              </a:gs>
+            </a:gsLst>
+            <a:lin ang="5400000" scaled="0"/>
+            <a:tileRect/>
+          </a:gradFill>
+          <a:ln>
+            <a:noFill/>
+          </a:ln>
+        </p:spPr>
+        <p:style>
+          <a:lnRef idx="2">
+            <a:schemeClr val="accent1">
+              <a:shade val="50000"/>
+            </a:schemeClr>
+          </a:lnRef>
+          <a:fillRef idx="1">
+            <a:schemeClr val="accent1"/>
+          </a:fillRef>
+          <a:effectRef idx="0">
+            <a:schemeClr val="accent1"/>
+          </a:effectRef>
+          <a:fontRef idx="minor">
+            <a:schemeClr val="lt1"/>
+          </a:fontRef>
+        </p:style>
+        <p:txBody>
+          <a:bodyPr/>
+          <a:lstStyle/>
+          <a:p>
+            <a:endParaRPr lang="en-US"/>
+          </a:p>
+        </p:txBody>
+      </p:sp>
+      <p:pic>
+        <p:nvPicPr>
+          <p:cNvPr id="11" name="Picture 10">
+            <a:extLst>
+              <a:ext uri="{FF2B5EF4-FFF2-40B4-BE49-F238E27FC236}">
+                <a16:creationId xmlns:a16="http://schemas.microsoft.com/office/drawing/2014/main" id="{B591CDC5-6B61-4116-B3B5-0FF42B6E606D}"/>
+              </a:ext>
+              <a:ext uri="{C183D7F6-B498-43B3-948B-1728B52AA6E4}">
+                <adec:decorative xmlns:adec="http://schemas.microsoft.com/office/drawing/2017/decorative" val="1"/>
+              </a:ext>
+            </a:extLst>
+          </p:cNvPr>
+          <p:cNvPicPr>
+            <a:picLocks noGrp="1" noRot="1" noChangeAspect="1" noMove="1" noResize="1" noEditPoints="1" noAdjustHandles="1" noChangeArrowheads="1" noChangeShapeType="1" noCrop="1"/>
+          </p:cNvPicPr>
+          <p:nvPr>
+            <p:extLst>
+              <p:ext uri="{386F3935-93C4-4BCD-93E2-E3B085C9AB24}">
+                <p16:designElem xmlns:p16="http://schemas.microsoft.com/office/powerpoint/2015/main" val="1"/>
+              </p:ext>
+            </p:extLst>
+          </p:nvPr>
+        </p:nvPicPr>
+        <p:blipFill rotWithShape="1">
+          <a:blip r:embed="rId2">
+            <a:extLst>
+              <a:ext uri="{28A0092B-C50C-407E-A947-70E740481C1C}">
+                <a14:useLocalDpi xmlns:a14="http://schemas.microsoft.com/office/drawing/2010/main" val="0"/>
+              </a:ext>
+            </a:extLst>
+          </a:blip>
+          <a:srcRect t="1538" b="-1538"/>
+          <a:stretch/>
+        </p:blipFill>
+        <p:spPr bwMode="black">
+          <a:xfrm>
+            <a:off x="0" y="6126480"/>
+            <a:ext cx="12192000" cy="742950"/>
+          </a:xfrm>
+          <a:prstGeom prst="rect">
+            <a:avLst/>
+          </a:prstGeom>
+        </p:spPr>
+      </p:pic>
+      <p:cxnSp>
+        <p:nvCxnSpPr>
+          <p:cNvPr id="13" name="Straight Connector 12">
+            <a:extLst>
+              <a:ext uri="{FF2B5EF4-FFF2-40B4-BE49-F238E27FC236}">
+                <a16:creationId xmlns:a16="http://schemas.microsoft.com/office/drawing/2014/main" id="{25B08984-5BEB-422F-A364-2B41E6A516EB}"/>
+              </a:ext>
+              <a:ext uri="{C183D7F6-B498-43B3-948B-1728B52AA6E4}">
+                <adec:decorative xmlns:adec="http://schemas.microsoft.com/office/drawing/2017/decorative" val="1"/>
+              </a:ext>
+            </a:extLst>
+          </p:cNvPr>
+          <p:cNvCxnSpPr>
+            <a:cxnSpLocks noGrp="1" noRot="1" noChangeAspect="1" noMove="1" noResize="1" noEditPoints="1" noAdjustHandles="1" noChangeArrowheads="1" noChangeShapeType="1"/>
+          </p:cNvCxnSpPr>
+          <p:nvPr>
+            <p:extLst>
+              <p:ext uri="{386F3935-93C4-4BCD-93E2-E3B085C9AB24}">
+                <p16:designElem xmlns:p16="http://schemas.microsoft.com/office/powerpoint/2015/main" val="1"/>
+              </p:ext>
+            </p:extLst>
+          </p:nvPr>
+        </p:nvCxnSpPr>
+        <p:spPr>
+          <a:xfrm>
+            <a:off x="0" y="6128413"/>
+            <a:ext cx="12192000" cy="0"/>
+          </a:xfrm>
+          <a:prstGeom prst="line">
+            <a:avLst/>
+          </a:prstGeom>
+          <a:ln w="12700">
+            <a:solidFill>
+              <a:srgbClr val="000001">
+                <a:alpha val="20000"/>
+              </a:srgbClr>
+            </a:solidFill>
+          </a:ln>
+        </p:spPr>
+        <p:style>
+          <a:lnRef idx="1">
+            <a:schemeClr val="accent1"/>
+          </a:lnRef>
+          <a:fillRef idx="0">
+            <a:schemeClr val="accent1"/>
+          </a:fillRef>
+          <a:effectRef idx="0">
+            <a:schemeClr val="accent1"/>
+          </a:effectRef>
+          <a:fontRef idx="minor">
+            <a:schemeClr val="tx1"/>
+          </a:fontRef>
+        </p:style>
+      </p:cxnSp>
+      <p:cxnSp>
+        <p:nvCxnSpPr>
+          <p:cNvPr id="15" name="Straight Connector 14">
+            <a:extLst>
+              <a:ext uri="{FF2B5EF4-FFF2-40B4-BE49-F238E27FC236}">
+                <a16:creationId xmlns:a16="http://schemas.microsoft.com/office/drawing/2014/main" id="{A8F413B1-54E0-4B16-92AB-1CC5C7D645BC}"/>
+              </a:ext>
+              <a:ext uri="{C183D7F6-B498-43B3-948B-1728B52AA6E4}">
+                <adec:decorative xmlns:adec="http://schemas.microsoft.com/office/drawing/2017/decorative" val="1"/>
+              </a:ext>
+            </a:extLst>
+          </p:cNvPr>
+          <p:cNvCxnSpPr>
+            <a:cxnSpLocks noGrp="1" noRot="1" noChangeAspect="1" noMove="1" noResize="1" noEditPoints="1" noAdjustHandles="1" noChangeArrowheads="1" noChangeShapeType="1"/>
+          </p:cNvCxnSpPr>
+          <p:nvPr>
+            <p:extLst>
+              <p:ext uri="{386F3935-93C4-4BCD-93E2-E3B085C9AB24}">
+                <p16:designElem xmlns:p16="http://schemas.microsoft.com/office/powerpoint/2015/main" val="1"/>
+              </p:ext>
+            </p:extLst>
+          </p:nvPr>
+        </p:nvCxnSpPr>
+        <p:spPr>
+          <a:xfrm>
+            <a:off x="1453896" y="1847088"/>
+            <a:ext cx="9607522" cy="0"/>
+          </a:xfrm>
+          <a:prstGeom prst="line">
+            <a:avLst/>
+          </a:prstGeom>
+          <a:ln w="31750"/>
+        </p:spPr>
+        <p:style>
+          <a:lnRef idx="3">
+            <a:schemeClr val="accent1"/>
+          </a:lnRef>
+          <a:fillRef idx="0">
+            <a:schemeClr val="accent1"/>
+          </a:fillRef>
+          <a:effectRef idx="2">
+            <a:schemeClr val="accent1"/>
+          </a:effectRef>
+          <a:fontRef idx="minor">
+            <a:schemeClr val="tx1"/>
+          </a:fontRef>
+        </p:style>
+      </p:cxnSp>
+      <p:pic>
+        <p:nvPicPr>
+          <p:cNvPr id="5" name="Picture 4" descr="White arrows painted on the asphalt">
+            <a:extLst>
+              <a:ext uri="{FF2B5EF4-FFF2-40B4-BE49-F238E27FC236}">
+                <a16:creationId xmlns:a16="http://schemas.microsoft.com/office/drawing/2014/main" id="{3BD255F2-1DCC-F25F-1F49-64B4A5630ED2}"/>
+              </a:ext>
+            </a:extLst>
+          </p:cNvPr>
+          <p:cNvPicPr>
+            <a:picLocks noChangeAspect="1"/>
+          </p:cNvPicPr>
+          <p:nvPr/>
+        </p:nvPicPr>
+        <p:blipFill>
+          <a:blip r:embed="rId3"/>
+          <a:srcRect t="1112" r="-1" b="13980"/>
+          <a:stretch/>
+        </p:blipFill>
+        <p:spPr>
+          <a:xfrm>
+            <a:off x="20" y="10"/>
+            <a:ext cx="12191675" cy="6857990"/>
+          </a:xfrm>
+          <a:prstGeom prst="rect">
+            <a:avLst/>
+          </a:prstGeom>
+        </p:spPr>
+      </p:pic>
+      <p:sp>
+        <p:nvSpPr>
+          <p:cNvPr id="17" name="Rectangle 16">
+            <a:extLst>
+              <a:ext uri="{FF2B5EF4-FFF2-40B4-BE49-F238E27FC236}">
+                <a16:creationId xmlns:a16="http://schemas.microsoft.com/office/drawing/2014/main" id="{2E67E8BF-E4B2-4098-9FB3-9E400BD86935}"/>
+              </a:ext>
+              <a:ext uri="{C183D7F6-B498-43B3-948B-1728B52AA6E4}">
+                <adec:decorative xmlns:adec="http://schemas.microsoft.com/office/drawing/2017/decorative" val="1"/>
+              </a:ext>
+            </a:extLst>
+          </p:cNvPr>
+          <p:cNvSpPr>
+            <a:spLocks noGrp="1" noRot="1" noChangeAspect="1" noMove="1" noResize="1" noEditPoints="1" noAdjustHandles="1" noChangeArrowheads="1" noChangeShapeType="1" noTextEdit="1"/>
+          </p:cNvSpPr>
+          <p:nvPr>
+            <p:extLst>
+              <p:ext uri="{386F3935-93C4-4BCD-93E2-E3B085C9AB24}">
+                <p16:designElem xmlns:p16="http://schemas.microsoft.com/office/powerpoint/2015/main" val="1"/>
+              </p:ext>
+            </p:extLst>
+          </p:nvPr>
+        </p:nvSpPr>
+        <p:spPr>
+          <a:xfrm>
+            <a:off x="5930686" y="4905349"/>
+            <a:ext cx="5610646" cy="1450464"/>
+          </a:xfrm>
+          <a:prstGeom prst="rect">
+            <a:avLst/>
+          </a:prstGeom>
+          <a:solidFill>
+            <a:srgbClr val="000001">
+              <a:alpha val="75000"/>
+            </a:srgbClr>
+          </a:solidFill>
+          <a:ln>
+            <a:noFill/>
+          </a:ln>
+        </p:spPr>
+        <p:style>
+          <a:lnRef idx="1">
+            <a:schemeClr val="accent1"/>
+          </a:lnRef>
+          <a:fillRef idx="3">
+            <a:schemeClr val="accent1"/>
+          </a:fillRef>
+          <a:effectRef idx="2">
+            <a:schemeClr val="accent1"/>
+          </a:effectRef>
+          <a:fontRef idx="minor">
+            <a:schemeClr val="lt1"/>
+          </a:fontRef>
+        </p:style>
+        <p:txBody>
+          <a:bodyPr rtlCol="0" anchor="ctr"/>
+          <a:lstStyle/>
+          <a:p>
+            <a:pPr algn="ctr"/>
+            <a:endParaRPr lang="en-US"/>
+          </a:p>
+        </p:txBody>
+      </p:sp>
+      <p:sp>
+        <p:nvSpPr>
+          <p:cNvPr id="2" name="Title 1">
+            <a:extLst>
+              <a:ext uri="{FF2B5EF4-FFF2-40B4-BE49-F238E27FC236}">
+                <a16:creationId xmlns:a16="http://schemas.microsoft.com/office/drawing/2014/main" id="{426D484C-FF8D-83BB-DFB0-120EB27EFCB3}"/>
+              </a:ext>
+            </a:extLst>
+          </p:cNvPr>
+          <p:cNvSpPr>
+            <a:spLocks noGrp="1"/>
+          </p:cNvSpPr>
+          <p:nvPr>
+            <p:ph type="title"/>
+          </p:nvPr>
+        </p:nvSpPr>
+        <p:spPr>
+          <a:xfrm>
+            <a:off x="6094412" y="5239131"/>
+            <a:ext cx="5279490" cy="960087"/>
+          </a:xfrm>
+        </p:spPr>
+        <p:txBody>
+          <a:bodyPr vert="horz" lIns="91440" tIns="45720" rIns="91440" bIns="45720" rtlCol="0" anchor="t">
+            <a:normAutofit/>
+          </a:bodyPr>
+          <a:lstStyle/>
+          <a:p>
+            <a:r>
+              <a:rPr lang="en-US">
+                <a:solidFill>
+                  <a:srgbClr val="FFFFFE"/>
+                </a:solidFill>
+              </a:rPr>
+              <a:t>Ways to select Features</a:t>
+            </a:r>
+          </a:p>
+        </p:txBody>
+      </p:sp>
+      <p:cxnSp>
+        <p:nvCxnSpPr>
+          <p:cNvPr id="19" name="Straight Connector 18">
+            <a:extLst>
+              <a:ext uri="{FF2B5EF4-FFF2-40B4-BE49-F238E27FC236}">
+                <a16:creationId xmlns:a16="http://schemas.microsoft.com/office/drawing/2014/main" id="{3781A10F-5DF6-4C9B-AE0B-5249E4399D26}"/>
+              </a:ext>
+              <a:ext uri="{C183D7F6-B498-43B3-948B-1728B52AA6E4}">
+                <adec:decorative xmlns:adec="http://schemas.microsoft.com/office/drawing/2017/decorative" val="1"/>
+              </a:ext>
+            </a:extLst>
+          </p:cNvPr>
+          <p:cNvCxnSpPr>
+            <a:cxnSpLocks noGrp="1" noRot="1" noChangeAspect="1" noMove="1" noResize="1" noEditPoints="1" noAdjustHandles="1" noChangeArrowheads="1" noChangeShapeType="1"/>
+          </p:cNvCxnSpPr>
+          <p:nvPr>
+            <p:extLst>
+              <p:ext uri="{386F3935-93C4-4BCD-93E2-E3B085C9AB24}">
+                <p16:designElem xmlns:p16="http://schemas.microsoft.com/office/powerpoint/2015/main" val="1"/>
+              </p:ext>
+            </p:extLst>
+          </p:nvPr>
+        </p:nvCxnSpPr>
+        <p:spPr>
+          <a:xfrm>
+            <a:off x="6094411" y="5073596"/>
+            <a:ext cx="5283196" cy="0"/>
+          </a:xfrm>
+          <a:prstGeom prst="line">
+            <a:avLst/>
+          </a:prstGeom>
+          <a:ln w="31750"/>
+        </p:spPr>
+        <p:style>
+          <a:lnRef idx="3">
+            <a:schemeClr val="accent1"/>
+          </a:lnRef>
+          <a:fillRef idx="0">
+            <a:schemeClr val="accent1"/>
+          </a:fillRef>
+          <a:effectRef idx="2">
+            <a:schemeClr val="accent1"/>
+          </a:effectRef>
+          <a:fontRef idx="minor">
+            <a:schemeClr val="tx1"/>
+          </a:fontRef>
+        </p:style>
+      </p:cxnSp>
+    </p:spTree>
+    <p:extLst>
+      <p:ext uri="{BB962C8B-B14F-4D97-AF65-F5344CB8AC3E}">
+        <p14:creationId xmlns:p14="http://schemas.microsoft.com/office/powerpoint/2010/main" val="1741196895"/>
+      </p:ext>
+    </p:extLst>
+  </p:cSld>
+  <p:clrMapOvr>
+    <a:masterClrMapping/>
+  </p:clrMapOvr>
+</p:sld>
+</file>
+
+<file path=ppt/slides/slide11.xml><?xml version="1.0" encoding="utf-8"?>
+<p:sld xmlns:a="http://schemas.openxmlformats.org/drawingml/2006/main" xmlns:r="http://schemas.openxmlformats.org/officeDocument/2006/relationships" xmlns:p="http://schemas.openxmlformats.org/presentationml/2006/main">
+  <p:cSld>
+    <p:spTree>
+      <p:nvGrpSpPr>
+        <p:cNvPr id="1" name=""/>
+        <p:cNvGrpSpPr/>
+        <p:nvPr/>
+      </p:nvGrpSpPr>
+      <p:grpSpPr>
+        <a:xfrm>
+          <a:off x="0" y="0"/>
+          <a:ext cx="0" cy="0"/>
+          <a:chOff x="0" y="0"/>
+          <a:chExt cx="0" cy="0"/>
+        </a:xfrm>
+      </p:grpSpPr>
+      <p:sp>
+        <p:nvSpPr>
+          <p:cNvPr id="2" name="Title 1">
+            <a:extLst>
+              <a:ext uri="{FF2B5EF4-FFF2-40B4-BE49-F238E27FC236}">
+                <a16:creationId xmlns:a16="http://schemas.microsoft.com/office/drawing/2014/main" id="{42E863E3-F478-F0BC-9B1F-E82FD8E57BAD}"/>
+              </a:ext>
+            </a:extLst>
+          </p:cNvPr>
+          <p:cNvSpPr>
+            <a:spLocks noGrp="1"/>
+          </p:cNvSpPr>
+          <p:nvPr>
+            <p:ph type="title"/>
+          </p:nvPr>
+        </p:nvSpPr>
+        <p:spPr/>
+        <p:txBody>
+          <a:bodyPr/>
+          <a:lstStyle/>
+          <a:p>
+            <a:r>
+              <a:rPr lang="en-US" dirty="0"/>
+              <a:t>How to do Selection</a:t>
+            </a:r>
+          </a:p>
+        </p:txBody>
+      </p:sp>
+      <p:sp>
+        <p:nvSpPr>
+          <p:cNvPr id="3" name="Content Placeholder 2">
+            <a:extLst>
+              <a:ext uri="{FF2B5EF4-FFF2-40B4-BE49-F238E27FC236}">
+                <a16:creationId xmlns:a16="http://schemas.microsoft.com/office/drawing/2014/main" id="{7A23DD63-E1F7-4DCD-6739-EEEE3E0B8686}"/>
+              </a:ext>
+            </a:extLst>
+          </p:cNvPr>
+          <p:cNvSpPr>
+            <a:spLocks noGrp="1"/>
+          </p:cNvSpPr>
+          <p:nvPr>
+            <p:ph idx="1"/>
+          </p:nvPr>
+        </p:nvSpPr>
+        <p:spPr>
+          <a:xfrm>
+            <a:off x="1341783" y="1853754"/>
+            <a:ext cx="9713071" cy="4119663"/>
+          </a:xfrm>
+        </p:spPr>
+        <p:txBody>
+          <a:bodyPr/>
+          <a:lstStyle/>
+          <a:p>
+            <a:r>
+              <a:rPr lang="en-US" dirty="0"/>
+              <a:t>There are several methods to evaluate how good a feature is, each different. </a:t>
+            </a:r>
+          </a:p>
+          <a:p>
+            <a:r>
+              <a:rPr lang="en-US" dirty="0"/>
+              <a:t>They may agree, but they may not – it can vary, somewhat unpredictably. </a:t>
+            </a:r>
+          </a:p>
+          <a:p>
+            <a:pPr lvl="1"/>
+            <a:r>
+              <a:rPr lang="en-US" dirty="0"/>
+              <a:t>If several methods say a feature is less important, it probably is. </a:t>
+            </a:r>
+          </a:p>
+          <a:p>
+            <a:pPr lvl="1"/>
+            <a:r>
+              <a:rPr lang="en-US" dirty="0"/>
+              <a:t>If several methods say a feature is more important, it probably is. </a:t>
+            </a:r>
+          </a:p>
+          <a:p>
+            <a:r>
+              <a:rPr lang="en-US" dirty="0"/>
+              <a:t>There are a few complications to this:</a:t>
+            </a:r>
+          </a:p>
+          <a:p>
+            <a:pPr lvl="1"/>
+            <a:r>
+              <a:rPr lang="en-US" dirty="0"/>
+              <a:t>Relationships, in complex data, might not be so simple – e.g. combo of features to target. </a:t>
+            </a:r>
+          </a:p>
+          <a:p>
+            <a:pPr lvl="1"/>
+            <a:r>
+              <a:rPr lang="en-US" dirty="0"/>
+              <a:t>Multicollinearity – multiple features containing the same information. Algorithm can’t weight importance of each feature since the important info could be sourced from multiple features.</a:t>
+            </a:r>
+          </a:p>
+        </p:txBody>
+      </p:sp>
+    </p:spTree>
+    <p:extLst>
+      <p:ext uri="{BB962C8B-B14F-4D97-AF65-F5344CB8AC3E}">
+        <p14:creationId xmlns:p14="http://schemas.microsoft.com/office/powerpoint/2010/main" val="3290056340"/>
+      </p:ext>
+    </p:extLst>
+  </p:cSld>
+  <p:clrMapOvr>
+    <a:masterClrMapping/>
+  </p:clrMapOvr>
+</p:sld>
+</file>
+
+<file path=ppt/slides/slide12.xml><?xml version="1.0" encoding="utf-8"?>
+<p:sld xmlns:a="http://schemas.openxmlformats.org/drawingml/2006/main" xmlns:r="http://schemas.openxmlformats.org/officeDocument/2006/relationships" xmlns:p="http://schemas.openxmlformats.org/presentationml/2006/main">
+  <p:cSld>
+    <p:bg>
+      <p:bgPr>
+        <a:gradFill rotWithShape="1">
+          <a:gsLst>
+            <a:gs pos="0">
+              <a:schemeClr val="bg2">
+                <a:tint val="94000"/>
+                <a:satMod val="80000"/>
+                <a:lumMod val="106000"/>
+              </a:schemeClr>
+            </a:gs>
+            <a:gs pos="100000">
+              <a:schemeClr val="bg2">
+                <a:shade val="80000"/>
+              </a:schemeClr>
+            </a:gs>
+          </a:gsLst>
+          <a:path path="circle">
+            <a:fillToRect l="43000" r="43000" b="100000"/>
+          </a:path>
+        </a:gradFill>
+        <a:effectLst/>
+      </p:bgPr>
+    </p:bg>
+    <p:spTree>
+      <p:nvGrpSpPr>
+        <p:cNvPr id="1" name=""/>
+        <p:cNvGrpSpPr/>
+        <p:nvPr/>
+      </p:nvGrpSpPr>
+      <p:grpSpPr>
+        <a:xfrm>
+          <a:off x="0" y="0"/>
+          <a:ext cx="0" cy="0"/>
+          <a:chOff x="0" y="0"/>
+          <a:chExt cx="0" cy="0"/>
+        </a:xfrm>
+      </p:grpSpPr>
+      <p:sp>
+        <p:nvSpPr>
           <p:cNvPr id="2" name="Title 1">
             <a:extLst>
               <a:ext uri="{FF2B5EF4-FFF2-40B4-BE49-F238E27FC236}">
@@ -3995,299 +4589,6 @@
 </p:sld>
 </file>
 
-<file path=ppt/slides/slide11.xml><?xml version="1.0" encoding="utf-8"?>
-<p:sld xmlns:a="http://schemas.openxmlformats.org/drawingml/2006/main" xmlns:r="http://schemas.openxmlformats.org/officeDocument/2006/relationships" xmlns:p="http://schemas.openxmlformats.org/presentationml/2006/main">
-  <p:cSld>
-    <p:spTree>
-      <p:nvGrpSpPr>
-        <p:cNvPr id="1" name=""/>
-        <p:cNvGrpSpPr/>
-        <p:nvPr/>
-      </p:nvGrpSpPr>
-      <p:grpSpPr>
-        <a:xfrm>
-          <a:off x="0" y="0"/>
-          <a:ext cx="0" cy="0"/>
-          <a:chOff x="0" y="0"/>
-          <a:chExt cx="0" cy="0"/>
-        </a:xfrm>
-      </p:grpSpPr>
-      <p:sp>
-        <p:nvSpPr>
-          <p:cNvPr id="2" name="Title 1">
-            <a:extLst>
-              <a:ext uri="{FF2B5EF4-FFF2-40B4-BE49-F238E27FC236}">
-                <a16:creationId xmlns:a16="http://schemas.microsoft.com/office/drawing/2014/main" id="{E82989D2-BB49-ECC3-D823-1BF90D0B2563}"/>
-              </a:ext>
-            </a:extLst>
-          </p:cNvPr>
-          <p:cNvSpPr>
-            <a:spLocks noGrp="1"/>
-          </p:cNvSpPr>
-          <p:nvPr>
-            <p:ph type="title"/>
-          </p:nvPr>
-        </p:nvSpPr>
-        <p:spPr/>
-        <p:txBody>
-          <a:bodyPr/>
-          <a:lstStyle/>
-          <a:p>
-            <a:r>
-              <a:rPr lang="en-US" dirty="0"/>
-              <a:t>Variance Based Selection</a:t>
-            </a:r>
-          </a:p>
-        </p:txBody>
-      </p:sp>
-      <p:sp>
-        <p:nvSpPr>
-          <p:cNvPr id="3" name="Content Placeholder 2">
-            <a:extLst>
-              <a:ext uri="{FF2B5EF4-FFF2-40B4-BE49-F238E27FC236}">
-                <a16:creationId xmlns:a16="http://schemas.microsoft.com/office/drawing/2014/main" id="{9FD7D400-4107-CD9A-68B2-F16999A32474}"/>
-              </a:ext>
-            </a:extLst>
-          </p:cNvPr>
-          <p:cNvSpPr>
-            <a:spLocks noGrp="1"/>
-          </p:cNvSpPr>
-          <p:nvPr>
-            <p:ph idx="1"/>
-          </p:nvPr>
-        </p:nvSpPr>
-        <p:spPr>
-          <a:xfrm>
-            <a:off x="1451579" y="1928191"/>
-            <a:ext cx="9603275" cy="4125290"/>
-          </a:xfrm>
-        </p:spPr>
-        <p:txBody>
-          <a:bodyPr/>
-          <a:lstStyle/>
-          <a:p>
-            <a:r>
-              <a:rPr lang="en-US" dirty="0"/>
-              <a:t>If all of the rows of a feature have the same value, it won’t be helpful in distinguishing. </a:t>
-            </a:r>
-          </a:p>
-          <a:p>
-            <a:pPr lvl="1"/>
-            <a:r>
-              <a:rPr lang="en-US" dirty="0"/>
-              <a:t>If the target changes, but this feature doesn’t, it can’t really be helping much. </a:t>
-            </a:r>
-          </a:p>
-          <a:p>
-            <a:r>
-              <a:rPr lang="en-US" dirty="0"/>
-              <a:t>For example:</a:t>
-            </a:r>
-          </a:p>
-          <a:p>
-            <a:pPr lvl="1"/>
-            <a:r>
-              <a:rPr lang="en-US" dirty="0"/>
-              <a:t>Suppose you were trying to predict US Supreme Court predictions and the ”college type attended” for each judge is a feature. 8/9 attended an Ivy League (Harvard or Yale). Knowing that a justice attended Ivy League won’t help distinguish predictions, since they all did. </a:t>
-            </a:r>
-          </a:p>
-          <a:p>
-            <a:r>
-              <a:rPr lang="en-US" dirty="0"/>
-              <a:t>This matters much more with small datasets, to reduce dimensionality. </a:t>
-            </a:r>
-          </a:p>
-          <a:p>
-            <a:pPr lvl="1"/>
-            <a:r>
-              <a:rPr lang="en-US" dirty="0"/>
-              <a:t>Assuming you have enough data, the low variance feature might matter a bunch, but only in a few scenarios, so keeping it would be better. </a:t>
-            </a:r>
-          </a:p>
-        </p:txBody>
-      </p:sp>
-    </p:spTree>
-    <p:extLst>
-      <p:ext uri="{BB962C8B-B14F-4D97-AF65-F5344CB8AC3E}">
-        <p14:creationId xmlns:p14="http://schemas.microsoft.com/office/powerpoint/2010/main" val="4217367356"/>
-      </p:ext>
-    </p:extLst>
-  </p:cSld>
-  <p:clrMapOvr>
-    <a:masterClrMapping/>
-  </p:clrMapOvr>
-</p:sld>
-</file>
-
-<file path=ppt/slides/slide12.xml><?xml version="1.0" encoding="utf-8"?>
-<p:sld xmlns:a="http://schemas.openxmlformats.org/drawingml/2006/main" xmlns:r="http://schemas.openxmlformats.org/officeDocument/2006/relationships" xmlns:p="http://schemas.openxmlformats.org/presentationml/2006/main">
-  <p:cSld>
-    <p:spTree>
-      <p:nvGrpSpPr>
-        <p:cNvPr id="1" name=""/>
-        <p:cNvGrpSpPr/>
-        <p:nvPr/>
-      </p:nvGrpSpPr>
-      <p:grpSpPr>
-        <a:xfrm>
-          <a:off x="0" y="0"/>
-          <a:ext cx="0" cy="0"/>
-          <a:chOff x="0" y="0"/>
-          <a:chExt cx="0" cy="0"/>
-        </a:xfrm>
-      </p:grpSpPr>
-      <p:sp>
-        <p:nvSpPr>
-          <p:cNvPr id="2" name="Title 1">
-            <a:extLst>
-              <a:ext uri="{FF2B5EF4-FFF2-40B4-BE49-F238E27FC236}">
-                <a16:creationId xmlns:a16="http://schemas.microsoft.com/office/drawing/2014/main" id="{0F45099C-D220-6640-A954-5231A62190D3}"/>
-              </a:ext>
-            </a:extLst>
-          </p:cNvPr>
-          <p:cNvSpPr>
-            <a:spLocks noGrp="1"/>
-          </p:cNvSpPr>
-          <p:nvPr>
-            <p:ph type="title"/>
-          </p:nvPr>
-        </p:nvSpPr>
-        <p:spPr/>
-        <p:txBody>
-          <a:bodyPr/>
-          <a:lstStyle/>
-          <a:p>
-            <a:r>
-              <a:rPr lang="en-US" dirty="0"/>
-              <a:t>Univariate Selection</a:t>
-            </a:r>
-          </a:p>
-        </p:txBody>
-      </p:sp>
-      <p:sp>
-        <p:nvSpPr>
-          <p:cNvPr id="3" name="Content Placeholder 2">
-            <a:extLst>
-              <a:ext uri="{FF2B5EF4-FFF2-40B4-BE49-F238E27FC236}">
-                <a16:creationId xmlns:a16="http://schemas.microsoft.com/office/drawing/2014/main" id="{D81A3263-ADD9-434D-AE47-675714C45D6F}"/>
-              </a:ext>
-            </a:extLst>
-          </p:cNvPr>
-          <p:cNvSpPr>
-            <a:spLocks noGrp="1"/>
-          </p:cNvSpPr>
-          <p:nvPr>
-            <p:ph idx="1"/>
-          </p:nvPr>
-        </p:nvSpPr>
-        <p:spPr>
-          <a:xfrm>
-            <a:off x="1451579" y="1853754"/>
-            <a:ext cx="9603275" cy="4199727"/>
-          </a:xfrm>
-        </p:spPr>
-        <p:txBody>
-          <a:bodyPr>
-            <a:normAutofit fontScale="92500" lnSpcReduction="10000"/>
-          </a:bodyPr>
-          <a:lstStyle/>
-          <a:p>
-            <a:r>
-              <a:rPr lang="en-US" dirty="0"/>
-              <a:t>Univariate selection looks at the characteristics of one variable at a time. </a:t>
-            </a:r>
-          </a:p>
-          <a:p>
-            <a:r>
-              <a:rPr lang="en-US" dirty="0"/>
-              <a:t>Based on correlation or a correlation-y metric – the more a feature is correlated with the target, the more likely it is to be predictive. </a:t>
-            </a:r>
-          </a:p>
-          <a:p>
-            <a:pPr lvl="1"/>
-            <a:r>
-              <a:rPr lang="en-US" dirty="0"/>
-              <a:t>The more X tells us about Y, the better the feature is. </a:t>
-            </a:r>
-          </a:p>
-          <a:p>
-            <a:r>
-              <a:rPr lang="en-US" dirty="0"/>
-              <a:t>Regression:</a:t>
-            </a:r>
-          </a:p>
-          <a:p>
-            <a:pPr lvl="1"/>
-            <a:r>
-              <a:rPr lang="en-US" dirty="0" err="1"/>
-              <a:t>F_regression</a:t>
-            </a:r>
-            <a:r>
-              <a:rPr lang="en-US" dirty="0"/>
-              <a:t> (correlation)</a:t>
-            </a:r>
-          </a:p>
-          <a:p>
-            <a:pPr lvl="1"/>
-            <a:r>
-              <a:rPr lang="en-US" dirty="0" err="1"/>
-              <a:t>Mutual_info_regression</a:t>
-            </a:r>
-            <a:r>
-              <a:rPr lang="en-US" dirty="0"/>
-              <a:t> (information gain)</a:t>
-            </a:r>
-          </a:p>
-          <a:p>
-            <a:r>
-              <a:rPr lang="en-US" dirty="0"/>
-              <a:t>Classification:</a:t>
-            </a:r>
-          </a:p>
-          <a:p>
-            <a:pPr lvl="1"/>
-            <a:r>
-              <a:rPr lang="en-US" dirty="0" err="1"/>
-              <a:t>F_classif</a:t>
-            </a:r>
-            <a:r>
-              <a:rPr lang="en-US" dirty="0"/>
-              <a:t> (ANOVA)</a:t>
-            </a:r>
-          </a:p>
-          <a:p>
-            <a:pPr lvl="1"/>
-            <a:r>
-              <a:rPr lang="en-US" dirty="0"/>
-              <a:t>Chi2 (~correlation)</a:t>
-            </a:r>
-          </a:p>
-          <a:p>
-            <a:pPr lvl="1"/>
-            <a:r>
-              <a:rPr lang="en-US" dirty="0" err="1"/>
-              <a:t>Mutual_info_classif</a:t>
-            </a:r>
-            <a:r>
-              <a:rPr lang="en-US" dirty="0"/>
-              <a:t> (information gain)</a:t>
-            </a:r>
-          </a:p>
-        </p:txBody>
-      </p:sp>
-    </p:spTree>
-    <p:extLst>
-      <p:ext uri="{BB962C8B-B14F-4D97-AF65-F5344CB8AC3E}">
-        <p14:creationId xmlns:p14="http://schemas.microsoft.com/office/powerpoint/2010/main" val="3177436137"/>
-      </p:ext>
-    </p:extLst>
-  </p:cSld>
-  <p:clrMapOvr>
-    <a:masterClrMapping/>
-  </p:clrMapOvr>
-</p:sld>
-</file>
-
 <file path=ppt/slides/slide13.xml><?xml version="1.0" encoding="utf-8"?>
 <p:sld xmlns:a="http://schemas.openxmlformats.org/drawingml/2006/main" xmlns:r="http://schemas.openxmlformats.org/officeDocument/2006/relationships" xmlns:p="http://schemas.openxmlformats.org/presentationml/2006/main">
   <p:cSld>
@@ -4310,6 +4611,400 @@
           <p:cNvPr id="2" name="Title 1">
             <a:extLst>
               <a:ext uri="{FF2B5EF4-FFF2-40B4-BE49-F238E27FC236}">
+                <a16:creationId xmlns:a16="http://schemas.microsoft.com/office/drawing/2014/main" id="{E82989D2-BB49-ECC3-D823-1BF90D0B2563}"/>
+              </a:ext>
+            </a:extLst>
+          </p:cNvPr>
+          <p:cNvSpPr>
+            <a:spLocks noGrp="1"/>
+          </p:cNvSpPr>
+          <p:nvPr>
+            <p:ph type="title"/>
+          </p:nvPr>
+        </p:nvSpPr>
+        <p:spPr>
+          <a:xfrm>
+            <a:off x="2897205" y="804519"/>
+            <a:ext cx="8157649" cy="1049235"/>
+          </a:xfrm>
+        </p:spPr>
+        <p:txBody>
+          <a:bodyPr/>
+          <a:lstStyle/>
+          <a:p>
+            <a:r>
+              <a:rPr lang="en-US" dirty="0"/>
+              <a:t>Variance Based Selection</a:t>
+            </a:r>
+          </a:p>
+        </p:txBody>
+      </p:sp>
+      <p:sp>
+        <p:nvSpPr>
+          <p:cNvPr id="3" name="Content Placeholder 2">
+            <a:extLst>
+              <a:ext uri="{FF2B5EF4-FFF2-40B4-BE49-F238E27FC236}">
+                <a16:creationId xmlns:a16="http://schemas.microsoft.com/office/drawing/2014/main" id="{9FD7D400-4107-CD9A-68B2-F16999A32474}"/>
+              </a:ext>
+            </a:extLst>
+          </p:cNvPr>
+          <p:cNvSpPr>
+            <a:spLocks noGrp="1"/>
+          </p:cNvSpPr>
+          <p:nvPr>
+            <p:ph idx="1"/>
+          </p:nvPr>
+        </p:nvSpPr>
+        <p:spPr>
+          <a:xfrm>
+            <a:off x="2897205" y="1928191"/>
+            <a:ext cx="9294795" cy="4125290"/>
+          </a:xfrm>
+        </p:spPr>
+        <p:txBody>
+          <a:bodyPr>
+            <a:normAutofit/>
+          </a:bodyPr>
+          <a:lstStyle/>
+          <a:p>
+            <a:r>
+              <a:rPr lang="en-US" dirty="0"/>
+              <a:t>If all of the rows of a feature have the same value, it won’t be helpful in distinguishing. </a:t>
+            </a:r>
+          </a:p>
+          <a:p>
+            <a:pPr lvl="1"/>
+            <a:r>
+              <a:rPr lang="en-US" dirty="0"/>
+              <a:t>If the target changes, but this feature doesn’t, it can’t really be helping much. </a:t>
+            </a:r>
+          </a:p>
+          <a:p>
+            <a:r>
+              <a:rPr lang="en-US" dirty="0"/>
+              <a:t>For example:</a:t>
+            </a:r>
+          </a:p>
+          <a:p>
+            <a:pPr lvl="1"/>
+            <a:r>
+              <a:rPr lang="en-US" dirty="0"/>
+              <a:t>Suppose you try to predict US Supreme Court predictions and the ”college type attended” for each judge is a feature. 8/9 attended an Ivy League (Harvard or Yale). Knowing that a justice attended Ivy League won’t help distinguish predictions, since they all did. </a:t>
+            </a:r>
+          </a:p>
+          <a:p>
+            <a:r>
+              <a:rPr lang="en-US" dirty="0"/>
+              <a:t>This matters much more with small datasets, to reduce dimensionality. </a:t>
+            </a:r>
+          </a:p>
+          <a:p>
+            <a:pPr lvl="1"/>
+            <a:r>
+              <a:rPr lang="en-US" dirty="0"/>
+              <a:t>Assuming you have enough data, the low variance feature might matter a bunch, but only in a few scenarios, so keeping it would be better. </a:t>
+            </a:r>
+          </a:p>
+        </p:txBody>
+      </p:sp>
+      <p:pic>
+        <p:nvPicPr>
+          <p:cNvPr id="1026" name="Picture 2" descr="standard deviation - Calculating the variance of the histogram of a  grayscale image - Cross Validated">
+            <a:extLst>
+              <a:ext uri="{FF2B5EF4-FFF2-40B4-BE49-F238E27FC236}">
+                <a16:creationId xmlns:a16="http://schemas.microsoft.com/office/drawing/2014/main" id="{682CCABA-9C73-3992-A0B7-4E002BDE037D}"/>
+              </a:ext>
+            </a:extLst>
+          </p:cNvPr>
+          <p:cNvPicPr>
+            <a:picLocks noChangeAspect="1" noChangeArrowheads="1"/>
+          </p:cNvPicPr>
+          <p:nvPr/>
+        </p:nvPicPr>
+        <p:blipFill rotWithShape="1">
+          <a:blip r:embed="rId2">
+            <a:extLst>
+              <a:ext uri="{28A0092B-C50C-407E-A947-70E740481C1C}">
+                <a14:useLocalDpi xmlns:a14="http://schemas.microsoft.com/office/drawing/2010/main" val="0"/>
+              </a:ext>
+            </a:extLst>
+          </a:blip>
+          <a:srcRect l="30503" t="15720" r="45078"/>
+          <a:stretch>
+            <a:fillRect/>
+          </a:stretch>
+        </p:blipFill>
+        <p:spPr bwMode="auto">
+          <a:xfrm>
+            <a:off x="0" y="404260"/>
+            <a:ext cx="2897205" cy="5779971"/>
+          </a:xfrm>
+          <a:prstGeom prst="rect">
+            <a:avLst/>
+          </a:prstGeom>
+          <a:noFill/>
+          <a:extLst>
+            <a:ext uri="{909E8E84-426E-40DD-AFC4-6F175D3DCCD1}">
+              <a14:hiddenFill xmlns:a14="http://schemas.microsoft.com/office/drawing/2010/main">
+                <a:solidFill>
+                  <a:srgbClr val="FFFFFF"/>
+                </a:solidFill>
+              </a14:hiddenFill>
+            </a:ext>
+          </a:extLst>
+        </p:spPr>
+      </p:pic>
+    </p:spTree>
+    <p:extLst>
+      <p:ext uri="{BB962C8B-B14F-4D97-AF65-F5344CB8AC3E}">
+        <p14:creationId xmlns:p14="http://schemas.microsoft.com/office/powerpoint/2010/main" val="4217367356"/>
+      </p:ext>
+    </p:extLst>
+  </p:cSld>
+  <p:clrMapOvr>
+    <a:masterClrMapping/>
+  </p:clrMapOvr>
+</p:sld>
+</file>
+
+<file path=ppt/slides/slide14.xml><?xml version="1.0" encoding="utf-8"?>
+<p:sld xmlns:a="http://schemas.openxmlformats.org/drawingml/2006/main" xmlns:r="http://schemas.openxmlformats.org/officeDocument/2006/relationships" xmlns:p="http://schemas.openxmlformats.org/presentationml/2006/main">
+  <p:cSld>
+    <p:spTree>
+      <p:nvGrpSpPr>
+        <p:cNvPr id="1" name=""/>
+        <p:cNvGrpSpPr/>
+        <p:nvPr/>
+      </p:nvGrpSpPr>
+      <p:grpSpPr>
+        <a:xfrm>
+          <a:off x="0" y="0"/>
+          <a:ext cx="0" cy="0"/>
+          <a:chOff x="0" y="0"/>
+          <a:chExt cx="0" cy="0"/>
+        </a:xfrm>
+      </p:grpSpPr>
+      <p:sp>
+        <p:nvSpPr>
+          <p:cNvPr id="2" name="Title 1">
+            <a:extLst>
+              <a:ext uri="{FF2B5EF4-FFF2-40B4-BE49-F238E27FC236}">
+                <a16:creationId xmlns:a16="http://schemas.microsoft.com/office/drawing/2014/main" id="{0F45099C-D220-6640-A954-5231A62190D3}"/>
+              </a:ext>
+            </a:extLst>
+          </p:cNvPr>
+          <p:cNvSpPr>
+            <a:spLocks noGrp="1"/>
+          </p:cNvSpPr>
+          <p:nvPr>
+            <p:ph type="title"/>
+          </p:nvPr>
+        </p:nvSpPr>
+        <p:spPr/>
+        <p:txBody>
+          <a:bodyPr/>
+          <a:lstStyle/>
+          <a:p>
+            <a:r>
+              <a:rPr lang="en-US" dirty="0"/>
+              <a:t>Univariate Selection</a:t>
+            </a:r>
+          </a:p>
+        </p:txBody>
+      </p:sp>
+      <p:sp>
+        <p:nvSpPr>
+          <p:cNvPr id="3" name="Content Placeholder 2">
+            <a:extLst>
+              <a:ext uri="{FF2B5EF4-FFF2-40B4-BE49-F238E27FC236}">
+                <a16:creationId xmlns:a16="http://schemas.microsoft.com/office/drawing/2014/main" id="{D81A3263-ADD9-434D-AE47-675714C45D6F}"/>
+              </a:ext>
+            </a:extLst>
+          </p:cNvPr>
+          <p:cNvSpPr>
+            <a:spLocks noGrp="1"/>
+          </p:cNvSpPr>
+          <p:nvPr>
+            <p:ph idx="1"/>
+          </p:nvPr>
+        </p:nvSpPr>
+        <p:spPr>
+          <a:xfrm>
+            <a:off x="1451579" y="1853754"/>
+            <a:ext cx="9603275" cy="4199727"/>
+          </a:xfrm>
+        </p:spPr>
+        <p:txBody>
+          <a:bodyPr>
+            <a:normAutofit fontScale="92500" lnSpcReduction="10000"/>
+          </a:bodyPr>
+          <a:lstStyle/>
+          <a:p>
+            <a:r>
+              <a:rPr lang="en-US" dirty="0"/>
+              <a:t>Univariate selection looks at the characteristics of one variable (and target) at a time. </a:t>
+            </a:r>
+          </a:p>
+          <a:p>
+            <a:r>
+              <a:rPr lang="en-US" dirty="0"/>
+              <a:t>Based on correlation or a correlation-y metric – the more a feature is correlated with the target, the more likely it is to be predictive. </a:t>
+            </a:r>
+          </a:p>
+          <a:p>
+            <a:pPr lvl="1"/>
+            <a:r>
+              <a:rPr lang="en-US" dirty="0"/>
+              <a:t>The more X tells us about Y, the better the feature is. </a:t>
+            </a:r>
+          </a:p>
+          <a:p>
+            <a:r>
+              <a:rPr lang="en-US" dirty="0"/>
+              <a:t>Regression:</a:t>
+            </a:r>
+          </a:p>
+          <a:p>
+            <a:pPr lvl="1"/>
+            <a:r>
+              <a:rPr lang="en-US" dirty="0" err="1"/>
+              <a:t>F_regression</a:t>
+            </a:r>
+            <a:r>
+              <a:rPr lang="en-US" dirty="0"/>
+              <a:t> (correlation)</a:t>
+            </a:r>
+          </a:p>
+          <a:p>
+            <a:pPr lvl="1"/>
+            <a:r>
+              <a:rPr lang="en-US" dirty="0" err="1"/>
+              <a:t>Mutual_info_regression</a:t>
+            </a:r>
+            <a:r>
+              <a:rPr lang="en-US" dirty="0"/>
+              <a:t> (information gain)</a:t>
+            </a:r>
+          </a:p>
+          <a:p>
+            <a:r>
+              <a:rPr lang="en-US" dirty="0"/>
+              <a:t>Classification:</a:t>
+            </a:r>
+          </a:p>
+          <a:p>
+            <a:pPr lvl="1"/>
+            <a:r>
+              <a:rPr lang="en-US" dirty="0" err="1"/>
+              <a:t>F_classif</a:t>
+            </a:r>
+            <a:r>
+              <a:rPr lang="en-US" dirty="0"/>
+              <a:t> (ANOVA)</a:t>
+            </a:r>
+          </a:p>
+          <a:p>
+            <a:pPr lvl="1"/>
+            <a:r>
+              <a:rPr lang="en-US" dirty="0"/>
+              <a:t>Chi2 (~correlation)</a:t>
+            </a:r>
+          </a:p>
+          <a:p>
+            <a:pPr lvl="1"/>
+            <a:r>
+              <a:rPr lang="en-US" dirty="0" err="1"/>
+              <a:t>Mutual_info_classif</a:t>
+            </a:r>
+            <a:r>
+              <a:rPr lang="en-US" dirty="0"/>
+              <a:t> (information gain)</a:t>
+            </a:r>
+          </a:p>
+        </p:txBody>
+      </p:sp>
+      <p:pic>
+        <p:nvPicPr>
+          <p:cNvPr id="2050" name="Picture 2" descr="Feature Correlation — Yellowbrick v1.5 documentation">
+            <a:extLst>
+              <a:ext uri="{FF2B5EF4-FFF2-40B4-BE49-F238E27FC236}">
+                <a16:creationId xmlns:a16="http://schemas.microsoft.com/office/drawing/2014/main" id="{50F1D4E3-3007-A256-B364-80AD6EE788D6}"/>
+              </a:ext>
+            </a:extLst>
+          </p:cNvPr>
+          <p:cNvPicPr>
+            <a:picLocks noChangeAspect="1" noChangeArrowheads="1"/>
+          </p:cNvPicPr>
+          <p:nvPr/>
+        </p:nvPicPr>
+        <p:blipFill>
+          <a:blip r:embed="rId2">
+            <a:extLst>
+              <a:ext uri="{28A0092B-C50C-407E-A947-70E740481C1C}">
+                <a14:useLocalDpi xmlns:a14="http://schemas.microsoft.com/office/drawing/2010/main" val="0"/>
+              </a:ext>
+            </a:extLst>
+          </a:blip>
+          <a:srcRect/>
+          <a:stretch>
+            <a:fillRect/>
+          </a:stretch>
+        </p:blipFill>
+        <p:spPr bwMode="auto">
+          <a:xfrm>
+            <a:off x="7401350" y="2820201"/>
+            <a:ext cx="4702953" cy="3233280"/>
+          </a:xfrm>
+          <a:prstGeom prst="rect">
+            <a:avLst/>
+          </a:prstGeom>
+          <a:noFill/>
+          <a:extLst>
+            <a:ext uri="{909E8E84-426E-40DD-AFC4-6F175D3DCCD1}">
+              <a14:hiddenFill xmlns:a14="http://schemas.microsoft.com/office/drawing/2010/main">
+                <a:solidFill>
+                  <a:srgbClr val="FFFFFF"/>
+                </a:solidFill>
+              </a14:hiddenFill>
+            </a:ext>
+          </a:extLst>
+        </p:spPr>
+      </p:pic>
+    </p:spTree>
+    <p:extLst>
+      <p:ext uri="{BB962C8B-B14F-4D97-AF65-F5344CB8AC3E}">
+        <p14:creationId xmlns:p14="http://schemas.microsoft.com/office/powerpoint/2010/main" val="3177436137"/>
+      </p:ext>
+    </p:extLst>
+  </p:cSld>
+  <p:clrMapOvr>
+    <a:masterClrMapping/>
+  </p:clrMapOvr>
+</p:sld>
+</file>
+
+<file path=ppt/slides/slide15.xml><?xml version="1.0" encoding="utf-8"?>
+<p:sld xmlns:a="http://schemas.openxmlformats.org/drawingml/2006/main" xmlns:r="http://schemas.openxmlformats.org/officeDocument/2006/relationships" xmlns:p="http://schemas.openxmlformats.org/presentationml/2006/main">
+  <p:cSld>
+    <p:spTree>
+      <p:nvGrpSpPr>
+        <p:cNvPr id="1" name=""/>
+        <p:cNvGrpSpPr/>
+        <p:nvPr/>
+      </p:nvGrpSpPr>
+      <p:grpSpPr>
+        <a:xfrm>
+          <a:off x="0" y="0"/>
+          <a:ext cx="0" cy="0"/>
+          <a:chOff x="0" y="0"/>
+          <a:chExt cx="0" cy="0"/>
+        </a:xfrm>
+      </p:grpSpPr>
+      <p:sp>
+        <p:nvSpPr>
+          <p:cNvPr id="2" name="Title 1">
+            <a:extLst>
+              <a:ext uri="{FF2B5EF4-FFF2-40B4-BE49-F238E27FC236}">
                 <a16:creationId xmlns:a16="http://schemas.microsoft.com/office/drawing/2014/main" id="{1E1B38B9-B551-924B-B4DA-B77F34204A13}"/>
               </a:ext>
             </a:extLst>
@@ -4422,7 +5117,7 @@
 </p:sld>
 </file>
 
-<file path=ppt/slides/slide14.xml><?xml version="1.0" encoding="utf-8"?>
+<file path=ppt/slides/slide16.xml><?xml version="1.0" encoding="utf-8"?>
 <p:sld xmlns:a="http://schemas.openxmlformats.org/drawingml/2006/main" xmlns:r="http://schemas.openxmlformats.org/officeDocument/2006/relationships" xmlns:p="http://schemas.openxmlformats.org/presentationml/2006/main">
   <p:cSld>
     <p:spTree>
@@ -4851,7 +5546,7 @@
 </p:sld>
 </file>
 
-<file path=ppt/slides/slide15.xml><?xml version="1.0" encoding="utf-8"?>
+<file path=ppt/slides/slide17.xml><?xml version="1.0" encoding="utf-8"?>
 <p:sld xmlns:a="http://schemas.openxmlformats.org/drawingml/2006/main" xmlns:r="http://schemas.openxmlformats.org/officeDocument/2006/relationships" xmlns:p="http://schemas.openxmlformats.org/presentationml/2006/main">
   <p:cSld>
     <p:spTree>
@@ -4989,7 +5684,7 @@
 </p:sld>
 </file>
 
-<file path=ppt/slides/slide16.xml><?xml version="1.0" encoding="utf-8"?>
+<file path=ppt/slides/slide18.xml><?xml version="1.0" encoding="utf-8"?>
 <p:sld xmlns:a="http://schemas.openxmlformats.org/drawingml/2006/main" xmlns:r="http://schemas.openxmlformats.org/officeDocument/2006/relationships" xmlns:p="http://schemas.openxmlformats.org/presentationml/2006/main">
   <p:cSld>
     <p:spTree>
@@ -5011,6 +5706,133 @@
           <p:cNvPr id="2" name="Title 1">
             <a:extLst>
               <a:ext uri="{FF2B5EF4-FFF2-40B4-BE49-F238E27FC236}">
+                <a16:creationId xmlns:a16="http://schemas.microsoft.com/office/drawing/2014/main" id="{071E6085-D3AD-EA37-B436-7E086214B936}"/>
+              </a:ext>
+            </a:extLst>
+          </p:cNvPr>
+          <p:cNvSpPr>
+            <a:spLocks noGrp="1"/>
+          </p:cNvSpPr>
+          <p:nvPr>
+            <p:ph type="title"/>
+          </p:nvPr>
+        </p:nvSpPr>
+        <p:spPr/>
+        <p:txBody>
+          <a:bodyPr/>
+          <a:lstStyle/>
+          <a:p>
+            <a:endParaRPr lang="en-US"/>
+          </a:p>
+        </p:txBody>
+      </p:sp>
+      <p:sp>
+        <p:nvSpPr>
+          <p:cNvPr id="3" name="Content Placeholder 2">
+            <a:extLst>
+              <a:ext uri="{FF2B5EF4-FFF2-40B4-BE49-F238E27FC236}">
+                <a16:creationId xmlns:a16="http://schemas.microsoft.com/office/drawing/2014/main" id="{57BA5AED-94D9-CE3F-B0B2-4202EA5072D9}"/>
+              </a:ext>
+            </a:extLst>
+          </p:cNvPr>
+          <p:cNvSpPr>
+            <a:spLocks noGrp="1"/>
+          </p:cNvSpPr>
+          <p:nvPr>
+            <p:ph idx="1"/>
+          </p:nvPr>
+        </p:nvSpPr>
+        <p:spPr/>
+        <p:txBody>
+          <a:bodyPr/>
+          <a:lstStyle/>
+          <a:p>
+            <a:endParaRPr lang="en-US"/>
+          </a:p>
+        </p:txBody>
+      </p:sp>
+      <p:pic>
+        <p:nvPicPr>
+          <p:cNvPr id="3074" name="Picture 2" descr="The flowchart of recursive feature elimination with cross-validation... |  Download Scientific Diagram">
+            <a:extLst>
+              <a:ext uri="{FF2B5EF4-FFF2-40B4-BE49-F238E27FC236}">
+                <a16:creationId xmlns:a16="http://schemas.microsoft.com/office/drawing/2014/main" id="{5F5C86B3-462A-80E5-3D78-7EEE870D05B9}"/>
+              </a:ext>
+            </a:extLst>
+          </p:cNvPr>
+          <p:cNvPicPr>
+            <a:picLocks noChangeAspect="1" noChangeArrowheads="1"/>
+          </p:cNvPicPr>
+          <p:nvPr/>
+        </p:nvPicPr>
+        <p:blipFill>
+          <a:blip r:embed="rId2">
+            <a:extLst>
+              <a:ext uri="{28A0092B-C50C-407E-A947-70E740481C1C}">
+                <a14:useLocalDpi xmlns:a14="http://schemas.microsoft.com/office/drawing/2010/main" val="0"/>
+              </a:ext>
+            </a:extLst>
+          </a:blip>
+          <a:srcRect/>
+          <a:stretch>
+            <a:fillRect/>
+          </a:stretch>
+        </p:blipFill>
+        <p:spPr bwMode="auto">
+          <a:xfrm>
+            <a:off x="3633788" y="0"/>
+            <a:ext cx="4922837" cy="6858000"/>
+          </a:xfrm>
+          <a:prstGeom prst="rect">
+            <a:avLst/>
+          </a:prstGeom>
+          <a:noFill/>
+          <a:extLst>
+            <a:ext uri="{909E8E84-426E-40DD-AFC4-6F175D3DCCD1}">
+              <a14:hiddenFill xmlns:a14="http://schemas.microsoft.com/office/drawing/2010/main">
+                <a:solidFill>
+                  <a:srgbClr val="FFFFFF"/>
+                </a:solidFill>
+              </a14:hiddenFill>
+            </a:ext>
+          </a:extLst>
+        </p:spPr>
+      </p:pic>
+    </p:spTree>
+    <p:extLst>
+      <p:ext uri="{BB962C8B-B14F-4D97-AF65-F5344CB8AC3E}">
+        <p14:creationId xmlns:p14="http://schemas.microsoft.com/office/powerpoint/2010/main" val="3779731533"/>
+      </p:ext>
+    </p:extLst>
+  </p:cSld>
+  <p:clrMapOvr>
+    <a:masterClrMapping/>
+  </p:clrMapOvr>
+</p:sld>
+</file>
+
+<file path=ppt/slides/slide19.xml><?xml version="1.0" encoding="utf-8"?>
+<p:sld xmlns:a="http://schemas.openxmlformats.org/drawingml/2006/main" xmlns:r="http://schemas.openxmlformats.org/officeDocument/2006/relationships" xmlns:p="http://schemas.openxmlformats.org/presentationml/2006/main">
+  <p:cSld>
+    <p:spTree>
+      <p:nvGrpSpPr>
+        <p:cNvPr id="1" name=""/>
+        <p:cNvGrpSpPr/>
+        <p:nvPr/>
+      </p:nvGrpSpPr>
+      <p:grpSpPr>
+        <a:xfrm>
+          <a:off x="0" y="0"/>
+          <a:ext cx="0" cy="0"/>
+          <a:chOff x="0" y="0"/>
+          <a:chExt cx="0" cy="0"/>
+        </a:xfrm>
+      </p:grpSpPr>
+      <p:sp>
+        <p:nvSpPr>
+          <p:cNvPr id="2" name="Title 1">
+            <a:extLst>
+              <a:ext uri="{FF2B5EF4-FFF2-40B4-BE49-F238E27FC236}">
                 <a16:creationId xmlns:a16="http://schemas.microsoft.com/office/drawing/2014/main" id="{F1295A92-63A5-CED6-DCFC-B697FB80B1BD}"/>
               </a:ext>
             </a:extLst>
@@ -5063,6 +5885,13 @@
             <a:r>
               <a:rPr lang="en-US" dirty="0"/>
               <a:t>There’s a handful of other ways to select features that are less common. </a:t>
+            </a:r>
+          </a:p>
+          <a:p>
+            <a:pPr lvl="1"/>
+            <a:r>
+              <a:rPr lang="en-US" dirty="0"/>
+              <a:t>Don’t memorize this stuff. </a:t>
             </a:r>
           </a:p>
           <a:p>
@@ -5107,7 +5936,90 @@
 </p:sld>
 </file>
 
-<file path=ppt/slides/slide17.xml><?xml version="1.0" encoding="utf-8"?>
+<file path=ppt/slides/slide2.xml><?xml version="1.0" encoding="utf-8"?>
+<p:sld xmlns:a="http://schemas.openxmlformats.org/drawingml/2006/main" xmlns:r="http://schemas.openxmlformats.org/officeDocument/2006/relationships" xmlns:p="http://schemas.openxmlformats.org/presentationml/2006/main">
+  <p:cSld>
+    <p:spTree>
+      <p:nvGrpSpPr>
+        <p:cNvPr id="1" name=""/>
+        <p:cNvGrpSpPr/>
+        <p:nvPr/>
+      </p:nvGrpSpPr>
+      <p:grpSpPr>
+        <a:xfrm>
+          <a:off x="0" y="0"/>
+          <a:ext cx="0" cy="0"/>
+          <a:chOff x="0" y="0"/>
+          <a:chExt cx="0" cy="0"/>
+        </a:xfrm>
+      </p:grpSpPr>
+      <p:sp>
+        <p:nvSpPr>
+          <p:cNvPr id="2" name="Title 1">
+            <a:extLst>
+              <a:ext uri="{FF2B5EF4-FFF2-40B4-BE49-F238E27FC236}">
+                <a16:creationId xmlns:a16="http://schemas.microsoft.com/office/drawing/2014/main" id="{4479753A-2A8C-F149-8035-FB4E6ADA2349}"/>
+              </a:ext>
+            </a:extLst>
+          </p:cNvPr>
+          <p:cNvSpPr>
+            <a:spLocks noGrp="1"/>
+          </p:cNvSpPr>
+          <p:nvPr>
+            <p:ph type="ctrTitle"/>
+          </p:nvPr>
+        </p:nvSpPr>
+        <p:spPr/>
+        <p:txBody>
+          <a:bodyPr/>
+          <a:lstStyle/>
+          <a:p>
+            <a:r>
+              <a:rPr lang="en-US" dirty="0"/>
+              <a:t>Feature Selection</a:t>
+            </a:r>
+          </a:p>
+        </p:txBody>
+      </p:sp>
+      <p:sp>
+        <p:nvSpPr>
+          <p:cNvPr id="3" name="Subtitle 2">
+            <a:extLst>
+              <a:ext uri="{FF2B5EF4-FFF2-40B4-BE49-F238E27FC236}">
+                <a16:creationId xmlns:a16="http://schemas.microsoft.com/office/drawing/2014/main" id="{6EDDED44-6CBD-694F-83C3-CECD1E53689E}"/>
+              </a:ext>
+            </a:extLst>
+          </p:cNvPr>
+          <p:cNvSpPr>
+            <a:spLocks noGrp="1"/>
+          </p:cNvSpPr>
+          <p:nvPr>
+            <p:ph type="subTitle" idx="1"/>
+          </p:nvPr>
+        </p:nvSpPr>
+        <p:spPr/>
+        <p:txBody>
+          <a:bodyPr/>
+          <a:lstStyle/>
+          <a:p>
+            <a:endParaRPr lang="en-US"/>
+          </a:p>
+        </p:txBody>
+      </p:sp>
+    </p:spTree>
+    <p:extLst>
+      <p:ext uri="{BB962C8B-B14F-4D97-AF65-F5344CB8AC3E}">
+        <p14:creationId xmlns:p14="http://schemas.microsoft.com/office/powerpoint/2010/main" val="844244035"/>
+      </p:ext>
+    </p:extLst>
+  </p:cSld>
+  <p:clrMapOvr>
+    <a:masterClrMapping/>
+  </p:clrMapOvr>
+</p:sld>
+</file>
+
+<file path=ppt/slides/slide20.xml><?xml version="1.0" encoding="utf-8"?>
 <p:sld xmlns:a="http://schemas.openxmlformats.org/drawingml/2006/main" xmlns:r="http://schemas.openxmlformats.org/officeDocument/2006/relationships" xmlns:p="http://schemas.openxmlformats.org/presentationml/2006/main">
   <p:cSld>
     <p:bg>
@@ -5563,7 +6475,7 @@
 </p:sld>
 </file>
 
-<file path=ppt/slides/slide18.xml><?xml version="1.0" encoding="utf-8"?>
+<file path=ppt/slides/slide21.xml><?xml version="1.0" encoding="utf-8"?>
 <p:sld xmlns:a="http://schemas.openxmlformats.org/drawingml/2006/main" xmlns:r="http://schemas.openxmlformats.org/officeDocument/2006/relationships" xmlns:p="http://schemas.openxmlformats.org/presentationml/2006/main">
   <p:cSld>
     <p:spTree>
@@ -5733,7 +6645,7 @@
 </p:sld>
 </file>
 
-<file path=ppt/slides/slide19.xml><?xml version="1.0" encoding="utf-8"?>
+<file path=ppt/slides/slide22.xml><?xml version="1.0" encoding="utf-8"?>
 <p:sld xmlns:a="http://schemas.openxmlformats.org/drawingml/2006/main" xmlns:r="http://schemas.openxmlformats.org/officeDocument/2006/relationships" xmlns:p="http://schemas.openxmlformats.org/presentationml/2006/main">
   <p:cSld>
     <p:spTree>
@@ -5755,7 +6667,7 @@
           <p:cNvPr id="2" name="Title 1">
             <a:extLst>
               <a:ext uri="{FF2B5EF4-FFF2-40B4-BE49-F238E27FC236}">
-                <a16:creationId xmlns:a16="http://schemas.microsoft.com/office/drawing/2014/main" id="{42B6E3C1-5B20-D524-8B03-2C9E50076095}"/>
+                <a16:creationId xmlns:a16="http://schemas.microsoft.com/office/drawing/2014/main" id="{65D5BC61-74C0-D8DB-21FC-4D58523C8D00}"/>
               </a:ext>
             </a:extLst>
           </p:cNvPr>
@@ -5773,7 +6685,7 @@
           <a:p>
             <a:r>
               <a:rPr lang="en-US" dirty="0"/>
-              <a:t>Feature Selection’s Buddies</a:t>
+              <a:t>So…</a:t>
             </a:r>
           </a:p>
         </p:txBody>
@@ -5783,7 +6695,7 @@
           <p:cNvPr id="3" name="Content Placeholder 2">
             <a:extLst>
               <a:ext uri="{FF2B5EF4-FFF2-40B4-BE49-F238E27FC236}">
-                <a16:creationId xmlns:a16="http://schemas.microsoft.com/office/drawing/2014/main" id="{57DC8E8B-57F3-C18E-4EA1-CDDEBA73389B}"/>
+                <a16:creationId xmlns:a16="http://schemas.microsoft.com/office/drawing/2014/main" id="{8BFC246F-491C-D9C4-8B84-5A1060772B6E}"/>
               </a:ext>
             </a:extLst>
           </p:cNvPr>
@@ -5796,68 +6708,61 @@
         </p:nvSpPr>
         <p:spPr>
           <a:xfrm>
-            <a:off x="1451579" y="1853755"/>
-            <a:ext cx="9603275" cy="4199726"/>
+            <a:off x="1451579" y="1853754"/>
+            <a:ext cx="9603275" cy="4199727"/>
           </a:xfrm>
         </p:spPr>
         <p:txBody>
-          <a:bodyPr>
-            <a:normAutofit/>
-          </a:bodyPr>
-          <a:lstStyle/>
-          <a:p>
-            <a:r>
-              <a:rPr lang="en-US" dirty="0"/>
-              <a:t>PCA – extracts portions of the “value” from each feature, composed into new features. </a:t>
-            </a:r>
-          </a:p>
-          <a:p>
-            <a:pPr lvl="1"/>
-            <a:r>
-              <a:rPr lang="en-US" dirty="0"/>
-              <a:t>Not feature selection as none of the features actually goes away in the same sense. </a:t>
-            </a:r>
-          </a:p>
-          <a:p>
-            <a:pPr lvl="1"/>
-            <a:r>
-              <a:rPr lang="en-US" dirty="0"/>
-              <a:t>Can provide many of the same benefits, or better. E.g. example with pixels. </a:t>
-            </a:r>
-          </a:p>
-          <a:p>
-            <a:r>
-              <a:rPr lang="en-US" dirty="0"/>
-              <a:t>Bigger/better models – large models, like NNs, learn feature selection given enough data. </a:t>
-            </a:r>
-          </a:p>
-          <a:p>
-            <a:pPr lvl="1"/>
-            <a:r>
-              <a:rPr lang="en-US" dirty="0"/>
-              <a:t>Complex scenarios may allow the model to learn this better than is possible with this stuff. </a:t>
-            </a:r>
-          </a:p>
-          <a:p>
-            <a:pPr lvl="1"/>
-            <a:r>
-              <a:rPr lang="en-US" dirty="0"/>
-              <a:t>The model can learn the importance of features, and even different representations of them. </a:t>
-            </a:r>
-          </a:p>
-          <a:p>
-            <a:pPr lvl="1"/>
-            <a:r>
-              <a:rPr lang="en-US" dirty="0"/>
-              <a:t>In high-dimension things (generative, image rec., NLP, </a:t>
-            </a:r>
-            <a:r>
-              <a:rPr lang="en-US" dirty="0" err="1"/>
-              <a:t>etc</a:t>
-            </a:r>
-            <a:r>
-              <a:rPr lang="en-US" dirty="0"/>
-              <a:t>…) each feature tends to not have a specific value that someone can evaluate manually – a pixel or part of a sound wave doesn’t have the relationship to a target that “income” or “age” do. A large model with large data is basically able to figure these complex relationships out – we can’t really do it up front. </a:t>
+          <a:bodyPr/>
+          <a:lstStyle/>
+          <a:p>
+            <a:r>
+              <a:rPr lang="en-US" dirty="0"/>
+              <a:t>Performing feature selection will rarely, if ever, make large accuracy differences. </a:t>
+            </a:r>
+          </a:p>
+          <a:p>
+            <a:pPr lvl="1"/>
+            <a:r>
+              <a:rPr lang="en-US" dirty="0"/>
+              <a:t>That requires ensuring a model that fits well. </a:t>
+            </a:r>
+          </a:p>
+          <a:p>
+            <a:r>
+              <a:rPr lang="en-US" dirty="0"/>
+              <a:t>More features are theoretically better for peak accuracy, as long as they are relevant. </a:t>
+            </a:r>
+          </a:p>
+          <a:p>
+            <a:r>
+              <a:rPr lang="en-US" dirty="0"/>
+              <a:t>To ‘use’ the info in larger numbers of features we need more complex models. </a:t>
+            </a:r>
+          </a:p>
+          <a:p>
+            <a:r>
+              <a:rPr lang="en-US" dirty="0"/>
+              <a:t>To constrain overfitting with complex models, we need lots of data. </a:t>
+            </a:r>
+          </a:p>
+          <a:p>
+            <a:r>
+              <a:rPr lang="en-US" dirty="0"/>
+              <a:t>We’re mostly doing things for learning/experience, so we tend to pursue accuracy. </a:t>
+            </a:r>
+          </a:p>
+          <a:p>
+            <a:r>
+              <a:rPr lang="en-US" dirty="0"/>
+              <a:t>In reality, many/most scenarios we want the simplest thing that does the job. </a:t>
+            </a:r>
+          </a:p>
+          <a:p>
+            <a:pPr lvl="1"/>
+            <a:r>
+              <a:rPr lang="en-US" dirty="0"/>
+              <a:t>The degree of accuracy that matters might not be the maximum, if there’s tradeoffs. </a:t>
             </a:r>
           </a:p>
         </p:txBody>
@@ -5865,7 +6770,7 @@
     </p:spTree>
     <p:extLst>
       <p:ext uri="{BB962C8B-B14F-4D97-AF65-F5344CB8AC3E}">
-        <p14:creationId xmlns:p14="http://schemas.microsoft.com/office/powerpoint/2010/main" val="2609040331"/>
+        <p14:creationId xmlns:p14="http://schemas.microsoft.com/office/powerpoint/2010/main" val="2646316890"/>
       </p:ext>
     </p:extLst>
   </p:cSld>
@@ -5875,7 +6780,7 @@
 </p:sld>
 </file>
 
-<file path=ppt/slides/slide2.xml><?xml version="1.0" encoding="utf-8"?>
+<file path=ppt/slides/slide23.xml><?xml version="1.0" encoding="utf-8"?>
 <p:sld xmlns:a="http://schemas.openxmlformats.org/drawingml/2006/main" xmlns:r="http://schemas.openxmlformats.org/officeDocument/2006/relationships" xmlns:p="http://schemas.openxmlformats.org/presentationml/2006/main">
   <p:cSld>
     <p:spTree>
@@ -5897,7 +6802,7 @@
           <p:cNvPr id="2" name="Title 1">
             <a:extLst>
               <a:ext uri="{FF2B5EF4-FFF2-40B4-BE49-F238E27FC236}">
-                <a16:creationId xmlns:a16="http://schemas.microsoft.com/office/drawing/2014/main" id="{4479753A-2A8C-F149-8035-FB4E6ADA2349}"/>
+                <a16:creationId xmlns:a16="http://schemas.microsoft.com/office/drawing/2014/main" id="{42B6E3C1-5B20-D524-8B03-2C9E50076095}"/>
               </a:ext>
             </a:extLst>
           </p:cNvPr>
@@ -5905,7 +6810,7 @@
             <a:spLocks noGrp="1"/>
           </p:cNvSpPr>
           <p:nvPr>
-            <p:ph type="ctrTitle"/>
+            <p:ph type="title"/>
           </p:nvPr>
         </p:nvSpPr>
         <p:spPr/>
@@ -5915,17 +6820,17 @@
           <a:p>
             <a:r>
               <a:rPr lang="en-US" dirty="0"/>
-              <a:t>Feature Selection</a:t>
-            </a:r>
-          </a:p>
-        </p:txBody>
-      </p:sp>
-      <p:sp>
-        <p:nvSpPr>
-          <p:cNvPr id="3" name="Subtitle 2">
+              <a:t>Feature Selection’s Buddies</a:t>
+            </a:r>
+          </a:p>
+        </p:txBody>
+      </p:sp>
+      <p:sp>
+        <p:nvSpPr>
+          <p:cNvPr id="3" name="Content Placeholder 2">
             <a:extLst>
               <a:ext uri="{FF2B5EF4-FFF2-40B4-BE49-F238E27FC236}">
-                <a16:creationId xmlns:a16="http://schemas.microsoft.com/office/drawing/2014/main" id="{6EDDED44-6CBD-694F-83C3-CECD1E53689E}"/>
+                <a16:creationId xmlns:a16="http://schemas.microsoft.com/office/drawing/2014/main" id="{57DC8E8B-57F3-C18E-4EA1-CDDEBA73389B}"/>
               </a:ext>
             </a:extLst>
           </p:cNvPr>
@@ -5933,22 +6838,81 @@
             <a:spLocks noGrp="1"/>
           </p:cNvSpPr>
           <p:nvPr>
-            <p:ph type="subTitle" idx="1"/>
-          </p:nvPr>
-        </p:nvSpPr>
-        <p:spPr/>
-        <p:txBody>
-          <a:bodyPr/>
-          <a:lstStyle/>
-          <a:p>
-            <a:endParaRPr lang="en-US"/>
+            <p:ph idx="1"/>
+          </p:nvPr>
+        </p:nvSpPr>
+        <p:spPr>
+          <a:xfrm>
+            <a:off x="1451579" y="1853755"/>
+            <a:ext cx="9603275" cy="4199726"/>
+          </a:xfrm>
+        </p:spPr>
+        <p:txBody>
+          <a:bodyPr>
+            <a:normAutofit/>
+          </a:bodyPr>
+          <a:lstStyle/>
+          <a:p>
+            <a:r>
+              <a:rPr lang="en-US" dirty="0"/>
+              <a:t>PCA – extracts portions of the “value” from each feature, composed into new features. </a:t>
+            </a:r>
+          </a:p>
+          <a:p>
+            <a:pPr lvl="1"/>
+            <a:r>
+              <a:rPr lang="en-US" dirty="0"/>
+              <a:t>Not feature selection as none of the features actually goes away in the same sense. </a:t>
+            </a:r>
+          </a:p>
+          <a:p>
+            <a:pPr lvl="1"/>
+            <a:r>
+              <a:rPr lang="en-US" dirty="0"/>
+              <a:t>Can provide many of the same benefits, or better. E.g. example with pixels. </a:t>
+            </a:r>
+          </a:p>
+          <a:p>
+            <a:r>
+              <a:rPr lang="en-US" dirty="0"/>
+              <a:t>Bigger/better models – large models, like NNs, learn feature selection given enough data. </a:t>
+            </a:r>
+          </a:p>
+          <a:p>
+            <a:pPr lvl="1"/>
+            <a:r>
+              <a:rPr lang="en-US" dirty="0"/>
+              <a:t>Complex scenarios may allow the model to learn this better than is possible with this stuff. </a:t>
+            </a:r>
+          </a:p>
+          <a:p>
+            <a:pPr lvl="1"/>
+            <a:r>
+              <a:rPr lang="en-US" dirty="0"/>
+              <a:t>The model can learn the importance of features, and even different representations of them. </a:t>
+            </a:r>
+          </a:p>
+          <a:p>
+            <a:pPr lvl="1"/>
+            <a:r>
+              <a:rPr lang="en-US" dirty="0"/>
+              <a:t>In high-dimension things (generative, image rec., NLP, </a:t>
+            </a:r>
+            <a:r>
+              <a:rPr lang="en-US" dirty="0" err="1"/>
+              <a:t>etc</a:t>
+            </a:r>
+            <a:r>
+              <a:rPr lang="en-US" dirty="0"/>
+              <a:t>…) each feature tends to not have a specific value that someone can evaluate manually – a pixel or part of a sound wave doesn’t have the relationship to a target that “income” or “age” do. A large model with large data is basically able to figure these complex relationships out – we can’t really do it up front. </a:t>
+            </a:r>
           </a:p>
         </p:txBody>
       </p:sp>
     </p:spTree>
     <p:extLst>
       <p:ext uri="{BB962C8B-B14F-4D97-AF65-F5344CB8AC3E}">
-        <p14:creationId xmlns:p14="http://schemas.microsoft.com/office/powerpoint/2010/main" val="844244035"/>
+        <p14:creationId xmlns:p14="http://schemas.microsoft.com/office/powerpoint/2010/main" val="2609040331"/>
       </p:ext>
     </p:extLst>
   </p:cSld>
@@ -5958,7 +6922,7 @@
 </p:sld>
 </file>
 
-<file path=ppt/slides/slide20.xml><?xml version="1.0" encoding="utf-8"?>
+<file path=ppt/slides/slide24.xml><?xml version="1.0" encoding="utf-8"?>
 <p:sld xmlns:a="http://schemas.openxmlformats.org/drawingml/2006/main" xmlns:r="http://schemas.openxmlformats.org/officeDocument/2006/relationships" xmlns:p="http://schemas.openxmlformats.org/presentationml/2006/main">
   <p:cSld>
     <p:spTree>
@@ -7025,30 +7989,6 @@
 <file path=ppt/slides/slide8.xml><?xml version="1.0" encoding="utf-8"?>
 <p:sld xmlns:a="http://schemas.openxmlformats.org/drawingml/2006/main" xmlns:r="http://schemas.openxmlformats.org/officeDocument/2006/relationships" xmlns:p="http://schemas.openxmlformats.org/presentationml/2006/main">
   <p:cSld>
-    <p:bg>
-      <p:bgPr>
-        <a:gradFill rotWithShape="1">
-          <a:gsLst>
-            <a:gs pos="0">
-              <a:schemeClr val="bg2">
-                <a:tint val="94000"/>
-                <a:satMod val="80000"/>
-                <a:lumMod val="106000"/>
-              </a:schemeClr>
-            </a:gs>
-            <a:gs pos="100000">
-              <a:schemeClr val="bg2">
-                <a:shade val="80000"/>
-              </a:schemeClr>
-            </a:gs>
-          </a:gsLst>
-          <a:path path="circle">
-            <a:fillToRect l="43000" r="43000" b="100000"/>
-          </a:path>
-        </a:gradFill>
-        <a:effectLst/>
-      </p:bgPr>
-    </p:bg>
     <p:spTree>
       <p:nvGrpSpPr>
         <p:cNvPr id="1" name=""/>
@@ -7065,321 +8005,10 @@
       </p:grpSpPr>
       <p:sp>
         <p:nvSpPr>
-          <p:cNvPr id="9" name="Rectangle 8">
-            <a:extLst>
-              <a:ext uri="{FF2B5EF4-FFF2-40B4-BE49-F238E27FC236}">
-                <a16:creationId xmlns:a16="http://schemas.microsoft.com/office/drawing/2014/main" id="{C63C853E-3842-4594-86A9-051FFAF4D343}"/>
-              </a:ext>
-              <a:ext uri="{C183D7F6-B498-43B3-948B-1728B52AA6E4}">
-                <adec:decorative xmlns:adec="http://schemas.microsoft.com/office/drawing/2017/decorative" val="1"/>
-              </a:ext>
-            </a:extLst>
-          </p:cNvPr>
-          <p:cNvSpPr>
-            <a:spLocks noGrp="1" noRot="1" noChangeAspect="1" noMove="1" noResize="1" noEditPoints="1" noAdjustHandles="1" noChangeArrowheads="1" noChangeShapeType="1" noTextEdit="1"/>
-          </p:cNvSpPr>
-          <p:nvPr>
-            <p:extLst>
-              <p:ext uri="{386F3935-93C4-4BCD-93E2-E3B085C9AB24}">
-                <p16:designElem xmlns:p16="http://schemas.microsoft.com/office/powerpoint/2015/main" val="1"/>
-              </p:ext>
-            </p:extLst>
-          </p:nvPr>
-        </p:nvSpPr>
-        <p:spPr>
-          <a:xfrm>
-            <a:off x="0" y="2019476"/>
-            <a:ext cx="12192000" cy="4105941"/>
-          </a:xfrm>
-          <a:prstGeom prst="rect">
-            <a:avLst/>
-          </a:prstGeom>
-          <a:gradFill flip="none" rotWithShape="1">
-            <a:gsLst>
-              <a:gs pos="0">
-                <a:schemeClr val="bg2">
-                  <a:alpha val="0"/>
-                </a:schemeClr>
-              </a:gs>
-              <a:gs pos="100000">
-                <a:schemeClr val="bg2"/>
-              </a:gs>
-            </a:gsLst>
-            <a:lin ang="5400000" scaled="0"/>
-            <a:tileRect/>
-          </a:gradFill>
-          <a:ln>
-            <a:noFill/>
-          </a:ln>
-        </p:spPr>
-        <p:style>
-          <a:lnRef idx="2">
-            <a:schemeClr val="accent1">
-              <a:shade val="50000"/>
-            </a:schemeClr>
-          </a:lnRef>
-          <a:fillRef idx="1">
-            <a:schemeClr val="accent1"/>
-          </a:fillRef>
-          <a:effectRef idx="0">
-            <a:schemeClr val="accent1"/>
-          </a:effectRef>
-          <a:fontRef idx="minor">
-            <a:schemeClr val="lt1"/>
-          </a:fontRef>
-        </p:style>
-        <p:txBody>
-          <a:bodyPr/>
-          <a:lstStyle/>
-          <a:p>
-            <a:endParaRPr lang="en-US"/>
-          </a:p>
-        </p:txBody>
-      </p:sp>
-      <p:pic>
-        <p:nvPicPr>
-          <p:cNvPr id="11" name="Picture 10">
-            <a:extLst>
-              <a:ext uri="{FF2B5EF4-FFF2-40B4-BE49-F238E27FC236}">
-                <a16:creationId xmlns:a16="http://schemas.microsoft.com/office/drawing/2014/main" id="{B591CDC5-6B61-4116-B3B5-0FF42B6E606D}"/>
-              </a:ext>
-              <a:ext uri="{C183D7F6-B498-43B3-948B-1728B52AA6E4}">
-                <adec:decorative xmlns:adec="http://schemas.microsoft.com/office/drawing/2017/decorative" val="1"/>
-              </a:ext>
-            </a:extLst>
-          </p:cNvPr>
-          <p:cNvPicPr>
-            <a:picLocks noGrp="1" noRot="1" noChangeAspect="1" noMove="1" noResize="1" noEditPoints="1" noAdjustHandles="1" noChangeArrowheads="1" noChangeShapeType="1" noCrop="1"/>
-          </p:cNvPicPr>
-          <p:nvPr>
-            <p:extLst>
-              <p:ext uri="{386F3935-93C4-4BCD-93E2-E3B085C9AB24}">
-                <p16:designElem xmlns:p16="http://schemas.microsoft.com/office/powerpoint/2015/main" val="1"/>
-              </p:ext>
-            </p:extLst>
-          </p:nvPr>
-        </p:nvPicPr>
-        <p:blipFill rotWithShape="1">
-          <a:blip r:embed="rId2">
-            <a:extLst>
-              <a:ext uri="{28A0092B-C50C-407E-A947-70E740481C1C}">
-                <a14:useLocalDpi xmlns:a14="http://schemas.microsoft.com/office/drawing/2010/main" val="0"/>
-              </a:ext>
-            </a:extLst>
-          </a:blip>
-          <a:srcRect t="1538" b="-1538"/>
-          <a:stretch/>
-        </p:blipFill>
-        <p:spPr bwMode="black">
-          <a:xfrm>
-            <a:off x="0" y="6126480"/>
-            <a:ext cx="12192000" cy="742950"/>
-          </a:xfrm>
-          <a:prstGeom prst="rect">
-            <a:avLst/>
-          </a:prstGeom>
-        </p:spPr>
-      </p:pic>
-      <p:cxnSp>
-        <p:nvCxnSpPr>
-          <p:cNvPr id="13" name="Straight Connector 12">
-            <a:extLst>
-              <a:ext uri="{FF2B5EF4-FFF2-40B4-BE49-F238E27FC236}">
-                <a16:creationId xmlns:a16="http://schemas.microsoft.com/office/drawing/2014/main" id="{25B08984-5BEB-422F-A364-2B41E6A516EB}"/>
-              </a:ext>
-              <a:ext uri="{C183D7F6-B498-43B3-948B-1728B52AA6E4}">
-                <adec:decorative xmlns:adec="http://schemas.microsoft.com/office/drawing/2017/decorative" val="1"/>
-              </a:ext>
-            </a:extLst>
-          </p:cNvPr>
-          <p:cNvCxnSpPr>
-            <a:cxnSpLocks noGrp="1" noRot="1" noChangeAspect="1" noMove="1" noResize="1" noEditPoints="1" noAdjustHandles="1" noChangeArrowheads="1" noChangeShapeType="1"/>
-          </p:cNvCxnSpPr>
-          <p:nvPr>
-            <p:extLst>
-              <p:ext uri="{386F3935-93C4-4BCD-93E2-E3B085C9AB24}">
-                <p16:designElem xmlns:p16="http://schemas.microsoft.com/office/powerpoint/2015/main" val="1"/>
-              </p:ext>
-            </p:extLst>
-          </p:nvPr>
-        </p:nvCxnSpPr>
-        <p:spPr>
-          <a:xfrm>
-            <a:off x="0" y="6128413"/>
-            <a:ext cx="12192000" cy="0"/>
-          </a:xfrm>
-          <a:prstGeom prst="line">
-            <a:avLst/>
-          </a:prstGeom>
-          <a:ln w="12700">
-            <a:solidFill>
-              <a:srgbClr val="000001">
-                <a:alpha val="20000"/>
-              </a:srgbClr>
-            </a:solidFill>
-          </a:ln>
-        </p:spPr>
-        <p:style>
-          <a:lnRef idx="1">
-            <a:schemeClr val="accent1"/>
-          </a:lnRef>
-          <a:fillRef idx="0">
-            <a:schemeClr val="accent1"/>
-          </a:fillRef>
-          <a:effectRef idx="0">
-            <a:schemeClr val="accent1"/>
-          </a:effectRef>
-          <a:fontRef idx="minor">
-            <a:schemeClr val="tx1"/>
-          </a:fontRef>
-        </p:style>
-      </p:cxnSp>
-      <p:cxnSp>
-        <p:nvCxnSpPr>
-          <p:cNvPr id="15" name="Straight Connector 14">
-            <a:extLst>
-              <a:ext uri="{FF2B5EF4-FFF2-40B4-BE49-F238E27FC236}">
-                <a16:creationId xmlns:a16="http://schemas.microsoft.com/office/drawing/2014/main" id="{A8F413B1-54E0-4B16-92AB-1CC5C7D645BC}"/>
-              </a:ext>
-              <a:ext uri="{C183D7F6-B498-43B3-948B-1728B52AA6E4}">
-                <adec:decorative xmlns:adec="http://schemas.microsoft.com/office/drawing/2017/decorative" val="1"/>
-              </a:ext>
-            </a:extLst>
-          </p:cNvPr>
-          <p:cNvCxnSpPr>
-            <a:cxnSpLocks noGrp="1" noRot="1" noChangeAspect="1" noMove="1" noResize="1" noEditPoints="1" noAdjustHandles="1" noChangeArrowheads="1" noChangeShapeType="1"/>
-          </p:cNvCxnSpPr>
-          <p:nvPr>
-            <p:extLst>
-              <p:ext uri="{386F3935-93C4-4BCD-93E2-E3B085C9AB24}">
-                <p16:designElem xmlns:p16="http://schemas.microsoft.com/office/powerpoint/2015/main" val="1"/>
-              </p:ext>
-            </p:extLst>
-          </p:nvPr>
-        </p:nvCxnSpPr>
-        <p:spPr>
-          <a:xfrm>
-            <a:off x="1453896" y="1847088"/>
-            <a:ext cx="9607522" cy="0"/>
-          </a:xfrm>
-          <a:prstGeom prst="line">
-            <a:avLst/>
-          </a:prstGeom>
-          <a:ln w="31750"/>
-        </p:spPr>
-        <p:style>
-          <a:lnRef idx="3">
-            <a:schemeClr val="accent1"/>
-          </a:lnRef>
-          <a:fillRef idx="0">
-            <a:schemeClr val="accent1"/>
-          </a:fillRef>
-          <a:effectRef idx="2">
-            <a:schemeClr val="accent1"/>
-          </a:effectRef>
-          <a:fontRef idx="minor">
-            <a:schemeClr val="tx1"/>
-          </a:fontRef>
-        </p:style>
-      </p:cxnSp>
-      <p:pic>
-        <p:nvPicPr>
-          <p:cNvPr id="5" name="Picture 4" descr="White arrows painted on the asphalt">
-            <a:extLst>
-              <a:ext uri="{FF2B5EF4-FFF2-40B4-BE49-F238E27FC236}">
-                <a16:creationId xmlns:a16="http://schemas.microsoft.com/office/drawing/2014/main" id="{3BD255F2-1DCC-F25F-1F49-64B4A5630ED2}"/>
-              </a:ext>
-            </a:extLst>
-          </p:cNvPr>
-          <p:cNvPicPr>
-            <a:picLocks noChangeAspect="1"/>
-          </p:cNvPicPr>
-          <p:nvPr/>
-        </p:nvPicPr>
-        <p:blipFill>
-          <a:blip r:embed="rId3"/>
-          <a:srcRect t="1112" r="-1" b="13980"/>
-          <a:stretch/>
-        </p:blipFill>
-        <p:spPr>
-          <a:xfrm>
-            <a:off x="20" y="10"/>
-            <a:ext cx="12191675" cy="6857990"/>
-          </a:xfrm>
-          <a:prstGeom prst="rect">
-            <a:avLst/>
-          </a:prstGeom>
-        </p:spPr>
-      </p:pic>
-      <p:sp>
-        <p:nvSpPr>
-          <p:cNvPr id="17" name="Rectangle 16">
-            <a:extLst>
-              <a:ext uri="{FF2B5EF4-FFF2-40B4-BE49-F238E27FC236}">
-                <a16:creationId xmlns:a16="http://schemas.microsoft.com/office/drawing/2014/main" id="{2E67E8BF-E4B2-4098-9FB3-9E400BD86935}"/>
-              </a:ext>
-              <a:ext uri="{C183D7F6-B498-43B3-948B-1728B52AA6E4}">
-                <adec:decorative xmlns:adec="http://schemas.microsoft.com/office/drawing/2017/decorative" val="1"/>
-              </a:ext>
-            </a:extLst>
-          </p:cNvPr>
-          <p:cNvSpPr>
-            <a:spLocks noGrp="1" noRot="1" noChangeAspect="1" noMove="1" noResize="1" noEditPoints="1" noAdjustHandles="1" noChangeArrowheads="1" noChangeShapeType="1" noTextEdit="1"/>
-          </p:cNvSpPr>
-          <p:nvPr>
-            <p:extLst>
-              <p:ext uri="{386F3935-93C4-4BCD-93E2-E3B085C9AB24}">
-                <p16:designElem xmlns:p16="http://schemas.microsoft.com/office/powerpoint/2015/main" val="1"/>
-              </p:ext>
-            </p:extLst>
-          </p:nvPr>
-        </p:nvSpPr>
-        <p:spPr>
-          <a:xfrm>
-            <a:off x="5930686" y="4905349"/>
-            <a:ext cx="5610646" cy="1450464"/>
-          </a:xfrm>
-          <a:prstGeom prst="rect">
-            <a:avLst/>
-          </a:prstGeom>
-          <a:solidFill>
-            <a:srgbClr val="000001">
-              <a:alpha val="75000"/>
-            </a:srgbClr>
-          </a:solidFill>
-          <a:ln>
-            <a:noFill/>
-          </a:ln>
-        </p:spPr>
-        <p:style>
-          <a:lnRef idx="1">
-            <a:schemeClr val="accent1"/>
-          </a:lnRef>
-          <a:fillRef idx="3">
-            <a:schemeClr val="accent1"/>
-          </a:fillRef>
-          <a:effectRef idx="2">
-            <a:schemeClr val="accent1"/>
-          </a:effectRef>
-          <a:fontRef idx="minor">
-            <a:schemeClr val="lt1"/>
-          </a:fontRef>
-        </p:style>
-        <p:txBody>
-          <a:bodyPr rtlCol="0" anchor="ctr"/>
-          <a:lstStyle/>
-          <a:p>
-            <a:pPr algn="ctr"/>
-            <a:endParaRPr lang="en-US"/>
-          </a:p>
-        </p:txBody>
-      </p:sp>
-      <p:sp>
-        <p:nvSpPr>
           <p:cNvPr id="2" name="Title 1">
             <a:extLst>
               <a:ext uri="{FF2B5EF4-FFF2-40B4-BE49-F238E27FC236}">
-                <a16:creationId xmlns:a16="http://schemas.microsoft.com/office/drawing/2014/main" id="{426D484C-FF8D-83BB-DFB0-120EB27EFCB3}"/>
+                <a16:creationId xmlns:a16="http://schemas.microsoft.com/office/drawing/2014/main" id="{67762C61-7EFB-BB84-845B-D271322F589B}"/>
               </a:ext>
             </a:extLst>
           </p:cNvPr>
@@ -7390,81 +8019,116 @@
             <p:ph type="title"/>
           </p:nvPr>
         </p:nvSpPr>
-        <p:spPr>
-          <a:xfrm>
-            <a:off x="6094412" y="5239131"/>
-            <a:ext cx="5279490" cy="960087"/>
-          </a:xfrm>
-        </p:spPr>
-        <p:txBody>
-          <a:bodyPr vert="horz" lIns="91440" tIns="45720" rIns="91440" bIns="45720" rtlCol="0" anchor="t">
-            <a:normAutofit/>
-          </a:bodyPr>
-          <a:lstStyle/>
-          <a:p>
-            <a:r>
-              <a:rPr lang="en-US">
-                <a:solidFill>
-                  <a:srgbClr val="FFFFFE"/>
-                </a:solidFill>
-              </a:rPr>
-              <a:t>Ways to select Features</a:t>
-            </a:r>
-          </a:p>
-        </p:txBody>
-      </p:sp>
-      <p:cxnSp>
-        <p:nvCxnSpPr>
-          <p:cNvPr id="19" name="Straight Connector 18">
+        <p:spPr/>
+        <p:txBody>
+          <a:bodyPr/>
+          <a:lstStyle/>
+          <a:p>
+            <a:r>
+              <a:rPr lang="en-US" dirty="0"/>
+              <a:t>The Human Touch (Maybe it’ll Touch You In That Project class…)</a:t>
+            </a:r>
+          </a:p>
+        </p:txBody>
+      </p:sp>
+      <p:sp>
+        <p:nvSpPr>
+          <p:cNvPr id="3" name="Content Placeholder 2">
             <a:extLst>
               <a:ext uri="{FF2B5EF4-FFF2-40B4-BE49-F238E27FC236}">
-                <a16:creationId xmlns:a16="http://schemas.microsoft.com/office/drawing/2014/main" id="{3781A10F-5DF6-4C9B-AE0B-5249E4399D26}"/>
-              </a:ext>
-              <a:ext uri="{C183D7F6-B498-43B3-948B-1728B52AA6E4}">
-                <adec:decorative xmlns:adec="http://schemas.microsoft.com/office/drawing/2017/decorative" val="1"/>
+                <a16:creationId xmlns:a16="http://schemas.microsoft.com/office/drawing/2014/main" id="{4F644EF6-D3E2-8211-A1C1-9EE5511963D8}"/>
               </a:ext>
             </a:extLst>
           </p:cNvPr>
-          <p:cNvCxnSpPr>
-            <a:cxnSpLocks noGrp="1" noRot="1" noChangeAspect="1" noMove="1" noResize="1" noEditPoints="1" noAdjustHandles="1" noChangeArrowheads="1" noChangeShapeType="1"/>
-          </p:cNvCxnSpPr>
-          <p:nvPr>
-            <p:extLst>
-              <p:ext uri="{386F3935-93C4-4BCD-93E2-E3B085C9AB24}">
-                <p16:designElem xmlns:p16="http://schemas.microsoft.com/office/powerpoint/2015/main" val="1"/>
-              </p:ext>
-            </p:extLst>
-          </p:nvPr>
-        </p:nvCxnSpPr>
+          <p:cNvSpPr>
+            <a:spLocks noGrp="1"/>
+          </p:cNvSpPr>
+          <p:nvPr>
+            <p:ph idx="1"/>
+          </p:nvPr>
+        </p:nvSpPr>
         <p:spPr>
           <a:xfrm>
-            <a:off x="6094411" y="5073596"/>
-            <a:ext cx="5283196" cy="0"/>
-          </a:xfrm>
-          <a:prstGeom prst="line">
-            <a:avLst/>
-          </a:prstGeom>
-          <a:ln w="31750"/>
+            <a:off x="1451579" y="1914258"/>
+            <a:ext cx="9603275" cy="4139223"/>
+          </a:xfrm>
         </p:spPr>
-        <p:style>
-          <a:lnRef idx="3">
-            <a:schemeClr val="accent1"/>
-          </a:lnRef>
-          <a:fillRef idx="0">
-            <a:schemeClr val="accent1"/>
-          </a:fillRef>
-          <a:effectRef idx="2">
-            <a:schemeClr val="accent1"/>
-          </a:effectRef>
-          <a:fontRef idx="minor">
-            <a:schemeClr val="tx1"/>
-          </a:fontRef>
-        </p:style>
-      </p:cxnSp>
+        <p:txBody>
+          <a:bodyPr/>
+          <a:lstStyle/>
+          <a:p>
+            <a:r>
+              <a:rPr lang="en-US" dirty="0"/>
+              <a:t>The first point of feature selection is human judgement of what matters. </a:t>
+            </a:r>
+          </a:p>
+          <a:p>
+            <a:pPr lvl="1"/>
+            <a:r>
+              <a:rPr lang="en-US" dirty="0"/>
+              <a:t>Requires some domain knowledge – what is actually relevant?</a:t>
+            </a:r>
+          </a:p>
+          <a:p>
+            <a:r>
+              <a:rPr lang="en-US" dirty="0"/>
+              <a:t>This is something much more critical in real life than in learning machine learning. </a:t>
+            </a:r>
+          </a:p>
+          <a:p>
+            <a:r>
+              <a:rPr lang="en-US" dirty="0"/>
+              <a:t>In examples/exercises, we typically use preformed datasets. </a:t>
+            </a:r>
+          </a:p>
+          <a:p>
+            <a:pPr lvl="1"/>
+            <a:r>
+              <a:rPr lang="en-US" dirty="0"/>
+              <a:t>These datasets were made/curated for machine learning, so set up for that. </a:t>
+            </a:r>
+          </a:p>
+          <a:p>
+            <a:pPr lvl="1"/>
+            <a:r>
+              <a:rPr lang="en-US" dirty="0"/>
+              <a:t>Even if data is very dirty, it is usually more or less what you need. </a:t>
+            </a:r>
+          </a:p>
+          <a:p>
+            <a:pPr lvl="1"/>
+            <a:r>
+              <a:rPr lang="en-US" dirty="0"/>
+              <a:t>The data is already assembled – many/most real life things will need joins. </a:t>
+            </a:r>
+          </a:p>
+          <a:p>
+            <a:pPr lvl="1"/>
+            <a:r>
+              <a:rPr lang="en-US" dirty="0"/>
+              <a:t>E.g. there’s probably only relevant-</a:t>
+            </a:r>
+            <a:r>
+              <a:rPr lang="en-US" dirty="0" err="1"/>
+              <a:t>ish</a:t>
+            </a:r>
+            <a:r>
+              <a:rPr lang="en-US" dirty="0"/>
+              <a:t> stuff in the dataset to begin with, it is curated. </a:t>
+            </a:r>
+          </a:p>
+          <a:p>
+            <a:r>
+              <a:rPr lang="en-US" dirty="0"/>
+              <a:t>Real life data is more annoying, we need to judge what matters as humans. </a:t>
+            </a:r>
+          </a:p>
+        </p:txBody>
+      </p:sp>
     </p:spTree>
     <p:extLst>
       <p:ext uri="{BB962C8B-B14F-4D97-AF65-F5344CB8AC3E}">
-        <p14:creationId xmlns:p14="http://schemas.microsoft.com/office/powerpoint/2010/main" val="1741196895"/>
+        <p14:creationId xmlns:p14="http://schemas.microsoft.com/office/powerpoint/2010/main" val="1073733013"/>
       </p:ext>
     </p:extLst>
   </p:cSld>
@@ -7496,7 +8160,7 @@
           <p:cNvPr id="2" name="Title 1">
             <a:extLst>
               <a:ext uri="{FF2B5EF4-FFF2-40B4-BE49-F238E27FC236}">
-                <a16:creationId xmlns:a16="http://schemas.microsoft.com/office/drawing/2014/main" id="{42E863E3-F478-F0BC-9B1F-E82FD8E57BAD}"/>
+                <a16:creationId xmlns:a16="http://schemas.microsoft.com/office/drawing/2014/main" id="{7F89D4E6-3F90-E210-1D00-2BA974F47629}"/>
               </a:ext>
             </a:extLst>
           </p:cNvPr>
@@ -7514,7 +8178,7 @@
           <a:p>
             <a:r>
               <a:rPr lang="en-US" dirty="0"/>
-              <a:t>How to do Selection</a:t>
+              <a:t>With Real Life Data</a:t>
             </a:r>
           </a:p>
         </p:txBody>
@@ -7524,7 +8188,7 @@
           <p:cNvPr id="3" name="Content Placeholder 2">
             <a:extLst>
               <a:ext uri="{FF2B5EF4-FFF2-40B4-BE49-F238E27FC236}">
-                <a16:creationId xmlns:a16="http://schemas.microsoft.com/office/drawing/2014/main" id="{7A23DD63-E1F7-4DCD-6739-EEEE3E0B8686}"/>
+                <a16:creationId xmlns:a16="http://schemas.microsoft.com/office/drawing/2014/main" id="{B816240C-4B5F-F54A-5704-BF9AAE4B77E1}"/>
               </a:ext>
             </a:extLst>
           </p:cNvPr>
@@ -7537,8 +8201,8 @@
         </p:nvSpPr>
         <p:spPr>
           <a:xfrm>
-            <a:off x="1341783" y="1853754"/>
-            <a:ext cx="9713071" cy="4119663"/>
+            <a:off x="1451579" y="1914041"/>
+            <a:ext cx="9603275" cy="4139439"/>
           </a:xfrm>
         </p:spPr>
         <p:txBody>
@@ -7547,47 +8211,61 @@
           <a:p>
             <a:r>
               <a:rPr lang="en-US" dirty="0"/>
-              <a:t>There are several methods to evaluate how good a feature is, each different. </a:t>
-            </a:r>
-          </a:p>
-          <a:p>
-            <a:r>
-              <a:rPr lang="en-US" dirty="0"/>
-              <a:t>They may agree, but they may not – it can vary, somewhat unpredictably. </a:t>
-            </a:r>
-          </a:p>
-          <a:p>
-            <a:pPr lvl="1"/>
-            <a:r>
-              <a:rPr lang="en-US" dirty="0"/>
-              <a:t>If several methods say a feature is less important, it probably is. </a:t>
-            </a:r>
-          </a:p>
-          <a:p>
-            <a:pPr lvl="1"/>
-            <a:r>
-              <a:rPr lang="en-US" dirty="0"/>
-              <a:t>If several methods say a feature is more important, it probably is. </a:t>
-            </a:r>
-          </a:p>
-          <a:p>
-            <a:r>
-              <a:rPr lang="en-US" dirty="0"/>
-              <a:t>There are a few complications to this:</a:t>
-            </a:r>
-          </a:p>
-          <a:p>
-            <a:pPr lvl="1"/>
-            <a:r>
-              <a:rPr lang="en-US" dirty="0"/>
-              <a:t>Relationships, in complex data, might not be so simple – e.g. combo of features to target. </a:t>
-            </a:r>
-          </a:p>
-          <a:p>
-            <a:pPr lvl="1"/>
-            <a:r>
-              <a:rPr lang="en-US" dirty="0"/>
-              <a:t>Multicollinearity – multiple features containing the same information. Algorithm can’t weight importance of each feature since the important info could be sourced from multiple features.</a:t>
+              <a:t>In a more realistic scenario, you often have lots of data, often spread about. </a:t>
+            </a:r>
+          </a:p>
+          <a:p>
+            <a:pPr lvl="1"/>
+            <a:r>
+              <a:rPr lang="en-US" dirty="0"/>
+              <a:t>If your company has a data warehouse, you may have everything.</a:t>
+            </a:r>
+          </a:p>
+          <a:p>
+            <a:pPr lvl="1"/>
+            <a:r>
+              <a:rPr lang="en-US" dirty="0"/>
+              <a:t>E.g. if predicting what Amazon customers will buy, you probably have lots of features…</a:t>
+            </a:r>
+          </a:p>
+          <a:p>
+            <a:r>
+              <a:rPr lang="en-US" dirty="0"/>
+              <a:t>Flitering “what is actually relevant to this prediction” is a human activity you need. </a:t>
+            </a:r>
+          </a:p>
+          <a:p>
+            <a:pPr lvl="1"/>
+            <a:r>
+              <a:rPr lang="en-US" dirty="0"/>
+              <a:t>Can’t really score feature importance by adding 100,000 random features effectively. </a:t>
+            </a:r>
+          </a:p>
+          <a:p>
+            <a:r>
+              <a:rPr lang="en-US" dirty="0"/>
+              <a:t>Your real estate thing is similar, in many ways. </a:t>
+            </a:r>
+          </a:p>
+          <a:p>
+            <a:pPr lvl="1"/>
+            <a:r>
+              <a:rPr lang="en-US" dirty="0"/>
+              <a:t>There are lots of features, but depending on what you’re doing, only some matter. </a:t>
+            </a:r>
+          </a:p>
+          <a:p>
+            <a:pPr lvl="1"/>
+            <a:r>
+              <a:rPr lang="en-US" dirty="0"/>
+              <a:t>The features you have may be better transformed into new features. (Hint: be aggressive). </a:t>
+            </a:r>
+          </a:p>
+          <a:p>
+            <a:pPr lvl="1"/>
+            <a:r>
+              <a:rPr lang="en-US" dirty="0"/>
+              <a:t>You can do feature selection, but you need a starting point smaller than ‘everything’. </a:t>
             </a:r>
           </a:p>
         </p:txBody>
@@ -7595,7 +8273,7 @@
     </p:spTree>
     <p:extLst>
       <p:ext uri="{BB962C8B-B14F-4D97-AF65-F5344CB8AC3E}">
-        <p14:creationId xmlns:p14="http://schemas.microsoft.com/office/powerpoint/2010/main" val="3290056340"/>
+        <p14:creationId xmlns:p14="http://schemas.microsoft.com/office/powerpoint/2010/main" val="2684774922"/>
       </p:ext>
     </p:extLst>
   </p:cSld>

--- a/reference_content/Slides/009_Feature_Selection.pptx
+++ b/reference_content/Slides/009_Feature_Selection.pptx
@@ -11,24 +11,29 @@
     <p:sldId id="257" r:id="rId5"/>
     <p:sldId id="273" r:id="rId6"/>
     <p:sldId id="264" r:id="rId7"/>
-    <p:sldId id="266" r:id="rId8"/>
-    <p:sldId id="276" r:id="rId9"/>
-    <p:sldId id="277" r:id="rId10"/>
-    <p:sldId id="267" r:id="rId11"/>
-    <p:sldId id="274" r:id="rId12"/>
-    <p:sldId id="275" r:id="rId13"/>
-    <p:sldId id="268" r:id="rId14"/>
-    <p:sldId id="258" r:id="rId15"/>
-    <p:sldId id="259" r:id="rId16"/>
-    <p:sldId id="260" r:id="rId17"/>
-    <p:sldId id="262" r:id="rId18"/>
-    <p:sldId id="278" r:id="rId19"/>
-    <p:sldId id="271" r:id="rId20"/>
-    <p:sldId id="269" r:id="rId21"/>
-    <p:sldId id="270" r:id="rId22"/>
-    <p:sldId id="279" r:id="rId23"/>
-    <p:sldId id="265" r:id="rId24"/>
-    <p:sldId id="272" r:id="rId25"/>
+    <p:sldId id="281" r:id="rId8"/>
+    <p:sldId id="266" r:id="rId9"/>
+    <p:sldId id="276" r:id="rId10"/>
+    <p:sldId id="277" r:id="rId11"/>
+    <p:sldId id="282" r:id="rId12"/>
+    <p:sldId id="267" r:id="rId13"/>
+    <p:sldId id="274" r:id="rId14"/>
+    <p:sldId id="275" r:id="rId15"/>
+    <p:sldId id="268" r:id="rId16"/>
+    <p:sldId id="258" r:id="rId17"/>
+    <p:sldId id="259" r:id="rId18"/>
+    <p:sldId id="260" r:id="rId19"/>
+    <p:sldId id="262" r:id="rId20"/>
+    <p:sldId id="278" r:id="rId21"/>
+    <p:sldId id="271" r:id="rId22"/>
+    <p:sldId id="269" r:id="rId23"/>
+    <p:sldId id="270" r:id="rId24"/>
+    <p:sldId id="279" r:id="rId25"/>
+    <p:sldId id="265" r:id="rId26"/>
+    <p:sldId id="280" r:id="rId27"/>
+    <p:sldId id="283" r:id="rId28"/>
+    <p:sldId id="284" r:id="rId29"/>
+    <p:sldId id="272" r:id="rId30"/>
   </p:sldIdLst>
   <p:sldSz cx="12192000" cy="6858000"/>
   <p:notesSz cx="6858000" cy="9144000"/>
@@ -3713,6 +3718,20 @@
           <a:p>
             <a:r>
               <a:rPr lang="en-US" dirty="0"/>
+              <a:t>Please do the </a:t>
+            </a:r>
+            <a:r>
+              <a:rPr lang="en-US" dirty="0" err="1"/>
+              <a:t>github</a:t>
+            </a:r>
+            <a:r>
+              <a:rPr lang="en-US" dirty="0"/>
+              <a:t> username survey if you haven’t yet. </a:t>
+            </a:r>
+          </a:p>
+          <a:p>
+            <a:r>
+              <a:rPr lang="en-US" dirty="0"/>
               <a:t>Feature selection basics (chapter 4)</a:t>
             </a:r>
           </a:p>
@@ -3734,13 +3753,8 @@
             <a:pPr lvl="1"/>
             <a:r>
               <a:rPr lang="en-US" dirty="0"/>
-              <a:t>This part is pretty straightforward, again make sure the general ‘make a pipe’ </a:t>
-            </a:r>
-            <a:r>
-              <a:rPr lang="en-US"/>
-              <a:t>stuff is OK. </a:t>
-            </a:r>
-            <a:endParaRPr lang="en-US" dirty="0"/>
+              <a:t>This part is pretty straightforward, again make sure the general ‘make a pipe’ stuff is OK. </a:t>
+            </a:r>
           </a:p>
           <a:p>
             <a:r>
@@ -3794,30 +3808,6 @@
 <file path=ppt/slides/slide10.xml><?xml version="1.0" encoding="utf-8"?>
 <p:sld xmlns:a="http://schemas.openxmlformats.org/drawingml/2006/main" xmlns:r="http://schemas.openxmlformats.org/officeDocument/2006/relationships" xmlns:p="http://schemas.openxmlformats.org/presentationml/2006/main">
   <p:cSld>
-    <p:bg>
-      <p:bgPr>
-        <a:gradFill rotWithShape="1">
-          <a:gsLst>
-            <a:gs pos="0">
-              <a:schemeClr val="bg2">
-                <a:tint val="94000"/>
-                <a:satMod val="80000"/>
-                <a:lumMod val="106000"/>
-              </a:schemeClr>
-            </a:gs>
-            <a:gs pos="100000">
-              <a:schemeClr val="bg2">
-                <a:shade val="80000"/>
-              </a:schemeClr>
-            </a:gs>
-          </a:gsLst>
-          <a:path path="circle">
-            <a:fillToRect l="43000" r="43000" b="100000"/>
-          </a:path>
-        </a:gradFill>
-        <a:effectLst/>
-      </p:bgPr>
-    </p:bg>
     <p:spTree>
       <p:nvGrpSpPr>
         <p:cNvPr id="1" name=""/>
@@ -3834,321 +3824,10 @@
       </p:grpSpPr>
       <p:sp>
         <p:nvSpPr>
-          <p:cNvPr id="9" name="Rectangle 8">
-            <a:extLst>
-              <a:ext uri="{FF2B5EF4-FFF2-40B4-BE49-F238E27FC236}">
-                <a16:creationId xmlns:a16="http://schemas.microsoft.com/office/drawing/2014/main" id="{C63C853E-3842-4594-86A9-051FFAF4D343}"/>
-              </a:ext>
-              <a:ext uri="{C183D7F6-B498-43B3-948B-1728B52AA6E4}">
-                <adec:decorative xmlns:adec="http://schemas.microsoft.com/office/drawing/2017/decorative" val="1"/>
-              </a:ext>
-            </a:extLst>
-          </p:cNvPr>
-          <p:cNvSpPr>
-            <a:spLocks noGrp="1" noRot="1" noChangeAspect="1" noMove="1" noResize="1" noEditPoints="1" noAdjustHandles="1" noChangeArrowheads="1" noChangeShapeType="1" noTextEdit="1"/>
-          </p:cNvSpPr>
-          <p:nvPr>
-            <p:extLst>
-              <p:ext uri="{386F3935-93C4-4BCD-93E2-E3B085C9AB24}">
-                <p16:designElem xmlns:p16="http://schemas.microsoft.com/office/powerpoint/2015/main" val="1"/>
-              </p:ext>
-            </p:extLst>
-          </p:nvPr>
-        </p:nvSpPr>
-        <p:spPr>
-          <a:xfrm>
-            <a:off x="0" y="2019476"/>
-            <a:ext cx="12192000" cy="4105941"/>
-          </a:xfrm>
-          <a:prstGeom prst="rect">
-            <a:avLst/>
-          </a:prstGeom>
-          <a:gradFill flip="none" rotWithShape="1">
-            <a:gsLst>
-              <a:gs pos="0">
-                <a:schemeClr val="bg2">
-                  <a:alpha val="0"/>
-                </a:schemeClr>
-              </a:gs>
-              <a:gs pos="100000">
-                <a:schemeClr val="bg2"/>
-              </a:gs>
-            </a:gsLst>
-            <a:lin ang="5400000" scaled="0"/>
-            <a:tileRect/>
-          </a:gradFill>
-          <a:ln>
-            <a:noFill/>
-          </a:ln>
-        </p:spPr>
-        <p:style>
-          <a:lnRef idx="2">
-            <a:schemeClr val="accent1">
-              <a:shade val="50000"/>
-            </a:schemeClr>
-          </a:lnRef>
-          <a:fillRef idx="1">
-            <a:schemeClr val="accent1"/>
-          </a:fillRef>
-          <a:effectRef idx="0">
-            <a:schemeClr val="accent1"/>
-          </a:effectRef>
-          <a:fontRef idx="minor">
-            <a:schemeClr val="lt1"/>
-          </a:fontRef>
-        </p:style>
-        <p:txBody>
-          <a:bodyPr/>
-          <a:lstStyle/>
-          <a:p>
-            <a:endParaRPr lang="en-US"/>
-          </a:p>
-        </p:txBody>
-      </p:sp>
-      <p:pic>
-        <p:nvPicPr>
-          <p:cNvPr id="11" name="Picture 10">
-            <a:extLst>
-              <a:ext uri="{FF2B5EF4-FFF2-40B4-BE49-F238E27FC236}">
-                <a16:creationId xmlns:a16="http://schemas.microsoft.com/office/drawing/2014/main" id="{B591CDC5-6B61-4116-B3B5-0FF42B6E606D}"/>
-              </a:ext>
-              <a:ext uri="{C183D7F6-B498-43B3-948B-1728B52AA6E4}">
-                <adec:decorative xmlns:adec="http://schemas.microsoft.com/office/drawing/2017/decorative" val="1"/>
-              </a:ext>
-            </a:extLst>
-          </p:cNvPr>
-          <p:cNvPicPr>
-            <a:picLocks noGrp="1" noRot="1" noChangeAspect="1" noMove="1" noResize="1" noEditPoints="1" noAdjustHandles="1" noChangeArrowheads="1" noChangeShapeType="1" noCrop="1"/>
-          </p:cNvPicPr>
-          <p:nvPr>
-            <p:extLst>
-              <p:ext uri="{386F3935-93C4-4BCD-93E2-E3B085C9AB24}">
-                <p16:designElem xmlns:p16="http://schemas.microsoft.com/office/powerpoint/2015/main" val="1"/>
-              </p:ext>
-            </p:extLst>
-          </p:nvPr>
-        </p:nvPicPr>
-        <p:blipFill rotWithShape="1">
-          <a:blip r:embed="rId2">
-            <a:extLst>
-              <a:ext uri="{28A0092B-C50C-407E-A947-70E740481C1C}">
-                <a14:useLocalDpi xmlns:a14="http://schemas.microsoft.com/office/drawing/2010/main" val="0"/>
-              </a:ext>
-            </a:extLst>
-          </a:blip>
-          <a:srcRect t="1538" b="-1538"/>
-          <a:stretch/>
-        </p:blipFill>
-        <p:spPr bwMode="black">
-          <a:xfrm>
-            <a:off x="0" y="6126480"/>
-            <a:ext cx="12192000" cy="742950"/>
-          </a:xfrm>
-          <a:prstGeom prst="rect">
-            <a:avLst/>
-          </a:prstGeom>
-        </p:spPr>
-      </p:pic>
-      <p:cxnSp>
-        <p:nvCxnSpPr>
-          <p:cNvPr id="13" name="Straight Connector 12">
-            <a:extLst>
-              <a:ext uri="{FF2B5EF4-FFF2-40B4-BE49-F238E27FC236}">
-                <a16:creationId xmlns:a16="http://schemas.microsoft.com/office/drawing/2014/main" id="{25B08984-5BEB-422F-A364-2B41E6A516EB}"/>
-              </a:ext>
-              <a:ext uri="{C183D7F6-B498-43B3-948B-1728B52AA6E4}">
-                <adec:decorative xmlns:adec="http://schemas.microsoft.com/office/drawing/2017/decorative" val="1"/>
-              </a:ext>
-            </a:extLst>
-          </p:cNvPr>
-          <p:cNvCxnSpPr>
-            <a:cxnSpLocks noGrp="1" noRot="1" noChangeAspect="1" noMove="1" noResize="1" noEditPoints="1" noAdjustHandles="1" noChangeArrowheads="1" noChangeShapeType="1"/>
-          </p:cNvCxnSpPr>
-          <p:nvPr>
-            <p:extLst>
-              <p:ext uri="{386F3935-93C4-4BCD-93E2-E3B085C9AB24}">
-                <p16:designElem xmlns:p16="http://schemas.microsoft.com/office/powerpoint/2015/main" val="1"/>
-              </p:ext>
-            </p:extLst>
-          </p:nvPr>
-        </p:nvCxnSpPr>
-        <p:spPr>
-          <a:xfrm>
-            <a:off x="0" y="6128413"/>
-            <a:ext cx="12192000" cy="0"/>
-          </a:xfrm>
-          <a:prstGeom prst="line">
-            <a:avLst/>
-          </a:prstGeom>
-          <a:ln w="12700">
-            <a:solidFill>
-              <a:srgbClr val="000001">
-                <a:alpha val="20000"/>
-              </a:srgbClr>
-            </a:solidFill>
-          </a:ln>
-        </p:spPr>
-        <p:style>
-          <a:lnRef idx="1">
-            <a:schemeClr val="accent1"/>
-          </a:lnRef>
-          <a:fillRef idx="0">
-            <a:schemeClr val="accent1"/>
-          </a:fillRef>
-          <a:effectRef idx="0">
-            <a:schemeClr val="accent1"/>
-          </a:effectRef>
-          <a:fontRef idx="minor">
-            <a:schemeClr val="tx1"/>
-          </a:fontRef>
-        </p:style>
-      </p:cxnSp>
-      <p:cxnSp>
-        <p:nvCxnSpPr>
-          <p:cNvPr id="15" name="Straight Connector 14">
-            <a:extLst>
-              <a:ext uri="{FF2B5EF4-FFF2-40B4-BE49-F238E27FC236}">
-                <a16:creationId xmlns:a16="http://schemas.microsoft.com/office/drawing/2014/main" id="{A8F413B1-54E0-4B16-92AB-1CC5C7D645BC}"/>
-              </a:ext>
-              <a:ext uri="{C183D7F6-B498-43B3-948B-1728B52AA6E4}">
-                <adec:decorative xmlns:adec="http://schemas.microsoft.com/office/drawing/2017/decorative" val="1"/>
-              </a:ext>
-            </a:extLst>
-          </p:cNvPr>
-          <p:cNvCxnSpPr>
-            <a:cxnSpLocks noGrp="1" noRot="1" noChangeAspect="1" noMove="1" noResize="1" noEditPoints="1" noAdjustHandles="1" noChangeArrowheads="1" noChangeShapeType="1"/>
-          </p:cNvCxnSpPr>
-          <p:nvPr>
-            <p:extLst>
-              <p:ext uri="{386F3935-93C4-4BCD-93E2-E3B085C9AB24}">
-                <p16:designElem xmlns:p16="http://schemas.microsoft.com/office/powerpoint/2015/main" val="1"/>
-              </p:ext>
-            </p:extLst>
-          </p:nvPr>
-        </p:nvCxnSpPr>
-        <p:spPr>
-          <a:xfrm>
-            <a:off x="1453896" y="1847088"/>
-            <a:ext cx="9607522" cy="0"/>
-          </a:xfrm>
-          <a:prstGeom prst="line">
-            <a:avLst/>
-          </a:prstGeom>
-          <a:ln w="31750"/>
-        </p:spPr>
-        <p:style>
-          <a:lnRef idx="3">
-            <a:schemeClr val="accent1"/>
-          </a:lnRef>
-          <a:fillRef idx="0">
-            <a:schemeClr val="accent1"/>
-          </a:fillRef>
-          <a:effectRef idx="2">
-            <a:schemeClr val="accent1"/>
-          </a:effectRef>
-          <a:fontRef idx="minor">
-            <a:schemeClr val="tx1"/>
-          </a:fontRef>
-        </p:style>
-      </p:cxnSp>
-      <p:pic>
-        <p:nvPicPr>
-          <p:cNvPr id="5" name="Picture 4" descr="White arrows painted on the asphalt">
-            <a:extLst>
-              <a:ext uri="{FF2B5EF4-FFF2-40B4-BE49-F238E27FC236}">
-                <a16:creationId xmlns:a16="http://schemas.microsoft.com/office/drawing/2014/main" id="{3BD255F2-1DCC-F25F-1F49-64B4A5630ED2}"/>
-              </a:ext>
-            </a:extLst>
-          </p:cNvPr>
-          <p:cNvPicPr>
-            <a:picLocks noChangeAspect="1"/>
-          </p:cNvPicPr>
-          <p:nvPr/>
-        </p:nvPicPr>
-        <p:blipFill>
-          <a:blip r:embed="rId3"/>
-          <a:srcRect t="1112" r="-1" b="13980"/>
-          <a:stretch/>
-        </p:blipFill>
-        <p:spPr>
-          <a:xfrm>
-            <a:off x="20" y="10"/>
-            <a:ext cx="12191675" cy="6857990"/>
-          </a:xfrm>
-          <a:prstGeom prst="rect">
-            <a:avLst/>
-          </a:prstGeom>
-        </p:spPr>
-      </p:pic>
-      <p:sp>
-        <p:nvSpPr>
-          <p:cNvPr id="17" name="Rectangle 16">
-            <a:extLst>
-              <a:ext uri="{FF2B5EF4-FFF2-40B4-BE49-F238E27FC236}">
-                <a16:creationId xmlns:a16="http://schemas.microsoft.com/office/drawing/2014/main" id="{2E67E8BF-E4B2-4098-9FB3-9E400BD86935}"/>
-              </a:ext>
-              <a:ext uri="{C183D7F6-B498-43B3-948B-1728B52AA6E4}">
-                <adec:decorative xmlns:adec="http://schemas.microsoft.com/office/drawing/2017/decorative" val="1"/>
-              </a:ext>
-            </a:extLst>
-          </p:cNvPr>
-          <p:cNvSpPr>
-            <a:spLocks noGrp="1" noRot="1" noChangeAspect="1" noMove="1" noResize="1" noEditPoints="1" noAdjustHandles="1" noChangeArrowheads="1" noChangeShapeType="1" noTextEdit="1"/>
-          </p:cNvSpPr>
-          <p:nvPr>
-            <p:extLst>
-              <p:ext uri="{386F3935-93C4-4BCD-93E2-E3B085C9AB24}">
-                <p16:designElem xmlns:p16="http://schemas.microsoft.com/office/powerpoint/2015/main" val="1"/>
-              </p:ext>
-            </p:extLst>
-          </p:nvPr>
-        </p:nvSpPr>
-        <p:spPr>
-          <a:xfrm>
-            <a:off x="5930686" y="4905349"/>
-            <a:ext cx="5610646" cy="1450464"/>
-          </a:xfrm>
-          <a:prstGeom prst="rect">
-            <a:avLst/>
-          </a:prstGeom>
-          <a:solidFill>
-            <a:srgbClr val="000001">
-              <a:alpha val="75000"/>
-            </a:srgbClr>
-          </a:solidFill>
-          <a:ln>
-            <a:noFill/>
-          </a:ln>
-        </p:spPr>
-        <p:style>
-          <a:lnRef idx="1">
-            <a:schemeClr val="accent1"/>
-          </a:lnRef>
-          <a:fillRef idx="3">
-            <a:schemeClr val="accent1"/>
-          </a:fillRef>
-          <a:effectRef idx="2">
-            <a:schemeClr val="accent1"/>
-          </a:effectRef>
-          <a:fontRef idx="minor">
-            <a:schemeClr val="lt1"/>
-          </a:fontRef>
-        </p:style>
-        <p:txBody>
-          <a:bodyPr rtlCol="0" anchor="ctr"/>
-          <a:lstStyle/>
-          <a:p>
-            <a:pPr algn="ctr"/>
-            <a:endParaRPr lang="en-US"/>
-          </a:p>
-        </p:txBody>
-      </p:sp>
-      <p:sp>
-        <p:nvSpPr>
           <p:cNvPr id="2" name="Title 1">
             <a:extLst>
               <a:ext uri="{FF2B5EF4-FFF2-40B4-BE49-F238E27FC236}">
-                <a16:creationId xmlns:a16="http://schemas.microsoft.com/office/drawing/2014/main" id="{426D484C-FF8D-83BB-DFB0-120EB27EFCB3}"/>
+                <a16:creationId xmlns:a16="http://schemas.microsoft.com/office/drawing/2014/main" id="{7F89D4E6-3F90-E210-1D00-2BA974F47629}"/>
               </a:ext>
             </a:extLst>
           </p:cNvPr>
@@ -4159,81 +3838,109 @@
             <p:ph type="title"/>
           </p:nvPr>
         </p:nvSpPr>
+        <p:spPr/>
+        <p:txBody>
+          <a:bodyPr/>
+          <a:lstStyle/>
+          <a:p>
+            <a:r>
+              <a:rPr lang="en-US" dirty="0"/>
+              <a:t>With Real Life Data</a:t>
+            </a:r>
+          </a:p>
+        </p:txBody>
+      </p:sp>
+      <p:sp>
+        <p:nvSpPr>
+          <p:cNvPr id="3" name="Content Placeholder 2">
+            <a:extLst>
+              <a:ext uri="{FF2B5EF4-FFF2-40B4-BE49-F238E27FC236}">
+                <a16:creationId xmlns:a16="http://schemas.microsoft.com/office/drawing/2014/main" id="{B816240C-4B5F-F54A-5704-BF9AAE4B77E1}"/>
+              </a:ext>
+            </a:extLst>
+          </p:cNvPr>
+          <p:cNvSpPr>
+            <a:spLocks noGrp="1"/>
+          </p:cNvSpPr>
+          <p:nvPr>
+            <p:ph idx="1"/>
+          </p:nvPr>
+        </p:nvSpPr>
         <p:spPr>
           <a:xfrm>
-            <a:off x="6094412" y="5239131"/>
-            <a:ext cx="5279490" cy="960087"/>
+            <a:off x="1451579" y="1914041"/>
+            <a:ext cx="9603275" cy="4139439"/>
           </a:xfrm>
         </p:spPr>
         <p:txBody>
-          <a:bodyPr vert="horz" lIns="91440" tIns="45720" rIns="91440" bIns="45720" rtlCol="0" anchor="t">
-            <a:normAutofit/>
-          </a:bodyPr>
-          <a:lstStyle/>
-          <a:p>
-            <a:r>
-              <a:rPr lang="en-US">
-                <a:solidFill>
-                  <a:srgbClr val="FFFFFE"/>
-                </a:solidFill>
-              </a:rPr>
-              <a:t>Ways to select Features</a:t>
-            </a:r>
-          </a:p>
-        </p:txBody>
-      </p:sp>
-      <p:cxnSp>
-        <p:nvCxnSpPr>
-          <p:cNvPr id="19" name="Straight Connector 18">
-            <a:extLst>
-              <a:ext uri="{FF2B5EF4-FFF2-40B4-BE49-F238E27FC236}">
-                <a16:creationId xmlns:a16="http://schemas.microsoft.com/office/drawing/2014/main" id="{3781A10F-5DF6-4C9B-AE0B-5249E4399D26}"/>
-              </a:ext>
-              <a:ext uri="{C183D7F6-B498-43B3-948B-1728B52AA6E4}">
-                <adec:decorative xmlns:adec="http://schemas.microsoft.com/office/drawing/2017/decorative" val="1"/>
-              </a:ext>
-            </a:extLst>
-          </p:cNvPr>
-          <p:cNvCxnSpPr>
-            <a:cxnSpLocks noGrp="1" noRot="1" noChangeAspect="1" noMove="1" noResize="1" noEditPoints="1" noAdjustHandles="1" noChangeArrowheads="1" noChangeShapeType="1"/>
-          </p:cNvCxnSpPr>
-          <p:nvPr>
-            <p:extLst>
-              <p:ext uri="{386F3935-93C4-4BCD-93E2-E3B085C9AB24}">
-                <p16:designElem xmlns:p16="http://schemas.microsoft.com/office/powerpoint/2015/main" val="1"/>
-              </p:ext>
-            </p:extLst>
-          </p:nvPr>
-        </p:nvCxnSpPr>
-        <p:spPr>
-          <a:xfrm>
-            <a:off x="6094411" y="5073596"/>
-            <a:ext cx="5283196" cy="0"/>
-          </a:xfrm>
-          <a:prstGeom prst="line">
-            <a:avLst/>
-          </a:prstGeom>
-          <a:ln w="31750"/>
-        </p:spPr>
-        <p:style>
-          <a:lnRef idx="3">
-            <a:schemeClr val="accent1"/>
-          </a:lnRef>
-          <a:fillRef idx="0">
-            <a:schemeClr val="accent1"/>
-          </a:fillRef>
-          <a:effectRef idx="2">
-            <a:schemeClr val="accent1"/>
-          </a:effectRef>
-          <a:fontRef idx="minor">
-            <a:schemeClr val="tx1"/>
-          </a:fontRef>
-        </p:style>
-      </p:cxnSp>
+          <a:bodyPr/>
+          <a:lstStyle/>
+          <a:p>
+            <a:r>
+              <a:rPr lang="en-US" dirty="0"/>
+              <a:t>In a more realistic scenario, you often have lots of data, often spread about. </a:t>
+            </a:r>
+          </a:p>
+          <a:p>
+            <a:pPr lvl="1"/>
+            <a:r>
+              <a:rPr lang="en-US" dirty="0"/>
+              <a:t>If your company has a data warehouse, you may have everything.</a:t>
+            </a:r>
+          </a:p>
+          <a:p>
+            <a:pPr lvl="1"/>
+            <a:r>
+              <a:rPr lang="en-US" dirty="0"/>
+              <a:t>E.g. if predicting what Amazon customers will buy, you probably have lots of features…</a:t>
+            </a:r>
+          </a:p>
+          <a:p>
+            <a:r>
+              <a:rPr lang="en-US" dirty="0"/>
+              <a:t>Flitering “what is actually relevant to this prediction” is a human activity you need. </a:t>
+            </a:r>
+          </a:p>
+          <a:p>
+            <a:pPr lvl="1"/>
+            <a:r>
+              <a:rPr lang="en-US" dirty="0"/>
+              <a:t>Can’t really score feature importance by adding 100,000 random features effectively. </a:t>
+            </a:r>
+          </a:p>
+          <a:p>
+            <a:r>
+              <a:rPr lang="en-US" dirty="0"/>
+              <a:t>Your real estate thing is similar, in many ways. </a:t>
+            </a:r>
+          </a:p>
+          <a:p>
+            <a:pPr lvl="1"/>
+            <a:r>
+              <a:rPr lang="en-US" dirty="0"/>
+              <a:t>There are lots of features, but depending on what you’re doing, only some matter. </a:t>
+            </a:r>
+          </a:p>
+          <a:p>
+            <a:pPr lvl="1"/>
+            <a:r>
+              <a:rPr lang="en-US" dirty="0"/>
+              <a:t>The features you have may be better transformed into new features. (Hint: be aggressive). </a:t>
+            </a:r>
+          </a:p>
+          <a:p>
+            <a:pPr lvl="1"/>
+            <a:r>
+              <a:rPr lang="en-US" dirty="0"/>
+              <a:t>You can do feature selection, but you need a starting point smaller than ‘everything’. </a:t>
+            </a:r>
+          </a:p>
+        </p:txBody>
+      </p:sp>
     </p:spTree>
     <p:extLst>
       <p:ext uri="{BB962C8B-B14F-4D97-AF65-F5344CB8AC3E}">
-        <p14:creationId xmlns:p14="http://schemas.microsoft.com/office/powerpoint/2010/main" val="1741196895"/>
+        <p14:creationId xmlns:p14="http://schemas.microsoft.com/office/powerpoint/2010/main" val="2684774922"/>
       </p:ext>
     </p:extLst>
   </p:cSld>
@@ -4265,7 +3972,7 @@
           <p:cNvPr id="2" name="Title 1">
             <a:extLst>
               <a:ext uri="{FF2B5EF4-FFF2-40B4-BE49-F238E27FC236}">
-                <a16:creationId xmlns:a16="http://schemas.microsoft.com/office/drawing/2014/main" id="{42E863E3-F478-F0BC-9B1F-E82FD8E57BAD}"/>
+                <a16:creationId xmlns:a16="http://schemas.microsoft.com/office/drawing/2014/main" id="{FE150245-D286-3423-EB7E-3692F6A41DEE}"/>
               </a:ext>
             </a:extLst>
           </p:cNvPr>
@@ -4283,7 +3990,7 @@
           <a:p>
             <a:r>
               <a:rPr lang="en-US" dirty="0"/>
-              <a:t>How to do Selection</a:t>
+              <a:t>Get a Clue!</a:t>
             </a:r>
           </a:p>
         </p:txBody>
@@ -4293,7 +4000,7 @@
           <p:cNvPr id="3" name="Content Placeholder 2">
             <a:extLst>
               <a:ext uri="{FF2B5EF4-FFF2-40B4-BE49-F238E27FC236}">
-                <a16:creationId xmlns:a16="http://schemas.microsoft.com/office/drawing/2014/main" id="{7A23DD63-E1F7-4DCD-6739-EEEE3E0B8686}"/>
+                <a16:creationId xmlns:a16="http://schemas.microsoft.com/office/drawing/2014/main" id="{CCB78EF5-8D3B-B790-27E0-E22C59A84178}"/>
               </a:ext>
             </a:extLst>
           </p:cNvPr>
@@ -4306,57 +4013,96 @@
         </p:nvSpPr>
         <p:spPr>
           <a:xfrm>
-            <a:off x="1341783" y="1853754"/>
-            <a:ext cx="9713071" cy="4119663"/>
+            <a:off x="1451579" y="1853755"/>
+            <a:ext cx="9603275" cy="4199726"/>
           </a:xfrm>
         </p:spPr>
         <p:txBody>
-          <a:bodyPr/>
-          <a:lstStyle/>
-          <a:p>
-            <a:r>
-              <a:rPr lang="en-US" dirty="0"/>
-              <a:t>There are several methods to evaluate how good a feature is, each different. </a:t>
-            </a:r>
-          </a:p>
-          <a:p>
-            <a:r>
-              <a:rPr lang="en-US" dirty="0"/>
-              <a:t>They may agree, but they may not – it can vary, somewhat unpredictably. </a:t>
-            </a:r>
-          </a:p>
-          <a:p>
-            <a:pPr lvl="1"/>
-            <a:r>
-              <a:rPr lang="en-US" dirty="0"/>
-              <a:t>If several methods say a feature is less important, it probably is. </a:t>
-            </a:r>
-          </a:p>
-          <a:p>
-            <a:pPr lvl="1"/>
-            <a:r>
-              <a:rPr lang="en-US" dirty="0"/>
-              <a:t>If several methods say a feature is more important, it probably is. </a:t>
-            </a:r>
-          </a:p>
-          <a:p>
-            <a:r>
-              <a:rPr lang="en-US" dirty="0"/>
-              <a:t>There are a few complications to this:</a:t>
-            </a:r>
-          </a:p>
-          <a:p>
-            <a:pPr lvl="1"/>
-            <a:r>
-              <a:rPr lang="en-US" dirty="0"/>
-              <a:t>Relationships, in complex data, might not be so simple – e.g. combo of features to target. </a:t>
-            </a:r>
-          </a:p>
-          <a:p>
-            <a:pPr lvl="1"/>
-            <a:r>
-              <a:rPr lang="en-US" dirty="0"/>
-              <a:t>Multicollinearity – multiple features containing the same information. Algorithm can’t weight importance of each feature since the important info could be sourced from multiple features.</a:t>
+          <a:bodyPr>
+            <a:normAutofit lnSpcReduction="10000"/>
+          </a:bodyPr>
+          <a:lstStyle/>
+          <a:p>
+            <a:r>
+              <a:rPr lang="en-US" dirty="0"/>
+              <a:t>Suppose you’re in charge of determining who did a crime. Classification model. </a:t>
+            </a:r>
+          </a:p>
+          <a:p>
+            <a:r>
+              <a:rPr lang="en-US" dirty="0"/>
+              <a:t>Each feature will give some information as to who did it. </a:t>
+            </a:r>
+          </a:p>
+          <a:p>
+            <a:pPr lvl="1"/>
+            <a:r>
+              <a:rPr lang="en-US" dirty="0"/>
+              <a:t>Important – security camera footage, fingerprints, </a:t>
+            </a:r>
+            <a:r>
+              <a:rPr lang="en-US" dirty="0" err="1"/>
+              <a:t>dna</a:t>
+            </a:r>
+            <a:r>
+              <a:rPr lang="en-US" dirty="0"/>
+              <a:t>, </a:t>
+            </a:r>
+            <a:r>
+              <a:rPr lang="en-US" dirty="0" err="1"/>
+              <a:t>ect</a:t>
+            </a:r>
+            <a:r>
+              <a:rPr lang="en-US" dirty="0"/>
+              <a:t>…</a:t>
+            </a:r>
+          </a:p>
+          <a:p>
+            <a:pPr lvl="1"/>
+            <a:r>
+              <a:rPr lang="en-US" dirty="0"/>
+              <a:t>Less Important – people’s journals, alibi witnesses, </a:t>
+            </a:r>
+            <a:r>
+              <a:rPr lang="en-US" dirty="0" err="1"/>
+              <a:t>etc</a:t>
+            </a:r>
+            <a:r>
+              <a:rPr lang="en-US" dirty="0"/>
+              <a:t>… </a:t>
+            </a:r>
+          </a:p>
+          <a:p>
+            <a:r>
+              <a:rPr lang="en-US" dirty="0"/>
+              <a:t>Each feature, as long as it is actually relevant gives us some info to help pick the criminal.</a:t>
+            </a:r>
+          </a:p>
+          <a:p>
+            <a:pPr lvl="1"/>
+            <a:r>
+              <a:rPr lang="en-US" dirty="0"/>
+              <a:t>E.g. knowing that a waitress saw a suspect an hour after the estimated time of death may give some info, but not all that much. A security camera on the victim’s front door may have lots. </a:t>
+            </a:r>
+          </a:p>
+          <a:p>
+            <a:pPr lvl="1"/>
+            <a:r>
+              <a:rPr lang="en-US" dirty="0"/>
+              <a:t>The more we consider, the more complex the decision becomes. </a:t>
+            </a:r>
+          </a:p>
+          <a:p>
+            <a:r>
+              <a:rPr lang="en-US" dirty="0"/>
+              <a:t>We want to focus on the important features, add others as needed. </a:t>
+            </a:r>
+          </a:p>
+          <a:p>
+            <a:pPr lvl="1"/>
+            <a:r>
+              <a:rPr lang="en-US" dirty="0"/>
+              <a:t>The more evidence we have, the higher the ‘ceiling’ is for predictions, but it becomes harder.</a:t>
             </a:r>
           </a:p>
         </p:txBody>
@@ -4364,7 +4110,7 @@
     </p:spTree>
     <p:extLst>
       <p:ext uri="{BB962C8B-B14F-4D97-AF65-F5344CB8AC3E}">
-        <p14:creationId xmlns:p14="http://schemas.microsoft.com/office/powerpoint/2010/main" val="3290056340"/>
+        <p14:creationId xmlns:p14="http://schemas.microsoft.com/office/powerpoint/2010/main" val="1459919979"/>
       </p:ext>
     </p:extLst>
   </p:cSld>
@@ -4417,6 +4163,589 @@
       </p:grpSpPr>
       <p:sp>
         <p:nvSpPr>
+          <p:cNvPr id="9" name="Rectangle 8">
+            <a:extLst>
+              <a:ext uri="{FF2B5EF4-FFF2-40B4-BE49-F238E27FC236}">
+                <a16:creationId xmlns:a16="http://schemas.microsoft.com/office/drawing/2014/main" id="{C63C853E-3842-4594-86A9-051FFAF4D343}"/>
+              </a:ext>
+              <a:ext uri="{C183D7F6-B498-43B3-948B-1728B52AA6E4}">
+                <adec:decorative xmlns:adec="http://schemas.microsoft.com/office/drawing/2017/decorative" val="1"/>
+              </a:ext>
+            </a:extLst>
+          </p:cNvPr>
+          <p:cNvSpPr>
+            <a:spLocks noGrp="1" noRot="1" noChangeAspect="1" noMove="1" noResize="1" noEditPoints="1" noAdjustHandles="1" noChangeArrowheads="1" noChangeShapeType="1" noTextEdit="1"/>
+          </p:cNvSpPr>
+          <p:nvPr>
+            <p:extLst>
+              <p:ext uri="{386F3935-93C4-4BCD-93E2-E3B085C9AB24}">
+                <p16:designElem xmlns:p16="http://schemas.microsoft.com/office/powerpoint/2015/main" val="1"/>
+              </p:ext>
+            </p:extLst>
+          </p:nvPr>
+        </p:nvSpPr>
+        <p:spPr>
+          <a:xfrm>
+            <a:off x="0" y="2019476"/>
+            <a:ext cx="12192000" cy="4105941"/>
+          </a:xfrm>
+          <a:prstGeom prst="rect">
+            <a:avLst/>
+          </a:prstGeom>
+          <a:gradFill flip="none" rotWithShape="1">
+            <a:gsLst>
+              <a:gs pos="0">
+                <a:schemeClr val="bg2">
+                  <a:alpha val="0"/>
+                </a:schemeClr>
+              </a:gs>
+              <a:gs pos="100000">
+                <a:schemeClr val="bg2"/>
+              </a:gs>
+            </a:gsLst>
+            <a:lin ang="5400000" scaled="0"/>
+            <a:tileRect/>
+          </a:gradFill>
+          <a:ln>
+            <a:noFill/>
+          </a:ln>
+        </p:spPr>
+        <p:style>
+          <a:lnRef idx="2">
+            <a:schemeClr val="accent1">
+              <a:shade val="50000"/>
+            </a:schemeClr>
+          </a:lnRef>
+          <a:fillRef idx="1">
+            <a:schemeClr val="accent1"/>
+          </a:fillRef>
+          <a:effectRef idx="0">
+            <a:schemeClr val="accent1"/>
+          </a:effectRef>
+          <a:fontRef idx="minor">
+            <a:schemeClr val="lt1"/>
+          </a:fontRef>
+        </p:style>
+        <p:txBody>
+          <a:bodyPr/>
+          <a:lstStyle/>
+          <a:p>
+            <a:endParaRPr lang="en-US"/>
+          </a:p>
+        </p:txBody>
+      </p:sp>
+      <p:pic>
+        <p:nvPicPr>
+          <p:cNvPr id="11" name="Picture 10">
+            <a:extLst>
+              <a:ext uri="{FF2B5EF4-FFF2-40B4-BE49-F238E27FC236}">
+                <a16:creationId xmlns:a16="http://schemas.microsoft.com/office/drawing/2014/main" id="{B591CDC5-6B61-4116-B3B5-0FF42B6E606D}"/>
+              </a:ext>
+              <a:ext uri="{C183D7F6-B498-43B3-948B-1728B52AA6E4}">
+                <adec:decorative xmlns:adec="http://schemas.microsoft.com/office/drawing/2017/decorative" val="1"/>
+              </a:ext>
+            </a:extLst>
+          </p:cNvPr>
+          <p:cNvPicPr>
+            <a:picLocks noGrp="1" noRot="1" noChangeAspect="1" noMove="1" noResize="1" noEditPoints="1" noAdjustHandles="1" noChangeArrowheads="1" noChangeShapeType="1" noCrop="1"/>
+          </p:cNvPicPr>
+          <p:nvPr>
+            <p:extLst>
+              <p:ext uri="{386F3935-93C4-4BCD-93E2-E3B085C9AB24}">
+                <p16:designElem xmlns:p16="http://schemas.microsoft.com/office/powerpoint/2015/main" val="1"/>
+              </p:ext>
+            </p:extLst>
+          </p:nvPr>
+        </p:nvPicPr>
+        <p:blipFill rotWithShape="1">
+          <a:blip r:embed="rId2">
+            <a:extLst>
+              <a:ext uri="{28A0092B-C50C-407E-A947-70E740481C1C}">
+                <a14:useLocalDpi xmlns:a14="http://schemas.microsoft.com/office/drawing/2010/main" val="0"/>
+              </a:ext>
+            </a:extLst>
+          </a:blip>
+          <a:srcRect t="1538" b="-1538"/>
+          <a:stretch/>
+        </p:blipFill>
+        <p:spPr bwMode="black">
+          <a:xfrm>
+            <a:off x="0" y="6126480"/>
+            <a:ext cx="12192000" cy="742950"/>
+          </a:xfrm>
+          <a:prstGeom prst="rect">
+            <a:avLst/>
+          </a:prstGeom>
+        </p:spPr>
+      </p:pic>
+      <p:cxnSp>
+        <p:nvCxnSpPr>
+          <p:cNvPr id="13" name="Straight Connector 12">
+            <a:extLst>
+              <a:ext uri="{FF2B5EF4-FFF2-40B4-BE49-F238E27FC236}">
+                <a16:creationId xmlns:a16="http://schemas.microsoft.com/office/drawing/2014/main" id="{25B08984-5BEB-422F-A364-2B41E6A516EB}"/>
+              </a:ext>
+              <a:ext uri="{C183D7F6-B498-43B3-948B-1728B52AA6E4}">
+                <adec:decorative xmlns:adec="http://schemas.microsoft.com/office/drawing/2017/decorative" val="1"/>
+              </a:ext>
+            </a:extLst>
+          </p:cNvPr>
+          <p:cNvCxnSpPr>
+            <a:cxnSpLocks noGrp="1" noRot="1" noChangeAspect="1" noMove="1" noResize="1" noEditPoints="1" noAdjustHandles="1" noChangeArrowheads="1" noChangeShapeType="1"/>
+          </p:cNvCxnSpPr>
+          <p:nvPr>
+            <p:extLst>
+              <p:ext uri="{386F3935-93C4-4BCD-93E2-E3B085C9AB24}">
+                <p16:designElem xmlns:p16="http://schemas.microsoft.com/office/powerpoint/2015/main" val="1"/>
+              </p:ext>
+            </p:extLst>
+          </p:nvPr>
+        </p:nvCxnSpPr>
+        <p:spPr>
+          <a:xfrm>
+            <a:off x="0" y="6128413"/>
+            <a:ext cx="12192000" cy="0"/>
+          </a:xfrm>
+          <a:prstGeom prst="line">
+            <a:avLst/>
+          </a:prstGeom>
+          <a:ln w="12700">
+            <a:solidFill>
+              <a:srgbClr val="000001">
+                <a:alpha val="20000"/>
+              </a:srgbClr>
+            </a:solidFill>
+          </a:ln>
+        </p:spPr>
+        <p:style>
+          <a:lnRef idx="1">
+            <a:schemeClr val="accent1"/>
+          </a:lnRef>
+          <a:fillRef idx="0">
+            <a:schemeClr val="accent1"/>
+          </a:fillRef>
+          <a:effectRef idx="0">
+            <a:schemeClr val="accent1"/>
+          </a:effectRef>
+          <a:fontRef idx="minor">
+            <a:schemeClr val="tx1"/>
+          </a:fontRef>
+        </p:style>
+      </p:cxnSp>
+      <p:cxnSp>
+        <p:nvCxnSpPr>
+          <p:cNvPr id="15" name="Straight Connector 14">
+            <a:extLst>
+              <a:ext uri="{FF2B5EF4-FFF2-40B4-BE49-F238E27FC236}">
+                <a16:creationId xmlns:a16="http://schemas.microsoft.com/office/drawing/2014/main" id="{A8F413B1-54E0-4B16-92AB-1CC5C7D645BC}"/>
+              </a:ext>
+              <a:ext uri="{C183D7F6-B498-43B3-948B-1728B52AA6E4}">
+                <adec:decorative xmlns:adec="http://schemas.microsoft.com/office/drawing/2017/decorative" val="1"/>
+              </a:ext>
+            </a:extLst>
+          </p:cNvPr>
+          <p:cNvCxnSpPr>
+            <a:cxnSpLocks noGrp="1" noRot="1" noChangeAspect="1" noMove="1" noResize="1" noEditPoints="1" noAdjustHandles="1" noChangeArrowheads="1" noChangeShapeType="1"/>
+          </p:cNvCxnSpPr>
+          <p:nvPr>
+            <p:extLst>
+              <p:ext uri="{386F3935-93C4-4BCD-93E2-E3B085C9AB24}">
+                <p16:designElem xmlns:p16="http://schemas.microsoft.com/office/powerpoint/2015/main" val="1"/>
+              </p:ext>
+            </p:extLst>
+          </p:nvPr>
+        </p:nvCxnSpPr>
+        <p:spPr>
+          <a:xfrm>
+            <a:off x="1453896" y="1847088"/>
+            <a:ext cx="9607522" cy="0"/>
+          </a:xfrm>
+          <a:prstGeom prst="line">
+            <a:avLst/>
+          </a:prstGeom>
+          <a:ln w="31750"/>
+        </p:spPr>
+        <p:style>
+          <a:lnRef idx="3">
+            <a:schemeClr val="accent1"/>
+          </a:lnRef>
+          <a:fillRef idx="0">
+            <a:schemeClr val="accent1"/>
+          </a:fillRef>
+          <a:effectRef idx="2">
+            <a:schemeClr val="accent1"/>
+          </a:effectRef>
+          <a:fontRef idx="minor">
+            <a:schemeClr val="tx1"/>
+          </a:fontRef>
+        </p:style>
+      </p:cxnSp>
+      <p:pic>
+        <p:nvPicPr>
+          <p:cNvPr id="5" name="Picture 4" descr="White arrows painted on the asphalt">
+            <a:extLst>
+              <a:ext uri="{FF2B5EF4-FFF2-40B4-BE49-F238E27FC236}">
+                <a16:creationId xmlns:a16="http://schemas.microsoft.com/office/drawing/2014/main" id="{3BD255F2-1DCC-F25F-1F49-64B4A5630ED2}"/>
+              </a:ext>
+            </a:extLst>
+          </p:cNvPr>
+          <p:cNvPicPr>
+            <a:picLocks noChangeAspect="1"/>
+          </p:cNvPicPr>
+          <p:nvPr/>
+        </p:nvPicPr>
+        <p:blipFill>
+          <a:blip r:embed="rId3"/>
+          <a:srcRect t="1112" r="-1" b="13980"/>
+          <a:stretch/>
+        </p:blipFill>
+        <p:spPr>
+          <a:xfrm>
+            <a:off x="20" y="10"/>
+            <a:ext cx="12191675" cy="6857990"/>
+          </a:xfrm>
+          <a:prstGeom prst="rect">
+            <a:avLst/>
+          </a:prstGeom>
+        </p:spPr>
+      </p:pic>
+      <p:sp>
+        <p:nvSpPr>
+          <p:cNvPr id="17" name="Rectangle 16">
+            <a:extLst>
+              <a:ext uri="{FF2B5EF4-FFF2-40B4-BE49-F238E27FC236}">
+                <a16:creationId xmlns:a16="http://schemas.microsoft.com/office/drawing/2014/main" id="{2E67E8BF-E4B2-4098-9FB3-9E400BD86935}"/>
+              </a:ext>
+              <a:ext uri="{C183D7F6-B498-43B3-948B-1728B52AA6E4}">
+                <adec:decorative xmlns:adec="http://schemas.microsoft.com/office/drawing/2017/decorative" val="1"/>
+              </a:ext>
+            </a:extLst>
+          </p:cNvPr>
+          <p:cNvSpPr>
+            <a:spLocks noGrp="1" noRot="1" noChangeAspect="1" noMove="1" noResize="1" noEditPoints="1" noAdjustHandles="1" noChangeArrowheads="1" noChangeShapeType="1" noTextEdit="1"/>
+          </p:cNvSpPr>
+          <p:nvPr>
+            <p:extLst>
+              <p:ext uri="{386F3935-93C4-4BCD-93E2-E3B085C9AB24}">
+                <p16:designElem xmlns:p16="http://schemas.microsoft.com/office/powerpoint/2015/main" val="1"/>
+              </p:ext>
+            </p:extLst>
+          </p:nvPr>
+        </p:nvSpPr>
+        <p:spPr>
+          <a:xfrm>
+            <a:off x="5930686" y="4905349"/>
+            <a:ext cx="5610646" cy="1450464"/>
+          </a:xfrm>
+          <a:prstGeom prst="rect">
+            <a:avLst/>
+          </a:prstGeom>
+          <a:solidFill>
+            <a:srgbClr val="000001">
+              <a:alpha val="75000"/>
+            </a:srgbClr>
+          </a:solidFill>
+          <a:ln>
+            <a:noFill/>
+          </a:ln>
+        </p:spPr>
+        <p:style>
+          <a:lnRef idx="1">
+            <a:schemeClr val="accent1"/>
+          </a:lnRef>
+          <a:fillRef idx="3">
+            <a:schemeClr val="accent1"/>
+          </a:fillRef>
+          <a:effectRef idx="2">
+            <a:schemeClr val="accent1"/>
+          </a:effectRef>
+          <a:fontRef idx="minor">
+            <a:schemeClr val="lt1"/>
+          </a:fontRef>
+        </p:style>
+        <p:txBody>
+          <a:bodyPr rtlCol="0" anchor="ctr"/>
+          <a:lstStyle/>
+          <a:p>
+            <a:pPr algn="ctr"/>
+            <a:endParaRPr lang="en-US"/>
+          </a:p>
+        </p:txBody>
+      </p:sp>
+      <p:sp>
+        <p:nvSpPr>
+          <p:cNvPr id="2" name="Title 1">
+            <a:extLst>
+              <a:ext uri="{FF2B5EF4-FFF2-40B4-BE49-F238E27FC236}">
+                <a16:creationId xmlns:a16="http://schemas.microsoft.com/office/drawing/2014/main" id="{426D484C-FF8D-83BB-DFB0-120EB27EFCB3}"/>
+              </a:ext>
+            </a:extLst>
+          </p:cNvPr>
+          <p:cNvSpPr>
+            <a:spLocks noGrp="1"/>
+          </p:cNvSpPr>
+          <p:nvPr>
+            <p:ph type="title"/>
+          </p:nvPr>
+        </p:nvSpPr>
+        <p:spPr>
+          <a:xfrm>
+            <a:off x="6094412" y="5239131"/>
+            <a:ext cx="5279490" cy="960087"/>
+          </a:xfrm>
+        </p:spPr>
+        <p:txBody>
+          <a:bodyPr vert="horz" lIns="91440" tIns="45720" rIns="91440" bIns="45720" rtlCol="0" anchor="t">
+            <a:normAutofit/>
+          </a:bodyPr>
+          <a:lstStyle/>
+          <a:p>
+            <a:r>
+              <a:rPr lang="en-US">
+                <a:solidFill>
+                  <a:srgbClr val="FFFFFE"/>
+                </a:solidFill>
+              </a:rPr>
+              <a:t>Ways to select Features</a:t>
+            </a:r>
+          </a:p>
+        </p:txBody>
+      </p:sp>
+      <p:cxnSp>
+        <p:nvCxnSpPr>
+          <p:cNvPr id="19" name="Straight Connector 18">
+            <a:extLst>
+              <a:ext uri="{FF2B5EF4-FFF2-40B4-BE49-F238E27FC236}">
+                <a16:creationId xmlns:a16="http://schemas.microsoft.com/office/drawing/2014/main" id="{3781A10F-5DF6-4C9B-AE0B-5249E4399D26}"/>
+              </a:ext>
+              <a:ext uri="{C183D7F6-B498-43B3-948B-1728B52AA6E4}">
+                <adec:decorative xmlns:adec="http://schemas.microsoft.com/office/drawing/2017/decorative" val="1"/>
+              </a:ext>
+            </a:extLst>
+          </p:cNvPr>
+          <p:cNvCxnSpPr>
+            <a:cxnSpLocks noGrp="1" noRot="1" noChangeAspect="1" noMove="1" noResize="1" noEditPoints="1" noAdjustHandles="1" noChangeArrowheads="1" noChangeShapeType="1"/>
+          </p:cNvCxnSpPr>
+          <p:nvPr>
+            <p:extLst>
+              <p:ext uri="{386F3935-93C4-4BCD-93E2-E3B085C9AB24}">
+                <p16:designElem xmlns:p16="http://schemas.microsoft.com/office/powerpoint/2015/main" val="1"/>
+              </p:ext>
+            </p:extLst>
+          </p:nvPr>
+        </p:nvCxnSpPr>
+        <p:spPr>
+          <a:xfrm>
+            <a:off x="6094411" y="5073596"/>
+            <a:ext cx="5283196" cy="0"/>
+          </a:xfrm>
+          <a:prstGeom prst="line">
+            <a:avLst/>
+          </a:prstGeom>
+          <a:ln w="31750"/>
+        </p:spPr>
+        <p:style>
+          <a:lnRef idx="3">
+            <a:schemeClr val="accent1"/>
+          </a:lnRef>
+          <a:fillRef idx="0">
+            <a:schemeClr val="accent1"/>
+          </a:fillRef>
+          <a:effectRef idx="2">
+            <a:schemeClr val="accent1"/>
+          </a:effectRef>
+          <a:fontRef idx="minor">
+            <a:schemeClr val="tx1"/>
+          </a:fontRef>
+        </p:style>
+      </p:cxnSp>
+    </p:spTree>
+    <p:extLst>
+      <p:ext uri="{BB962C8B-B14F-4D97-AF65-F5344CB8AC3E}">
+        <p14:creationId xmlns:p14="http://schemas.microsoft.com/office/powerpoint/2010/main" val="1741196895"/>
+      </p:ext>
+    </p:extLst>
+  </p:cSld>
+  <p:clrMapOvr>
+    <a:masterClrMapping/>
+  </p:clrMapOvr>
+</p:sld>
+</file>
+
+<file path=ppt/slides/slide13.xml><?xml version="1.0" encoding="utf-8"?>
+<p:sld xmlns:a="http://schemas.openxmlformats.org/drawingml/2006/main" xmlns:r="http://schemas.openxmlformats.org/officeDocument/2006/relationships" xmlns:p="http://schemas.openxmlformats.org/presentationml/2006/main">
+  <p:cSld>
+    <p:spTree>
+      <p:nvGrpSpPr>
+        <p:cNvPr id="1" name=""/>
+        <p:cNvGrpSpPr/>
+        <p:nvPr/>
+      </p:nvGrpSpPr>
+      <p:grpSpPr>
+        <a:xfrm>
+          <a:off x="0" y="0"/>
+          <a:ext cx="0" cy="0"/>
+          <a:chOff x="0" y="0"/>
+          <a:chExt cx="0" cy="0"/>
+        </a:xfrm>
+      </p:grpSpPr>
+      <p:sp>
+        <p:nvSpPr>
+          <p:cNvPr id="2" name="Title 1">
+            <a:extLst>
+              <a:ext uri="{FF2B5EF4-FFF2-40B4-BE49-F238E27FC236}">
+                <a16:creationId xmlns:a16="http://schemas.microsoft.com/office/drawing/2014/main" id="{42E863E3-F478-F0BC-9B1F-E82FD8E57BAD}"/>
+              </a:ext>
+            </a:extLst>
+          </p:cNvPr>
+          <p:cNvSpPr>
+            <a:spLocks noGrp="1"/>
+          </p:cNvSpPr>
+          <p:nvPr>
+            <p:ph type="title"/>
+          </p:nvPr>
+        </p:nvSpPr>
+        <p:spPr/>
+        <p:txBody>
+          <a:bodyPr/>
+          <a:lstStyle/>
+          <a:p>
+            <a:r>
+              <a:rPr lang="en-US" dirty="0"/>
+              <a:t>How to do Selection</a:t>
+            </a:r>
+          </a:p>
+        </p:txBody>
+      </p:sp>
+      <p:sp>
+        <p:nvSpPr>
+          <p:cNvPr id="3" name="Content Placeholder 2">
+            <a:extLst>
+              <a:ext uri="{FF2B5EF4-FFF2-40B4-BE49-F238E27FC236}">
+                <a16:creationId xmlns:a16="http://schemas.microsoft.com/office/drawing/2014/main" id="{7A23DD63-E1F7-4DCD-6739-EEEE3E0B8686}"/>
+              </a:ext>
+            </a:extLst>
+          </p:cNvPr>
+          <p:cNvSpPr>
+            <a:spLocks noGrp="1"/>
+          </p:cNvSpPr>
+          <p:nvPr>
+            <p:ph idx="1"/>
+          </p:nvPr>
+        </p:nvSpPr>
+        <p:spPr>
+          <a:xfrm>
+            <a:off x="1341783" y="1853754"/>
+            <a:ext cx="9713071" cy="4119663"/>
+          </a:xfrm>
+        </p:spPr>
+        <p:txBody>
+          <a:bodyPr/>
+          <a:lstStyle/>
+          <a:p>
+            <a:r>
+              <a:rPr lang="en-US" dirty="0"/>
+              <a:t>There are several methods to evaluate how good a feature is, each different. </a:t>
+            </a:r>
+          </a:p>
+          <a:p>
+            <a:r>
+              <a:rPr lang="en-US" dirty="0"/>
+              <a:t>They may agree, but they may not – it can vary, somewhat unpredictably. </a:t>
+            </a:r>
+          </a:p>
+          <a:p>
+            <a:pPr lvl="1"/>
+            <a:r>
+              <a:rPr lang="en-US" dirty="0"/>
+              <a:t>If several methods say a feature is less important, it probably is. </a:t>
+            </a:r>
+          </a:p>
+          <a:p>
+            <a:pPr lvl="1"/>
+            <a:r>
+              <a:rPr lang="en-US" dirty="0"/>
+              <a:t>If several methods say a feature is more important, it probably is. </a:t>
+            </a:r>
+          </a:p>
+          <a:p>
+            <a:r>
+              <a:rPr lang="en-US" dirty="0"/>
+              <a:t>There are a few complications to this:</a:t>
+            </a:r>
+          </a:p>
+          <a:p>
+            <a:pPr lvl="1"/>
+            <a:r>
+              <a:rPr lang="en-US" dirty="0"/>
+              <a:t>Relationships, in complex data, might not be so simple – e.g. combo of features to target. </a:t>
+            </a:r>
+          </a:p>
+          <a:p>
+            <a:pPr lvl="1"/>
+            <a:r>
+              <a:rPr lang="en-US" dirty="0"/>
+              <a:t>Multicollinearity – multiple features containing the same information. Algorithm can’t weight importance of each feature since the important info could be sourced from multiple features.</a:t>
+            </a:r>
+          </a:p>
+        </p:txBody>
+      </p:sp>
+    </p:spTree>
+    <p:extLst>
+      <p:ext uri="{BB962C8B-B14F-4D97-AF65-F5344CB8AC3E}">
+        <p14:creationId xmlns:p14="http://schemas.microsoft.com/office/powerpoint/2010/main" val="3290056340"/>
+      </p:ext>
+    </p:extLst>
+  </p:cSld>
+  <p:clrMapOvr>
+    <a:masterClrMapping/>
+  </p:clrMapOvr>
+</p:sld>
+</file>
+
+<file path=ppt/slides/slide14.xml><?xml version="1.0" encoding="utf-8"?>
+<p:sld xmlns:a="http://schemas.openxmlformats.org/drawingml/2006/main" xmlns:r="http://schemas.openxmlformats.org/officeDocument/2006/relationships" xmlns:p="http://schemas.openxmlformats.org/presentationml/2006/main">
+  <p:cSld>
+    <p:bg>
+      <p:bgPr>
+        <a:gradFill rotWithShape="1">
+          <a:gsLst>
+            <a:gs pos="0">
+              <a:schemeClr val="bg2">
+                <a:tint val="94000"/>
+                <a:satMod val="80000"/>
+                <a:lumMod val="106000"/>
+              </a:schemeClr>
+            </a:gs>
+            <a:gs pos="100000">
+              <a:schemeClr val="bg2">
+                <a:shade val="80000"/>
+              </a:schemeClr>
+            </a:gs>
+          </a:gsLst>
+          <a:path path="circle">
+            <a:fillToRect l="43000" r="43000" b="100000"/>
+          </a:path>
+        </a:gradFill>
+        <a:effectLst/>
+      </p:bgPr>
+    </p:bg>
+    <p:spTree>
+      <p:nvGrpSpPr>
+        <p:cNvPr id="1" name=""/>
+        <p:cNvGrpSpPr/>
+        <p:nvPr/>
+      </p:nvGrpSpPr>
+      <p:grpSpPr>
+        <a:xfrm>
+          <a:off x="0" y="0"/>
+          <a:ext cx="0" cy="0"/>
+          <a:chOff x="0" y="0"/>
+          <a:chExt cx="0" cy="0"/>
+        </a:xfrm>
+      </p:grpSpPr>
+      <p:sp>
+        <p:nvSpPr>
           <p:cNvPr id="2" name="Title 1">
             <a:extLst>
               <a:ext uri="{FF2B5EF4-FFF2-40B4-BE49-F238E27FC236}">
@@ -4446,13 +4775,6 @@
             <a:r>
               <a:rPr lang="en-US" dirty="0"/>
               <a:t>Relative Importance in Multicollinearity</a:t>
-            </a:r>
-            <a:br>
-              <a:rPr lang="en-US" dirty="0"/>
-            </a:br>
-            <a:r>
-              <a:rPr lang="en-US" dirty="0"/>
-              <a:t>(We’ll do Example – stats 023)</a:t>
             </a:r>
           </a:p>
         </p:txBody>
@@ -4589,7 +4911,7 @@
 </p:sld>
 </file>
 
-<file path=ppt/slides/slide13.xml><?xml version="1.0" encoding="utf-8"?>
+<file path=ppt/slides/slide15.xml><?xml version="1.0" encoding="utf-8"?>
 <p:sld xmlns:a="http://schemas.openxmlformats.org/drawingml/2006/main" xmlns:r="http://schemas.openxmlformats.org/officeDocument/2006/relationships" xmlns:p="http://schemas.openxmlformats.org/presentationml/2006/main">
   <p:cSld>
     <p:spTree>
@@ -4767,7 +5089,7 @@
 </p:sld>
 </file>
 
-<file path=ppt/slides/slide14.xml><?xml version="1.0" encoding="utf-8"?>
+<file path=ppt/slides/slide16.xml><?xml version="1.0" encoding="utf-8"?>
 <p:sld xmlns:a="http://schemas.openxmlformats.org/drawingml/2006/main" xmlns:r="http://schemas.openxmlformats.org/officeDocument/2006/relationships" xmlns:p="http://schemas.openxmlformats.org/presentationml/2006/main">
   <p:cSld>
     <p:spTree>
@@ -4983,7 +5305,7 @@
 </p:sld>
 </file>
 
-<file path=ppt/slides/slide15.xml><?xml version="1.0" encoding="utf-8"?>
+<file path=ppt/slides/slide17.xml><?xml version="1.0" encoding="utf-8"?>
 <p:sld xmlns:a="http://schemas.openxmlformats.org/drawingml/2006/main" xmlns:r="http://schemas.openxmlformats.org/officeDocument/2006/relationships" xmlns:p="http://schemas.openxmlformats.org/presentationml/2006/main">
   <p:cSld>
     <p:spTree>
@@ -5117,7 +5439,7 @@
 </p:sld>
 </file>
 
-<file path=ppt/slides/slide16.xml><?xml version="1.0" encoding="utf-8"?>
+<file path=ppt/slides/slide18.xml><?xml version="1.0" encoding="utf-8"?>
 <p:sld xmlns:a="http://schemas.openxmlformats.org/drawingml/2006/main" xmlns:r="http://schemas.openxmlformats.org/officeDocument/2006/relationships" xmlns:p="http://schemas.openxmlformats.org/presentationml/2006/main">
   <p:cSld>
     <p:spTree>
@@ -5546,7 +5868,7 @@
 </p:sld>
 </file>
 
-<file path=ppt/slides/slide17.xml><?xml version="1.0" encoding="utf-8"?>
+<file path=ppt/slides/slide19.xml><?xml version="1.0" encoding="utf-8"?>
 <p:sld xmlns:a="http://schemas.openxmlformats.org/drawingml/2006/main" xmlns:r="http://schemas.openxmlformats.org/officeDocument/2006/relationships" xmlns:p="http://schemas.openxmlformats.org/presentationml/2006/main">
   <p:cSld>
     <p:spTree>
@@ -5684,7 +6006,90 @@
 </p:sld>
 </file>
 
-<file path=ppt/slides/slide18.xml><?xml version="1.0" encoding="utf-8"?>
+<file path=ppt/slides/slide2.xml><?xml version="1.0" encoding="utf-8"?>
+<p:sld xmlns:a="http://schemas.openxmlformats.org/drawingml/2006/main" xmlns:r="http://schemas.openxmlformats.org/officeDocument/2006/relationships" xmlns:p="http://schemas.openxmlformats.org/presentationml/2006/main">
+  <p:cSld>
+    <p:spTree>
+      <p:nvGrpSpPr>
+        <p:cNvPr id="1" name=""/>
+        <p:cNvGrpSpPr/>
+        <p:nvPr/>
+      </p:nvGrpSpPr>
+      <p:grpSpPr>
+        <a:xfrm>
+          <a:off x="0" y="0"/>
+          <a:ext cx="0" cy="0"/>
+          <a:chOff x="0" y="0"/>
+          <a:chExt cx="0" cy="0"/>
+        </a:xfrm>
+      </p:grpSpPr>
+      <p:sp>
+        <p:nvSpPr>
+          <p:cNvPr id="2" name="Title 1">
+            <a:extLst>
+              <a:ext uri="{FF2B5EF4-FFF2-40B4-BE49-F238E27FC236}">
+                <a16:creationId xmlns:a16="http://schemas.microsoft.com/office/drawing/2014/main" id="{4479753A-2A8C-F149-8035-FB4E6ADA2349}"/>
+              </a:ext>
+            </a:extLst>
+          </p:cNvPr>
+          <p:cNvSpPr>
+            <a:spLocks noGrp="1"/>
+          </p:cNvSpPr>
+          <p:nvPr>
+            <p:ph type="ctrTitle"/>
+          </p:nvPr>
+        </p:nvSpPr>
+        <p:spPr/>
+        <p:txBody>
+          <a:bodyPr/>
+          <a:lstStyle/>
+          <a:p>
+            <a:r>
+              <a:rPr lang="en-US" dirty="0"/>
+              <a:t>Feature Selection</a:t>
+            </a:r>
+          </a:p>
+        </p:txBody>
+      </p:sp>
+      <p:sp>
+        <p:nvSpPr>
+          <p:cNvPr id="3" name="Subtitle 2">
+            <a:extLst>
+              <a:ext uri="{FF2B5EF4-FFF2-40B4-BE49-F238E27FC236}">
+                <a16:creationId xmlns:a16="http://schemas.microsoft.com/office/drawing/2014/main" id="{6EDDED44-6CBD-694F-83C3-CECD1E53689E}"/>
+              </a:ext>
+            </a:extLst>
+          </p:cNvPr>
+          <p:cNvSpPr>
+            <a:spLocks noGrp="1"/>
+          </p:cNvSpPr>
+          <p:nvPr>
+            <p:ph type="subTitle" idx="1"/>
+          </p:nvPr>
+        </p:nvSpPr>
+        <p:spPr/>
+        <p:txBody>
+          <a:bodyPr/>
+          <a:lstStyle/>
+          <a:p>
+            <a:endParaRPr lang="en-US"/>
+          </a:p>
+        </p:txBody>
+      </p:sp>
+    </p:spTree>
+    <p:extLst>
+      <p:ext uri="{BB962C8B-B14F-4D97-AF65-F5344CB8AC3E}">
+        <p14:creationId xmlns:p14="http://schemas.microsoft.com/office/powerpoint/2010/main" val="844244035"/>
+      </p:ext>
+    </p:extLst>
+  </p:cSld>
+  <p:clrMapOvr>
+    <a:masterClrMapping/>
+  </p:clrMapOvr>
+</p:sld>
+</file>
+
+<file path=ppt/slides/slide20.xml><?xml version="1.0" encoding="utf-8"?>
 <p:sld xmlns:a="http://schemas.openxmlformats.org/drawingml/2006/main" xmlns:r="http://schemas.openxmlformats.org/officeDocument/2006/relationships" xmlns:p="http://schemas.openxmlformats.org/presentationml/2006/main">
   <p:cSld>
     <p:spTree>
@@ -5811,7 +6216,7 @@
 </p:sld>
 </file>
 
-<file path=ppt/slides/slide19.xml><?xml version="1.0" encoding="utf-8"?>
+<file path=ppt/slides/slide21.xml><?xml version="1.0" encoding="utf-8"?>
 <p:sld xmlns:a="http://schemas.openxmlformats.org/drawingml/2006/main" xmlns:r="http://schemas.openxmlformats.org/officeDocument/2006/relationships" xmlns:p="http://schemas.openxmlformats.org/presentationml/2006/main">
   <p:cSld>
     <p:spTree>
@@ -5936,90 +6341,7 @@
 </p:sld>
 </file>
 
-<file path=ppt/slides/slide2.xml><?xml version="1.0" encoding="utf-8"?>
-<p:sld xmlns:a="http://schemas.openxmlformats.org/drawingml/2006/main" xmlns:r="http://schemas.openxmlformats.org/officeDocument/2006/relationships" xmlns:p="http://schemas.openxmlformats.org/presentationml/2006/main">
-  <p:cSld>
-    <p:spTree>
-      <p:nvGrpSpPr>
-        <p:cNvPr id="1" name=""/>
-        <p:cNvGrpSpPr/>
-        <p:nvPr/>
-      </p:nvGrpSpPr>
-      <p:grpSpPr>
-        <a:xfrm>
-          <a:off x="0" y="0"/>
-          <a:ext cx="0" cy="0"/>
-          <a:chOff x="0" y="0"/>
-          <a:chExt cx="0" cy="0"/>
-        </a:xfrm>
-      </p:grpSpPr>
-      <p:sp>
-        <p:nvSpPr>
-          <p:cNvPr id="2" name="Title 1">
-            <a:extLst>
-              <a:ext uri="{FF2B5EF4-FFF2-40B4-BE49-F238E27FC236}">
-                <a16:creationId xmlns:a16="http://schemas.microsoft.com/office/drawing/2014/main" id="{4479753A-2A8C-F149-8035-FB4E6ADA2349}"/>
-              </a:ext>
-            </a:extLst>
-          </p:cNvPr>
-          <p:cNvSpPr>
-            <a:spLocks noGrp="1"/>
-          </p:cNvSpPr>
-          <p:nvPr>
-            <p:ph type="ctrTitle"/>
-          </p:nvPr>
-        </p:nvSpPr>
-        <p:spPr/>
-        <p:txBody>
-          <a:bodyPr/>
-          <a:lstStyle/>
-          <a:p>
-            <a:r>
-              <a:rPr lang="en-US" dirty="0"/>
-              <a:t>Feature Selection</a:t>
-            </a:r>
-          </a:p>
-        </p:txBody>
-      </p:sp>
-      <p:sp>
-        <p:nvSpPr>
-          <p:cNvPr id="3" name="Subtitle 2">
-            <a:extLst>
-              <a:ext uri="{FF2B5EF4-FFF2-40B4-BE49-F238E27FC236}">
-                <a16:creationId xmlns:a16="http://schemas.microsoft.com/office/drawing/2014/main" id="{6EDDED44-6CBD-694F-83C3-CECD1E53689E}"/>
-              </a:ext>
-            </a:extLst>
-          </p:cNvPr>
-          <p:cNvSpPr>
-            <a:spLocks noGrp="1"/>
-          </p:cNvSpPr>
-          <p:nvPr>
-            <p:ph type="subTitle" idx="1"/>
-          </p:nvPr>
-        </p:nvSpPr>
-        <p:spPr/>
-        <p:txBody>
-          <a:bodyPr/>
-          <a:lstStyle/>
-          <a:p>
-            <a:endParaRPr lang="en-US"/>
-          </a:p>
-        </p:txBody>
-      </p:sp>
-    </p:spTree>
-    <p:extLst>
-      <p:ext uri="{BB962C8B-B14F-4D97-AF65-F5344CB8AC3E}">
-        <p14:creationId xmlns:p14="http://schemas.microsoft.com/office/powerpoint/2010/main" val="844244035"/>
-      </p:ext>
-    </p:extLst>
-  </p:cSld>
-  <p:clrMapOvr>
-    <a:masterClrMapping/>
-  </p:clrMapOvr>
-</p:sld>
-</file>
-
-<file path=ppt/slides/slide20.xml><?xml version="1.0" encoding="utf-8"?>
+<file path=ppt/slides/slide22.xml><?xml version="1.0" encoding="utf-8"?>
 <p:sld xmlns:a="http://schemas.openxmlformats.org/drawingml/2006/main" xmlns:r="http://schemas.openxmlformats.org/officeDocument/2006/relationships" xmlns:p="http://schemas.openxmlformats.org/presentationml/2006/main">
   <p:cSld>
     <p:bg>
@@ -6475,311 +6797,6 @@
 </p:sld>
 </file>
 
-<file path=ppt/slides/slide21.xml><?xml version="1.0" encoding="utf-8"?>
-<p:sld xmlns:a="http://schemas.openxmlformats.org/drawingml/2006/main" xmlns:r="http://schemas.openxmlformats.org/officeDocument/2006/relationships" xmlns:p="http://schemas.openxmlformats.org/presentationml/2006/main">
-  <p:cSld>
-    <p:spTree>
-      <p:nvGrpSpPr>
-        <p:cNvPr id="1" name=""/>
-        <p:cNvGrpSpPr/>
-        <p:nvPr/>
-      </p:nvGrpSpPr>
-      <p:grpSpPr>
-        <a:xfrm>
-          <a:off x="0" y="0"/>
-          <a:ext cx="0" cy="0"/>
-          <a:chOff x="0" y="0"/>
-          <a:chExt cx="0" cy="0"/>
-        </a:xfrm>
-      </p:grpSpPr>
-      <p:sp>
-        <p:nvSpPr>
-          <p:cNvPr id="2" name="Title 1">
-            <a:extLst>
-              <a:ext uri="{FF2B5EF4-FFF2-40B4-BE49-F238E27FC236}">
-                <a16:creationId xmlns:a16="http://schemas.microsoft.com/office/drawing/2014/main" id="{2CA29D0D-FA1E-CEBC-04C5-85BCB7DA7367}"/>
-              </a:ext>
-            </a:extLst>
-          </p:cNvPr>
-          <p:cNvSpPr>
-            <a:spLocks noGrp="1"/>
-          </p:cNvSpPr>
-          <p:nvPr>
-            <p:ph type="title"/>
-          </p:nvPr>
-        </p:nvSpPr>
-        <p:spPr/>
-        <p:txBody>
-          <a:bodyPr/>
-          <a:lstStyle/>
-          <a:p>
-            <a:r>
-              <a:rPr lang="en-US" dirty="0"/>
-              <a:t>Do we Select? </a:t>
-            </a:r>
-          </a:p>
-        </p:txBody>
-      </p:sp>
-      <p:sp>
-        <p:nvSpPr>
-          <p:cNvPr id="3" name="Content Placeholder 2">
-            <a:extLst>
-              <a:ext uri="{FF2B5EF4-FFF2-40B4-BE49-F238E27FC236}">
-                <a16:creationId xmlns:a16="http://schemas.microsoft.com/office/drawing/2014/main" id="{BD241134-7F19-81C1-4108-D885B995317D}"/>
-              </a:ext>
-            </a:extLst>
-          </p:cNvPr>
-          <p:cNvSpPr>
-            <a:spLocks noGrp="1"/>
-          </p:cNvSpPr>
-          <p:nvPr>
-            <p:ph idx="1"/>
-          </p:nvPr>
-        </p:nvSpPr>
-        <p:spPr>
-          <a:xfrm>
-            <a:off x="874644" y="1853754"/>
-            <a:ext cx="11141766" cy="4199728"/>
-          </a:xfrm>
-        </p:spPr>
-        <p:txBody>
-          <a:bodyPr>
-            <a:normAutofit fontScale="92500" lnSpcReduction="10000"/>
-          </a:bodyPr>
-          <a:lstStyle/>
-          <a:p>
-            <a:r>
-              <a:rPr lang="en-US" dirty="0"/>
-              <a:t>As noted, removing features makes the model more ‘efficient’ but doesn’t normally raise the ceiling. </a:t>
-            </a:r>
-          </a:p>
-          <a:p>
-            <a:r>
-              <a:rPr lang="en-US" dirty="0"/>
-              <a:t>Selecting features makes the most sense when:</a:t>
-            </a:r>
-          </a:p>
-          <a:p>
-            <a:pPr lvl="1"/>
-            <a:r>
-              <a:rPr lang="en-US" b="1" dirty="0"/>
-              <a:t>There’s some substantial domain knowledge where you know something about importance. </a:t>
-            </a:r>
-          </a:p>
-          <a:p>
-            <a:pPr lvl="1"/>
-            <a:r>
-              <a:rPr lang="en-US" dirty="0"/>
-              <a:t>In our scenarios, the features are kind of random values, in reality they’re measurements of actual real stuff.</a:t>
-            </a:r>
-          </a:p>
-          <a:p>
-            <a:pPr lvl="1"/>
-            <a:r>
-              <a:rPr lang="en-US" dirty="0"/>
-              <a:t>The process needs to be somewhat understandable or explainable. </a:t>
-            </a:r>
-          </a:p>
-          <a:p>
-            <a:pPr lvl="1"/>
-            <a:r>
-              <a:rPr lang="en-US" dirty="0"/>
-              <a:t>The training data is limited, as a too high wide/tall ratio will tend to overfitting. </a:t>
-            </a:r>
-            <a:r>
-              <a:rPr lang="en-US" b="1" dirty="0"/>
-              <a:t>If data is limited, it matters. </a:t>
-            </a:r>
-            <a:endParaRPr lang="en-US" dirty="0"/>
-          </a:p>
-          <a:p>
-            <a:r>
-              <a:rPr lang="en-US" dirty="0"/>
-              <a:t>Simple is (usually) better for most cases in practice. </a:t>
-            </a:r>
-          </a:p>
-          <a:p>
-            <a:pPr lvl="1"/>
-            <a:r>
-              <a:rPr lang="en-US" dirty="0"/>
-              <a:t>Feature selection will make more of an impact with smaller, simpler models and data. </a:t>
-            </a:r>
-            <a:endParaRPr lang="en-US" b="1" dirty="0"/>
-          </a:p>
-          <a:p>
-            <a:pPr lvl="1"/>
-            <a:r>
-              <a:rPr lang="en-US" dirty="0"/>
-              <a:t>Can unlock better performance on large models by allowing quicker trials. </a:t>
-            </a:r>
-          </a:p>
-          <a:p>
-            <a:pPr lvl="1"/>
-            <a:r>
-              <a:rPr lang="en-US" dirty="0"/>
-              <a:t>In many real-life scenarios, bias error might not be the worst. E.g. a bank will default to ‘generalizing’.</a:t>
-            </a:r>
-          </a:p>
-          <a:p>
-            <a:pPr lvl="1"/>
-            <a:r>
-              <a:rPr lang="en-US" dirty="0"/>
-              <a:t>Work ‘up’ in complexity – there’s no use getting 2% better from a model that is 20x larger (usually).</a:t>
-            </a:r>
-          </a:p>
-          <a:p>
-            <a:endParaRPr lang="en-US" dirty="0"/>
-          </a:p>
-        </p:txBody>
-      </p:sp>
-    </p:spTree>
-    <p:extLst>
-      <p:ext uri="{BB962C8B-B14F-4D97-AF65-F5344CB8AC3E}">
-        <p14:creationId xmlns:p14="http://schemas.microsoft.com/office/powerpoint/2010/main" val="342955639"/>
-      </p:ext>
-    </p:extLst>
-  </p:cSld>
-  <p:clrMapOvr>
-    <a:masterClrMapping/>
-  </p:clrMapOvr>
-</p:sld>
-</file>
-
-<file path=ppt/slides/slide22.xml><?xml version="1.0" encoding="utf-8"?>
-<p:sld xmlns:a="http://schemas.openxmlformats.org/drawingml/2006/main" xmlns:r="http://schemas.openxmlformats.org/officeDocument/2006/relationships" xmlns:p="http://schemas.openxmlformats.org/presentationml/2006/main">
-  <p:cSld>
-    <p:spTree>
-      <p:nvGrpSpPr>
-        <p:cNvPr id="1" name=""/>
-        <p:cNvGrpSpPr/>
-        <p:nvPr/>
-      </p:nvGrpSpPr>
-      <p:grpSpPr>
-        <a:xfrm>
-          <a:off x="0" y="0"/>
-          <a:ext cx="0" cy="0"/>
-          <a:chOff x="0" y="0"/>
-          <a:chExt cx="0" cy="0"/>
-        </a:xfrm>
-      </p:grpSpPr>
-      <p:sp>
-        <p:nvSpPr>
-          <p:cNvPr id="2" name="Title 1">
-            <a:extLst>
-              <a:ext uri="{FF2B5EF4-FFF2-40B4-BE49-F238E27FC236}">
-                <a16:creationId xmlns:a16="http://schemas.microsoft.com/office/drawing/2014/main" id="{65D5BC61-74C0-D8DB-21FC-4D58523C8D00}"/>
-              </a:ext>
-            </a:extLst>
-          </p:cNvPr>
-          <p:cNvSpPr>
-            <a:spLocks noGrp="1"/>
-          </p:cNvSpPr>
-          <p:nvPr>
-            <p:ph type="title"/>
-          </p:nvPr>
-        </p:nvSpPr>
-        <p:spPr/>
-        <p:txBody>
-          <a:bodyPr/>
-          <a:lstStyle/>
-          <a:p>
-            <a:r>
-              <a:rPr lang="en-US" dirty="0"/>
-              <a:t>So…</a:t>
-            </a:r>
-          </a:p>
-        </p:txBody>
-      </p:sp>
-      <p:sp>
-        <p:nvSpPr>
-          <p:cNvPr id="3" name="Content Placeholder 2">
-            <a:extLst>
-              <a:ext uri="{FF2B5EF4-FFF2-40B4-BE49-F238E27FC236}">
-                <a16:creationId xmlns:a16="http://schemas.microsoft.com/office/drawing/2014/main" id="{8BFC246F-491C-D9C4-8B84-5A1060772B6E}"/>
-              </a:ext>
-            </a:extLst>
-          </p:cNvPr>
-          <p:cNvSpPr>
-            <a:spLocks noGrp="1"/>
-          </p:cNvSpPr>
-          <p:nvPr>
-            <p:ph idx="1"/>
-          </p:nvPr>
-        </p:nvSpPr>
-        <p:spPr>
-          <a:xfrm>
-            <a:off x="1451579" y="1853754"/>
-            <a:ext cx="9603275" cy="4199727"/>
-          </a:xfrm>
-        </p:spPr>
-        <p:txBody>
-          <a:bodyPr/>
-          <a:lstStyle/>
-          <a:p>
-            <a:r>
-              <a:rPr lang="en-US" dirty="0"/>
-              <a:t>Performing feature selection will rarely, if ever, make large accuracy differences. </a:t>
-            </a:r>
-          </a:p>
-          <a:p>
-            <a:pPr lvl="1"/>
-            <a:r>
-              <a:rPr lang="en-US" dirty="0"/>
-              <a:t>That requires ensuring a model that fits well. </a:t>
-            </a:r>
-          </a:p>
-          <a:p>
-            <a:r>
-              <a:rPr lang="en-US" dirty="0"/>
-              <a:t>More features are theoretically better for peak accuracy, as long as they are relevant. </a:t>
-            </a:r>
-          </a:p>
-          <a:p>
-            <a:r>
-              <a:rPr lang="en-US" dirty="0"/>
-              <a:t>To ‘use’ the info in larger numbers of features we need more complex models. </a:t>
-            </a:r>
-          </a:p>
-          <a:p>
-            <a:r>
-              <a:rPr lang="en-US" dirty="0"/>
-              <a:t>To constrain overfitting with complex models, we need lots of data. </a:t>
-            </a:r>
-          </a:p>
-          <a:p>
-            <a:r>
-              <a:rPr lang="en-US" dirty="0"/>
-              <a:t>We’re mostly doing things for learning/experience, so we tend to pursue accuracy. </a:t>
-            </a:r>
-          </a:p>
-          <a:p>
-            <a:r>
-              <a:rPr lang="en-US" dirty="0"/>
-              <a:t>In reality, many/most scenarios we want the simplest thing that does the job. </a:t>
-            </a:r>
-          </a:p>
-          <a:p>
-            <a:pPr lvl="1"/>
-            <a:r>
-              <a:rPr lang="en-US" dirty="0"/>
-              <a:t>The degree of accuracy that matters might not be the maximum, if there’s tradeoffs. </a:t>
-            </a:r>
-          </a:p>
-        </p:txBody>
-      </p:sp>
-    </p:spTree>
-    <p:extLst>
-      <p:ext uri="{BB962C8B-B14F-4D97-AF65-F5344CB8AC3E}">
-        <p14:creationId xmlns:p14="http://schemas.microsoft.com/office/powerpoint/2010/main" val="2646316890"/>
-      </p:ext>
-    </p:extLst>
-  </p:cSld>
-  <p:clrMapOvr>
-    <a:masterClrMapping/>
-  </p:clrMapOvr>
-</p:sld>
-</file>
-
 <file path=ppt/slides/slide23.xml><?xml version="1.0" encoding="utf-8"?>
 <p:sld xmlns:a="http://schemas.openxmlformats.org/drawingml/2006/main" xmlns:r="http://schemas.openxmlformats.org/officeDocument/2006/relationships" xmlns:p="http://schemas.openxmlformats.org/presentationml/2006/main">
   <p:cSld>
@@ -6802,6 +6819,311 @@
           <p:cNvPr id="2" name="Title 1">
             <a:extLst>
               <a:ext uri="{FF2B5EF4-FFF2-40B4-BE49-F238E27FC236}">
+                <a16:creationId xmlns:a16="http://schemas.microsoft.com/office/drawing/2014/main" id="{2CA29D0D-FA1E-CEBC-04C5-85BCB7DA7367}"/>
+              </a:ext>
+            </a:extLst>
+          </p:cNvPr>
+          <p:cNvSpPr>
+            <a:spLocks noGrp="1"/>
+          </p:cNvSpPr>
+          <p:nvPr>
+            <p:ph type="title"/>
+          </p:nvPr>
+        </p:nvSpPr>
+        <p:spPr/>
+        <p:txBody>
+          <a:bodyPr/>
+          <a:lstStyle/>
+          <a:p>
+            <a:r>
+              <a:rPr lang="en-US" dirty="0"/>
+              <a:t>Do we Select? </a:t>
+            </a:r>
+          </a:p>
+        </p:txBody>
+      </p:sp>
+      <p:sp>
+        <p:nvSpPr>
+          <p:cNvPr id="3" name="Content Placeholder 2">
+            <a:extLst>
+              <a:ext uri="{FF2B5EF4-FFF2-40B4-BE49-F238E27FC236}">
+                <a16:creationId xmlns:a16="http://schemas.microsoft.com/office/drawing/2014/main" id="{BD241134-7F19-81C1-4108-D885B995317D}"/>
+              </a:ext>
+            </a:extLst>
+          </p:cNvPr>
+          <p:cNvSpPr>
+            <a:spLocks noGrp="1"/>
+          </p:cNvSpPr>
+          <p:nvPr>
+            <p:ph idx="1"/>
+          </p:nvPr>
+        </p:nvSpPr>
+        <p:spPr>
+          <a:xfrm>
+            <a:off x="874644" y="1853754"/>
+            <a:ext cx="11141766" cy="4199728"/>
+          </a:xfrm>
+        </p:spPr>
+        <p:txBody>
+          <a:bodyPr>
+            <a:normAutofit fontScale="92500" lnSpcReduction="10000"/>
+          </a:bodyPr>
+          <a:lstStyle/>
+          <a:p>
+            <a:r>
+              <a:rPr lang="en-US" dirty="0"/>
+              <a:t>As noted, removing features makes the model more ‘efficient’ but doesn’t normally raise the ceiling. </a:t>
+            </a:r>
+          </a:p>
+          <a:p>
+            <a:r>
+              <a:rPr lang="en-US" dirty="0"/>
+              <a:t>Selecting features makes the most sense when:</a:t>
+            </a:r>
+          </a:p>
+          <a:p>
+            <a:pPr lvl="1"/>
+            <a:r>
+              <a:rPr lang="en-US" b="1" dirty="0"/>
+              <a:t>There’s some substantial domain knowledge where you know something about importance. </a:t>
+            </a:r>
+          </a:p>
+          <a:p>
+            <a:pPr lvl="1"/>
+            <a:r>
+              <a:rPr lang="en-US" dirty="0"/>
+              <a:t>In our scenarios, the features are kind of random values, in reality they’re measurements of actual real stuff.</a:t>
+            </a:r>
+          </a:p>
+          <a:p>
+            <a:pPr lvl="1"/>
+            <a:r>
+              <a:rPr lang="en-US" dirty="0"/>
+              <a:t>The process needs to be somewhat understandable or explainable. </a:t>
+            </a:r>
+          </a:p>
+          <a:p>
+            <a:pPr lvl="1"/>
+            <a:r>
+              <a:rPr lang="en-US" dirty="0"/>
+              <a:t>The training data is limited, as a too high wide/tall ratio will tend to overfitting. </a:t>
+            </a:r>
+            <a:r>
+              <a:rPr lang="en-US" b="1" dirty="0"/>
+              <a:t>If data is limited, it matters. </a:t>
+            </a:r>
+            <a:endParaRPr lang="en-US" dirty="0"/>
+          </a:p>
+          <a:p>
+            <a:r>
+              <a:rPr lang="en-US" dirty="0"/>
+              <a:t>Simple is (usually) better for most cases in practice. </a:t>
+            </a:r>
+          </a:p>
+          <a:p>
+            <a:pPr lvl="1"/>
+            <a:r>
+              <a:rPr lang="en-US" dirty="0"/>
+              <a:t>Feature selection will make more of an impact with smaller, simpler models and data. </a:t>
+            </a:r>
+            <a:endParaRPr lang="en-US" b="1" dirty="0"/>
+          </a:p>
+          <a:p>
+            <a:pPr lvl="1"/>
+            <a:r>
+              <a:rPr lang="en-US" dirty="0"/>
+              <a:t>Can unlock better performance on large models by allowing quicker trials. </a:t>
+            </a:r>
+          </a:p>
+          <a:p>
+            <a:pPr lvl="1"/>
+            <a:r>
+              <a:rPr lang="en-US" dirty="0"/>
+              <a:t>In many real-life scenarios, bias error might not be the worst. E.g. a bank will default to ‘generalizing’.</a:t>
+            </a:r>
+          </a:p>
+          <a:p>
+            <a:pPr lvl="1"/>
+            <a:r>
+              <a:rPr lang="en-US" dirty="0"/>
+              <a:t>Work ‘up’ in complexity – there’s no use getting 2% better from a model that is 20x larger (usually).</a:t>
+            </a:r>
+          </a:p>
+          <a:p>
+            <a:endParaRPr lang="en-US" dirty="0"/>
+          </a:p>
+        </p:txBody>
+      </p:sp>
+    </p:spTree>
+    <p:extLst>
+      <p:ext uri="{BB962C8B-B14F-4D97-AF65-F5344CB8AC3E}">
+        <p14:creationId xmlns:p14="http://schemas.microsoft.com/office/powerpoint/2010/main" val="342955639"/>
+      </p:ext>
+    </p:extLst>
+  </p:cSld>
+  <p:clrMapOvr>
+    <a:masterClrMapping/>
+  </p:clrMapOvr>
+</p:sld>
+</file>
+
+<file path=ppt/slides/slide24.xml><?xml version="1.0" encoding="utf-8"?>
+<p:sld xmlns:a="http://schemas.openxmlformats.org/drawingml/2006/main" xmlns:r="http://schemas.openxmlformats.org/officeDocument/2006/relationships" xmlns:p="http://schemas.openxmlformats.org/presentationml/2006/main">
+  <p:cSld>
+    <p:spTree>
+      <p:nvGrpSpPr>
+        <p:cNvPr id="1" name=""/>
+        <p:cNvGrpSpPr/>
+        <p:nvPr/>
+      </p:nvGrpSpPr>
+      <p:grpSpPr>
+        <a:xfrm>
+          <a:off x="0" y="0"/>
+          <a:ext cx="0" cy="0"/>
+          <a:chOff x="0" y="0"/>
+          <a:chExt cx="0" cy="0"/>
+        </a:xfrm>
+      </p:grpSpPr>
+      <p:sp>
+        <p:nvSpPr>
+          <p:cNvPr id="2" name="Title 1">
+            <a:extLst>
+              <a:ext uri="{FF2B5EF4-FFF2-40B4-BE49-F238E27FC236}">
+                <a16:creationId xmlns:a16="http://schemas.microsoft.com/office/drawing/2014/main" id="{65D5BC61-74C0-D8DB-21FC-4D58523C8D00}"/>
+              </a:ext>
+            </a:extLst>
+          </p:cNvPr>
+          <p:cNvSpPr>
+            <a:spLocks noGrp="1"/>
+          </p:cNvSpPr>
+          <p:nvPr>
+            <p:ph type="title"/>
+          </p:nvPr>
+        </p:nvSpPr>
+        <p:spPr/>
+        <p:txBody>
+          <a:bodyPr/>
+          <a:lstStyle/>
+          <a:p>
+            <a:r>
+              <a:rPr lang="en-US" dirty="0"/>
+              <a:t>So…</a:t>
+            </a:r>
+          </a:p>
+        </p:txBody>
+      </p:sp>
+      <p:sp>
+        <p:nvSpPr>
+          <p:cNvPr id="3" name="Content Placeholder 2">
+            <a:extLst>
+              <a:ext uri="{FF2B5EF4-FFF2-40B4-BE49-F238E27FC236}">
+                <a16:creationId xmlns:a16="http://schemas.microsoft.com/office/drawing/2014/main" id="{8BFC246F-491C-D9C4-8B84-5A1060772B6E}"/>
+              </a:ext>
+            </a:extLst>
+          </p:cNvPr>
+          <p:cNvSpPr>
+            <a:spLocks noGrp="1"/>
+          </p:cNvSpPr>
+          <p:nvPr>
+            <p:ph idx="1"/>
+          </p:nvPr>
+        </p:nvSpPr>
+        <p:spPr>
+          <a:xfrm>
+            <a:off x="1451579" y="1853754"/>
+            <a:ext cx="9603275" cy="4199727"/>
+          </a:xfrm>
+        </p:spPr>
+        <p:txBody>
+          <a:bodyPr/>
+          <a:lstStyle/>
+          <a:p>
+            <a:r>
+              <a:rPr lang="en-US" dirty="0"/>
+              <a:t>Performing feature selection will rarely, if ever, make large accuracy differences. </a:t>
+            </a:r>
+          </a:p>
+          <a:p>
+            <a:pPr lvl="1"/>
+            <a:r>
+              <a:rPr lang="en-US" dirty="0"/>
+              <a:t>That requires ensuring a model that fits well. </a:t>
+            </a:r>
+          </a:p>
+          <a:p>
+            <a:r>
+              <a:rPr lang="en-US" dirty="0"/>
+              <a:t>More features are theoretically better for peak accuracy, as long as they are relevant. </a:t>
+            </a:r>
+          </a:p>
+          <a:p>
+            <a:r>
+              <a:rPr lang="en-US" dirty="0"/>
+              <a:t>To ‘use’ the info in larger numbers of features we need more complex models. </a:t>
+            </a:r>
+          </a:p>
+          <a:p>
+            <a:r>
+              <a:rPr lang="en-US" dirty="0"/>
+              <a:t>To constrain overfitting with complex models, we need lots of data. </a:t>
+            </a:r>
+          </a:p>
+          <a:p>
+            <a:r>
+              <a:rPr lang="en-US" dirty="0"/>
+              <a:t>We’re mostly doing things for learning/experience, so we tend to pursue accuracy. </a:t>
+            </a:r>
+          </a:p>
+          <a:p>
+            <a:r>
+              <a:rPr lang="en-US" dirty="0"/>
+              <a:t>In reality, many/most scenarios we want the simplest thing that does the job. </a:t>
+            </a:r>
+          </a:p>
+          <a:p>
+            <a:pPr lvl="1"/>
+            <a:r>
+              <a:rPr lang="en-US" dirty="0"/>
+              <a:t>The degree of accuracy that matters might not be the maximum, if there’s tradeoffs. </a:t>
+            </a:r>
+          </a:p>
+        </p:txBody>
+      </p:sp>
+    </p:spTree>
+    <p:extLst>
+      <p:ext uri="{BB962C8B-B14F-4D97-AF65-F5344CB8AC3E}">
+        <p14:creationId xmlns:p14="http://schemas.microsoft.com/office/powerpoint/2010/main" val="2646316890"/>
+      </p:ext>
+    </p:extLst>
+  </p:cSld>
+  <p:clrMapOvr>
+    <a:masterClrMapping/>
+  </p:clrMapOvr>
+</p:sld>
+</file>
+
+<file path=ppt/slides/slide25.xml><?xml version="1.0" encoding="utf-8"?>
+<p:sld xmlns:a="http://schemas.openxmlformats.org/drawingml/2006/main" xmlns:r="http://schemas.openxmlformats.org/officeDocument/2006/relationships" xmlns:p="http://schemas.openxmlformats.org/presentationml/2006/main">
+  <p:cSld>
+    <p:spTree>
+      <p:nvGrpSpPr>
+        <p:cNvPr id="1" name=""/>
+        <p:cNvGrpSpPr/>
+        <p:nvPr/>
+      </p:nvGrpSpPr>
+      <p:grpSpPr>
+        <a:xfrm>
+          <a:off x="0" y="0"/>
+          <a:ext cx="0" cy="0"/>
+          <a:chOff x="0" y="0"/>
+          <a:chExt cx="0" cy="0"/>
+        </a:xfrm>
+      </p:grpSpPr>
+      <p:sp>
+        <p:nvSpPr>
+          <p:cNvPr id="2" name="Title 1">
+            <a:extLst>
+              <a:ext uri="{FF2B5EF4-FFF2-40B4-BE49-F238E27FC236}">
                 <a16:creationId xmlns:a16="http://schemas.microsoft.com/office/drawing/2014/main" id="{42B6E3C1-5B20-D524-8B03-2C9E50076095}"/>
               </a:ext>
             </a:extLst>
@@ -6922,7 +7244,459 @@
 </p:sld>
 </file>
 
-<file path=ppt/slides/slide24.xml><?xml version="1.0" encoding="utf-8"?>
+<file path=ppt/slides/slide26.xml><?xml version="1.0" encoding="utf-8"?>
+<p:sld xmlns:a="http://schemas.openxmlformats.org/drawingml/2006/main" xmlns:r="http://schemas.openxmlformats.org/officeDocument/2006/relationships" xmlns:p="http://schemas.openxmlformats.org/presentationml/2006/main">
+  <p:cSld>
+    <p:spTree>
+      <p:nvGrpSpPr>
+        <p:cNvPr id="1" name=""/>
+        <p:cNvGrpSpPr/>
+        <p:nvPr/>
+      </p:nvGrpSpPr>
+      <p:grpSpPr>
+        <a:xfrm>
+          <a:off x="0" y="0"/>
+          <a:ext cx="0" cy="0"/>
+          <a:chOff x="0" y="0"/>
+          <a:chExt cx="0" cy="0"/>
+        </a:xfrm>
+      </p:grpSpPr>
+      <p:sp>
+        <p:nvSpPr>
+          <p:cNvPr id="2" name="Title 1">
+            <a:extLst>
+              <a:ext uri="{FF2B5EF4-FFF2-40B4-BE49-F238E27FC236}">
+                <a16:creationId xmlns:a16="http://schemas.microsoft.com/office/drawing/2014/main" id="{8DD06797-DAA5-FF31-F4AC-8692D3079874}"/>
+              </a:ext>
+            </a:extLst>
+          </p:cNvPr>
+          <p:cNvSpPr>
+            <a:spLocks noGrp="1"/>
+          </p:cNvSpPr>
+          <p:nvPr>
+            <p:ph type="title"/>
+          </p:nvPr>
+        </p:nvSpPr>
+        <p:spPr/>
+        <p:txBody>
+          <a:bodyPr/>
+          <a:lstStyle/>
+          <a:p>
+            <a:r>
+              <a:rPr lang="en-US" dirty="0"/>
+              <a:t>Feature Construction</a:t>
+            </a:r>
+          </a:p>
+        </p:txBody>
+      </p:sp>
+      <p:sp>
+        <p:nvSpPr>
+          <p:cNvPr id="3" name="Content Placeholder 2">
+            <a:extLst>
+              <a:ext uri="{FF2B5EF4-FFF2-40B4-BE49-F238E27FC236}">
+                <a16:creationId xmlns:a16="http://schemas.microsoft.com/office/drawing/2014/main" id="{13992327-7D84-F1AF-AEE6-EE0C074E630C}"/>
+              </a:ext>
+            </a:extLst>
+          </p:cNvPr>
+          <p:cNvSpPr>
+            <a:spLocks noGrp="1"/>
+          </p:cNvSpPr>
+          <p:nvPr>
+            <p:ph idx="1"/>
+          </p:nvPr>
+        </p:nvSpPr>
+        <p:spPr>
+          <a:xfrm>
+            <a:off x="1451579" y="1853754"/>
+            <a:ext cx="9603275" cy="4199727"/>
+          </a:xfrm>
+        </p:spPr>
+        <p:txBody>
+          <a:bodyPr/>
+          <a:lstStyle/>
+          <a:p>
+            <a:r>
+              <a:rPr lang="en-US" dirty="0"/>
+              <a:t>We can also create new features out of the original data. </a:t>
+            </a:r>
+          </a:p>
+          <a:p>
+            <a:pPr lvl="1"/>
+            <a:r>
+              <a:rPr lang="en-US" dirty="0"/>
+              <a:t>PCA is one example of this we’ll see soon. </a:t>
+            </a:r>
+          </a:p>
+          <a:p>
+            <a:pPr lvl="1"/>
+            <a:r>
+              <a:rPr lang="en-US" dirty="0"/>
+              <a:t>Neural networks kind of do this, though not as an explicit step. </a:t>
+            </a:r>
+          </a:p>
+          <a:p>
+            <a:r>
+              <a:rPr lang="en-US" dirty="0"/>
+              <a:t>In reality, this is pretty common:</a:t>
+            </a:r>
+          </a:p>
+          <a:p>
+            <a:pPr lvl="1"/>
+            <a:r>
+              <a:rPr lang="en-US" dirty="0"/>
+              <a:t>A retailer may calculate people in area, or within walking distance, or # of similar stores…</a:t>
+            </a:r>
+          </a:p>
+          <a:p>
+            <a:pPr lvl="1"/>
+            <a:r>
+              <a:rPr lang="en-US" dirty="0"/>
+              <a:t>A marketer may construct features to look back at recent advertising. </a:t>
+            </a:r>
+          </a:p>
+          <a:p>
+            <a:pPr lvl="1"/>
+            <a:r>
+              <a:rPr lang="en-US" dirty="0"/>
+              <a:t>Infection tracing looking for number of contacts. </a:t>
+            </a:r>
+          </a:p>
+          <a:p>
+            <a:r>
+              <a:rPr lang="en-US" dirty="0"/>
+              <a:t>What we can need and what we can measure may not always align. </a:t>
+            </a:r>
+          </a:p>
+          <a:p>
+            <a:r>
+              <a:rPr lang="en-US" dirty="0"/>
+              <a:t>When we are in realistic scenarios, this is another thing needing domain knowledge. </a:t>
+            </a:r>
+          </a:p>
+        </p:txBody>
+      </p:sp>
+    </p:spTree>
+    <p:extLst>
+      <p:ext uri="{BB962C8B-B14F-4D97-AF65-F5344CB8AC3E}">
+        <p14:creationId xmlns:p14="http://schemas.microsoft.com/office/powerpoint/2010/main" val="778889691"/>
+      </p:ext>
+    </p:extLst>
+  </p:cSld>
+  <p:clrMapOvr>
+    <a:masterClrMapping/>
+  </p:clrMapOvr>
+</p:sld>
+</file>
+
+<file path=ppt/slides/slide27.xml><?xml version="1.0" encoding="utf-8"?>
+<p:sld xmlns:a="http://schemas.openxmlformats.org/drawingml/2006/main" xmlns:r="http://schemas.openxmlformats.org/officeDocument/2006/relationships" xmlns:p="http://schemas.openxmlformats.org/presentationml/2006/main">
+  <p:cSld>
+    <p:spTree>
+      <p:nvGrpSpPr>
+        <p:cNvPr id="1" name=""/>
+        <p:cNvGrpSpPr/>
+        <p:nvPr/>
+      </p:nvGrpSpPr>
+      <p:grpSpPr>
+        <a:xfrm>
+          <a:off x="0" y="0"/>
+          <a:ext cx="0" cy="0"/>
+          <a:chOff x="0" y="0"/>
+          <a:chExt cx="0" cy="0"/>
+        </a:xfrm>
+      </p:grpSpPr>
+      <p:sp>
+        <p:nvSpPr>
+          <p:cNvPr id="2" name="Title 1">
+            <a:extLst>
+              <a:ext uri="{FF2B5EF4-FFF2-40B4-BE49-F238E27FC236}">
+                <a16:creationId xmlns:a16="http://schemas.microsoft.com/office/drawing/2014/main" id="{52ABF31B-58D3-9586-5153-574351A714D0}"/>
+              </a:ext>
+            </a:extLst>
+          </p:cNvPr>
+          <p:cNvSpPr>
+            <a:spLocks noGrp="1"/>
+          </p:cNvSpPr>
+          <p:nvPr>
+            <p:ph type="title"/>
+          </p:nvPr>
+        </p:nvSpPr>
+        <p:spPr/>
+        <p:txBody>
+          <a:bodyPr/>
+          <a:lstStyle/>
+          <a:p>
+            <a:r>
+              <a:rPr lang="en-US" dirty="0"/>
+              <a:t>Real Life Feature Construction</a:t>
+            </a:r>
+          </a:p>
+        </p:txBody>
+      </p:sp>
+      <p:sp>
+        <p:nvSpPr>
+          <p:cNvPr id="3" name="Content Placeholder 2">
+            <a:extLst>
+              <a:ext uri="{FF2B5EF4-FFF2-40B4-BE49-F238E27FC236}">
+                <a16:creationId xmlns:a16="http://schemas.microsoft.com/office/drawing/2014/main" id="{3FD36F8B-2FFD-0C54-CBF3-6B1E25CD4000}"/>
+              </a:ext>
+            </a:extLst>
+          </p:cNvPr>
+          <p:cNvSpPr>
+            <a:spLocks noGrp="1"/>
+          </p:cNvSpPr>
+          <p:nvPr>
+            <p:ph idx="1"/>
+          </p:nvPr>
+        </p:nvSpPr>
+        <p:spPr>
+          <a:xfrm>
+            <a:off x="1451579" y="1853754"/>
+            <a:ext cx="9603275" cy="4199728"/>
+          </a:xfrm>
+        </p:spPr>
+        <p:txBody>
+          <a:bodyPr/>
+          <a:lstStyle/>
+          <a:p>
+            <a:r>
+              <a:rPr lang="en-US" dirty="0"/>
+              <a:t>In reality, we don’t really have “all” the relevant inputs like we do with examples. </a:t>
+            </a:r>
+          </a:p>
+          <a:p>
+            <a:r>
+              <a:rPr lang="en-US" dirty="0"/>
+              <a:t>We typically have the data in whatever format it could be collected it. </a:t>
+            </a:r>
+          </a:p>
+          <a:p>
+            <a:r>
+              <a:rPr lang="en-US" dirty="0"/>
+              <a:t>We likely need to make features from what we collected and use those. </a:t>
+            </a:r>
+          </a:p>
+          <a:p>
+            <a:r>
+              <a:rPr lang="en-US" dirty="0"/>
+              <a:t>For example:</a:t>
+            </a:r>
+          </a:p>
+          <a:p>
+            <a:pPr lvl="1"/>
+            <a:r>
+              <a:rPr lang="en-US" dirty="0"/>
+              <a:t>Spatial (location) – distance from things, time from thing, density of things. </a:t>
+            </a:r>
+          </a:p>
+          <a:p>
+            <a:pPr lvl="1"/>
+            <a:r>
+              <a:rPr lang="en-US" dirty="0"/>
+              <a:t>Time series – time since, frequency. </a:t>
+            </a:r>
+          </a:p>
+          <a:p>
+            <a:pPr lvl="1"/>
+            <a:r>
+              <a:rPr lang="en-US" dirty="0"/>
+              <a:t>Other – aggregates (sum/avg) instead of raw value, ranking, ratios, </a:t>
+            </a:r>
+            <a:r>
+              <a:rPr lang="en-US" dirty="0" err="1"/>
+              <a:t>etc</a:t>
+            </a:r>
+            <a:r>
+              <a:rPr lang="en-US" dirty="0"/>
+              <a:t>…</a:t>
+            </a:r>
+          </a:p>
+          <a:p>
+            <a:r>
+              <a:rPr lang="en-US" dirty="0"/>
+              <a:t>The data we start with might be good for predictions, it might not. </a:t>
+            </a:r>
+          </a:p>
+          <a:p>
+            <a:pPr lvl="1"/>
+            <a:r>
+              <a:rPr lang="en-US" dirty="0"/>
+              <a:t>This definitely requires some domain knowledge to do well. </a:t>
+            </a:r>
+          </a:p>
+        </p:txBody>
+      </p:sp>
+    </p:spTree>
+    <p:extLst>
+      <p:ext uri="{BB962C8B-B14F-4D97-AF65-F5344CB8AC3E}">
+        <p14:creationId xmlns:p14="http://schemas.microsoft.com/office/powerpoint/2010/main" val="2751223220"/>
+      </p:ext>
+    </p:extLst>
+  </p:cSld>
+  <p:clrMapOvr>
+    <a:masterClrMapping/>
+  </p:clrMapOvr>
+</p:sld>
+</file>
+
+<file path=ppt/slides/slide28.xml><?xml version="1.0" encoding="utf-8"?>
+<p:sld xmlns:a="http://schemas.openxmlformats.org/drawingml/2006/main" xmlns:r="http://schemas.openxmlformats.org/officeDocument/2006/relationships" xmlns:p="http://schemas.openxmlformats.org/presentationml/2006/main">
+  <p:cSld>
+    <p:spTree>
+      <p:nvGrpSpPr>
+        <p:cNvPr id="1" name=""/>
+        <p:cNvGrpSpPr/>
+        <p:nvPr/>
+      </p:nvGrpSpPr>
+      <p:grpSpPr>
+        <a:xfrm>
+          <a:off x="0" y="0"/>
+          <a:ext cx="0" cy="0"/>
+          <a:chOff x="0" y="0"/>
+          <a:chExt cx="0" cy="0"/>
+        </a:xfrm>
+      </p:grpSpPr>
+      <p:sp>
+        <p:nvSpPr>
+          <p:cNvPr id="2" name="Title 1">
+            <a:extLst>
+              <a:ext uri="{FF2B5EF4-FFF2-40B4-BE49-F238E27FC236}">
+                <a16:creationId xmlns:a16="http://schemas.microsoft.com/office/drawing/2014/main" id="{F5299A85-8288-A29F-A26D-1F58C2FDF8D4}"/>
+              </a:ext>
+            </a:extLst>
+          </p:cNvPr>
+          <p:cNvSpPr>
+            <a:spLocks noGrp="1"/>
+          </p:cNvSpPr>
+          <p:nvPr>
+            <p:ph type="title"/>
+          </p:nvPr>
+        </p:nvSpPr>
+        <p:spPr/>
+        <p:txBody>
+          <a:bodyPr/>
+          <a:lstStyle/>
+          <a:p>
+            <a:r>
+              <a:rPr lang="en-US" dirty="0"/>
+              <a:t>Other Changes</a:t>
+            </a:r>
+          </a:p>
+        </p:txBody>
+      </p:sp>
+      <p:sp>
+        <p:nvSpPr>
+          <p:cNvPr id="3" name="Content Placeholder 2">
+            <a:extLst>
+              <a:ext uri="{FF2B5EF4-FFF2-40B4-BE49-F238E27FC236}">
+                <a16:creationId xmlns:a16="http://schemas.microsoft.com/office/drawing/2014/main" id="{97B1291F-210D-F3A7-CDEF-15135451536B}"/>
+              </a:ext>
+            </a:extLst>
+          </p:cNvPr>
+          <p:cNvSpPr>
+            <a:spLocks noGrp="1"/>
+          </p:cNvSpPr>
+          <p:nvPr>
+            <p:ph idx="1"/>
+          </p:nvPr>
+        </p:nvSpPr>
+        <p:spPr>
+          <a:xfrm>
+            <a:off x="1451579" y="1853754"/>
+            <a:ext cx="9603275" cy="4199727"/>
+          </a:xfrm>
+        </p:spPr>
+        <p:txBody>
+          <a:bodyPr>
+            <a:normAutofit/>
+          </a:bodyPr>
+          <a:lstStyle/>
+          <a:p>
+            <a:r>
+              <a:rPr lang="en-US" dirty="0"/>
+              <a:t>Grouping and “other” groups for categories with many options. </a:t>
+            </a:r>
+          </a:p>
+          <a:p>
+            <a:r>
+              <a:rPr lang="en-US" dirty="0"/>
+              <a:t>Recategorizing or merging groups – e.g. café, coffee shop, and dinner grouped. </a:t>
+            </a:r>
+          </a:p>
+          <a:p>
+            <a:r>
+              <a:rPr lang="en-US" dirty="0"/>
+              <a:t>Categorizing some continuous data. </a:t>
+            </a:r>
+          </a:p>
+          <a:p>
+            <a:pPr lvl="1"/>
+            <a:r>
+              <a:rPr lang="en-US" dirty="0"/>
+              <a:t>E.g. credit scores are generally used as buckets, not specific numbers. </a:t>
+            </a:r>
+          </a:p>
+          <a:p>
+            <a:r>
+              <a:rPr lang="en-US" dirty="0"/>
+              <a:t>Truncating values – are there outliers where “high” is good enough. </a:t>
+            </a:r>
+          </a:p>
+          <a:p>
+            <a:r>
+              <a:rPr lang="en-US" dirty="0"/>
+              <a:t>Combining or splitting columns. </a:t>
+            </a:r>
+          </a:p>
+          <a:p>
+            <a:pPr lvl="1"/>
+            <a:r>
+              <a:rPr lang="en-US" dirty="0"/>
+              <a:t>Sometimes feature-info may not be 1-to-1, e.g. address to city, province. Lat/</a:t>
+            </a:r>
+            <a:r>
+              <a:rPr lang="en-US" dirty="0" err="1"/>
+              <a:t>lon</a:t>
+            </a:r>
+            <a:r>
+              <a:rPr lang="en-US" dirty="0"/>
+              <a:t> to point. </a:t>
+            </a:r>
+          </a:p>
+          <a:p>
+            <a:pPr lvl="1"/>
+            <a:r>
+              <a:rPr lang="en-US" dirty="0"/>
+              <a:t>Constructed features like BMI (or advanced sports statistics). </a:t>
+            </a:r>
+          </a:p>
+          <a:p>
+            <a:r>
+              <a:rPr lang="en-US" dirty="0"/>
+              <a:t>The performance is the ultimate decider – want to provide good predictors </a:t>
+            </a:r>
+            <a:r>
+              <a:rPr lang="en-US"/>
+              <a:t>of target. </a:t>
+            </a:r>
+            <a:endParaRPr lang="en-US" dirty="0"/>
+          </a:p>
+        </p:txBody>
+      </p:sp>
+    </p:spTree>
+    <p:extLst>
+      <p:ext uri="{BB962C8B-B14F-4D97-AF65-F5344CB8AC3E}">
+        <p14:creationId xmlns:p14="http://schemas.microsoft.com/office/powerpoint/2010/main" val="2137481795"/>
+      </p:ext>
+    </p:extLst>
+  </p:cSld>
+  <p:clrMapOvr>
+    <a:masterClrMapping/>
+  </p:clrMapOvr>
+</p:sld>
+</file>
+
+<file path=ppt/slides/slide29.xml><?xml version="1.0" encoding="utf-8"?>
 <p:sld xmlns:a="http://schemas.openxmlformats.org/drawingml/2006/main" xmlns:r="http://schemas.openxmlformats.org/officeDocument/2006/relationships" xmlns:p="http://schemas.openxmlformats.org/presentationml/2006/main">
   <p:cSld>
     <p:spTree>
@@ -7714,6 +8488,89 @@
 </file>
 
 <file path=ppt/slides/slide7.xml><?xml version="1.0" encoding="utf-8"?>
+<p:sld xmlns:a="http://schemas.openxmlformats.org/drawingml/2006/main" xmlns:r="http://schemas.openxmlformats.org/officeDocument/2006/relationships" xmlns:p="http://schemas.openxmlformats.org/presentationml/2006/main" show="0">
+  <p:cSld>
+    <p:spTree>
+      <p:nvGrpSpPr>
+        <p:cNvPr id="1" name=""/>
+        <p:cNvGrpSpPr/>
+        <p:nvPr/>
+      </p:nvGrpSpPr>
+      <p:grpSpPr>
+        <a:xfrm>
+          <a:off x="0" y="0"/>
+          <a:ext cx="0" cy="0"/>
+          <a:chOff x="0" y="0"/>
+          <a:chExt cx="0" cy="0"/>
+        </a:xfrm>
+      </p:grpSpPr>
+      <p:sp>
+        <p:nvSpPr>
+          <p:cNvPr id="2" name="Title 1">
+            <a:extLst>
+              <a:ext uri="{FF2B5EF4-FFF2-40B4-BE49-F238E27FC236}">
+                <a16:creationId xmlns:a16="http://schemas.microsoft.com/office/drawing/2014/main" id="{556D50C4-42CC-DBCA-0060-336BA6544C65}"/>
+              </a:ext>
+            </a:extLst>
+          </p:cNvPr>
+          <p:cNvSpPr>
+            <a:spLocks noGrp="1"/>
+          </p:cNvSpPr>
+          <p:nvPr>
+            <p:ph type="title"/>
+          </p:nvPr>
+        </p:nvSpPr>
+        <p:spPr/>
+        <p:txBody>
+          <a:bodyPr/>
+          <a:lstStyle/>
+          <a:p>
+            <a:r>
+              <a:rPr lang="en-US" dirty="0"/>
+              <a:t>It’s Hip to be (R) Square(d). </a:t>
+            </a:r>
+          </a:p>
+        </p:txBody>
+      </p:sp>
+      <p:sp>
+        <p:nvSpPr>
+          <p:cNvPr id="3" name="Content Placeholder 2">
+            <a:extLst>
+              <a:ext uri="{FF2B5EF4-FFF2-40B4-BE49-F238E27FC236}">
+                <a16:creationId xmlns:a16="http://schemas.microsoft.com/office/drawing/2014/main" id="{E1B095E7-9DAA-832B-6BDA-119E20210453}"/>
+              </a:ext>
+            </a:extLst>
+          </p:cNvPr>
+          <p:cNvSpPr>
+            <a:spLocks noGrp="1"/>
+          </p:cNvSpPr>
+          <p:nvPr>
+            <p:ph idx="1"/>
+          </p:nvPr>
+        </p:nvSpPr>
+        <p:spPr/>
+        <p:txBody>
+          <a:bodyPr/>
+          <a:lstStyle/>
+          <a:p>
+            <a:endParaRPr lang="en-US" dirty="0"/>
+          </a:p>
+        </p:txBody>
+      </p:sp>
+    </p:spTree>
+    <p:extLst>
+      <p:ext uri="{BB962C8B-B14F-4D97-AF65-F5344CB8AC3E}">
+        <p14:creationId xmlns:p14="http://schemas.microsoft.com/office/powerpoint/2010/main" val="814378992"/>
+      </p:ext>
+    </p:extLst>
+  </p:cSld>
+  <p:clrMapOvr>
+    <a:masterClrMapping/>
+  </p:clrMapOvr>
+</p:sld>
+</file>
+
+<file path=ppt/slides/slide8.xml><?xml version="1.0" encoding="utf-8"?>
 <p:sld xmlns:a="http://schemas.openxmlformats.org/drawingml/2006/main" xmlns:r="http://schemas.openxmlformats.org/officeDocument/2006/relationships" xmlns:p="http://schemas.openxmlformats.org/presentationml/2006/main">
   <p:cSld>
     <p:spTree>
@@ -7986,158 +8843,6 @@
 </p:sld>
 </file>
 
-<file path=ppt/slides/slide8.xml><?xml version="1.0" encoding="utf-8"?>
-<p:sld xmlns:a="http://schemas.openxmlformats.org/drawingml/2006/main" xmlns:r="http://schemas.openxmlformats.org/officeDocument/2006/relationships" xmlns:p="http://schemas.openxmlformats.org/presentationml/2006/main">
-  <p:cSld>
-    <p:spTree>
-      <p:nvGrpSpPr>
-        <p:cNvPr id="1" name=""/>
-        <p:cNvGrpSpPr/>
-        <p:nvPr/>
-      </p:nvGrpSpPr>
-      <p:grpSpPr>
-        <a:xfrm>
-          <a:off x="0" y="0"/>
-          <a:ext cx="0" cy="0"/>
-          <a:chOff x="0" y="0"/>
-          <a:chExt cx="0" cy="0"/>
-        </a:xfrm>
-      </p:grpSpPr>
-      <p:sp>
-        <p:nvSpPr>
-          <p:cNvPr id="2" name="Title 1">
-            <a:extLst>
-              <a:ext uri="{FF2B5EF4-FFF2-40B4-BE49-F238E27FC236}">
-                <a16:creationId xmlns:a16="http://schemas.microsoft.com/office/drawing/2014/main" id="{67762C61-7EFB-BB84-845B-D271322F589B}"/>
-              </a:ext>
-            </a:extLst>
-          </p:cNvPr>
-          <p:cNvSpPr>
-            <a:spLocks noGrp="1"/>
-          </p:cNvSpPr>
-          <p:nvPr>
-            <p:ph type="title"/>
-          </p:nvPr>
-        </p:nvSpPr>
-        <p:spPr/>
-        <p:txBody>
-          <a:bodyPr/>
-          <a:lstStyle/>
-          <a:p>
-            <a:r>
-              <a:rPr lang="en-US" dirty="0"/>
-              <a:t>The Human Touch (Maybe it’ll Touch You In That Project class…)</a:t>
-            </a:r>
-          </a:p>
-        </p:txBody>
-      </p:sp>
-      <p:sp>
-        <p:nvSpPr>
-          <p:cNvPr id="3" name="Content Placeholder 2">
-            <a:extLst>
-              <a:ext uri="{FF2B5EF4-FFF2-40B4-BE49-F238E27FC236}">
-                <a16:creationId xmlns:a16="http://schemas.microsoft.com/office/drawing/2014/main" id="{4F644EF6-D3E2-8211-A1C1-9EE5511963D8}"/>
-              </a:ext>
-            </a:extLst>
-          </p:cNvPr>
-          <p:cNvSpPr>
-            <a:spLocks noGrp="1"/>
-          </p:cNvSpPr>
-          <p:nvPr>
-            <p:ph idx="1"/>
-          </p:nvPr>
-        </p:nvSpPr>
-        <p:spPr>
-          <a:xfrm>
-            <a:off x="1451579" y="1914258"/>
-            <a:ext cx="9603275" cy="4139223"/>
-          </a:xfrm>
-        </p:spPr>
-        <p:txBody>
-          <a:bodyPr/>
-          <a:lstStyle/>
-          <a:p>
-            <a:r>
-              <a:rPr lang="en-US" dirty="0"/>
-              <a:t>The first point of feature selection is human judgement of what matters. </a:t>
-            </a:r>
-          </a:p>
-          <a:p>
-            <a:pPr lvl="1"/>
-            <a:r>
-              <a:rPr lang="en-US" dirty="0"/>
-              <a:t>Requires some domain knowledge – what is actually relevant?</a:t>
-            </a:r>
-          </a:p>
-          <a:p>
-            <a:r>
-              <a:rPr lang="en-US" dirty="0"/>
-              <a:t>This is something much more critical in real life than in learning machine learning. </a:t>
-            </a:r>
-          </a:p>
-          <a:p>
-            <a:r>
-              <a:rPr lang="en-US" dirty="0"/>
-              <a:t>In examples/exercises, we typically use preformed datasets. </a:t>
-            </a:r>
-          </a:p>
-          <a:p>
-            <a:pPr lvl="1"/>
-            <a:r>
-              <a:rPr lang="en-US" dirty="0"/>
-              <a:t>These datasets were made/curated for machine learning, so set up for that. </a:t>
-            </a:r>
-          </a:p>
-          <a:p>
-            <a:pPr lvl="1"/>
-            <a:r>
-              <a:rPr lang="en-US" dirty="0"/>
-              <a:t>Even if data is very dirty, it is usually more or less what you need. </a:t>
-            </a:r>
-          </a:p>
-          <a:p>
-            <a:pPr lvl="1"/>
-            <a:r>
-              <a:rPr lang="en-US" dirty="0"/>
-              <a:t>The data is already assembled – many/most real life things will need joins. </a:t>
-            </a:r>
-          </a:p>
-          <a:p>
-            <a:pPr lvl="1"/>
-            <a:r>
-              <a:rPr lang="en-US" dirty="0"/>
-              <a:t>E.g. there’s probably only relevant-</a:t>
-            </a:r>
-            <a:r>
-              <a:rPr lang="en-US" dirty="0" err="1"/>
-              <a:t>ish</a:t>
-            </a:r>
-            <a:r>
-              <a:rPr lang="en-US" dirty="0"/>
-              <a:t> stuff in the dataset to begin with, it is curated. </a:t>
-            </a:r>
-          </a:p>
-          <a:p>
-            <a:r>
-              <a:rPr lang="en-US" dirty="0"/>
-              <a:t>Real life data is more annoying, we need to judge what matters as humans. </a:t>
-            </a:r>
-          </a:p>
-        </p:txBody>
-      </p:sp>
-    </p:spTree>
-    <p:extLst>
-      <p:ext uri="{BB962C8B-B14F-4D97-AF65-F5344CB8AC3E}">
-        <p14:creationId xmlns:p14="http://schemas.microsoft.com/office/powerpoint/2010/main" val="1073733013"/>
-      </p:ext>
-    </p:extLst>
-  </p:cSld>
-  <p:clrMapOvr>
-    <a:masterClrMapping/>
-  </p:clrMapOvr>
-</p:sld>
-</file>
-
 <file path=ppt/slides/slide9.xml><?xml version="1.0" encoding="utf-8"?>
 <p:sld xmlns:a="http://schemas.openxmlformats.org/drawingml/2006/main" xmlns:r="http://schemas.openxmlformats.org/officeDocument/2006/relationships" xmlns:p="http://schemas.openxmlformats.org/presentationml/2006/main">
   <p:cSld>
@@ -8160,7 +8865,7 @@
           <p:cNvPr id="2" name="Title 1">
             <a:extLst>
               <a:ext uri="{FF2B5EF4-FFF2-40B4-BE49-F238E27FC236}">
-                <a16:creationId xmlns:a16="http://schemas.microsoft.com/office/drawing/2014/main" id="{7F89D4E6-3F90-E210-1D00-2BA974F47629}"/>
+                <a16:creationId xmlns:a16="http://schemas.microsoft.com/office/drawing/2014/main" id="{67762C61-7EFB-BB84-845B-D271322F589B}"/>
               </a:ext>
             </a:extLst>
           </p:cNvPr>
@@ -8178,7 +8883,7 @@
           <a:p>
             <a:r>
               <a:rPr lang="en-US" dirty="0"/>
-              <a:t>With Real Life Data</a:t>
+              <a:t>The Human Touch (Maybe it’ll Touch You In That Project class…)</a:t>
             </a:r>
           </a:p>
         </p:txBody>
@@ -8188,7 +8893,7 @@
           <p:cNvPr id="3" name="Content Placeholder 2">
             <a:extLst>
               <a:ext uri="{FF2B5EF4-FFF2-40B4-BE49-F238E27FC236}">
-                <a16:creationId xmlns:a16="http://schemas.microsoft.com/office/drawing/2014/main" id="{B816240C-4B5F-F54A-5704-BF9AAE4B77E1}"/>
+                <a16:creationId xmlns:a16="http://schemas.microsoft.com/office/drawing/2014/main" id="{4F644EF6-D3E2-8211-A1C1-9EE5511963D8}"/>
               </a:ext>
             </a:extLst>
           </p:cNvPr>
@@ -8201,8 +8906,8 @@
         </p:nvSpPr>
         <p:spPr>
           <a:xfrm>
-            <a:off x="1451579" y="1914041"/>
-            <a:ext cx="9603275" cy="4139439"/>
+            <a:off x="1451579" y="1914258"/>
+            <a:ext cx="9603275" cy="4139223"/>
           </a:xfrm>
         </p:spPr>
         <p:txBody>
@@ -8211,61 +8916,68 @@
           <a:p>
             <a:r>
               <a:rPr lang="en-US" dirty="0"/>
-              <a:t>In a more realistic scenario, you often have lots of data, often spread about. </a:t>
-            </a:r>
-          </a:p>
-          <a:p>
-            <a:pPr lvl="1"/>
-            <a:r>
-              <a:rPr lang="en-US" dirty="0"/>
-              <a:t>If your company has a data warehouse, you may have everything.</a:t>
-            </a:r>
-          </a:p>
-          <a:p>
-            <a:pPr lvl="1"/>
-            <a:r>
-              <a:rPr lang="en-US" dirty="0"/>
-              <a:t>E.g. if predicting what Amazon customers will buy, you probably have lots of features…</a:t>
-            </a:r>
-          </a:p>
-          <a:p>
-            <a:r>
-              <a:rPr lang="en-US" dirty="0"/>
-              <a:t>Flitering “what is actually relevant to this prediction” is a human activity you need. </a:t>
-            </a:r>
-          </a:p>
-          <a:p>
-            <a:pPr lvl="1"/>
-            <a:r>
-              <a:rPr lang="en-US" dirty="0"/>
-              <a:t>Can’t really score feature importance by adding 100,000 random features effectively. </a:t>
-            </a:r>
-          </a:p>
-          <a:p>
-            <a:r>
-              <a:rPr lang="en-US" dirty="0"/>
-              <a:t>Your real estate thing is similar, in many ways. </a:t>
-            </a:r>
-          </a:p>
-          <a:p>
-            <a:pPr lvl="1"/>
-            <a:r>
-              <a:rPr lang="en-US" dirty="0"/>
-              <a:t>There are lots of features, but depending on what you’re doing, only some matter. </a:t>
-            </a:r>
-          </a:p>
-          <a:p>
-            <a:pPr lvl="1"/>
-            <a:r>
-              <a:rPr lang="en-US" dirty="0"/>
-              <a:t>The features you have may be better transformed into new features. (Hint: be aggressive). </a:t>
-            </a:r>
-          </a:p>
-          <a:p>
-            <a:pPr lvl="1"/>
-            <a:r>
-              <a:rPr lang="en-US" dirty="0"/>
-              <a:t>You can do feature selection, but you need a starting point smaller than ‘everything’. </a:t>
+              <a:t>The first point of feature selection is human judgement of what matters. </a:t>
+            </a:r>
+          </a:p>
+          <a:p>
+            <a:pPr lvl="1"/>
+            <a:r>
+              <a:rPr lang="en-US" dirty="0"/>
+              <a:t>Requires some domain knowledge – what is actually relevant?</a:t>
+            </a:r>
+          </a:p>
+          <a:p>
+            <a:r>
+              <a:rPr lang="en-US" dirty="0"/>
+              <a:t>This is something much more critical in real life than in learning machine learning. </a:t>
+            </a:r>
+          </a:p>
+          <a:p>
+            <a:r>
+              <a:rPr lang="en-US" dirty="0"/>
+              <a:t>In examples/exercises, we typically use preformed datasets. </a:t>
+            </a:r>
+          </a:p>
+          <a:p>
+            <a:pPr lvl="1"/>
+            <a:r>
+              <a:rPr lang="en-US" dirty="0"/>
+              <a:t>These datasets were made/curated for machine learning, so set up for that. </a:t>
+            </a:r>
+          </a:p>
+          <a:p>
+            <a:pPr lvl="1"/>
+            <a:r>
+              <a:rPr lang="en-US" dirty="0"/>
+              <a:t>Even if data is very dirty, it is usually more or less what you need. </a:t>
+            </a:r>
+          </a:p>
+          <a:p>
+            <a:pPr lvl="1"/>
+            <a:r>
+              <a:rPr lang="en-US" dirty="0"/>
+              <a:t>The data is already assembled – many/most real life things will need joins. </a:t>
+            </a:r>
+          </a:p>
+          <a:p>
+            <a:pPr lvl="1"/>
+            <a:r>
+              <a:rPr lang="en-US" dirty="0"/>
+              <a:t>E.g. there’s probably only relevant-</a:t>
+            </a:r>
+            <a:r>
+              <a:rPr lang="en-US" dirty="0" err="1"/>
+              <a:t>ish</a:t>
+            </a:r>
+            <a:r>
+              <a:rPr lang="en-US" dirty="0"/>
+              <a:t> stuff in the dataset to begin with, it is curated. </a:t>
+            </a:r>
+          </a:p>
+          <a:p>
+            <a:r>
+              <a:rPr lang="en-US" dirty="0"/>
+              <a:t>Real life data is more annoying, we need to judge what matters as humans. </a:t>
             </a:r>
           </a:p>
         </p:txBody>
@@ -8273,7 +8985,7 @@
     </p:spTree>
     <p:extLst>
       <p:ext uri="{BB962C8B-B14F-4D97-AF65-F5344CB8AC3E}">
-        <p14:creationId xmlns:p14="http://schemas.microsoft.com/office/powerpoint/2010/main" val="2684774922"/>
+        <p14:creationId xmlns:p14="http://schemas.microsoft.com/office/powerpoint/2010/main" val="1073733013"/>
       </p:ext>
     </p:extLst>
   </p:cSld>

--- a/reference_content/Slides/009_Feature_Selection.pptx
+++ b/reference_content/Slides/009_Feature_Selection.pptx
@@ -6,34 +6,37 @@
   </p:sldMasterIdLst>
   <p:sldIdLst>
     <p:sldId id="263" r:id="rId2"/>
-    <p:sldId id="256" r:id="rId3"/>
-    <p:sldId id="261" r:id="rId4"/>
-    <p:sldId id="257" r:id="rId5"/>
-    <p:sldId id="273" r:id="rId6"/>
-    <p:sldId id="264" r:id="rId7"/>
-    <p:sldId id="281" r:id="rId8"/>
-    <p:sldId id="266" r:id="rId9"/>
-    <p:sldId id="276" r:id="rId10"/>
-    <p:sldId id="277" r:id="rId11"/>
-    <p:sldId id="282" r:id="rId12"/>
-    <p:sldId id="267" r:id="rId13"/>
-    <p:sldId id="274" r:id="rId14"/>
-    <p:sldId id="275" r:id="rId15"/>
-    <p:sldId id="268" r:id="rId16"/>
-    <p:sldId id="258" r:id="rId17"/>
-    <p:sldId id="259" r:id="rId18"/>
-    <p:sldId id="260" r:id="rId19"/>
-    <p:sldId id="262" r:id="rId20"/>
-    <p:sldId id="278" r:id="rId21"/>
-    <p:sldId id="271" r:id="rId22"/>
-    <p:sldId id="269" r:id="rId23"/>
-    <p:sldId id="270" r:id="rId24"/>
-    <p:sldId id="279" r:id="rId25"/>
-    <p:sldId id="265" r:id="rId26"/>
-    <p:sldId id="280" r:id="rId27"/>
-    <p:sldId id="283" r:id="rId28"/>
-    <p:sldId id="284" r:id="rId29"/>
-    <p:sldId id="272" r:id="rId30"/>
+    <p:sldId id="285" r:id="rId3"/>
+    <p:sldId id="286" r:id="rId4"/>
+    <p:sldId id="287" r:id="rId5"/>
+    <p:sldId id="256" r:id="rId6"/>
+    <p:sldId id="261" r:id="rId7"/>
+    <p:sldId id="257" r:id="rId8"/>
+    <p:sldId id="273" r:id="rId9"/>
+    <p:sldId id="264" r:id="rId10"/>
+    <p:sldId id="281" r:id="rId11"/>
+    <p:sldId id="266" r:id="rId12"/>
+    <p:sldId id="276" r:id="rId13"/>
+    <p:sldId id="277" r:id="rId14"/>
+    <p:sldId id="282" r:id="rId15"/>
+    <p:sldId id="267" r:id="rId16"/>
+    <p:sldId id="274" r:id="rId17"/>
+    <p:sldId id="275" r:id="rId18"/>
+    <p:sldId id="268" r:id="rId19"/>
+    <p:sldId id="258" r:id="rId20"/>
+    <p:sldId id="259" r:id="rId21"/>
+    <p:sldId id="260" r:id="rId22"/>
+    <p:sldId id="262" r:id="rId23"/>
+    <p:sldId id="278" r:id="rId24"/>
+    <p:sldId id="271" r:id="rId25"/>
+    <p:sldId id="269" r:id="rId26"/>
+    <p:sldId id="270" r:id="rId27"/>
+    <p:sldId id="279" r:id="rId28"/>
+    <p:sldId id="265" r:id="rId29"/>
+    <p:sldId id="280" r:id="rId30"/>
+    <p:sldId id="283" r:id="rId31"/>
+    <p:sldId id="284" r:id="rId32"/>
+    <p:sldId id="272" r:id="rId33"/>
   </p:sldIdLst>
   <p:sldSz cx="12192000" cy="6858000"/>
   <p:notesSz cx="6858000" cy="9144000"/>
@@ -138,6 +141,146 @@
     </p:ext>
   </p:extLst>
 </p:presentation>
+</file>
+
+<file path=ppt/ink/ink1.xml><?xml version="1.0" encoding="utf-8"?>
+<inkml:ink xmlns:inkml="http://www.w3.org/2003/InkML">
+  <inkml:definitions>
+    <inkml:context xml:id="ctx0">
+      <inkml:inkSource xml:id="inkSrc0">
+        <inkml:traceFormat>
+          <inkml:channel name="X" type="integer" min="-2.14748E9" max="2.14748E9" units="cm"/>
+          <inkml:channel name="Y" type="integer" min="-2.14748E9" max="2.14748E9" units="cm"/>
+          <inkml:channel name="F" type="integer" max="32767" units="dev"/>
+        </inkml:traceFormat>
+        <inkml:channelProperties>
+          <inkml:channelProperty channel="X" name="resolution" value="1000" units="1/cm"/>
+          <inkml:channelProperty channel="Y" name="resolution" value="1000" units="1/cm"/>
+          <inkml:channelProperty channel="F" name="resolution" value="0" units="1/dev"/>
+        </inkml:channelProperties>
+      </inkml:inkSource>
+      <inkml:timestamp xml:id="ts0" timeString="2026-01-29T18:59:45.601"/>
+    </inkml:context>
+    <inkml:brush xml:id="br0">
+      <inkml:brushProperty name="width" value="0.05" units="cm"/>
+      <inkml:brushProperty name="height" value="0.05" units="cm"/>
+      <inkml:brushProperty name="color" value="#E71224"/>
+    </inkml:brush>
+  </inkml:definitions>
+  <inkml:trace contextRef="#ctx0" brushRef="#br0">1 0 24575,'39'0'0,"56"0"0,-17 0 0,6 0 0,-18 0 0,2 0 0,1 0 0,2 0 0,0 0 0,-2 0 0,27 0 0,-5 0 0,-12 0 0,-3 0 0,-9 0 0,-3 0 0,-11 0 0,-2 0 0,39 0 0,-3 0 0,0 0 0,4 0 0,-3 0 0,-4 0 0,-11 0 0,-14 0 0,-14 0 0,-14 0 0,-10 2 0,-8 3 0,-7 2 0,-4 2 0,-6-2 0,-5 1 0,-2 2 0,-5 3 0,0 2 0,-3 5 0,-6 14 0,-13 32 0,8-8 0,-5 8 0,4-5 0,-3 6 0,-2 2-410,-7 12 1,-1 4-1,-2 0 410,-1 0 0,-1 1 0,0-2 0,4-7 0,1-3 0,1-4 0,-10 14 0,4-9 0,14-22 0,3-6 0,-11 14 0,21-29 0,9-18 0,3-5 1229,-3 1-1229,-4 1 0,-1 4 0,2-1 0,5-3 0,2-3 0,0 0 0,-4 1 0,-1 2 0,0-4 0,4-6 0,5-10 0,9-8 0,-3 7 0,4-1 0</inkml:trace>
+</inkml:ink>
+</file>
+
+<file path=ppt/ink/ink2.xml><?xml version="1.0" encoding="utf-8"?>
+<inkml:ink xmlns:inkml="http://www.w3.org/2003/InkML">
+  <inkml:definitions>
+    <inkml:context xml:id="ctx0">
+      <inkml:inkSource xml:id="inkSrc0">
+        <inkml:traceFormat>
+          <inkml:channel name="X" type="integer" min="-2.14748E9" max="2.14748E9" units="cm"/>
+          <inkml:channel name="Y" type="integer" min="-2.14748E9" max="2.14748E9" units="cm"/>
+          <inkml:channel name="F" type="integer" max="32767" units="dev"/>
+        </inkml:traceFormat>
+        <inkml:channelProperties>
+          <inkml:channelProperty channel="X" name="resolution" value="1000" units="1/cm"/>
+          <inkml:channelProperty channel="Y" name="resolution" value="1000" units="1/cm"/>
+          <inkml:channelProperty channel="F" name="resolution" value="0" units="1/dev"/>
+        </inkml:channelProperties>
+      </inkml:inkSource>
+      <inkml:timestamp xml:id="ts0" timeString="2026-01-29T18:59:48.750"/>
+    </inkml:context>
+    <inkml:brush xml:id="br0">
+      <inkml:brushProperty name="width" value="0.05" units="cm"/>
+      <inkml:brushProperty name="height" value="0.05" units="cm"/>
+      <inkml:brushProperty name="color" value="#E71224"/>
+    </inkml:brush>
+  </inkml:definitions>
+  <inkml:trace contextRef="#ctx0" brushRef="#br0">0 201 24575,'80'0'0,"4"0"0,16 0 0,-7 0 0,-7 0 0,-18 0 0,-22 0 0,-19 0 0,-17-3 0,-5 0 0,-4-3 0,-6-1 0,-8 1 0,-3-3 0,-9-2 0,-9-5 0,-15-5 0,-17-6 0,-7 0 0,-2 1 0,12 7 0,22 9 0,19 4 0,16 4 0,12 1 0,7 1 0,8 0 0,6 0 0,8 0 0,8 2 0,9 3 0,8 5 0,4 5 0,-6 1 0,-13-2 0,-16-4 0,-13-3 0,-7 0 0,-5-2 0,-3 2 0,-1-1 0,0 1 0,0 2 0,-1 0 0,-2 4 0,-4 3 0,-5 6 0,-6 5 0,-4 2 0,-2-1 0,0-4 0,5-4 0,3-3 0,4-3 0,0 0 0,-1-1 0,-1-1 0,-2 2 0,1-1 0,0-1 0,3-2 0,4-2 0,1-2 0,-1 0 0,-2 3 0,-3 0 0,1 2 0,-1 0 0,1 0 0,-5 3 0,-7 8 0,-5 4 0,-2 1 0,7-4 0,9-10 0,8-9 0,4-6 0,5-8 0,-1 6 0,3-3 0</inkml:trace>
+</inkml:ink>
+</file>
+
+<file path=ppt/ink/ink3.xml><?xml version="1.0" encoding="utf-8"?>
+<inkml:ink xmlns:inkml="http://www.w3.org/2003/InkML">
+  <inkml:definitions>
+    <inkml:context xml:id="ctx0">
+      <inkml:inkSource xml:id="inkSrc0">
+        <inkml:traceFormat>
+          <inkml:channel name="X" type="integer" min="-2.14748E9" max="2.14748E9" units="cm"/>
+          <inkml:channel name="Y" type="integer" min="-2.14748E9" max="2.14748E9" units="cm"/>
+          <inkml:channel name="F" type="integer" max="32767" units="dev"/>
+        </inkml:traceFormat>
+        <inkml:channelProperties>
+          <inkml:channelProperty channel="X" name="resolution" value="1000" units="1/cm"/>
+          <inkml:channelProperty channel="Y" name="resolution" value="1000" units="1/cm"/>
+          <inkml:channelProperty channel="F" name="resolution" value="0" units="1/dev"/>
+        </inkml:channelProperties>
+      </inkml:inkSource>
+      <inkml:timestamp xml:id="ts0" timeString="2026-01-29T18:59:55.703"/>
+    </inkml:context>
+    <inkml:brush xml:id="br0">
+      <inkml:brushProperty name="width" value="0.05" units="cm"/>
+      <inkml:brushProperty name="height" value="0.05" units="cm"/>
+      <inkml:brushProperty name="color" value="#E71224"/>
+    </inkml:brush>
+  </inkml:definitions>
+  <inkml:trace contextRef="#ctx0" brushRef="#br0">0 0 24575,'32'0'0,"44"0"0,20 0 0,-21 0 0,4 0 0,0 0 0,4 0 0,1 0 0,-3 0 0,-6 0 0,-1 0 0,-12 0 0,19 0 0,-16 0 0,-7 1 0,-5 2 0,-11 4 0,-12 1 0,-8 1 0,-10-2 0,-4-1 0,-2-1 0,1 0 0,4 1 0,3-1 0,1 1 0,-1-3 0,-2-1 0,-4 1 0,0 2 0,3 4 0,6 5 0,8 4 0,8 4 0,4 5 0,2 3 0,-1 3 0,-4 0 0,-2 4 0,0 7 0,7 19 0,-15-20 0,1 2 0,2 8 0,1 4 0,3 13 0,0 5 0,1 12 0,-1 4-383,-10-19 0,-1 3 0,-2 3 383,2 13 0,-2 2 0,-1 3 0,-5-20 0,-1 3 0,0-1 0,-2 0 0,-1-2 0,-1 1 0,-1-2 0,0 0 0,0 17 0,-1-2 0,-1-2-46,-1-12 1,-1-2 0,-1-3 45,0 18 0,1-3 0,0-2 0,2-1 0,1 2 0,0 2 0,3 10 0,-1 3 0,-1-29 0,-1 0 0,0 1 0,0 0 0,1 1 0,-2-1 0,0-1 0,0-2 0,-1 1 0,-1 0 0,0-1 0,0 1 0,-2 2 0,0 0 0,-1 1 0,-3 1 0,-2 0 0,-1 0 0,-1-2 0,-2 0 0,-1-1 0,-2-4 0,-2 0 0,0-2 0,-9 25 0,1-3 0,4-12 0,1-3 0,2-8 0,2-3 0,3-9 0,1-2 0,-6 46 1140,6 2-1140,5 2 145,4-1-145,1-6 0,0-12 0,2-9 0,2-11 0,0-10 0,1-10 0,-3-8 0,-1-11 0,-3-8 0,-5-7 0,-12-6 0,-31-9 0,-7 1 0,-9 0 0,-19-3 0,-6 1 0,25 1 0,-1 1 0,0-1 0,-28-2 0,5 0 0,22 0 0,5 0 0,11-1 0,4-1 0,-29-10 0,14 1 0,13 2 0,10 4 0,12 5 0,10 3 0,9 1 0,5 1 0,4-3 0,-1-15 0,1 13 0,0-10 0</inkml:trace>
+</inkml:ink>
+</file>
+
+<file path=ppt/ink/ink4.xml><?xml version="1.0" encoding="utf-8"?>
+<inkml:ink xmlns:inkml="http://www.w3.org/2003/InkML">
+  <inkml:definitions>
+    <inkml:context xml:id="ctx0">
+      <inkml:inkSource xml:id="inkSrc0">
+        <inkml:traceFormat>
+          <inkml:channel name="X" type="integer" min="-2.14748E9" max="2.14748E9" units="cm"/>
+          <inkml:channel name="Y" type="integer" min="-2.14748E9" max="2.14748E9" units="cm"/>
+          <inkml:channel name="F" type="integer" max="32767" units="dev"/>
+        </inkml:traceFormat>
+        <inkml:channelProperties>
+          <inkml:channelProperty channel="X" name="resolution" value="1000" units="1/cm"/>
+          <inkml:channelProperty channel="Y" name="resolution" value="1000" units="1/cm"/>
+          <inkml:channelProperty channel="F" name="resolution" value="0" units="1/dev"/>
+        </inkml:channelProperties>
+      </inkml:inkSource>
+      <inkml:timestamp xml:id="ts0" timeString="2026-01-29T18:59:58.417"/>
+    </inkml:context>
+    <inkml:brush xml:id="br0">
+      <inkml:brushProperty name="width" value="0.05" units="cm"/>
+      <inkml:brushProperty name="height" value="0.05" units="cm"/>
+      <inkml:brushProperty name="color" value="#E71224"/>
+    </inkml:brush>
+  </inkml:definitions>
+  <inkml:trace contextRef="#ctx0" brushRef="#br0">747 3405 24575,'0'-28'0,"0"-22"0,0-37 0,0 27 0,0-5 0,0-15 0,0-9 0,-1 19 0,1-6 0,-1-4 0,0 0-564,-1-7 0,-1-2 0,1 0 1,-2 0 563,1 0 0,-1 1 0,0 1 0,0 1 0,-3-17 0,0 3 0,-1 10 269,-3 7 1,1 8-270,0 12 0,0 2 0,0 8 0,-1 2 0,0-1 0,-1 1 0,-2-2 0,0-1 0,-1-3 0,0 0 858,0 0 0,0 2-858,-8-35 0,4 26 0,9 29 0,4 17 0,2 4 0,-1-2 0,-2-4 0,-1 0 0,-3 6 0,-3 7 0,-6 5 0,-10 16 0,-7 15 0,-4 16 0,1 10 0,2 2 0,1 0 0,1 2 0,-1-2 0,6-3 0,8-8 0,6-7 0,8-7 0,4-6 0,1-3 0,0-4 0,2-2 0,-1-6 0,2-18 0,1-31 0,5-33 0,8-26 0,-2 46 0,4-2 0,7-3 0,5-1 0,8-8 0,4-1 0,7-4 0,3-1 0,6-3 0,2 2 0,-2 7 0,0 5 0,-9 12 0,-1 5 0,25-16 0,-26 32 0,-15 17 0,-6 9 0,-3 10 0,-4 11 0,-5 12 0,-5 8 0,-4 2 0,0-5 0,-2-5 0,1-3 0,5 2 0,4 10 0,6 30 0,-4-24 0,0 4 0,0 9 0,2 3 0,1 8 0,2 0 0,0-1 0,0 0 0,0-1 0,1-2 0,0-3 0,1-3 0,-1-4 0,-1-3 0,15 37 0,-6-21 0,-7-24 0,-7-20 0,-6-14 0,-3-7 0</inkml:trace>
+</inkml:ink>
+</file>
+
+<file path=ppt/ink/ink5.xml><?xml version="1.0" encoding="utf-8"?>
+<inkml:ink xmlns:inkml="http://www.w3.org/2003/InkML">
+  <inkml:definitions>
+    <inkml:context xml:id="ctx0">
+      <inkml:inkSource xml:id="inkSrc0">
+        <inkml:traceFormat>
+          <inkml:channel name="X" type="integer" min="-2.14748E9" max="2.14748E9" units="cm"/>
+          <inkml:channel name="Y" type="integer" min="-2.14748E9" max="2.14748E9" units="cm"/>
+          <inkml:channel name="F" type="integer" max="32767" units="dev"/>
+        </inkml:traceFormat>
+        <inkml:channelProperties>
+          <inkml:channelProperty channel="X" name="resolution" value="1000" units="1/cm"/>
+          <inkml:channelProperty channel="Y" name="resolution" value="1000" units="1/cm"/>
+          <inkml:channelProperty channel="F" name="resolution" value="0" units="1/dev"/>
+        </inkml:channelProperties>
+      </inkml:inkSource>
+      <inkml:timestamp xml:id="ts0" timeString="2026-01-29T19:00:00.851"/>
+    </inkml:context>
+    <inkml:brush xml:id="br0">
+      <inkml:brushProperty name="width" value="0.05" units="cm"/>
+      <inkml:brushProperty name="height" value="0.05" units="cm"/>
+      <inkml:brushProperty name="color" value="#E71224"/>
+    </inkml:brush>
+  </inkml:definitions>
+  <inkml:trace contextRef="#ctx0" brushRef="#br0">1 8 24575,'25'-4'0,"73"1"0,-15 3 0,11 0-832,-11 0 1,5 0 0,2 0 831,-15 0 0,1 0 0,1 0 0,-3 0 0,17 1 0,-3 0 0,-2 2 265,-11 1 0,-1 1 1,-6 2-266,10 2 0,-8 3 411,19 13-411,-35-5 0,-30-7 0,-14-2 1287,-6-2-1287,-3-2 0,-1-1 0,0 0 0,0 1 0,0 0 0,0 1 0,0 0 0,0 2 0,-1 3 0,-3 3 0,-2 5 0,-9 18 0,-14 49 0,9-29 0,-3 9 0,-2 6-389,-2 8 1,-1 7-1,-1 5 1,-1 2 388,1-5 0,0 2 0,0 4 0,-1 0 0,1 1-505,3-10 1,-1 1-1,0 1 1,1-1-1,0 1 1,1-3 504,-3 12 0,1 0 0,1-2 0,0-2 0,2-4 0,-1 4 0,1-4 0,2-3 0,1-5 0,0 4 0,2-6 0,2-8 0,2-2 0,3-12 0,3-2 0,6-37 1306,3-18-1306,0-10 818,0-6 1,1 7 0,-1-3 0</inkml:trace>
+</inkml:ink>
 </file>
 
 <file path=ppt/slideLayouts/slideLayout1.xml><?xml version="1.0" encoding="utf-8"?>
@@ -3806,7 +3949,7 @@
 </file>
 
 <file path=ppt/slides/slide10.xml><?xml version="1.0" encoding="utf-8"?>
-<p:sld xmlns:a="http://schemas.openxmlformats.org/drawingml/2006/main" xmlns:r="http://schemas.openxmlformats.org/officeDocument/2006/relationships" xmlns:p="http://schemas.openxmlformats.org/presentationml/2006/main">
+<p:sld xmlns:a="http://schemas.openxmlformats.org/drawingml/2006/main" xmlns:r="http://schemas.openxmlformats.org/officeDocument/2006/relationships" xmlns:p="http://schemas.openxmlformats.org/presentationml/2006/main" show="0">
   <p:cSld>
     <p:spTree>
       <p:nvGrpSpPr>
@@ -3827,7 +3970,7 @@
           <p:cNvPr id="2" name="Title 1">
             <a:extLst>
               <a:ext uri="{FF2B5EF4-FFF2-40B4-BE49-F238E27FC236}">
-                <a16:creationId xmlns:a16="http://schemas.microsoft.com/office/drawing/2014/main" id="{7F89D4E6-3F90-E210-1D00-2BA974F47629}"/>
+                <a16:creationId xmlns:a16="http://schemas.microsoft.com/office/drawing/2014/main" id="{556D50C4-42CC-DBCA-0060-336BA6544C65}"/>
               </a:ext>
             </a:extLst>
           </p:cNvPr>
@@ -3845,7 +3988,7 @@
           <a:p>
             <a:r>
               <a:rPr lang="en-US" dirty="0"/>
-              <a:t>With Real Life Data</a:t>
+              <a:t>It’s Hip to be (R) Square(d). </a:t>
             </a:r>
           </a:p>
         </p:txBody>
@@ -3855,7 +3998,7 @@
           <p:cNvPr id="3" name="Content Placeholder 2">
             <a:extLst>
               <a:ext uri="{FF2B5EF4-FFF2-40B4-BE49-F238E27FC236}">
-                <a16:creationId xmlns:a16="http://schemas.microsoft.com/office/drawing/2014/main" id="{B816240C-4B5F-F54A-5704-BF9AAE4B77E1}"/>
+                <a16:creationId xmlns:a16="http://schemas.microsoft.com/office/drawing/2014/main" id="{E1B095E7-9DAA-832B-6BDA-119E20210453}"/>
               </a:ext>
             </a:extLst>
           </p:cNvPr>
@@ -3866,81 +4009,19 @@
             <p:ph idx="1"/>
           </p:nvPr>
         </p:nvSpPr>
-        <p:spPr>
-          <a:xfrm>
-            <a:off x="1451579" y="1914041"/>
-            <a:ext cx="9603275" cy="4139439"/>
-          </a:xfrm>
-        </p:spPr>
+        <p:spPr/>
         <p:txBody>
           <a:bodyPr/>
           <a:lstStyle/>
           <a:p>
-            <a:r>
-              <a:rPr lang="en-US" dirty="0"/>
-              <a:t>In a more realistic scenario, you often have lots of data, often spread about. </a:t>
-            </a:r>
-          </a:p>
-          <a:p>
-            <a:pPr lvl="1"/>
-            <a:r>
-              <a:rPr lang="en-US" dirty="0"/>
-              <a:t>If your company has a data warehouse, you may have everything.</a:t>
-            </a:r>
-          </a:p>
-          <a:p>
-            <a:pPr lvl="1"/>
-            <a:r>
-              <a:rPr lang="en-US" dirty="0"/>
-              <a:t>E.g. if predicting what Amazon customers will buy, you probably have lots of features…</a:t>
-            </a:r>
-          </a:p>
-          <a:p>
-            <a:r>
-              <a:rPr lang="en-US" dirty="0"/>
-              <a:t>Flitering “what is actually relevant to this prediction” is a human activity you need. </a:t>
-            </a:r>
-          </a:p>
-          <a:p>
-            <a:pPr lvl="1"/>
-            <a:r>
-              <a:rPr lang="en-US" dirty="0"/>
-              <a:t>Can’t really score feature importance by adding 100,000 random features effectively. </a:t>
-            </a:r>
-          </a:p>
-          <a:p>
-            <a:r>
-              <a:rPr lang="en-US" dirty="0"/>
-              <a:t>Your real estate thing is similar, in many ways. </a:t>
-            </a:r>
-          </a:p>
-          <a:p>
-            <a:pPr lvl="1"/>
-            <a:r>
-              <a:rPr lang="en-US" dirty="0"/>
-              <a:t>There are lots of features, but depending on what you’re doing, only some matter. </a:t>
-            </a:r>
-          </a:p>
-          <a:p>
-            <a:pPr lvl="1"/>
-            <a:r>
-              <a:rPr lang="en-US" dirty="0"/>
-              <a:t>The features you have may be better transformed into new features. (Hint: be aggressive). </a:t>
-            </a:r>
-          </a:p>
-          <a:p>
-            <a:pPr lvl="1"/>
-            <a:r>
-              <a:rPr lang="en-US" dirty="0"/>
-              <a:t>You can do feature selection, but you need a starting point smaller than ‘everything’. </a:t>
-            </a:r>
+            <a:endParaRPr lang="en-US" dirty="0"/>
           </a:p>
         </p:txBody>
       </p:sp>
     </p:spTree>
     <p:extLst>
       <p:ext uri="{BB962C8B-B14F-4D97-AF65-F5344CB8AC3E}">
-        <p14:creationId xmlns:p14="http://schemas.microsoft.com/office/powerpoint/2010/main" val="2684774922"/>
+        <p14:creationId xmlns:p14="http://schemas.microsoft.com/office/powerpoint/2010/main" val="814378992"/>
       </p:ext>
     </p:extLst>
   </p:cSld>
@@ -3972,6 +4053,576 @@
           <p:cNvPr id="2" name="Title 1">
             <a:extLst>
               <a:ext uri="{FF2B5EF4-FFF2-40B4-BE49-F238E27FC236}">
+                <a16:creationId xmlns:a16="http://schemas.microsoft.com/office/drawing/2014/main" id="{D5F03E50-4F61-934C-A969-5E4018A16B26}"/>
+              </a:ext>
+            </a:extLst>
+          </p:cNvPr>
+          <p:cNvSpPr>
+            <a:spLocks noGrp="1"/>
+          </p:cNvSpPr>
+          <p:nvPr>
+            <p:ph type="title"/>
+          </p:nvPr>
+        </p:nvSpPr>
+        <p:spPr>
+          <a:xfrm>
+            <a:off x="98855" y="1"/>
+            <a:ext cx="6051979" cy="556053"/>
+          </a:xfrm>
+        </p:spPr>
+        <p:txBody>
+          <a:bodyPr/>
+          <a:lstStyle/>
+          <a:p>
+            <a:r>
+              <a:rPr lang="en-US" dirty="0"/>
+              <a:t>Feature Selection Impacts</a:t>
+            </a:r>
+          </a:p>
+        </p:txBody>
+      </p:sp>
+      <p:sp>
+        <p:nvSpPr>
+          <p:cNvPr id="3" name="Content Placeholder 2">
+            <a:extLst>
+              <a:ext uri="{FF2B5EF4-FFF2-40B4-BE49-F238E27FC236}">
+                <a16:creationId xmlns:a16="http://schemas.microsoft.com/office/drawing/2014/main" id="{DC881FF8-EA80-EB63-20E7-0664DD00E312}"/>
+              </a:ext>
+            </a:extLst>
+          </p:cNvPr>
+          <p:cNvSpPr>
+            <a:spLocks noGrp="1"/>
+          </p:cNvSpPr>
+          <p:nvPr>
+            <p:ph idx="1"/>
+          </p:nvPr>
+        </p:nvSpPr>
+        <p:spPr>
+          <a:xfrm>
+            <a:off x="1013791" y="1853754"/>
+            <a:ext cx="10515599" cy="4199727"/>
+          </a:xfrm>
+        </p:spPr>
+        <p:txBody>
+          <a:bodyPr/>
+          <a:lstStyle/>
+          <a:p>
+            <a:r>
+              <a:rPr lang="en-US" dirty="0"/>
+              <a:t>Models will internally already have some aspect of weighting feature impacts. </a:t>
+            </a:r>
+          </a:p>
+          <a:p>
+            <a:pPr lvl="1"/>
+            <a:r>
+              <a:rPr lang="en-US" dirty="0"/>
+              <a:t>Trees choose to use different features, regression coefficients can shrink (maybe to 0). </a:t>
+            </a:r>
+          </a:p>
+          <a:p>
+            <a:pPr lvl="1"/>
+            <a:r>
+              <a:rPr lang="en-US" dirty="0"/>
+              <a:t>Removing a useless feature won’t really make performance jump, since it’s already deemphasized. </a:t>
+            </a:r>
+          </a:p>
+          <a:p>
+            <a:r>
+              <a:rPr lang="en-US" dirty="0"/>
+              <a:t>Remember R2 – the proportion of variance explained by the model:</a:t>
+            </a:r>
+          </a:p>
+          <a:p>
+            <a:pPr lvl="1"/>
+            <a:r>
+              <a:rPr lang="en-US" dirty="0"/>
+              <a:t>R2 of 1 is perfect correlation and perfect predictions, x tells us y. 0 is no correlation. </a:t>
+            </a:r>
+          </a:p>
+          <a:p>
+            <a:pPr lvl="1"/>
+            <a:r>
+              <a:rPr lang="en-US" dirty="0"/>
+              <a:t>Added features rarely have </a:t>
+            </a:r>
+            <a:r>
+              <a:rPr lang="en-US" i="1" dirty="0"/>
+              <a:t>absolutely no</a:t>
+            </a:r>
+            <a:r>
+              <a:rPr lang="en-US" dirty="0"/>
+              <a:t> correlation with the target, so they contribute </a:t>
+            </a:r>
+            <a:r>
+              <a:rPr lang="en-US" i="1" dirty="0"/>
+              <a:t>something.</a:t>
+            </a:r>
+            <a:r>
+              <a:rPr lang="en-US" dirty="0"/>
+              <a:t> </a:t>
+            </a:r>
+          </a:p>
+          <a:p>
+            <a:pPr lvl="1"/>
+            <a:r>
+              <a:rPr lang="en-US" dirty="0"/>
+              <a:t>Could add many bad features to a few good ones to get a higher R2. </a:t>
+            </a:r>
+          </a:p>
+          <a:p>
+            <a:pPr lvl="1"/>
+            <a:r>
+              <a:rPr lang="en-US" dirty="0"/>
+              <a:t>Think of </a:t>
+            </a:r>
+            <a:r>
+              <a:rPr lang="en-US" dirty="0" err="1"/>
+              <a:t>multicorrelation</a:t>
+            </a:r>
+            <a:r>
+              <a:rPr lang="en-US" dirty="0"/>
+              <a:t> examples – we can remove redundant features and r2 is basically unchanged. </a:t>
+            </a:r>
+          </a:p>
+          <a:p>
+            <a:r>
+              <a:rPr lang="en-US" dirty="0"/>
+              <a:t>Adjusted R2 measures the correlation, adjusted for size of data and # of features. </a:t>
+            </a:r>
+          </a:p>
+          <a:p>
+            <a:pPr lvl="1"/>
+            <a:r>
+              <a:rPr lang="en-US" dirty="0"/>
+              <a:t>Similar concept to regularization – there’s a penalty (to overcome) for making the model larger. </a:t>
+            </a:r>
+          </a:p>
+        </p:txBody>
+      </p:sp>
+      <p:pic>
+        <p:nvPicPr>
+          <p:cNvPr id="1028" name="Picture 4" descr="Adjusted R2">
+            <a:extLst>
+              <a:ext uri="{FF2B5EF4-FFF2-40B4-BE49-F238E27FC236}">
+                <a16:creationId xmlns:a16="http://schemas.microsoft.com/office/drawing/2014/main" id="{552A0F20-50BC-40C5-D9BA-6805A803F6E9}"/>
+              </a:ext>
+            </a:extLst>
+          </p:cNvPr>
+          <p:cNvPicPr>
+            <a:picLocks noChangeAspect="1" noChangeArrowheads="1"/>
+          </p:cNvPicPr>
+          <p:nvPr/>
+        </p:nvPicPr>
+        <p:blipFill rotWithShape="1">
+          <a:blip r:embed="rId2">
+            <a:extLst>
+              <a:ext uri="{28A0092B-C50C-407E-A947-70E740481C1C}">
+                <a14:useLocalDpi xmlns:a14="http://schemas.microsoft.com/office/drawing/2010/main" val="0"/>
+              </a:ext>
+            </a:extLst>
+          </a:blip>
+          <a:srcRect l="3835" t="6734" r="5897" b="11702"/>
+          <a:stretch/>
+        </p:blipFill>
+        <p:spPr bwMode="auto">
+          <a:xfrm>
+            <a:off x="6150834" y="0"/>
+            <a:ext cx="6041166" cy="1853754"/>
+          </a:xfrm>
+          <a:prstGeom prst="rect">
+            <a:avLst/>
+          </a:prstGeom>
+          <a:noFill/>
+          <a:extLst>
+            <a:ext uri="{909E8E84-426E-40DD-AFC4-6F175D3DCCD1}">
+              <a14:hiddenFill xmlns:a14="http://schemas.microsoft.com/office/drawing/2010/main">
+                <a:solidFill>
+                  <a:srgbClr val="FFFFFF"/>
+                </a:solidFill>
+              </a14:hiddenFill>
+            </a:ext>
+          </a:extLst>
+        </p:spPr>
+      </p:pic>
+      <p:pic>
+        <p:nvPicPr>
+          <p:cNvPr id="1030" name="Picture 6" descr="R-Squared: Formula Explanation. We all must have seen these terms… | by  Saurabh Gupta | Analytics Vidhya | Medium">
+            <a:extLst>
+              <a:ext uri="{FF2B5EF4-FFF2-40B4-BE49-F238E27FC236}">
+                <a16:creationId xmlns:a16="http://schemas.microsoft.com/office/drawing/2014/main" id="{BC2CF55A-2DA9-BFC3-77C7-7E5EF77A9E92}"/>
+              </a:ext>
+            </a:extLst>
+          </p:cNvPr>
+          <p:cNvPicPr>
+            <a:picLocks noChangeAspect="1" noChangeArrowheads="1"/>
+          </p:cNvPicPr>
+          <p:nvPr/>
+        </p:nvPicPr>
+        <p:blipFill>
+          <a:blip r:embed="rId3">
+            <a:extLst>
+              <a:ext uri="{28A0092B-C50C-407E-A947-70E740481C1C}">
+                <a14:useLocalDpi xmlns:a14="http://schemas.microsoft.com/office/drawing/2010/main" val="0"/>
+              </a:ext>
+            </a:extLst>
+          </a:blip>
+          <a:srcRect/>
+          <a:stretch>
+            <a:fillRect/>
+          </a:stretch>
+        </p:blipFill>
+        <p:spPr bwMode="auto">
+          <a:xfrm>
+            <a:off x="175113" y="690473"/>
+            <a:ext cx="5866054" cy="1163282"/>
+          </a:xfrm>
+          <a:prstGeom prst="rect">
+            <a:avLst/>
+          </a:prstGeom>
+          <a:noFill/>
+          <a:extLst>
+            <a:ext uri="{909E8E84-426E-40DD-AFC4-6F175D3DCCD1}">
+              <a14:hiddenFill xmlns:a14="http://schemas.microsoft.com/office/drawing/2010/main">
+                <a:solidFill>
+                  <a:srgbClr val="FFFFFF"/>
+                </a:solidFill>
+              </a14:hiddenFill>
+            </a:ext>
+          </a:extLst>
+        </p:spPr>
+      </p:pic>
+    </p:spTree>
+    <p:extLst>
+      <p:ext uri="{BB962C8B-B14F-4D97-AF65-F5344CB8AC3E}">
+        <p14:creationId xmlns:p14="http://schemas.microsoft.com/office/powerpoint/2010/main" val="106115371"/>
+      </p:ext>
+    </p:extLst>
+  </p:cSld>
+  <p:clrMapOvr>
+    <a:masterClrMapping/>
+  </p:clrMapOvr>
+</p:sld>
+</file>
+
+<file path=ppt/slides/slide12.xml><?xml version="1.0" encoding="utf-8"?>
+<p:sld xmlns:a="http://schemas.openxmlformats.org/drawingml/2006/main" xmlns:r="http://schemas.openxmlformats.org/officeDocument/2006/relationships" xmlns:p="http://schemas.openxmlformats.org/presentationml/2006/main">
+  <p:cSld>
+    <p:spTree>
+      <p:nvGrpSpPr>
+        <p:cNvPr id="1" name=""/>
+        <p:cNvGrpSpPr/>
+        <p:nvPr/>
+      </p:nvGrpSpPr>
+      <p:grpSpPr>
+        <a:xfrm>
+          <a:off x="0" y="0"/>
+          <a:ext cx="0" cy="0"/>
+          <a:chOff x="0" y="0"/>
+          <a:chExt cx="0" cy="0"/>
+        </a:xfrm>
+      </p:grpSpPr>
+      <p:sp>
+        <p:nvSpPr>
+          <p:cNvPr id="2" name="Title 1">
+            <a:extLst>
+              <a:ext uri="{FF2B5EF4-FFF2-40B4-BE49-F238E27FC236}">
+                <a16:creationId xmlns:a16="http://schemas.microsoft.com/office/drawing/2014/main" id="{67762C61-7EFB-BB84-845B-D271322F589B}"/>
+              </a:ext>
+            </a:extLst>
+          </p:cNvPr>
+          <p:cNvSpPr>
+            <a:spLocks noGrp="1"/>
+          </p:cNvSpPr>
+          <p:nvPr>
+            <p:ph type="title"/>
+          </p:nvPr>
+        </p:nvSpPr>
+        <p:spPr/>
+        <p:txBody>
+          <a:bodyPr/>
+          <a:lstStyle/>
+          <a:p>
+            <a:r>
+              <a:rPr lang="en-US" dirty="0"/>
+              <a:t>The Human Touch (Maybe it’ll Touch You In That Project class…)</a:t>
+            </a:r>
+          </a:p>
+        </p:txBody>
+      </p:sp>
+      <p:sp>
+        <p:nvSpPr>
+          <p:cNvPr id="3" name="Content Placeholder 2">
+            <a:extLst>
+              <a:ext uri="{FF2B5EF4-FFF2-40B4-BE49-F238E27FC236}">
+                <a16:creationId xmlns:a16="http://schemas.microsoft.com/office/drawing/2014/main" id="{4F644EF6-D3E2-8211-A1C1-9EE5511963D8}"/>
+              </a:ext>
+            </a:extLst>
+          </p:cNvPr>
+          <p:cNvSpPr>
+            <a:spLocks noGrp="1"/>
+          </p:cNvSpPr>
+          <p:nvPr>
+            <p:ph idx="1"/>
+          </p:nvPr>
+        </p:nvSpPr>
+        <p:spPr>
+          <a:xfrm>
+            <a:off x="1451579" y="1914258"/>
+            <a:ext cx="9603275" cy="4139223"/>
+          </a:xfrm>
+        </p:spPr>
+        <p:txBody>
+          <a:bodyPr/>
+          <a:lstStyle/>
+          <a:p>
+            <a:r>
+              <a:rPr lang="en-US" dirty="0"/>
+              <a:t>The first point of feature selection is human judgement of what matters. </a:t>
+            </a:r>
+          </a:p>
+          <a:p>
+            <a:pPr lvl="1"/>
+            <a:r>
+              <a:rPr lang="en-US" dirty="0"/>
+              <a:t>Requires some domain knowledge – what is actually relevant?</a:t>
+            </a:r>
+          </a:p>
+          <a:p>
+            <a:r>
+              <a:rPr lang="en-US" dirty="0"/>
+              <a:t>This is something much more critical in real life than in learning machine learning. </a:t>
+            </a:r>
+          </a:p>
+          <a:p>
+            <a:r>
+              <a:rPr lang="en-US" dirty="0"/>
+              <a:t>In examples/exercises, we typically use preformed datasets. </a:t>
+            </a:r>
+          </a:p>
+          <a:p>
+            <a:pPr lvl="1"/>
+            <a:r>
+              <a:rPr lang="en-US" dirty="0"/>
+              <a:t>These datasets were made/curated for machine learning, so set up for that. </a:t>
+            </a:r>
+          </a:p>
+          <a:p>
+            <a:pPr lvl="1"/>
+            <a:r>
+              <a:rPr lang="en-US" dirty="0"/>
+              <a:t>Even if data is very dirty, it is usually more or less what you need. </a:t>
+            </a:r>
+          </a:p>
+          <a:p>
+            <a:pPr lvl="1"/>
+            <a:r>
+              <a:rPr lang="en-US" dirty="0"/>
+              <a:t>The data is already assembled – many/most real life things will need joins. </a:t>
+            </a:r>
+          </a:p>
+          <a:p>
+            <a:pPr lvl="1"/>
+            <a:r>
+              <a:rPr lang="en-US" dirty="0"/>
+              <a:t>E.g. there’s probably only relevant-</a:t>
+            </a:r>
+            <a:r>
+              <a:rPr lang="en-US" dirty="0" err="1"/>
+              <a:t>ish</a:t>
+            </a:r>
+            <a:r>
+              <a:rPr lang="en-US" dirty="0"/>
+              <a:t> stuff in the dataset to begin with, it is curated. </a:t>
+            </a:r>
+          </a:p>
+          <a:p>
+            <a:r>
+              <a:rPr lang="en-US" dirty="0"/>
+              <a:t>Real life data is more annoying, we need to judge what matters as humans. </a:t>
+            </a:r>
+          </a:p>
+        </p:txBody>
+      </p:sp>
+    </p:spTree>
+    <p:extLst>
+      <p:ext uri="{BB962C8B-B14F-4D97-AF65-F5344CB8AC3E}">
+        <p14:creationId xmlns:p14="http://schemas.microsoft.com/office/powerpoint/2010/main" val="1073733013"/>
+      </p:ext>
+    </p:extLst>
+  </p:cSld>
+  <p:clrMapOvr>
+    <a:masterClrMapping/>
+  </p:clrMapOvr>
+</p:sld>
+</file>
+
+<file path=ppt/slides/slide13.xml><?xml version="1.0" encoding="utf-8"?>
+<p:sld xmlns:a="http://schemas.openxmlformats.org/drawingml/2006/main" xmlns:r="http://schemas.openxmlformats.org/officeDocument/2006/relationships" xmlns:p="http://schemas.openxmlformats.org/presentationml/2006/main">
+  <p:cSld>
+    <p:spTree>
+      <p:nvGrpSpPr>
+        <p:cNvPr id="1" name=""/>
+        <p:cNvGrpSpPr/>
+        <p:nvPr/>
+      </p:nvGrpSpPr>
+      <p:grpSpPr>
+        <a:xfrm>
+          <a:off x="0" y="0"/>
+          <a:ext cx="0" cy="0"/>
+          <a:chOff x="0" y="0"/>
+          <a:chExt cx="0" cy="0"/>
+        </a:xfrm>
+      </p:grpSpPr>
+      <p:sp>
+        <p:nvSpPr>
+          <p:cNvPr id="2" name="Title 1">
+            <a:extLst>
+              <a:ext uri="{FF2B5EF4-FFF2-40B4-BE49-F238E27FC236}">
+                <a16:creationId xmlns:a16="http://schemas.microsoft.com/office/drawing/2014/main" id="{7F89D4E6-3F90-E210-1D00-2BA974F47629}"/>
+              </a:ext>
+            </a:extLst>
+          </p:cNvPr>
+          <p:cNvSpPr>
+            <a:spLocks noGrp="1"/>
+          </p:cNvSpPr>
+          <p:nvPr>
+            <p:ph type="title"/>
+          </p:nvPr>
+        </p:nvSpPr>
+        <p:spPr/>
+        <p:txBody>
+          <a:bodyPr/>
+          <a:lstStyle/>
+          <a:p>
+            <a:r>
+              <a:rPr lang="en-US" dirty="0"/>
+              <a:t>With Real Life Data</a:t>
+            </a:r>
+          </a:p>
+        </p:txBody>
+      </p:sp>
+      <p:sp>
+        <p:nvSpPr>
+          <p:cNvPr id="3" name="Content Placeholder 2">
+            <a:extLst>
+              <a:ext uri="{FF2B5EF4-FFF2-40B4-BE49-F238E27FC236}">
+                <a16:creationId xmlns:a16="http://schemas.microsoft.com/office/drawing/2014/main" id="{B816240C-4B5F-F54A-5704-BF9AAE4B77E1}"/>
+              </a:ext>
+            </a:extLst>
+          </p:cNvPr>
+          <p:cNvSpPr>
+            <a:spLocks noGrp="1"/>
+          </p:cNvSpPr>
+          <p:nvPr>
+            <p:ph idx="1"/>
+          </p:nvPr>
+        </p:nvSpPr>
+        <p:spPr>
+          <a:xfrm>
+            <a:off x="1451579" y="1914041"/>
+            <a:ext cx="9603275" cy="4139439"/>
+          </a:xfrm>
+        </p:spPr>
+        <p:txBody>
+          <a:bodyPr/>
+          <a:lstStyle/>
+          <a:p>
+            <a:r>
+              <a:rPr lang="en-US" dirty="0"/>
+              <a:t>In a more realistic scenario, you often have lots of data, often spread about. </a:t>
+            </a:r>
+          </a:p>
+          <a:p>
+            <a:pPr lvl="1"/>
+            <a:r>
+              <a:rPr lang="en-US" dirty="0"/>
+              <a:t>If your company has a data warehouse, you may have everything.</a:t>
+            </a:r>
+          </a:p>
+          <a:p>
+            <a:pPr lvl="1"/>
+            <a:r>
+              <a:rPr lang="en-US" dirty="0"/>
+              <a:t>E.g. if predicting what Amazon customers will buy, you probably have lots of features…</a:t>
+            </a:r>
+          </a:p>
+          <a:p>
+            <a:r>
+              <a:rPr lang="en-US" dirty="0"/>
+              <a:t>Flitering “what is actually relevant to this prediction” is a human activity you need. </a:t>
+            </a:r>
+          </a:p>
+          <a:p>
+            <a:pPr lvl="1"/>
+            <a:r>
+              <a:rPr lang="en-US" dirty="0"/>
+              <a:t>Can’t really score feature importance by adding 100,000 random features effectively. </a:t>
+            </a:r>
+          </a:p>
+          <a:p>
+            <a:r>
+              <a:rPr lang="en-US" dirty="0"/>
+              <a:t>Your real estate thing is similar, in many ways. </a:t>
+            </a:r>
+          </a:p>
+          <a:p>
+            <a:pPr lvl="1"/>
+            <a:r>
+              <a:rPr lang="en-US" dirty="0"/>
+              <a:t>There are lots of features, but depending on what you’re doing, only some matter. </a:t>
+            </a:r>
+          </a:p>
+          <a:p>
+            <a:pPr lvl="1"/>
+            <a:r>
+              <a:rPr lang="en-US" dirty="0"/>
+              <a:t>The features you have may be better transformed into new features. (Hint: be aggressive). </a:t>
+            </a:r>
+          </a:p>
+          <a:p>
+            <a:pPr lvl="1"/>
+            <a:r>
+              <a:rPr lang="en-US" dirty="0"/>
+              <a:t>You can do feature selection, but you need a starting point smaller than ‘everything’. </a:t>
+            </a:r>
+          </a:p>
+        </p:txBody>
+      </p:sp>
+    </p:spTree>
+    <p:extLst>
+      <p:ext uri="{BB962C8B-B14F-4D97-AF65-F5344CB8AC3E}">
+        <p14:creationId xmlns:p14="http://schemas.microsoft.com/office/powerpoint/2010/main" val="2684774922"/>
+      </p:ext>
+    </p:extLst>
+  </p:cSld>
+  <p:clrMapOvr>
+    <a:masterClrMapping/>
+  </p:clrMapOvr>
+</p:sld>
+</file>
+
+<file path=ppt/slides/slide14.xml><?xml version="1.0" encoding="utf-8"?>
+<p:sld xmlns:a="http://schemas.openxmlformats.org/drawingml/2006/main" xmlns:r="http://schemas.openxmlformats.org/officeDocument/2006/relationships" xmlns:p="http://schemas.openxmlformats.org/presentationml/2006/main">
+  <p:cSld>
+    <p:spTree>
+      <p:nvGrpSpPr>
+        <p:cNvPr id="1" name=""/>
+        <p:cNvGrpSpPr/>
+        <p:nvPr/>
+      </p:nvGrpSpPr>
+      <p:grpSpPr>
+        <a:xfrm>
+          <a:off x="0" y="0"/>
+          <a:ext cx="0" cy="0"/>
+          <a:chOff x="0" y="0"/>
+          <a:chExt cx="0" cy="0"/>
+        </a:xfrm>
+      </p:grpSpPr>
+      <p:sp>
+        <p:nvSpPr>
+          <p:cNvPr id="2" name="Title 1">
+            <a:extLst>
+              <a:ext uri="{FF2B5EF4-FFF2-40B4-BE49-F238E27FC236}">
                 <a16:creationId xmlns:a16="http://schemas.microsoft.com/office/drawing/2014/main" id="{FE150245-D286-3423-EB7E-3692F6A41DEE}"/>
               </a:ext>
             </a:extLst>
@@ -4019,7 +4670,7 @@
         </p:spPr>
         <p:txBody>
           <a:bodyPr>
-            <a:normAutofit lnSpcReduction="10000"/>
+            <a:normAutofit fontScale="92500" lnSpcReduction="10000"/>
           </a:bodyPr>
           <a:lstStyle/>
           <a:p>
@@ -4104,6 +4755,18 @@
               <a:rPr lang="en-US" dirty="0"/>
               <a:t>The more evidence we have, the higher the ‘ceiling’ is for predictions, but it becomes harder.</a:t>
             </a:r>
+          </a:p>
+          <a:p>
+            <a:pPr lvl="1"/>
+            <a:r>
+              <a:rPr lang="en-US" dirty="0"/>
+              <a:t>Lots of less useful features don’t ‘ruin’ the good info, but make it harder </a:t>
+            </a:r>
+            <a:r>
+              <a:rPr lang="en-US"/>
+              <a:t>to process. </a:t>
+            </a:r>
+            <a:endParaRPr lang="en-US" dirty="0"/>
           </a:p>
         </p:txBody>
       </p:sp>
@@ -4120,7 +4783,7 @@
 </p:sld>
 </file>
 
-<file path=ppt/slides/slide12.xml><?xml version="1.0" encoding="utf-8"?>
+<file path=ppt/slides/slide15.xml><?xml version="1.0" encoding="utf-8"?>
 <p:sld xmlns:a="http://schemas.openxmlformats.org/drawingml/2006/main" xmlns:r="http://schemas.openxmlformats.org/officeDocument/2006/relationships" xmlns:p="http://schemas.openxmlformats.org/presentationml/2006/main">
   <p:cSld>
     <p:bg>
@@ -4572,7 +5235,7 @@
 </p:sld>
 </file>
 
-<file path=ppt/slides/slide13.xml><?xml version="1.0" encoding="utf-8"?>
+<file path=ppt/slides/slide16.xml><?xml version="1.0" encoding="utf-8"?>
 <p:sld xmlns:a="http://schemas.openxmlformats.org/drawingml/2006/main" xmlns:r="http://schemas.openxmlformats.org/officeDocument/2006/relationships" xmlns:p="http://schemas.openxmlformats.org/presentationml/2006/main">
   <p:cSld>
     <p:spTree>
@@ -4703,7 +5366,7 @@
 </p:sld>
 </file>
 
-<file path=ppt/slides/slide14.xml><?xml version="1.0" encoding="utf-8"?>
+<file path=ppt/slides/slide17.xml><?xml version="1.0" encoding="utf-8"?>
 <p:sld xmlns:a="http://schemas.openxmlformats.org/drawingml/2006/main" xmlns:r="http://schemas.openxmlformats.org/officeDocument/2006/relationships" xmlns:p="http://schemas.openxmlformats.org/presentationml/2006/main">
   <p:cSld>
     <p:bg>
@@ -4911,7 +5574,7 @@
 </p:sld>
 </file>
 
-<file path=ppt/slides/slide15.xml><?xml version="1.0" encoding="utf-8"?>
+<file path=ppt/slides/slide18.xml><?xml version="1.0" encoding="utf-8"?>
 <p:sld xmlns:a="http://schemas.openxmlformats.org/drawingml/2006/main" xmlns:r="http://schemas.openxmlformats.org/officeDocument/2006/relationships" xmlns:p="http://schemas.openxmlformats.org/presentationml/2006/main">
   <p:cSld>
     <p:spTree>
@@ -5089,7 +5752,7 @@
 </p:sld>
 </file>
 
-<file path=ppt/slides/slide16.xml><?xml version="1.0" encoding="utf-8"?>
+<file path=ppt/slides/slide19.xml><?xml version="1.0" encoding="utf-8"?>
 <p:sld xmlns:a="http://schemas.openxmlformats.org/drawingml/2006/main" xmlns:r="http://schemas.openxmlformats.org/officeDocument/2006/relationships" xmlns:p="http://schemas.openxmlformats.org/presentationml/2006/main">
   <p:cSld>
     <p:spTree>
@@ -5305,7 +5968,7 @@
 </p:sld>
 </file>
 
-<file path=ppt/slides/slide17.xml><?xml version="1.0" encoding="utf-8"?>
+<file path=ppt/slides/slide2.xml><?xml version="1.0" encoding="utf-8"?>
 <p:sld xmlns:a="http://schemas.openxmlformats.org/drawingml/2006/main" xmlns:r="http://schemas.openxmlformats.org/officeDocument/2006/relationships" xmlns:p="http://schemas.openxmlformats.org/presentationml/2006/main">
   <p:cSld>
     <p:spTree>
@@ -5327,6 +5990,164 @@
           <p:cNvPr id="2" name="Title 1">
             <a:extLst>
               <a:ext uri="{FF2B5EF4-FFF2-40B4-BE49-F238E27FC236}">
+                <a16:creationId xmlns:a16="http://schemas.microsoft.com/office/drawing/2014/main" id="{D38D14CF-BA4C-391A-F9E0-19CC24BE639E}"/>
+              </a:ext>
+            </a:extLst>
+          </p:cNvPr>
+          <p:cNvSpPr>
+            <a:spLocks noGrp="1"/>
+          </p:cNvSpPr>
+          <p:nvPr>
+            <p:ph type="title"/>
+          </p:nvPr>
+        </p:nvSpPr>
+        <p:spPr>
+          <a:xfrm>
+            <a:off x="1451579" y="804519"/>
+            <a:ext cx="9603276" cy="1049235"/>
+          </a:xfrm>
+        </p:spPr>
+        <p:txBody>
+          <a:bodyPr/>
+          <a:lstStyle/>
+          <a:p>
+            <a:r>
+              <a:rPr lang="en-US" dirty="0"/>
+              <a:t>Review – Multiclass classification and Image data in Logistic Regression</a:t>
+            </a:r>
+          </a:p>
+        </p:txBody>
+      </p:sp>
+      <p:sp>
+        <p:nvSpPr>
+          <p:cNvPr id="3" name="Content Placeholder 2">
+            <a:extLst>
+              <a:ext uri="{FF2B5EF4-FFF2-40B4-BE49-F238E27FC236}">
+                <a16:creationId xmlns:a16="http://schemas.microsoft.com/office/drawing/2014/main" id="{FB5E8A82-E536-86F8-687A-851F0F266F35}"/>
+              </a:ext>
+            </a:extLst>
+          </p:cNvPr>
+          <p:cNvSpPr>
+            <a:spLocks noGrp="1"/>
+          </p:cNvSpPr>
+          <p:nvPr>
+            <p:ph idx="1"/>
+          </p:nvPr>
+        </p:nvSpPr>
+        <p:spPr>
+          <a:xfrm>
+            <a:off x="1451579" y="1853754"/>
+            <a:ext cx="9603275" cy="4199727"/>
+          </a:xfrm>
+        </p:spPr>
+        <p:txBody>
+          <a:bodyPr/>
+          <a:lstStyle/>
+          <a:p>
+            <a:r>
+              <a:rPr lang="en-US" dirty="0"/>
+              <a:t>We saw logistic regression with a couple of twists:</a:t>
+            </a:r>
+          </a:p>
+          <a:p>
+            <a:pPr lvl="1"/>
+            <a:r>
+              <a:rPr lang="en-US" dirty="0"/>
+              <a:t>Regularization can be applied to the model internally, and is by default. </a:t>
+            </a:r>
+          </a:p>
+          <a:p>
+            <a:pPr lvl="1"/>
+            <a:r>
+              <a:rPr lang="en-US" dirty="0"/>
+              <a:t>The ‘solver’ controls the math behind the scenes, some work better in some scenarios. </a:t>
+            </a:r>
+          </a:p>
+          <a:p>
+            <a:pPr lvl="1"/>
+            <a:r>
+              <a:rPr lang="en-US" dirty="0"/>
+              <a:t>Image (or other) data can be used – but must* be made tabular (flat, one record per row). </a:t>
+            </a:r>
+          </a:p>
+          <a:p>
+            <a:pPr lvl="1"/>
+            <a:r>
+              <a:rPr lang="en-US" dirty="0"/>
+              <a:t>We can classify into several classes, not just two. </a:t>
+            </a:r>
+          </a:p>
+          <a:p>
+            <a:r>
+              <a:rPr lang="en-US" dirty="0"/>
+              <a:t>Image data in models (and any unstructured data). </a:t>
+            </a:r>
+          </a:p>
+          <a:p>
+            <a:pPr lvl="1"/>
+            <a:r>
+              <a:rPr lang="en-US" dirty="0"/>
+              <a:t>Original data is not usable – 2/3D matrix of pixels. </a:t>
+            </a:r>
+          </a:p>
+          <a:p>
+            <a:pPr lvl="1"/>
+            <a:r>
+              <a:rPr lang="en-US" dirty="0"/>
+              <a:t>Need a process to transform image-&gt;flat data – this process can vary depending on intent. </a:t>
+            </a:r>
+          </a:p>
+          <a:p>
+            <a:pPr lvl="1"/>
+            <a:r>
+              <a:rPr lang="en-US" dirty="0"/>
+              <a:t>Accuracy depends both on model, and quality of this representation. </a:t>
+            </a:r>
+          </a:p>
+          <a:p>
+            <a:pPr lvl="1"/>
+            <a:r>
+              <a:rPr lang="en-US" dirty="0"/>
+              <a:t>Once ‘flat’, the process is the same as we’re used to.</a:t>
+            </a:r>
+          </a:p>
+        </p:txBody>
+      </p:sp>
+    </p:spTree>
+    <p:extLst>
+      <p:ext uri="{BB962C8B-B14F-4D97-AF65-F5344CB8AC3E}">
+        <p14:creationId xmlns:p14="http://schemas.microsoft.com/office/powerpoint/2010/main" val="239199769"/>
+      </p:ext>
+    </p:extLst>
+  </p:cSld>
+  <p:clrMapOvr>
+    <a:masterClrMapping/>
+  </p:clrMapOvr>
+</p:sld>
+</file>
+
+<file path=ppt/slides/slide20.xml><?xml version="1.0" encoding="utf-8"?>
+<p:sld xmlns:a="http://schemas.openxmlformats.org/drawingml/2006/main" xmlns:r="http://schemas.openxmlformats.org/officeDocument/2006/relationships" xmlns:p="http://schemas.openxmlformats.org/presentationml/2006/main">
+  <p:cSld>
+    <p:spTree>
+      <p:nvGrpSpPr>
+        <p:cNvPr id="1" name=""/>
+        <p:cNvGrpSpPr/>
+        <p:nvPr/>
+      </p:nvGrpSpPr>
+      <p:grpSpPr>
+        <a:xfrm>
+          <a:off x="0" y="0"/>
+          <a:ext cx="0" cy="0"/>
+          <a:chOff x="0" y="0"/>
+          <a:chExt cx="0" cy="0"/>
+        </a:xfrm>
+      </p:grpSpPr>
+      <p:sp>
+        <p:nvSpPr>
+          <p:cNvPr id="2" name="Title 1">
+            <a:extLst>
+              <a:ext uri="{FF2B5EF4-FFF2-40B4-BE49-F238E27FC236}">
                 <a16:creationId xmlns:a16="http://schemas.microsoft.com/office/drawing/2014/main" id="{1E1B38B9-B551-924B-B4DA-B77F34204A13}"/>
               </a:ext>
             </a:extLst>
@@ -5439,7 +6260,7 @@
 </p:sld>
 </file>
 
-<file path=ppt/slides/slide18.xml><?xml version="1.0" encoding="utf-8"?>
+<file path=ppt/slides/slide21.xml><?xml version="1.0" encoding="utf-8"?>
 <p:sld xmlns:a="http://schemas.openxmlformats.org/drawingml/2006/main" xmlns:r="http://schemas.openxmlformats.org/officeDocument/2006/relationships" xmlns:p="http://schemas.openxmlformats.org/presentationml/2006/main">
   <p:cSld>
     <p:spTree>
@@ -5868,7 +6689,7 @@
 </p:sld>
 </file>
 
-<file path=ppt/slides/slide19.xml><?xml version="1.0" encoding="utf-8"?>
+<file path=ppt/slides/slide22.xml><?xml version="1.0" encoding="utf-8"?>
 <p:sld xmlns:a="http://schemas.openxmlformats.org/drawingml/2006/main" xmlns:r="http://schemas.openxmlformats.org/officeDocument/2006/relationships" xmlns:p="http://schemas.openxmlformats.org/presentationml/2006/main">
   <p:cSld>
     <p:spTree>
@@ -6006,90 +6827,7 @@
 </p:sld>
 </file>
 
-<file path=ppt/slides/slide2.xml><?xml version="1.0" encoding="utf-8"?>
-<p:sld xmlns:a="http://schemas.openxmlformats.org/drawingml/2006/main" xmlns:r="http://schemas.openxmlformats.org/officeDocument/2006/relationships" xmlns:p="http://schemas.openxmlformats.org/presentationml/2006/main">
-  <p:cSld>
-    <p:spTree>
-      <p:nvGrpSpPr>
-        <p:cNvPr id="1" name=""/>
-        <p:cNvGrpSpPr/>
-        <p:nvPr/>
-      </p:nvGrpSpPr>
-      <p:grpSpPr>
-        <a:xfrm>
-          <a:off x="0" y="0"/>
-          <a:ext cx="0" cy="0"/>
-          <a:chOff x="0" y="0"/>
-          <a:chExt cx="0" cy="0"/>
-        </a:xfrm>
-      </p:grpSpPr>
-      <p:sp>
-        <p:nvSpPr>
-          <p:cNvPr id="2" name="Title 1">
-            <a:extLst>
-              <a:ext uri="{FF2B5EF4-FFF2-40B4-BE49-F238E27FC236}">
-                <a16:creationId xmlns:a16="http://schemas.microsoft.com/office/drawing/2014/main" id="{4479753A-2A8C-F149-8035-FB4E6ADA2349}"/>
-              </a:ext>
-            </a:extLst>
-          </p:cNvPr>
-          <p:cNvSpPr>
-            <a:spLocks noGrp="1"/>
-          </p:cNvSpPr>
-          <p:nvPr>
-            <p:ph type="ctrTitle"/>
-          </p:nvPr>
-        </p:nvSpPr>
-        <p:spPr/>
-        <p:txBody>
-          <a:bodyPr/>
-          <a:lstStyle/>
-          <a:p>
-            <a:r>
-              <a:rPr lang="en-US" dirty="0"/>
-              <a:t>Feature Selection</a:t>
-            </a:r>
-          </a:p>
-        </p:txBody>
-      </p:sp>
-      <p:sp>
-        <p:nvSpPr>
-          <p:cNvPr id="3" name="Subtitle 2">
-            <a:extLst>
-              <a:ext uri="{FF2B5EF4-FFF2-40B4-BE49-F238E27FC236}">
-                <a16:creationId xmlns:a16="http://schemas.microsoft.com/office/drawing/2014/main" id="{6EDDED44-6CBD-694F-83C3-CECD1E53689E}"/>
-              </a:ext>
-            </a:extLst>
-          </p:cNvPr>
-          <p:cNvSpPr>
-            <a:spLocks noGrp="1"/>
-          </p:cNvSpPr>
-          <p:nvPr>
-            <p:ph type="subTitle" idx="1"/>
-          </p:nvPr>
-        </p:nvSpPr>
-        <p:spPr/>
-        <p:txBody>
-          <a:bodyPr/>
-          <a:lstStyle/>
-          <a:p>
-            <a:endParaRPr lang="en-US"/>
-          </a:p>
-        </p:txBody>
-      </p:sp>
-    </p:spTree>
-    <p:extLst>
-      <p:ext uri="{BB962C8B-B14F-4D97-AF65-F5344CB8AC3E}">
-        <p14:creationId xmlns:p14="http://schemas.microsoft.com/office/powerpoint/2010/main" val="844244035"/>
-      </p:ext>
-    </p:extLst>
-  </p:cSld>
-  <p:clrMapOvr>
-    <a:masterClrMapping/>
-  </p:clrMapOvr>
-</p:sld>
-</file>
-
-<file path=ppt/slides/slide20.xml><?xml version="1.0" encoding="utf-8"?>
+<file path=ppt/slides/slide23.xml><?xml version="1.0" encoding="utf-8"?>
 <p:sld xmlns:a="http://schemas.openxmlformats.org/drawingml/2006/main" xmlns:r="http://schemas.openxmlformats.org/officeDocument/2006/relationships" xmlns:p="http://schemas.openxmlformats.org/presentationml/2006/main">
   <p:cSld>
     <p:spTree>
@@ -6216,7 +6954,7 @@
 </p:sld>
 </file>
 
-<file path=ppt/slides/slide21.xml><?xml version="1.0" encoding="utf-8"?>
+<file path=ppt/slides/slide24.xml><?xml version="1.0" encoding="utf-8"?>
 <p:sld xmlns:a="http://schemas.openxmlformats.org/drawingml/2006/main" xmlns:r="http://schemas.openxmlformats.org/officeDocument/2006/relationships" xmlns:p="http://schemas.openxmlformats.org/presentationml/2006/main">
   <p:cSld>
     <p:spTree>
@@ -6341,7 +7079,7 @@
 </p:sld>
 </file>
 
-<file path=ppt/slides/slide22.xml><?xml version="1.0" encoding="utf-8"?>
+<file path=ppt/slides/slide25.xml><?xml version="1.0" encoding="utf-8"?>
 <p:sld xmlns:a="http://schemas.openxmlformats.org/drawingml/2006/main" xmlns:r="http://schemas.openxmlformats.org/officeDocument/2006/relationships" xmlns:p="http://schemas.openxmlformats.org/presentationml/2006/main">
   <p:cSld>
     <p:bg>
@@ -6797,453 +7535,6 @@
 </p:sld>
 </file>
 
-<file path=ppt/slides/slide23.xml><?xml version="1.0" encoding="utf-8"?>
-<p:sld xmlns:a="http://schemas.openxmlformats.org/drawingml/2006/main" xmlns:r="http://schemas.openxmlformats.org/officeDocument/2006/relationships" xmlns:p="http://schemas.openxmlformats.org/presentationml/2006/main">
-  <p:cSld>
-    <p:spTree>
-      <p:nvGrpSpPr>
-        <p:cNvPr id="1" name=""/>
-        <p:cNvGrpSpPr/>
-        <p:nvPr/>
-      </p:nvGrpSpPr>
-      <p:grpSpPr>
-        <a:xfrm>
-          <a:off x="0" y="0"/>
-          <a:ext cx="0" cy="0"/>
-          <a:chOff x="0" y="0"/>
-          <a:chExt cx="0" cy="0"/>
-        </a:xfrm>
-      </p:grpSpPr>
-      <p:sp>
-        <p:nvSpPr>
-          <p:cNvPr id="2" name="Title 1">
-            <a:extLst>
-              <a:ext uri="{FF2B5EF4-FFF2-40B4-BE49-F238E27FC236}">
-                <a16:creationId xmlns:a16="http://schemas.microsoft.com/office/drawing/2014/main" id="{2CA29D0D-FA1E-CEBC-04C5-85BCB7DA7367}"/>
-              </a:ext>
-            </a:extLst>
-          </p:cNvPr>
-          <p:cNvSpPr>
-            <a:spLocks noGrp="1"/>
-          </p:cNvSpPr>
-          <p:nvPr>
-            <p:ph type="title"/>
-          </p:nvPr>
-        </p:nvSpPr>
-        <p:spPr/>
-        <p:txBody>
-          <a:bodyPr/>
-          <a:lstStyle/>
-          <a:p>
-            <a:r>
-              <a:rPr lang="en-US" dirty="0"/>
-              <a:t>Do we Select? </a:t>
-            </a:r>
-          </a:p>
-        </p:txBody>
-      </p:sp>
-      <p:sp>
-        <p:nvSpPr>
-          <p:cNvPr id="3" name="Content Placeholder 2">
-            <a:extLst>
-              <a:ext uri="{FF2B5EF4-FFF2-40B4-BE49-F238E27FC236}">
-                <a16:creationId xmlns:a16="http://schemas.microsoft.com/office/drawing/2014/main" id="{BD241134-7F19-81C1-4108-D885B995317D}"/>
-              </a:ext>
-            </a:extLst>
-          </p:cNvPr>
-          <p:cNvSpPr>
-            <a:spLocks noGrp="1"/>
-          </p:cNvSpPr>
-          <p:nvPr>
-            <p:ph idx="1"/>
-          </p:nvPr>
-        </p:nvSpPr>
-        <p:spPr>
-          <a:xfrm>
-            <a:off x="874644" y="1853754"/>
-            <a:ext cx="11141766" cy="4199728"/>
-          </a:xfrm>
-        </p:spPr>
-        <p:txBody>
-          <a:bodyPr>
-            <a:normAutofit fontScale="92500" lnSpcReduction="10000"/>
-          </a:bodyPr>
-          <a:lstStyle/>
-          <a:p>
-            <a:r>
-              <a:rPr lang="en-US" dirty="0"/>
-              <a:t>As noted, removing features makes the model more ‘efficient’ but doesn’t normally raise the ceiling. </a:t>
-            </a:r>
-          </a:p>
-          <a:p>
-            <a:r>
-              <a:rPr lang="en-US" dirty="0"/>
-              <a:t>Selecting features makes the most sense when:</a:t>
-            </a:r>
-          </a:p>
-          <a:p>
-            <a:pPr lvl="1"/>
-            <a:r>
-              <a:rPr lang="en-US" b="1" dirty="0"/>
-              <a:t>There’s some substantial domain knowledge where you know something about importance. </a:t>
-            </a:r>
-          </a:p>
-          <a:p>
-            <a:pPr lvl="1"/>
-            <a:r>
-              <a:rPr lang="en-US" dirty="0"/>
-              <a:t>In our scenarios, the features are kind of random values, in reality they’re measurements of actual real stuff.</a:t>
-            </a:r>
-          </a:p>
-          <a:p>
-            <a:pPr lvl="1"/>
-            <a:r>
-              <a:rPr lang="en-US" dirty="0"/>
-              <a:t>The process needs to be somewhat understandable or explainable. </a:t>
-            </a:r>
-          </a:p>
-          <a:p>
-            <a:pPr lvl="1"/>
-            <a:r>
-              <a:rPr lang="en-US" dirty="0"/>
-              <a:t>The training data is limited, as a too high wide/tall ratio will tend to overfitting. </a:t>
-            </a:r>
-            <a:r>
-              <a:rPr lang="en-US" b="1" dirty="0"/>
-              <a:t>If data is limited, it matters. </a:t>
-            </a:r>
-            <a:endParaRPr lang="en-US" dirty="0"/>
-          </a:p>
-          <a:p>
-            <a:r>
-              <a:rPr lang="en-US" dirty="0"/>
-              <a:t>Simple is (usually) better for most cases in practice. </a:t>
-            </a:r>
-          </a:p>
-          <a:p>
-            <a:pPr lvl="1"/>
-            <a:r>
-              <a:rPr lang="en-US" dirty="0"/>
-              <a:t>Feature selection will make more of an impact with smaller, simpler models and data. </a:t>
-            </a:r>
-            <a:endParaRPr lang="en-US" b="1" dirty="0"/>
-          </a:p>
-          <a:p>
-            <a:pPr lvl="1"/>
-            <a:r>
-              <a:rPr lang="en-US" dirty="0"/>
-              <a:t>Can unlock better performance on large models by allowing quicker trials. </a:t>
-            </a:r>
-          </a:p>
-          <a:p>
-            <a:pPr lvl="1"/>
-            <a:r>
-              <a:rPr lang="en-US" dirty="0"/>
-              <a:t>In many real-life scenarios, bias error might not be the worst. E.g. a bank will default to ‘generalizing’.</a:t>
-            </a:r>
-          </a:p>
-          <a:p>
-            <a:pPr lvl="1"/>
-            <a:r>
-              <a:rPr lang="en-US" dirty="0"/>
-              <a:t>Work ‘up’ in complexity – there’s no use getting 2% better from a model that is 20x larger (usually).</a:t>
-            </a:r>
-          </a:p>
-          <a:p>
-            <a:endParaRPr lang="en-US" dirty="0"/>
-          </a:p>
-        </p:txBody>
-      </p:sp>
-    </p:spTree>
-    <p:extLst>
-      <p:ext uri="{BB962C8B-B14F-4D97-AF65-F5344CB8AC3E}">
-        <p14:creationId xmlns:p14="http://schemas.microsoft.com/office/powerpoint/2010/main" val="342955639"/>
-      </p:ext>
-    </p:extLst>
-  </p:cSld>
-  <p:clrMapOvr>
-    <a:masterClrMapping/>
-  </p:clrMapOvr>
-</p:sld>
-</file>
-
-<file path=ppt/slides/slide24.xml><?xml version="1.0" encoding="utf-8"?>
-<p:sld xmlns:a="http://schemas.openxmlformats.org/drawingml/2006/main" xmlns:r="http://schemas.openxmlformats.org/officeDocument/2006/relationships" xmlns:p="http://schemas.openxmlformats.org/presentationml/2006/main">
-  <p:cSld>
-    <p:spTree>
-      <p:nvGrpSpPr>
-        <p:cNvPr id="1" name=""/>
-        <p:cNvGrpSpPr/>
-        <p:nvPr/>
-      </p:nvGrpSpPr>
-      <p:grpSpPr>
-        <a:xfrm>
-          <a:off x="0" y="0"/>
-          <a:ext cx="0" cy="0"/>
-          <a:chOff x="0" y="0"/>
-          <a:chExt cx="0" cy="0"/>
-        </a:xfrm>
-      </p:grpSpPr>
-      <p:sp>
-        <p:nvSpPr>
-          <p:cNvPr id="2" name="Title 1">
-            <a:extLst>
-              <a:ext uri="{FF2B5EF4-FFF2-40B4-BE49-F238E27FC236}">
-                <a16:creationId xmlns:a16="http://schemas.microsoft.com/office/drawing/2014/main" id="{65D5BC61-74C0-D8DB-21FC-4D58523C8D00}"/>
-              </a:ext>
-            </a:extLst>
-          </p:cNvPr>
-          <p:cNvSpPr>
-            <a:spLocks noGrp="1"/>
-          </p:cNvSpPr>
-          <p:nvPr>
-            <p:ph type="title"/>
-          </p:nvPr>
-        </p:nvSpPr>
-        <p:spPr/>
-        <p:txBody>
-          <a:bodyPr/>
-          <a:lstStyle/>
-          <a:p>
-            <a:r>
-              <a:rPr lang="en-US" dirty="0"/>
-              <a:t>So…</a:t>
-            </a:r>
-          </a:p>
-        </p:txBody>
-      </p:sp>
-      <p:sp>
-        <p:nvSpPr>
-          <p:cNvPr id="3" name="Content Placeholder 2">
-            <a:extLst>
-              <a:ext uri="{FF2B5EF4-FFF2-40B4-BE49-F238E27FC236}">
-                <a16:creationId xmlns:a16="http://schemas.microsoft.com/office/drawing/2014/main" id="{8BFC246F-491C-D9C4-8B84-5A1060772B6E}"/>
-              </a:ext>
-            </a:extLst>
-          </p:cNvPr>
-          <p:cNvSpPr>
-            <a:spLocks noGrp="1"/>
-          </p:cNvSpPr>
-          <p:nvPr>
-            <p:ph idx="1"/>
-          </p:nvPr>
-        </p:nvSpPr>
-        <p:spPr>
-          <a:xfrm>
-            <a:off x="1451579" y="1853754"/>
-            <a:ext cx="9603275" cy="4199727"/>
-          </a:xfrm>
-        </p:spPr>
-        <p:txBody>
-          <a:bodyPr/>
-          <a:lstStyle/>
-          <a:p>
-            <a:r>
-              <a:rPr lang="en-US" dirty="0"/>
-              <a:t>Performing feature selection will rarely, if ever, make large accuracy differences. </a:t>
-            </a:r>
-          </a:p>
-          <a:p>
-            <a:pPr lvl="1"/>
-            <a:r>
-              <a:rPr lang="en-US" dirty="0"/>
-              <a:t>That requires ensuring a model that fits well. </a:t>
-            </a:r>
-          </a:p>
-          <a:p>
-            <a:r>
-              <a:rPr lang="en-US" dirty="0"/>
-              <a:t>More features are theoretically better for peak accuracy, as long as they are relevant. </a:t>
-            </a:r>
-          </a:p>
-          <a:p>
-            <a:r>
-              <a:rPr lang="en-US" dirty="0"/>
-              <a:t>To ‘use’ the info in larger numbers of features we need more complex models. </a:t>
-            </a:r>
-          </a:p>
-          <a:p>
-            <a:r>
-              <a:rPr lang="en-US" dirty="0"/>
-              <a:t>To constrain overfitting with complex models, we need lots of data. </a:t>
-            </a:r>
-          </a:p>
-          <a:p>
-            <a:r>
-              <a:rPr lang="en-US" dirty="0"/>
-              <a:t>We’re mostly doing things for learning/experience, so we tend to pursue accuracy. </a:t>
-            </a:r>
-          </a:p>
-          <a:p>
-            <a:r>
-              <a:rPr lang="en-US" dirty="0"/>
-              <a:t>In reality, many/most scenarios we want the simplest thing that does the job. </a:t>
-            </a:r>
-          </a:p>
-          <a:p>
-            <a:pPr lvl="1"/>
-            <a:r>
-              <a:rPr lang="en-US" dirty="0"/>
-              <a:t>The degree of accuracy that matters might not be the maximum, if there’s tradeoffs. </a:t>
-            </a:r>
-          </a:p>
-        </p:txBody>
-      </p:sp>
-    </p:spTree>
-    <p:extLst>
-      <p:ext uri="{BB962C8B-B14F-4D97-AF65-F5344CB8AC3E}">
-        <p14:creationId xmlns:p14="http://schemas.microsoft.com/office/powerpoint/2010/main" val="2646316890"/>
-      </p:ext>
-    </p:extLst>
-  </p:cSld>
-  <p:clrMapOvr>
-    <a:masterClrMapping/>
-  </p:clrMapOvr>
-</p:sld>
-</file>
-
-<file path=ppt/slides/slide25.xml><?xml version="1.0" encoding="utf-8"?>
-<p:sld xmlns:a="http://schemas.openxmlformats.org/drawingml/2006/main" xmlns:r="http://schemas.openxmlformats.org/officeDocument/2006/relationships" xmlns:p="http://schemas.openxmlformats.org/presentationml/2006/main">
-  <p:cSld>
-    <p:spTree>
-      <p:nvGrpSpPr>
-        <p:cNvPr id="1" name=""/>
-        <p:cNvGrpSpPr/>
-        <p:nvPr/>
-      </p:nvGrpSpPr>
-      <p:grpSpPr>
-        <a:xfrm>
-          <a:off x="0" y="0"/>
-          <a:ext cx="0" cy="0"/>
-          <a:chOff x="0" y="0"/>
-          <a:chExt cx="0" cy="0"/>
-        </a:xfrm>
-      </p:grpSpPr>
-      <p:sp>
-        <p:nvSpPr>
-          <p:cNvPr id="2" name="Title 1">
-            <a:extLst>
-              <a:ext uri="{FF2B5EF4-FFF2-40B4-BE49-F238E27FC236}">
-                <a16:creationId xmlns:a16="http://schemas.microsoft.com/office/drawing/2014/main" id="{42B6E3C1-5B20-D524-8B03-2C9E50076095}"/>
-              </a:ext>
-            </a:extLst>
-          </p:cNvPr>
-          <p:cNvSpPr>
-            <a:spLocks noGrp="1"/>
-          </p:cNvSpPr>
-          <p:nvPr>
-            <p:ph type="title"/>
-          </p:nvPr>
-        </p:nvSpPr>
-        <p:spPr/>
-        <p:txBody>
-          <a:bodyPr/>
-          <a:lstStyle/>
-          <a:p>
-            <a:r>
-              <a:rPr lang="en-US" dirty="0"/>
-              <a:t>Feature Selection’s Buddies</a:t>
-            </a:r>
-          </a:p>
-        </p:txBody>
-      </p:sp>
-      <p:sp>
-        <p:nvSpPr>
-          <p:cNvPr id="3" name="Content Placeholder 2">
-            <a:extLst>
-              <a:ext uri="{FF2B5EF4-FFF2-40B4-BE49-F238E27FC236}">
-                <a16:creationId xmlns:a16="http://schemas.microsoft.com/office/drawing/2014/main" id="{57DC8E8B-57F3-C18E-4EA1-CDDEBA73389B}"/>
-              </a:ext>
-            </a:extLst>
-          </p:cNvPr>
-          <p:cNvSpPr>
-            <a:spLocks noGrp="1"/>
-          </p:cNvSpPr>
-          <p:nvPr>
-            <p:ph idx="1"/>
-          </p:nvPr>
-        </p:nvSpPr>
-        <p:spPr>
-          <a:xfrm>
-            <a:off x="1451579" y="1853755"/>
-            <a:ext cx="9603275" cy="4199726"/>
-          </a:xfrm>
-        </p:spPr>
-        <p:txBody>
-          <a:bodyPr>
-            <a:normAutofit/>
-          </a:bodyPr>
-          <a:lstStyle/>
-          <a:p>
-            <a:r>
-              <a:rPr lang="en-US" dirty="0"/>
-              <a:t>PCA – extracts portions of the “value” from each feature, composed into new features. </a:t>
-            </a:r>
-          </a:p>
-          <a:p>
-            <a:pPr lvl="1"/>
-            <a:r>
-              <a:rPr lang="en-US" dirty="0"/>
-              <a:t>Not feature selection as none of the features actually goes away in the same sense. </a:t>
-            </a:r>
-          </a:p>
-          <a:p>
-            <a:pPr lvl="1"/>
-            <a:r>
-              <a:rPr lang="en-US" dirty="0"/>
-              <a:t>Can provide many of the same benefits, or better. E.g. example with pixels. </a:t>
-            </a:r>
-          </a:p>
-          <a:p>
-            <a:r>
-              <a:rPr lang="en-US" dirty="0"/>
-              <a:t>Bigger/better models – large models, like NNs, learn feature selection given enough data. </a:t>
-            </a:r>
-          </a:p>
-          <a:p>
-            <a:pPr lvl="1"/>
-            <a:r>
-              <a:rPr lang="en-US" dirty="0"/>
-              <a:t>Complex scenarios may allow the model to learn this better than is possible with this stuff. </a:t>
-            </a:r>
-          </a:p>
-          <a:p>
-            <a:pPr lvl="1"/>
-            <a:r>
-              <a:rPr lang="en-US" dirty="0"/>
-              <a:t>The model can learn the importance of features, and even different representations of them. </a:t>
-            </a:r>
-          </a:p>
-          <a:p>
-            <a:pPr lvl="1"/>
-            <a:r>
-              <a:rPr lang="en-US" dirty="0"/>
-              <a:t>In high-dimension things (generative, image rec., NLP, </a:t>
-            </a:r>
-            <a:r>
-              <a:rPr lang="en-US" dirty="0" err="1"/>
-              <a:t>etc</a:t>
-            </a:r>
-            <a:r>
-              <a:rPr lang="en-US" dirty="0"/>
-              <a:t>…) each feature tends to not have a specific value that someone can evaluate manually – a pixel or part of a sound wave doesn’t have the relationship to a target that “income” or “age” do. A large model with large data is basically able to figure these complex relationships out – we can’t really do it up front. </a:t>
-            </a:r>
-          </a:p>
-        </p:txBody>
-      </p:sp>
-    </p:spTree>
-    <p:extLst>
-      <p:ext uri="{BB962C8B-B14F-4D97-AF65-F5344CB8AC3E}">
-        <p14:creationId xmlns:p14="http://schemas.microsoft.com/office/powerpoint/2010/main" val="2609040331"/>
-      </p:ext>
-    </p:extLst>
-  </p:cSld>
-  <p:clrMapOvr>
-    <a:masterClrMapping/>
-  </p:clrMapOvr>
-</p:sld>
-</file>
-
 <file path=ppt/slides/slide26.xml><?xml version="1.0" encoding="utf-8"?>
 <p:sld xmlns:a="http://schemas.openxmlformats.org/drawingml/2006/main" xmlns:r="http://schemas.openxmlformats.org/officeDocument/2006/relationships" xmlns:p="http://schemas.openxmlformats.org/presentationml/2006/main">
   <p:cSld>
@@ -7266,7 +7557,7 @@
           <p:cNvPr id="2" name="Title 1">
             <a:extLst>
               <a:ext uri="{FF2B5EF4-FFF2-40B4-BE49-F238E27FC236}">
-                <a16:creationId xmlns:a16="http://schemas.microsoft.com/office/drawing/2014/main" id="{8DD06797-DAA5-FF31-F4AC-8692D3079874}"/>
+                <a16:creationId xmlns:a16="http://schemas.microsoft.com/office/drawing/2014/main" id="{2CA29D0D-FA1E-CEBC-04C5-85BCB7DA7367}"/>
               </a:ext>
             </a:extLst>
           </p:cNvPr>
@@ -7284,7 +7575,7 @@
           <a:p>
             <a:r>
               <a:rPr lang="en-US" dirty="0"/>
-              <a:t>Feature Construction</a:t>
+              <a:t>Do we Select? </a:t>
             </a:r>
           </a:p>
         </p:txBody>
@@ -7294,7 +7585,7 @@
           <p:cNvPr id="3" name="Content Placeholder 2">
             <a:extLst>
               <a:ext uri="{FF2B5EF4-FFF2-40B4-BE49-F238E27FC236}">
-                <a16:creationId xmlns:a16="http://schemas.microsoft.com/office/drawing/2014/main" id="{13992327-7D84-F1AF-AEE6-EE0C074E630C}"/>
+                <a16:creationId xmlns:a16="http://schemas.microsoft.com/office/drawing/2014/main" id="{BD241134-7F19-81C1-4108-D885B995317D}"/>
               </a:ext>
             </a:extLst>
           </p:cNvPr>
@@ -7307,78 +7598,104 @@
         </p:nvSpPr>
         <p:spPr>
           <a:xfrm>
-            <a:off x="1451579" y="1853754"/>
-            <a:ext cx="9603275" cy="4199727"/>
+            <a:off x="874644" y="1853754"/>
+            <a:ext cx="11141766" cy="4199728"/>
           </a:xfrm>
         </p:spPr>
         <p:txBody>
-          <a:bodyPr/>
-          <a:lstStyle/>
-          <a:p>
-            <a:r>
-              <a:rPr lang="en-US" dirty="0"/>
-              <a:t>We can also create new features out of the original data. </a:t>
-            </a:r>
-          </a:p>
-          <a:p>
-            <a:pPr lvl="1"/>
-            <a:r>
-              <a:rPr lang="en-US" dirty="0"/>
-              <a:t>PCA is one example of this we’ll see soon. </a:t>
-            </a:r>
-          </a:p>
-          <a:p>
-            <a:pPr lvl="1"/>
-            <a:r>
-              <a:rPr lang="en-US" dirty="0"/>
-              <a:t>Neural networks kind of do this, though not as an explicit step. </a:t>
-            </a:r>
-          </a:p>
-          <a:p>
-            <a:r>
-              <a:rPr lang="en-US" dirty="0"/>
-              <a:t>In reality, this is pretty common:</a:t>
-            </a:r>
-          </a:p>
-          <a:p>
-            <a:pPr lvl="1"/>
-            <a:r>
-              <a:rPr lang="en-US" dirty="0"/>
-              <a:t>A retailer may calculate people in area, or within walking distance, or # of similar stores…</a:t>
-            </a:r>
-          </a:p>
-          <a:p>
-            <a:pPr lvl="1"/>
-            <a:r>
-              <a:rPr lang="en-US" dirty="0"/>
-              <a:t>A marketer may construct features to look back at recent advertising. </a:t>
-            </a:r>
-          </a:p>
-          <a:p>
-            <a:pPr lvl="1"/>
-            <a:r>
-              <a:rPr lang="en-US" dirty="0"/>
-              <a:t>Infection tracing looking for number of contacts. </a:t>
-            </a:r>
-          </a:p>
-          <a:p>
-            <a:r>
-              <a:rPr lang="en-US" dirty="0"/>
-              <a:t>What we can need and what we can measure may not always align. </a:t>
-            </a:r>
-          </a:p>
-          <a:p>
-            <a:r>
-              <a:rPr lang="en-US" dirty="0"/>
-              <a:t>When we are in realistic scenarios, this is another thing needing domain knowledge. </a:t>
-            </a:r>
+          <a:bodyPr>
+            <a:normAutofit fontScale="92500" lnSpcReduction="10000"/>
+          </a:bodyPr>
+          <a:lstStyle/>
+          <a:p>
+            <a:r>
+              <a:rPr lang="en-US" dirty="0"/>
+              <a:t>As noted, removing features makes the model more ‘efficient’ but doesn’t normally raise the ceiling. </a:t>
+            </a:r>
+          </a:p>
+          <a:p>
+            <a:r>
+              <a:rPr lang="en-US" dirty="0"/>
+              <a:t>Selecting features makes the most sense when:</a:t>
+            </a:r>
+          </a:p>
+          <a:p>
+            <a:pPr lvl="1"/>
+            <a:r>
+              <a:rPr lang="en-US" b="1" dirty="0"/>
+              <a:t>There’s some substantial domain knowledge where you know something about importance. </a:t>
+            </a:r>
+          </a:p>
+          <a:p>
+            <a:pPr lvl="1"/>
+            <a:r>
+              <a:rPr lang="en-US" dirty="0"/>
+              <a:t>In our scenarios, the features are kind of random values, in reality they’re measurements of actual real stuff.</a:t>
+            </a:r>
+          </a:p>
+          <a:p>
+            <a:pPr lvl="1"/>
+            <a:r>
+              <a:rPr lang="en-US" dirty="0"/>
+              <a:t>The process needs to be somewhat understandable or explainable. </a:t>
+            </a:r>
+          </a:p>
+          <a:p>
+            <a:pPr lvl="1"/>
+            <a:r>
+              <a:rPr lang="en-US" dirty="0"/>
+              <a:t>The training data is limited, as a too high wide/tall ratio will tend to overfitting. </a:t>
+            </a:r>
+            <a:r>
+              <a:rPr lang="en-US" b="1" dirty="0"/>
+              <a:t>If data is limited, it matters. </a:t>
+            </a:r>
+            <a:endParaRPr lang="en-US" dirty="0"/>
+          </a:p>
+          <a:p>
+            <a:r>
+              <a:rPr lang="en-US" dirty="0"/>
+              <a:t>Simple is (usually) better for most cases in practice. </a:t>
+            </a:r>
+          </a:p>
+          <a:p>
+            <a:pPr lvl="1"/>
+            <a:r>
+              <a:rPr lang="en-US" dirty="0"/>
+              <a:t>Feature selection will make more of an impact with smaller, simpler models and data. </a:t>
+            </a:r>
+            <a:endParaRPr lang="en-US" b="1" dirty="0"/>
+          </a:p>
+          <a:p>
+            <a:pPr lvl="1"/>
+            <a:r>
+              <a:rPr lang="en-US" dirty="0"/>
+              <a:t>Can unlock better performance on large models by allowing quicker trials. </a:t>
+            </a:r>
+          </a:p>
+          <a:p>
+            <a:pPr lvl="1"/>
+            <a:r>
+              <a:rPr lang="en-US" dirty="0"/>
+              <a:t>In many real-life scenarios, bias error might not be the worst. E.g. a bank will default to ‘generalizing’.</a:t>
+            </a:r>
+          </a:p>
+          <a:p>
+            <a:pPr lvl="1"/>
+            <a:r>
+              <a:rPr lang="en-US" dirty="0"/>
+              <a:t>Work ‘up’ in complexity – there’s no use getting 2% better from a model that is 20x larger (usually).</a:t>
+            </a:r>
+          </a:p>
+          <a:p>
+            <a:endParaRPr lang="en-US" dirty="0"/>
           </a:p>
         </p:txBody>
       </p:sp>
     </p:spTree>
     <p:extLst>
       <p:ext uri="{BB962C8B-B14F-4D97-AF65-F5344CB8AC3E}">
-        <p14:creationId xmlns:p14="http://schemas.microsoft.com/office/powerpoint/2010/main" val="778889691"/>
+        <p14:creationId xmlns:p14="http://schemas.microsoft.com/office/powerpoint/2010/main" val="342955639"/>
       </p:ext>
     </p:extLst>
   </p:cSld>
@@ -7410,7 +7727,7 @@
           <p:cNvPr id="2" name="Title 1">
             <a:extLst>
               <a:ext uri="{FF2B5EF4-FFF2-40B4-BE49-F238E27FC236}">
-                <a16:creationId xmlns:a16="http://schemas.microsoft.com/office/drawing/2014/main" id="{52ABF31B-58D3-9586-5153-574351A714D0}"/>
+                <a16:creationId xmlns:a16="http://schemas.microsoft.com/office/drawing/2014/main" id="{65D5BC61-74C0-D8DB-21FC-4D58523C8D00}"/>
               </a:ext>
             </a:extLst>
           </p:cNvPr>
@@ -7428,7 +7745,7 @@
           <a:p>
             <a:r>
               <a:rPr lang="en-US" dirty="0"/>
-              <a:t>Real Life Feature Construction</a:t>
+              <a:t>So…</a:t>
             </a:r>
           </a:p>
         </p:txBody>
@@ -7438,7 +7755,7 @@
           <p:cNvPr id="3" name="Content Placeholder 2">
             <a:extLst>
               <a:ext uri="{FF2B5EF4-FFF2-40B4-BE49-F238E27FC236}">
-                <a16:creationId xmlns:a16="http://schemas.microsoft.com/office/drawing/2014/main" id="{3FD36F8B-2FFD-0C54-CBF3-6B1E25CD4000}"/>
+                <a16:creationId xmlns:a16="http://schemas.microsoft.com/office/drawing/2014/main" id="{8BFC246F-491C-D9C4-8B84-5A1060772B6E}"/>
               </a:ext>
             </a:extLst>
           </p:cNvPr>
@@ -7452,7 +7769,7 @@
         <p:spPr>
           <a:xfrm>
             <a:off x="1451579" y="1853754"/>
-            <a:ext cx="9603275" cy="4199728"/>
+            <a:ext cx="9603275" cy="4199727"/>
           </a:xfrm>
         </p:spPr>
         <p:txBody>
@@ -7461,67 +7778,51 @@
           <a:p>
             <a:r>
               <a:rPr lang="en-US" dirty="0"/>
-              <a:t>In reality, we don’t really have “all” the relevant inputs like we do with examples. </a:t>
-            </a:r>
-          </a:p>
-          <a:p>
-            <a:r>
-              <a:rPr lang="en-US" dirty="0"/>
-              <a:t>We typically have the data in whatever format it could be collected it. </a:t>
-            </a:r>
-          </a:p>
-          <a:p>
-            <a:r>
-              <a:rPr lang="en-US" dirty="0"/>
-              <a:t>We likely need to make features from what we collected and use those. </a:t>
-            </a:r>
-          </a:p>
-          <a:p>
-            <a:r>
-              <a:rPr lang="en-US" dirty="0"/>
-              <a:t>For example:</a:t>
-            </a:r>
-          </a:p>
-          <a:p>
-            <a:pPr lvl="1"/>
-            <a:r>
-              <a:rPr lang="en-US" dirty="0"/>
-              <a:t>Spatial (location) – distance from things, time from thing, density of things. </a:t>
-            </a:r>
-          </a:p>
-          <a:p>
-            <a:pPr lvl="1"/>
-            <a:r>
-              <a:rPr lang="en-US" dirty="0"/>
-              <a:t>Time series – time since, frequency. </a:t>
-            </a:r>
-          </a:p>
-          <a:p>
-            <a:pPr lvl="1"/>
-            <a:r>
-              <a:rPr lang="en-US" dirty="0"/>
-              <a:t>Other – aggregates (sum/avg) instead of raw value, ranking, ratios, </a:t>
-            </a:r>
-            <a:r>
-              <a:rPr lang="en-US" dirty="0" err="1"/>
-              <a:t>etc</a:t>
-            </a:r>
-            <a:r>
-              <a:rPr lang="en-US" dirty="0"/>
-              <a:t>…</a:t>
-            </a:r>
-          </a:p>
-          <a:p>
-            <a:r>
-              <a:rPr lang="en-US" dirty="0"/>
-              <a:t>The data we start with might be good for predictions, it might not. </a:t>
-            </a:r>
-          </a:p>
-          <a:p>
-            <a:pPr lvl="1"/>
-            <a:r>
-              <a:rPr lang="en-US" dirty="0"/>
-              <a:t>This definitely requires some domain knowledge to do well. </a:t>
+              <a:t>Performing feature selection will rarely, if ever, make large accuracy differences. </a:t>
+            </a:r>
+          </a:p>
+          <a:p>
+            <a:pPr lvl="1"/>
+            <a:r>
+              <a:rPr lang="en-US" dirty="0"/>
+              <a:t>That requires ensuring a model that fits well. </a:t>
+            </a:r>
+          </a:p>
+          <a:p>
+            <a:r>
+              <a:rPr lang="en-US" dirty="0"/>
+              <a:t>More features are theoretically better for peak accuracy, as long as they are relevant. </a:t>
+            </a:r>
+          </a:p>
+          <a:p>
+            <a:r>
+              <a:rPr lang="en-US" dirty="0"/>
+              <a:t>To ‘use’ the info in larger numbers of features we need more complex models. </a:t>
+            </a:r>
+          </a:p>
+          <a:p>
+            <a:r>
+              <a:rPr lang="en-US" dirty="0"/>
+              <a:t>To constrain overfitting with complex models, we need lots of data. </a:t>
+            </a:r>
+          </a:p>
+          <a:p>
+            <a:r>
+              <a:rPr lang="en-US" dirty="0"/>
+              <a:t>We’re mostly doing things for learning/experience, so we tend to pursue accuracy. </a:t>
+            </a:r>
+          </a:p>
+          <a:p>
+            <a:r>
+              <a:rPr lang="en-US" dirty="0"/>
+              <a:t>In reality, many/most scenarios we want the simplest thing that does the job. </a:t>
+            </a:r>
+          </a:p>
+          <a:p>
+            <a:pPr lvl="1"/>
+            <a:r>
+              <a:rPr lang="en-US" dirty="0"/>
+              <a:t>The degree of accuracy that matters might not be the maximum, if there’s tradeoffs. </a:t>
             </a:r>
           </a:p>
         </p:txBody>
@@ -7529,7 +7830,7 @@
     </p:spTree>
     <p:extLst>
       <p:ext uri="{BB962C8B-B14F-4D97-AF65-F5344CB8AC3E}">
-        <p14:creationId xmlns:p14="http://schemas.microsoft.com/office/powerpoint/2010/main" val="2751223220"/>
+        <p14:creationId xmlns:p14="http://schemas.microsoft.com/office/powerpoint/2010/main" val="2646316890"/>
       </p:ext>
     </p:extLst>
   </p:cSld>
@@ -7561,7 +7862,7 @@
           <p:cNvPr id="2" name="Title 1">
             <a:extLst>
               <a:ext uri="{FF2B5EF4-FFF2-40B4-BE49-F238E27FC236}">
-                <a16:creationId xmlns:a16="http://schemas.microsoft.com/office/drawing/2014/main" id="{F5299A85-8288-A29F-A26D-1F58C2FDF8D4}"/>
+                <a16:creationId xmlns:a16="http://schemas.microsoft.com/office/drawing/2014/main" id="{42B6E3C1-5B20-D524-8B03-2C9E50076095}"/>
               </a:ext>
             </a:extLst>
           </p:cNvPr>
@@ -7579,7 +7880,7 @@
           <a:p>
             <a:r>
               <a:rPr lang="en-US" dirty="0"/>
-              <a:t>Other Changes</a:t>
+              <a:t>Feature Selection’s Buddies</a:t>
             </a:r>
           </a:p>
         </p:txBody>
@@ -7589,7 +7890,7 @@
           <p:cNvPr id="3" name="Content Placeholder 2">
             <a:extLst>
               <a:ext uri="{FF2B5EF4-FFF2-40B4-BE49-F238E27FC236}">
-                <a16:creationId xmlns:a16="http://schemas.microsoft.com/office/drawing/2014/main" id="{97B1291F-210D-F3A7-CDEF-15135451536B}"/>
+                <a16:creationId xmlns:a16="http://schemas.microsoft.com/office/drawing/2014/main" id="{57DC8E8B-57F3-C18E-4EA1-CDDEBA73389B}"/>
               </a:ext>
             </a:extLst>
           </p:cNvPr>
@@ -7602,8 +7903,8 @@
         </p:nvSpPr>
         <p:spPr>
           <a:xfrm>
-            <a:off x="1451579" y="1853754"/>
-            <a:ext cx="9603275" cy="4199727"/>
+            <a:off x="1451579" y="1853755"/>
+            <a:ext cx="9603275" cy="4199726"/>
           </a:xfrm>
         </p:spPr>
         <p:txBody>
@@ -7614,79 +7915,64 @@
           <a:p>
             <a:r>
               <a:rPr lang="en-US" dirty="0"/>
-              <a:t>Grouping and “other” groups for categories with many options. </a:t>
-            </a:r>
-          </a:p>
-          <a:p>
-            <a:r>
-              <a:rPr lang="en-US" dirty="0"/>
-              <a:t>Recategorizing or merging groups – e.g. café, coffee shop, and dinner grouped. </a:t>
-            </a:r>
-          </a:p>
-          <a:p>
-            <a:r>
-              <a:rPr lang="en-US" dirty="0"/>
-              <a:t>Categorizing some continuous data. </a:t>
-            </a:r>
-          </a:p>
-          <a:p>
-            <a:pPr lvl="1"/>
-            <a:r>
-              <a:rPr lang="en-US" dirty="0"/>
-              <a:t>E.g. credit scores are generally used as buckets, not specific numbers. </a:t>
-            </a:r>
-          </a:p>
-          <a:p>
-            <a:r>
-              <a:rPr lang="en-US" dirty="0"/>
-              <a:t>Truncating values – are there outliers where “high” is good enough. </a:t>
-            </a:r>
-          </a:p>
-          <a:p>
-            <a:r>
-              <a:rPr lang="en-US" dirty="0"/>
-              <a:t>Combining or splitting columns. </a:t>
-            </a:r>
-          </a:p>
-          <a:p>
-            <a:pPr lvl="1"/>
-            <a:r>
-              <a:rPr lang="en-US" dirty="0"/>
-              <a:t>Sometimes feature-info may not be 1-to-1, e.g. address to city, province. Lat/</a:t>
+              <a:t>PCA – extracts portions of the “value” from each feature, composed into new features. </a:t>
+            </a:r>
+          </a:p>
+          <a:p>
+            <a:pPr lvl="1"/>
+            <a:r>
+              <a:rPr lang="en-US" dirty="0"/>
+              <a:t>Not feature selection as none of the features actually goes away in the same sense. </a:t>
+            </a:r>
+          </a:p>
+          <a:p>
+            <a:pPr lvl="1"/>
+            <a:r>
+              <a:rPr lang="en-US" dirty="0"/>
+              <a:t>Can provide many of the same benefits, or better. E.g. example with pixels. </a:t>
+            </a:r>
+          </a:p>
+          <a:p>
+            <a:r>
+              <a:rPr lang="en-US" dirty="0"/>
+              <a:t>Bigger/better models – large models, like NNs, learn feature selection given enough data. </a:t>
+            </a:r>
+          </a:p>
+          <a:p>
+            <a:pPr lvl="1"/>
+            <a:r>
+              <a:rPr lang="en-US" dirty="0"/>
+              <a:t>Complex scenarios may allow the model to learn this better than is possible with this stuff. </a:t>
+            </a:r>
+          </a:p>
+          <a:p>
+            <a:pPr lvl="1"/>
+            <a:r>
+              <a:rPr lang="en-US" dirty="0"/>
+              <a:t>The model can learn the importance of features, and even different representations of them. </a:t>
+            </a:r>
+          </a:p>
+          <a:p>
+            <a:pPr lvl="1"/>
+            <a:r>
+              <a:rPr lang="en-US" dirty="0"/>
+              <a:t>In high-dimension things (generative, image rec., NLP, </a:t>
             </a:r>
             <a:r>
               <a:rPr lang="en-US" dirty="0" err="1"/>
-              <a:t>lon</a:t>
-            </a:r>
-            <a:r>
-              <a:rPr lang="en-US" dirty="0"/>
-              <a:t> to point. </a:t>
-            </a:r>
-          </a:p>
-          <a:p>
-            <a:pPr lvl="1"/>
-            <a:r>
-              <a:rPr lang="en-US" dirty="0"/>
-              <a:t>Constructed features like BMI (or advanced sports statistics). </a:t>
-            </a:r>
-          </a:p>
-          <a:p>
-            <a:r>
-              <a:rPr lang="en-US" dirty="0"/>
-              <a:t>The performance is the ultimate decider – want to provide good predictors </a:t>
-            </a:r>
-            <a:r>
-              <a:rPr lang="en-US"/>
-              <a:t>of target. </a:t>
-            </a:r>
-            <a:endParaRPr lang="en-US" dirty="0"/>
+              <a:t>etc</a:t>
+            </a:r>
+            <a:r>
+              <a:rPr lang="en-US" dirty="0"/>
+              <a:t>…) each feature tends to not have a specific value that someone can evaluate manually – a pixel or part of a sound wave doesn’t have the relationship to a target that “income” or “age” do. A large model with large data is basically able to figure these complex relationships out – we can’t really do it up front. </a:t>
+            </a:r>
           </a:p>
         </p:txBody>
       </p:sp>
     </p:spTree>
     <p:extLst>
       <p:ext uri="{BB962C8B-B14F-4D97-AF65-F5344CB8AC3E}">
-        <p14:creationId xmlns:p14="http://schemas.microsoft.com/office/powerpoint/2010/main" val="2137481795"/>
+        <p14:creationId xmlns:p14="http://schemas.microsoft.com/office/powerpoint/2010/main" val="2609040331"/>
       </p:ext>
     </p:extLst>
   </p:cSld>
@@ -7718,7 +8004,7 @@
           <p:cNvPr id="2" name="Title 1">
             <a:extLst>
               <a:ext uri="{FF2B5EF4-FFF2-40B4-BE49-F238E27FC236}">
-                <a16:creationId xmlns:a16="http://schemas.microsoft.com/office/drawing/2014/main" id="{8CF2EFCA-E1A1-C25B-F6AD-A150E348DAC9}"/>
+                <a16:creationId xmlns:a16="http://schemas.microsoft.com/office/drawing/2014/main" id="{8DD06797-DAA5-FF31-F4AC-8692D3079874}"/>
               </a:ext>
             </a:extLst>
           </p:cNvPr>
@@ -7736,7 +8022,7 @@
           <a:p>
             <a:r>
               <a:rPr lang="en-US" dirty="0"/>
-              <a:t>Conclusion</a:t>
+              <a:t>Feature Construction</a:t>
             </a:r>
           </a:p>
         </p:txBody>
@@ -7746,7 +8032,7 @@
           <p:cNvPr id="3" name="Content Placeholder 2">
             <a:extLst>
               <a:ext uri="{FF2B5EF4-FFF2-40B4-BE49-F238E27FC236}">
-                <a16:creationId xmlns:a16="http://schemas.microsoft.com/office/drawing/2014/main" id="{D0515971-A907-9575-2A75-F707FAB67321}"/>
+                <a16:creationId xmlns:a16="http://schemas.microsoft.com/office/drawing/2014/main" id="{13992327-7D84-F1AF-AEE6-EE0C074E630C}"/>
               </a:ext>
             </a:extLst>
           </p:cNvPr>
@@ -7759,103 +8045,70 @@
         </p:nvSpPr>
         <p:spPr>
           <a:xfrm>
-            <a:off x="1451579" y="1853755"/>
-            <a:ext cx="10018178" cy="4199726"/>
+            <a:off x="1451579" y="1853754"/>
+            <a:ext cx="9603275" cy="4199727"/>
           </a:xfrm>
         </p:spPr>
         <p:txBody>
-          <a:bodyPr>
-            <a:normAutofit fontScale="92500"/>
-          </a:bodyPr>
-          <a:lstStyle/>
-          <a:p>
-            <a:r>
-              <a:rPr lang="en-US" dirty="0"/>
-              <a:t>In most real situations, you probably want to do something like:</a:t>
-            </a:r>
-          </a:p>
-          <a:p>
-            <a:pPr lvl="1"/>
-            <a:r>
-              <a:rPr lang="en-US" dirty="0"/>
-              <a:t>Make a baseline model with minimal prep &amp; use domain knowledge &amp; metrics to trim the feature set. </a:t>
-            </a:r>
-          </a:p>
-          <a:p>
-            <a:pPr lvl="1"/>
-            <a:r>
-              <a:rPr lang="en-US" dirty="0"/>
-              <a:t>Continue trimming to see where/if there’s a </a:t>
-            </a:r>
-            <a:r>
-              <a:rPr lang="en-US" dirty="0" err="1"/>
-              <a:t>dropoff</a:t>
-            </a:r>
-            <a:r>
-              <a:rPr lang="en-US" dirty="0"/>
-              <a:t> in performance. (e.g. 10f = 90%, 9f = 81%)</a:t>
-            </a:r>
-          </a:p>
-          <a:p>
-            <a:pPr lvl="1"/>
-            <a:r>
-              <a:rPr lang="en-US" dirty="0"/>
-              <a:t>Make a model with whatever set of features ‘matter’, evaluate if this is sufficient. </a:t>
-            </a:r>
-          </a:p>
-          <a:p>
-            <a:pPr lvl="1"/>
-            <a:r>
-              <a:rPr lang="en-US" dirty="0"/>
-              <a:t>This is for tabular ‘real-life’ data (like ours), with a human-manageable number of features. </a:t>
-            </a:r>
-          </a:p>
-          <a:p>
-            <a:r>
-              <a:rPr lang="en-US" dirty="0"/>
-              <a:t>But, if you want complex data &amp; maximal performance, then big models keeping most/all is good. </a:t>
-            </a:r>
-          </a:p>
-          <a:p>
-            <a:pPr lvl="1"/>
-            <a:r>
-              <a:rPr lang="en-US" dirty="0"/>
-              <a:t>You need a large model capable of learning complex relationships, and enough data to allow it.</a:t>
-            </a:r>
-          </a:p>
-          <a:p>
-            <a:pPr lvl="1"/>
-            <a:r>
-              <a:rPr lang="en-US" dirty="0"/>
-              <a:t>These scenarios are often unstructured data, building off of what works is smart. </a:t>
-            </a:r>
-          </a:p>
-          <a:p>
-            <a:r>
-              <a:rPr lang="en-US" dirty="0"/>
-              <a:t>Shrinking models can also allow for other devices (phones, watches, </a:t>
-            </a:r>
-            <a:r>
-              <a:rPr lang="en-US" dirty="0" err="1"/>
-              <a:t>rpi</a:t>
-            </a:r>
-            <a:r>
-              <a:rPr lang="en-US" dirty="0"/>
-              <a:t>, </a:t>
-            </a:r>
-            <a:r>
-              <a:rPr lang="en-US" dirty="0" err="1"/>
-              <a:t>etc</a:t>
-            </a:r>
-            <a:r>
-              <a:rPr lang="en-US" dirty="0"/>
-              <a:t>…) to run things. </a:t>
-            </a:r>
-          </a:p>
-          <a:p>
-            <a:r>
-              <a:rPr lang="en-US" dirty="0"/>
-              <a:t>For us, we can use metrics, and be reasonable – we don’t have the domain know/constraints. </a:t>
+          <a:bodyPr/>
+          <a:lstStyle/>
+          <a:p>
+            <a:r>
+              <a:rPr lang="en-US" dirty="0"/>
+              <a:t>We can also create new features out of the original data. </a:t>
+            </a:r>
+          </a:p>
+          <a:p>
+            <a:pPr lvl="1"/>
+            <a:r>
+              <a:rPr lang="en-US" dirty="0"/>
+              <a:t>PCA is one example of this we’ll see soon. </a:t>
+            </a:r>
+          </a:p>
+          <a:p>
+            <a:pPr lvl="1"/>
+            <a:r>
+              <a:rPr lang="en-US" dirty="0"/>
+              <a:t>Neural networks kind of do this, though not as an explicit step. </a:t>
+            </a:r>
+          </a:p>
+          <a:p>
+            <a:r>
+              <a:rPr lang="en-US" dirty="0"/>
+              <a:t>In reality, this is pretty common:</a:t>
+            </a:r>
+          </a:p>
+          <a:p>
+            <a:pPr lvl="1"/>
+            <a:r>
+              <a:rPr lang="en-US" dirty="0"/>
+              <a:t>A retailer may calculate people in area, or within walking distance, or # of similar stores…</a:t>
+            </a:r>
+          </a:p>
+          <a:p>
+            <a:pPr lvl="1"/>
+            <a:r>
+              <a:rPr lang="en-US" dirty="0"/>
+              <a:t>A marketer may construct features to look back at recent advertising. </a:t>
+            </a:r>
+          </a:p>
+          <a:p>
+            <a:pPr lvl="1"/>
+            <a:r>
+              <a:rPr lang="en-US" dirty="0"/>
+              <a:t>Infection tracing looking for number of contacts. </a:t>
+            </a:r>
+          </a:p>
+          <a:p>
+            <a:r>
+              <a:rPr lang="en-US" dirty="0"/>
+              <a:t>What we can need and what we can measure may not always align. </a:t>
+            </a:r>
+          </a:p>
+          <a:p>
+            <a:r>
+              <a:rPr lang="en-US" dirty="0"/>
+              <a:t>When we are in realistic scenarios, this is another thing needing domain knowledge. </a:t>
             </a:r>
           </a:p>
         </p:txBody>
@@ -7863,7 +8116,7 @@
     </p:spTree>
     <p:extLst>
       <p:ext uri="{BB962C8B-B14F-4D97-AF65-F5344CB8AC3E}">
-        <p14:creationId xmlns:p14="http://schemas.microsoft.com/office/powerpoint/2010/main" val="2515144660"/>
+        <p14:creationId xmlns:p14="http://schemas.microsoft.com/office/powerpoint/2010/main" val="778889691"/>
       </p:ext>
     </p:extLst>
   </p:cSld>
@@ -7874,7 +8127,7 @@
 </file>
 
 <file path=ppt/slides/slide3.xml><?xml version="1.0" encoding="utf-8"?>
-<p:sld xmlns:a="http://schemas.openxmlformats.org/drawingml/2006/main" xmlns:r="http://schemas.openxmlformats.org/officeDocument/2006/relationships" xmlns:p="http://schemas.openxmlformats.org/presentationml/2006/main" show="0">
+<p:sld xmlns:a="http://schemas.openxmlformats.org/drawingml/2006/main" xmlns:r="http://schemas.openxmlformats.org/officeDocument/2006/relationships" xmlns:p="http://schemas.openxmlformats.org/presentationml/2006/main">
   <p:cSld>
     <p:spTree>
       <p:nvGrpSpPr>
@@ -7895,7 +8148,7 @@
           <p:cNvPr id="2" name="Title 1">
             <a:extLst>
               <a:ext uri="{FF2B5EF4-FFF2-40B4-BE49-F238E27FC236}">
-                <a16:creationId xmlns:a16="http://schemas.microsoft.com/office/drawing/2014/main" id="{BE47DD47-F066-1249-9FC1-291033AFF13F}"/>
+                <a16:creationId xmlns:a16="http://schemas.microsoft.com/office/drawing/2014/main" id="{E3F93C15-822A-58D8-E8A2-AF36215BBC1F}"/>
               </a:ext>
             </a:extLst>
           </p:cNvPr>
@@ -7912,8 +8165,12 @@
           <a:lstStyle/>
           <a:p>
             <a:r>
-              <a:rPr lang="en-US" dirty="0"/>
-              <a:t>Detour – Sparse vs Dense</a:t>
+              <a:rPr lang="en-US" dirty="0" err="1"/>
+              <a:t>Softmax</a:t>
+            </a:r>
+            <a:r>
+              <a:rPr lang="en-US" dirty="0"/>
+              <a:t> and Multiple classes</a:t>
             </a:r>
           </a:p>
         </p:txBody>
@@ -7923,7 +8180,7 @@
           <p:cNvPr id="3" name="Content Placeholder 2">
             <a:extLst>
               <a:ext uri="{FF2B5EF4-FFF2-40B4-BE49-F238E27FC236}">
-                <a16:creationId xmlns:a16="http://schemas.microsoft.com/office/drawing/2014/main" id="{226B2D96-A879-D94E-BDF3-787B0AC923DF}"/>
+                <a16:creationId xmlns:a16="http://schemas.microsoft.com/office/drawing/2014/main" id="{58B91403-666E-309F-7D3C-7695A76B314B}"/>
               </a:ext>
             </a:extLst>
           </p:cNvPr>
@@ -7936,8 +8193,8 @@
         </p:nvSpPr>
         <p:spPr>
           <a:xfrm>
-            <a:off x="1451579" y="2015732"/>
-            <a:ext cx="9603275" cy="4037749"/>
+            <a:off x="311499" y="1853754"/>
+            <a:ext cx="10743355" cy="4295837"/>
           </a:xfrm>
         </p:spPr>
         <p:txBody>
@@ -7946,75 +8203,871 @@
           <a:p>
             <a:r>
               <a:rPr lang="en-US" dirty="0"/>
-              <a:t>One thing that is mentioned regularly is a sparse or dense matrix. </a:t>
-            </a:r>
-          </a:p>
-          <a:p>
-            <a:r>
-              <a:rPr lang="en-US" dirty="0"/>
-              <a:t>Sparse matrices are mostly 0, dense matrices are not. </a:t>
-            </a:r>
-          </a:p>
-          <a:p>
-            <a:pPr lvl="1"/>
-            <a:r>
-              <a:rPr lang="en-US" dirty="0"/>
-              <a:t>E.g. one hot encoded data with many classes makes a very sparse matrix. </a:t>
-            </a:r>
-          </a:p>
-          <a:p>
-            <a:r>
-              <a:rPr lang="en-US" dirty="0"/>
-              <a:t>The difference is in how they are treated (sometimes) in code. </a:t>
-            </a:r>
-          </a:p>
-          <a:p>
-            <a:r>
-              <a:rPr lang="en-US" dirty="0"/>
-              <a:t>Sparse matrices can be represented differently in storage:</a:t>
-            </a:r>
-          </a:p>
-          <a:p>
-            <a:pPr lvl="1"/>
-            <a:r>
-              <a:rPr lang="en-US" dirty="0"/>
-              <a:t>Storage space can be more efficient.</a:t>
-            </a:r>
-          </a:p>
-          <a:p>
-            <a:pPr lvl="1"/>
-            <a:r>
-              <a:rPr lang="en-US" dirty="0"/>
-              <a:t>Processing speed can be quicker.</a:t>
-            </a:r>
-          </a:p>
-          <a:p>
-            <a:r>
-              <a:rPr lang="en-US" dirty="0"/>
-              <a:t>We don’t really need to think about it much, it is a concern with large amounts of data.</a:t>
-            </a:r>
-          </a:p>
-          <a:p>
-            <a:pPr lvl="1"/>
-            <a:r>
-              <a:rPr lang="en-US" dirty="0"/>
-              <a:t>E.g. </a:t>
+              <a:t>Classifying things into several classes is easy! Depending on model:</a:t>
+            </a:r>
+          </a:p>
+          <a:p>
+            <a:pPr lvl="1"/>
+            <a:r>
+              <a:rPr lang="en-US" dirty="0"/>
+              <a:t>Some like trees and bayes can handle 3+ classes by default. (Depends on implementation.)</a:t>
+            </a:r>
+          </a:p>
+          <a:p>
+            <a:pPr lvl="1"/>
+            <a:r>
+              <a:rPr lang="en-US" dirty="0"/>
+              <a:t>Can use workaround of multiple models – 1v1 or 1vR. </a:t>
+            </a:r>
+          </a:p>
+          <a:p>
+            <a:pPr lvl="1"/>
+            <a:r>
+              <a:rPr lang="en-US" dirty="0"/>
+              <a:t>Main approach – </a:t>
             </a:r>
             <a:r>
               <a:rPr lang="en-US" dirty="0" err="1"/>
-              <a:t>Sklearn</a:t>
-            </a:r>
-            <a:r>
-              <a:rPr lang="en-US" dirty="0"/>
-              <a:t> data needs to fit in RAM. </a:t>
-            </a:r>
-          </a:p>
-        </p:txBody>
-      </p:sp>
+              <a:t>softmax</a:t>
+            </a:r>
+            <a:r>
+              <a:rPr lang="en-US" dirty="0"/>
+              <a:t> – replace sigmoid with new (activation) function. </a:t>
+            </a:r>
+          </a:p>
+          <a:p>
+            <a:r>
+              <a:rPr lang="en-US" dirty="0" err="1"/>
+              <a:t>Softmax</a:t>
+            </a:r>
+            <a:r>
+              <a:rPr lang="en-US" dirty="0"/>
+              <a:t> is roughly equivalent to a sigmoid, except. </a:t>
+            </a:r>
+          </a:p>
+          <a:p>
+            <a:pPr lvl="1"/>
+            <a:r>
+              <a:rPr lang="en-US" dirty="0"/>
+              <a:t>Takes in logits (from regression) for each output. </a:t>
+            </a:r>
+          </a:p>
+          <a:p>
+            <a:pPr lvl="1"/>
+            <a:r>
+              <a:rPr lang="en-US" dirty="0"/>
+              <a:t>Produces probabilities* for each output.</a:t>
+            </a:r>
+          </a:p>
+        </p:txBody>
+      </p:sp>
+      <p:pic>
+        <p:nvPicPr>
+          <p:cNvPr id="4" name="Picture 2" descr="Easy TensorFlow - Linear Classifier">
+            <a:extLst>
+              <a:ext uri="{FF2B5EF4-FFF2-40B4-BE49-F238E27FC236}">
+                <a16:creationId xmlns:a16="http://schemas.microsoft.com/office/drawing/2014/main" id="{FE7CB224-DB08-73B5-3817-DE773760A1AF}"/>
+              </a:ext>
+            </a:extLst>
+          </p:cNvPr>
+          <p:cNvPicPr>
+            <a:picLocks noChangeAspect="1" noChangeArrowheads="1"/>
+          </p:cNvPicPr>
+          <p:nvPr/>
+        </p:nvPicPr>
+        <p:blipFill>
+          <a:blip r:embed="rId2">
+            <a:extLst>
+              <a:ext uri="{28A0092B-C50C-407E-A947-70E740481C1C}">
+                <a14:useLocalDpi xmlns:a14="http://schemas.microsoft.com/office/drawing/2010/main" val="0"/>
+              </a:ext>
+            </a:extLst>
+          </a:blip>
+          <a:srcRect/>
+          <a:stretch>
+            <a:fillRect/>
+          </a:stretch>
+        </p:blipFill>
+        <p:spPr bwMode="auto">
+          <a:xfrm>
+            <a:off x="5531088" y="4290646"/>
+            <a:ext cx="6578843" cy="2473919"/>
+          </a:xfrm>
+          <a:prstGeom prst="rect">
+            <a:avLst/>
+          </a:prstGeom>
+          <a:noFill/>
+          <a:extLst>
+            <a:ext uri="{909E8E84-426E-40DD-AFC4-6F175D3DCCD1}">
+              <a14:hiddenFill xmlns:a14="http://schemas.microsoft.com/office/drawing/2010/main">
+                <a:solidFill>
+                  <a:srgbClr val="FFFFFF"/>
+                </a:solidFill>
+              </a14:hiddenFill>
+            </a:ext>
+          </a:extLst>
+        </p:spPr>
+      </p:pic>
+      <mc:AlternateContent xmlns:mc="http://schemas.openxmlformats.org/markup-compatibility/2006">
+        <mc:Choice xmlns:p14="http://schemas.microsoft.com/office/powerpoint/2010/main" Requires="p14">
+          <p:contentPart p14:bwMode="auto" r:id="rId3">
+            <p14:nvContentPartPr>
+              <p14:cNvPr id="5" name="Ink 4">
+                <a:extLst>
+                  <a:ext uri="{FF2B5EF4-FFF2-40B4-BE49-F238E27FC236}">
+                    <a16:creationId xmlns:a16="http://schemas.microsoft.com/office/drawing/2014/main" id="{62CA9AB5-A28C-0BE8-077D-7555992FA5E9}"/>
+                  </a:ext>
+                </a:extLst>
+              </p14:cNvPr>
+              <p14:cNvContentPartPr/>
+              <p14:nvPr/>
+            </p14:nvContentPartPr>
+            <p14:xfrm>
+              <a:off x="7199217" y="4345176"/>
+              <a:ext cx="743400" cy="621000"/>
+            </p14:xfrm>
+          </p:contentPart>
+        </mc:Choice>
+        <mc:Fallback>
+          <p:pic>
+            <p:nvPicPr>
+              <p:cNvPr id="5" name="Ink 4">
+                <a:extLst>
+                  <a:ext uri="{FF2B5EF4-FFF2-40B4-BE49-F238E27FC236}">
+                    <a16:creationId xmlns:a16="http://schemas.microsoft.com/office/drawing/2014/main" id="{62CA9AB5-A28C-0BE8-077D-7555992FA5E9}"/>
+                  </a:ext>
+                </a:extLst>
+              </p:cNvPr>
+              <p:cNvPicPr/>
+              <p:nvPr/>
+            </p:nvPicPr>
+            <p:blipFill>
+              <a:blip r:embed="rId4"/>
+              <a:stretch>
+                <a:fillRect/>
+              </a:stretch>
+            </p:blipFill>
+            <p:spPr>
+              <a:xfrm>
+                <a:off x="7190577" y="4336176"/>
+                <a:ext cx="761040" cy="638640"/>
+              </a:xfrm>
+              <a:prstGeom prst="rect">
+                <a:avLst/>
+              </a:prstGeom>
+            </p:spPr>
+          </p:pic>
+        </mc:Fallback>
+      </mc:AlternateContent>
+      <mc:AlternateContent xmlns:mc="http://schemas.openxmlformats.org/markup-compatibility/2006">
+        <mc:Choice xmlns:p14="http://schemas.microsoft.com/office/powerpoint/2010/main" Requires="p14">
+          <p:contentPart p14:bwMode="auto" r:id="rId5">
+            <p14:nvContentPartPr>
+              <p14:cNvPr id="6" name="Ink 5">
+                <a:extLst>
+                  <a:ext uri="{FF2B5EF4-FFF2-40B4-BE49-F238E27FC236}">
+                    <a16:creationId xmlns:a16="http://schemas.microsoft.com/office/drawing/2014/main" id="{CDF393FF-056F-F381-3E19-5A83E4432FB3}"/>
+                  </a:ext>
+                </a:extLst>
+              </p14:cNvPr>
+              <p14:cNvContentPartPr/>
+              <p14:nvPr/>
+            </p14:nvContentPartPr>
+            <p14:xfrm>
+              <a:off x="7860537" y="4613016"/>
+              <a:ext cx="216360" cy="226080"/>
+            </p14:xfrm>
+          </p:contentPart>
+        </mc:Choice>
+        <mc:Fallback>
+          <p:pic>
+            <p:nvPicPr>
+              <p:cNvPr id="6" name="Ink 5">
+                <a:extLst>
+                  <a:ext uri="{FF2B5EF4-FFF2-40B4-BE49-F238E27FC236}">
+                    <a16:creationId xmlns:a16="http://schemas.microsoft.com/office/drawing/2014/main" id="{CDF393FF-056F-F381-3E19-5A83E4432FB3}"/>
+                  </a:ext>
+                </a:extLst>
+              </p:cNvPr>
+              <p:cNvPicPr/>
+              <p:nvPr/>
+            </p:nvPicPr>
+            <p:blipFill>
+              <a:blip r:embed="rId6"/>
+              <a:stretch>
+                <a:fillRect/>
+              </a:stretch>
+            </p:blipFill>
+            <p:spPr>
+              <a:xfrm>
+                <a:off x="7851537" y="4604376"/>
+                <a:ext cx="234000" cy="243720"/>
+              </a:xfrm>
+              <a:prstGeom prst="rect">
+                <a:avLst/>
+              </a:prstGeom>
+            </p:spPr>
+          </p:pic>
+        </mc:Fallback>
+      </mc:AlternateContent>
+      <p:grpSp>
+        <p:nvGrpSpPr>
+          <p:cNvPr id="13" name="Group 12">
+            <a:extLst>
+              <a:ext uri="{FF2B5EF4-FFF2-40B4-BE49-F238E27FC236}">
+                <a16:creationId xmlns:a16="http://schemas.microsoft.com/office/drawing/2014/main" id="{CD31C481-80A9-E571-2880-48B2ECEB35C1}"/>
+              </a:ext>
+            </a:extLst>
+          </p:cNvPr>
+          <p:cNvGrpSpPr/>
+          <p:nvPr/>
+        </p:nvGrpSpPr>
+        <p:grpSpPr>
+          <a:xfrm>
+            <a:off x="11134737" y="2140536"/>
+            <a:ext cx="888120" cy="4575600"/>
+            <a:chOff x="11134737" y="2140536"/>
+            <a:chExt cx="888120" cy="4575600"/>
+          </a:xfrm>
+        </p:grpSpPr>
+        <mc:AlternateContent xmlns:mc="http://schemas.openxmlformats.org/markup-compatibility/2006">
+          <mc:Choice xmlns:p14="http://schemas.microsoft.com/office/powerpoint/2010/main" Requires="p14">
+            <p:contentPart p14:bwMode="auto" r:id="rId7">
+              <p14:nvContentPartPr>
+                <p14:cNvPr id="7" name="Ink 6">
+                  <a:extLst>
+                    <a:ext uri="{FF2B5EF4-FFF2-40B4-BE49-F238E27FC236}">
+                      <a16:creationId xmlns:a16="http://schemas.microsoft.com/office/drawing/2014/main" id="{D250656B-BE30-1E07-94B8-8E74424B94E1}"/>
+                    </a:ext>
+                  </a:extLst>
+                </p14:cNvPr>
+                <p14:cNvContentPartPr/>
+                <p14:nvPr/>
+              </p14:nvContentPartPr>
+              <p14:xfrm>
+                <a:off x="11134737" y="4420776"/>
+                <a:ext cx="797760" cy="2295360"/>
+              </p14:xfrm>
+            </p:contentPart>
+          </mc:Choice>
+          <mc:Fallback>
+            <p:pic>
+              <p:nvPicPr>
+                <p:cNvPr id="7" name="Ink 6">
+                  <a:extLst>
+                    <a:ext uri="{FF2B5EF4-FFF2-40B4-BE49-F238E27FC236}">
+                      <a16:creationId xmlns:a16="http://schemas.microsoft.com/office/drawing/2014/main" id="{D250656B-BE30-1E07-94B8-8E74424B94E1}"/>
+                    </a:ext>
+                  </a:extLst>
+                </p:cNvPr>
+                <p:cNvPicPr/>
+                <p:nvPr/>
+              </p:nvPicPr>
+              <p:blipFill>
+                <a:blip r:embed="rId8"/>
+                <a:stretch>
+                  <a:fillRect/>
+                </a:stretch>
+              </p:blipFill>
+              <p:spPr>
+                <a:xfrm>
+                  <a:off x="11125737" y="4411776"/>
+                  <a:ext cx="815400" cy="2313000"/>
+                </a:xfrm>
+                <a:prstGeom prst="rect">
+                  <a:avLst/>
+                </a:prstGeom>
+              </p:spPr>
+            </p:pic>
+          </mc:Fallback>
+        </mc:AlternateContent>
+        <mc:AlternateContent xmlns:mc="http://schemas.openxmlformats.org/markup-compatibility/2006">
+          <mc:Choice xmlns:p14="http://schemas.microsoft.com/office/powerpoint/2010/main" Requires="p14">
+            <p:contentPart p14:bwMode="auto" r:id="rId9">
+              <p14:nvContentPartPr>
+                <p14:cNvPr id="8" name="Ink 7">
+                  <a:extLst>
+                    <a:ext uri="{FF2B5EF4-FFF2-40B4-BE49-F238E27FC236}">
+                      <a16:creationId xmlns:a16="http://schemas.microsoft.com/office/drawing/2014/main" id="{0BF02873-72BD-D6E1-7930-B300A591ADE7}"/>
+                    </a:ext>
+                  </a:extLst>
+                </p14:cNvPr>
+                <p14:cNvContentPartPr/>
+                <p14:nvPr/>
+              </p14:nvContentPartPr>
+              <p14:xfrm>
+                <a:off x="11607417" y="3154296"/>
+                <a:ext cx="415440" cy="1226160"/>
+              </p14:xfrm>
+            </p:contentPart>
+          </mc:Choice>
+          <mc:Fallback>
+            <p:pic>
+              <p:nvPicPr>
+                <p:cNvPr id="8" name="Ink 7">
+                  <a:extLst>
+                    <a:ext uri="{FF2B5EF4-FFF2-40B4-BE49-F238E27FC236}">
+                      <a16:creationId xmlns:a16="http://schemas.microsoft.com/office/drawing/2014/main" id="{0BF02873-72BD-D6E1-7930-B300A591ADE7}"/>
+                    </a:ext>
+                  </a:extLst>
+                </p:cNvPr>
+                <p:cNvPicPr/>
+                <p:nvPr/>
+              </p:nvPicPr>
+              <p:blipFill>
+                <a:blip r:embed="rId10"/>
+                <a:stretch>
+                  <a:fillRect/>
+                </a:stretch>
+              </p:blipFill>
+              <p:spPr>
+                <a:xfrm>
+                  <a:off x="11598777" y="3145296"/>
+                  <a:ext cx="433080" cy="1243800"/>
+                </a:xfrm>
+                <a:prstGeom prst="rect">
+                  <a:avLst/>
+                </a:prstGeom>
+              </p:spPr>
+            </p:pic>
+          </mc:Fallback>
+        </mc:AlternateContent>
+        <mc:AlternateContent xmlns:mc="http://schemas.openxmlformats.org/markup-compatibility/2006">
+          <mc:Choice xmlns:p14="http://schemas.microsoft.com/office/powerpoint/2010/main" Requires="p14">
+            <p:contentPart p14:bwMode="auto" r:id="rId11">
+              <p14:nvContentPartPr>
+                <p14:cNvPr id="11" name="Ink 10">
+                  <a:extLst>
+                    <a:ext uri="{FF2B5EF4-FFF2-40B4-BE49-F238E27FC236}">
+                      <a16:creationId xmlns:a16="http://schemas.microsoft.com/office/drawing/2014/main" id="{93108B76-614B-B6B9-830D-D1D6CDED96E6}"/>
+                    </a:ext>
+                  </a:extLst>
+                </p14:cNvPr>
+                <p14:cNvContentPartPr/>
+                <p14:nvPr/>
+              </p14:nvContentPartPr>
+              <p14:xfrm>
+                <a:off x="11169657" y="2140536"/>
+                <a:ext cx="603360" cy="1157760"/>
+              </p14:xfrm>
+            </p:contentPart>
+          </mc:Choice>
+          <mc:Fallback>
+            <p:pic>
+              <p:nvPicPr>
+                <p:cNvPr id="11" name="Ink 10">
+                  <a:extLst>
+                    <a:ext uri="{FF2B5EF4-FFF2-40B4-BE49-F238E27FC236}">
+                      <a16:creationId xmlns:a16="http://schemas.microsoft.com/office/drawing/2014/main" id="{93108B76-614B-B6B9-830D-D1D6CDED96E6}"/>
+                    </a:ext>
+                  </a:extLst>
+                </p:cNvPr>
+                <p:cNvPicPr/>
+                <p:nvPr/>
+              </p:nvPicPr>
+              <p:blipFill>
+                <a:blip r:embed="rId12"/>
+                <a:stretch>
+                  <a:fillRect/>
+                </a:stretch>
+              </p:blipFill>
+              <p:spPr>
+                <a:xfrm>
+                  <a:off x="11161017" y="2131896"/>
+                  <a:ext cx="621000" cy="1175400"/>
+                </a:xfrm>
+                <a:prstGeom prst="rect">
+                  <a:avLst/>
+                </a:prstGeom>
+              </p:spPr>
+            </p:pic>
+          </mc:Fallback>
+        </mc:AlternateContent>
+      </p:grpSp>
     </p:spTree>
     <p:extLst>
       <p:ext uri="{BB962C8B-B14F-4D97-AF65-F5344CB8AC3E}">
-        <p14:creationId xmlns:p14="http://schemas.microsoft.com/office/powerpoint/2010/main" val="2869976543"/>
+        <p14:creationId xmlns:p14="http://schemas.microsoft.com/office/powerpoint/2010/main" val="3129545065"/>
+      </p:ext>
+    </p:extLst>
+  </p:cSld>
+  <p:clrMapOvr>
+    <a:masterClrMapping/>
+  </p:clrMapOvr>
+</p:sld>
+</file>
+
+<file path=ppt/slides/slide30.xml><?xml version="1.0" encoding="utf-8"?>
+<p:sld xmlns:a="http://schemas.openxmlformats.org/drawingml/2006/main" xmlns:r="http://schemas.openxmlformats.org/officeDocument/2006/relationships" xmlns:p="http://schemas.openxmlformats.org/presentationml/2006/main">
+  <p:cSld>
+    <p:spTree>
+      <p:nvGrpSpPr>
+        <p:cNvPr id="1" name=""/>
+        <p:cNvGrpSpPr/>
+        <p:nvPr/>
+      </p:nvGrpSpPr>
+      <p:grpSpPr>
+        <a:xfrm>
+          <a:off x="0" y="0"/>
+          <a:ext cx="0" cy="0"/>
+          <a:chOff x="0" y="0"/>
+          <a:chExt cx="0" cy="0"/>
+        </a:xfrm>
+      </p:grpSpPr>
+      <p:sp>
+        <p:nvSpPr>
+          <p:cNvPr id="2" name="Title 1">
+            <a:extLst>
+              <a:ext uri="{FF2B5EF4-FFF2-40B4-BE49-F238E27FC236}">
+                <a16:creationId xmlns:a16="http://schemas.microsoft.com/office/drawing/2014/main" id="{52ABF31B-58D3-9586-5153-574351A714D0}"/>
+              </a:ext>
+            </a:extLst>
+          </p:cNvPr>
+          <p:cNvSpPr>
+            <a:spLocks noGrp="1"/>
+          </p:cNvSpPr>
+          <p:nvPr>
+            <p:ph type="title"/>
+          </p:nvPr>
+        </p:nvSpPr>
+        <p:spPr/>
+        <p:txBody>
+          <a:bodyPr/>
+          <a:lstStyle/>
+          <a:p>
+            <a:r>
+              <a:rPr lang="en-US" dirty="0"/>
+              <a:t>Real Life Feature Construction</a:t>
+            </a:r>
+          </a:p>
+        </p:txBody>
+      </p:sp>
+      <p:sp>
+        <p:nvSpPr>
+          <p:cNvPr id="3" name="Content Placeholder 2">
+            <a:extLst>
+              <a:ext uri="{FF2B5EF4-FFF2-40B4-BE49-F238E27FC236}">
+                <a16:creationId xmlns:a16="http://schemas.microsoft.com/office/drawing/2014/main" id="{3FD36F8B-2FFD-0C54-CBF3-6B1E25CD4000}"/>
+              </a:ext>
+            </a:extLst>
+          </p:cNvPr>
+          <p:cNvSpPr>
+            <a:spLocks noGrp="1"/>
+          </p:cNvSpPr>
+          <p:nvPr>
+            <p:ph idx="1"/>
+          </p:nvPr>
+        </p:nvSpPr>
+        <p:spPr>
+          <a:xfrm>
+            <a:off x="1451579" y="1853754"/>
+            <a:ext cx="9603275" cy="4199728"/>
+          </a:xfrm>
+        </p:spPr>
+        <p:txBody>
+          <a:bodyPr/>
+          <a:lstStyle/>
+          <a:p>
+            <a:r>
+              <a:rPr lang="en-US" dirty="0"/>
+              <a:t>In reality, we don’t really have “all” the relevant inputs like we do with examples. </a:t>
+            </a:r>
+          </a:p>
+          <a:p>
+            <a:r>
+              <a:rPr lang="en-US" dirty="0"/>
+              <a:t>We typically have the data in whatever format it could be collected it. </a:t>
+            </a:r>
+          </a:p>
+          <a:p>
+            <a:r>
+              <a:rPr lang="en-US" dirty="0"/>
+              <a:t>We likely need to make features from what we collected and use those. </a:t>
+            </a:r>
+          </a:p>
+          <a:p>
+            <a:r>
+              <a:rPr lang="en-US" dirty="0"/>
+              <a:t>For example:</a:t>
+            </a:r>
+          </a:p>
+          <a:p>
+            <a:pPr lvl="1"/>
+            <a:r>
+              <a:rPr lang="en-US" dirty="0"/>
+              <a:t>Spatial (location) – distance from things, time from thing, density of things. </a:t>
+            </a:r>
+          </a:p>
+          <a:p>
+            <a:pPr lvl="1"/>
+            <a:r>
+              <a:rPr lang="en-US" dirty="0"/>
+              <a:t>Time series – time since, frequency. </a:t>
+            </a:r>
+          </a:p>
+          <a:p>
+            <a:pPr lvl="1"/>
+            <a:r>
+              <a:rPr lang="en-US" dirty="0"/>
+              <a:t>Other – aggregates (sum/avg) instead of raw value, ranking, ratios, </a:t>
+            </a:r>
+            <a:r>
+              <a:rPr lang="en-US" dirty="0" err="1"/>
+              <a:t>etc</a:t>
+            </a:r>
+            <a:r>
+              <a:rPr lang="en-US" dirty="0"/>
+              <a:t>…</a:t>
+            </a:r>
+          </a:p>
+          <a:p>
+            <a:r>
+              <a:rPr lang="en-US" dirty="0"/>
+              <a:t>The data we start with might be good for predictions, it might not. </a:t>
+            </a:r>
+          </a:p>
+          <a:p>
+            <a:pPr lvl="1"/>
+            <a:r>
+              <a:rPr lang="en-US" dirty="0"/>
+              <a:t>This definitely requires some domain knowledge to do well. </a:t>
+            </a:r>
+          </a:p>
+        </p:txBody>
+      </p:sp>
+    </p:spTree>
+    <p:extLst>
+      <p:ext uri="{BB962C8B-B14F-4D97-AF65-F5344CB8AC3E}">
+        <p14:creationId xmlns:p14="http://schemas.microsoft.com/office/powerpoint/2010/main" val="2751223220"/>
+      </p:ext>
+    </p:extLst>
+  </p:cSld>
+  <p:clrMapOvr>
+    <a:masterClrMapping/>
+  </p:clrMapOvr>
+</p:sld>
+</file>
+
+<file path=ppt/slides/slide31.xml><?xml version="1.0" encoding="utf-8"?>
+<p:sld xmlns:a="http://schemas.openxmlformats.org/drawingml/2006/main" xmlns:r="http://schemas.openxmlformats.org/officeDocument/2006/relationships" xmlns:p="http://schemas.openxmlformats.org/presentationml/2006/main">
+  <p:cSld>
+    <p:spTree>
+      <p:nvGrpSpPr>
+        <p:cNvPr id="1" name=""/>
+        <p:cNvGrpSpPr/>
+        <p:nvPr/>
+      </p:nvGrpSpPr>
+      <p:grpSpPr>
+        <a:xfrm>
+          <a:off x="0" y="0"/>
+          <a:ext cx="0" cy="0"/>
+          <a:chOff x="0" y="0"/>
+          <a:chExt cx="0" cy="0"/>
+        </a:xfrm>
+      </p:grpSpPr>
+      <p:sp>
+        <p:nvSpPr>
+          <p:cNvPr id="2" name="Title 1">
+            <a:extLst>
+              <a:ext uri="{FF2B5EF4-FFF2-40B4-BE49-F238E27FC236}">
+                <a16:creationId xmlns:a16="http://schemas.microsoft.com/office/drawing/2014/main" id="{F5299A85-8288-A29F-A26D-1F58C2FDF8D4}"/>
+              </a:ext>
+            </a:extLst>
+          </p:cNvPr>
+          <p:cNvSpPr>
+            <a:spLocks noGrp="1"/>
+          </p:cNvSpPr>
+          <p:nvPr>
+            <p:ph type="title"/>
+          </p:nvPr>
+        </p:nvSpPr>
+        <p:spPr/>
+        <p:txBody>
+          <a:bodyPr/>
+          <a:lstStyle/>
+          <a:p>
+            <a:r>
+              <a:rPr lang="en-US" dirty="0"/>
+              <a:t>Other Changes</a:t>
+            </a:r>
+          </a:p>
+        </p:txBody>
+      </p:sp>
+      <p:sp>
+        <p:nvSpPr>
+          <p:cNvPr id="3" name="Content Placeholder 2">
+            <a:extLst>
+              <a:ext uri="{FF2B5EF4-FFF2-40B4-BE49-F238E27FC236}">
+                <a16:creationId xmlns:a16="http://schemas.microsoft.com/office/drawing/2014/main" id="{97B1291F-210D-F3A7-CDEF-15135451536B}"/>
+              </a:ext>
+            </a:extLst>
+          </p:cNvPr>
+          <p:cNvSpPr>
+            <a:spLocks noGrp="1"/>
+          </p:cNvSpPr>
+          <p:nvPr>
+            <p:ph idx="1"/>
+          </p:nvPr>
+        </p:nvSpPr>
+        <p:spPr>
+          <a:xfrm>
+            <a:off x="1451579" y="1853754"/>
+            <a:ext cx="9603275" cy="4199727"/>
+          </a:xfrm>
+        </p:spPr>
+        <p:txBody>
+          <a:bodyPr>
+            <a:normAutofit/>
+          </a:bodyPr>
+          <a:lstStyle/>
+          <a:p>
+            <a:r>
+              <a:rPr lang="en-US" dirty="0"/>
+              <a:t>Grouping and “other” groups for categories with many options. </a:t>
+            </a:r>
+          </a:p>
+          <a:p>
+            <a:r>
+              <a:rPr lang="en-US" dirty="0"/>
+              <a:t>Recategorizing or merging groups – e.g. café, coffee shop, and dinner grouped. </a:t>
+            </a:r>
+          </a:p>
+          <a:p>
+            <a:r>
+              <a:rPr lang="en-US" dirty="0"/>
+              <a:t>Categorizing some continuous data. </a:t>
+            </a:r>
+          </a:p>
+          <a:p>
+            <a:pPr lvl="1"/>
+            <a:r>
+              <a:rPr lang="en-US" dirty="0"/>
+              <a:t>E.g. credit scores are generally used as buckets, not specific numbers. </a:t>
+            </a:r>
+          </a:p>
+          <a:p>
+            <a:r>
+              <a:rPr lang="en-US" dirty="0"/>
+              <a:t>Truncating values – are there outliers where “high” is good enough. </a:t>
+            </a:r>
+          </a:p>
+          <a:p>
+            <a:r>
+              <a:rPr lang="en-US" dirty="0"/>
+              <a:t>Combining or splitting columns. </a:t>
+            </a:r>
+          </a:p>
+          <a:p>
+            <a:pPr lvl="1"/>
+            <a:r>
+              <a:rPr lang="en-US" dirty="0"/>
+              <a:t>Sometimes feature-info may not be 1-to-1, e.g. address to city, province. Lat/</a:t>
+            </a:r>
+            <a:r>
+              <a:rPr lang="en-US" dirty="0" err="1"/>
+              <a:t>lon</a:t>
+            </a:r>
+            <a:r>
+              <a:rPr lang="en-US" dirty="0"/>
+              <a:t> to point. </a:t>
+            </a:r>
+          </a:p>
+          <a:p>
+            <a:pPr lvl="1"/>
+            <a:r>
+              <a:rPr lang="en-US" dirty="0"/>
+              <a:t>Constructed features like BMI (or advanced sports statistics). </a:t>
+            </a:r>
+          </a:p>
+          <a:p>
+            <a:r>
+              <a:rPr lang="en-US" dirty="0"/>
+              <a:t>The performance is the ultimate decider – want to provide good predictors of target. </a:t>
+            </a:r>
+          </a:p>
+        </p:txBody>
+      </p:sp>
+    </p:spTree>
+    <p:extLst>
+      <p:ext uri="{BB962C8B-B14F-4D97-AF65-F5344CB8AC3E}">
+        <p14:creationId xmlns:p14="http://schemas.microsoft.com/office/powerpoint/2010/main" val="2137481795"/>
+      </p:ext>
+    </p:extLst>
+  </p:cSld>
+  <p:clrMapOvr>
+    <a:masterClrMapping/>
+  </p:clrMapOvr>
+</p:sld>
+</file>
+
+<file path=ppt/slides/slide32.xml><?xml version="1.0" encoding="utf-8"?>
+<p:sld xmlns:a="http://schemas.openxmlformats.org/drawingml/2006/main" xmlns:r="http://schemas.openxmlformats.org/officeDocument/2006/relationships" xmlns:p="http://schemas.openxmlformats.org/presentationml/2006/main">
+  <p:cSld>
+    <p:spTree>
+      <p:nvGrpSpPr>
+        <p:cNvPr id="1" name=""/>
+        <p:cNvGrpSpPr/>
+        <p:nvPr/>
+      </p:nvGrpSpPr>
+      <p:grpSpPr>
+        <a:xfrm>
+          <a:off x="0" y="0"/>
+          <a:ext cx="0" cy="0"/>
+          <a:chOff x="0" y="0"/>
+          <a:chExt cx="0" cy="0"/>
+        </a:xfrm>
+      </p:grpSpPr>
+      <p:sp>
+        <p:nvSpPr>
+          <p:cNvPr id="2" name="Title 1">
+            <a:extLst>
+              <a:ext uri="{FF2B5EF4-FFF2-40B4-BE49-F238E27FC236}">
+                <a16:creationId xmlns:a16="http://schemas.microsoft.com/office/drawing/2014/main" id="{8CF2EFCA-E1A1-C25B-F6AD-A150E348DAC9}"/>
+              </a:ext>
+            </a:extLst>
+          </p:cNvPr>
+          <p:cNvSpPr>
+            <a:spLocks noGrp="1"/>
+          </p:cNvSpPr>
+          <p:nvPr>
+            <p:ph type="title"/>
+          </p:nvPr>
+        </p:nvSpPr>
+        <p:spPr/>
+        <p:txBody>
+          <a:bodyPr/>
+          <a:lstStyle/>
+          <a:p>
+            <a:r>
+              <a:rPr lang="en-US" dirty="0"/>
+              <a:t>Conclusion</a:t>
+            </a:r>
+          </a:p>
+        </p:txBody>
+      </p:sp>
+      <p:sp>
+        <p:nvSpPr>
+          <p:cNvPr id="3" name="Content Placeholder 2">
+            <a:extLst>
+              <a:ext uri="{FF2B5EF4-FFF2-40B4-BE49-F238E27FC236}">
+                <a16:creationId xmlns:a16="http://schemas.microsoft.com/office/drawing/2014/main" id="{D0515971-A907-9575-2A75-F707FAB67321}"/>
+              </a:ext>
+            </a:extLst>
+          </p:cNvPr>
+          <p:cNvSpPr>
+            <a:spLocks noGrp="1"/>
+          </p:cNvSpPr>
+          <p:nvPr>
+            <p:ph idx="1"/>
+          </p:nvPr>
+        </p:nvSpPr>
+        <p:spPr>
+          <a:xfrm>
+            <a:off x="1451579" y="1853755"/>
+            <a:ext cx="10018178" cy="4199726"/>
+          </a:xfrm>
+        </p:spPr>
+        <p:txBody>
+          <a:bodyPr>
+            <a:normAutofit fontScale="92500"/>
+          </a:bodyPr>
+          <a:lstStyle/>
+          <a:p>
+            <a:r>
+              <a:rPr lang="en-US" dirty="0"/>
+              <a:t>In most real situations, you probably want to do something like:</a:t>
+            </a:r>
+          </a:p>
+          <a:p>
+            <a:pPr lvl="1"/>
+            <a:r>
+              <a:rPr lang="en-US" dirty="0"/>
+              <a:t>Make a baseline model with minimal prep &amp; use domain knowledge &amp; metrics to trim the feature set. </a:t>
+            </a:r>
+          </a:p>
+          <a:p>
+            <a:pPr lvl="1"/>
+            <a:r>
+              <a:rPr lang="en-US" dirty="0"/>
+              <a:t>Continue trimming to see where/if there’s a </a:t>
+            </a:r>
+            <a:r>
+              <a:rPr lang="en-US" dirty="0" err="1"/>
+              <a:t>dropoff</a:t>
+            </a:r>
+            <a:r>
+              <a:rPr lang="en-US" dirty="0"/>
+              <a:t> in performance. (e.g. 10f = 90%, 9f = 81%)</a:t>
+            </a:r>
+          </a:p>
+          <a:p>
+            <a:pPr lvl="1"/>
+            <a:r>
+              <a:rPr lang="en-US" dirty="0"/>
+              <a:t>Make a model with whatever set of features ‘matter’, evaluate if this is sufficient. </a:t>
+            </a:r>
+          </a:p>
+          <a:p>
+            <a:pPr lvl="1"/>
+            <a:r>
+              <a:rPr lang="en-US" dirty="0"/>
+              <a:t>This is for tabular ‘real-life’ data (like ours), with a human-manageable number of features. </a:t>
+            </a:r>
+          </a:p>
+          <a:p>
+            <a:r>
+              <a:rPr lang="en-US" dirty="0"/>
+              <a:t>But, if you want complex data &amp; maximal performance, then big models keeping most/all is good. </a:t>
+            </a:r>
+          </a:p>
+          <a:p>
+            <a:pPr lvl="1"/>
+            <a:r>
+              <a:rPr lang="en-US" dirty="0"/>
+              <a:t>You need a large model capable of learning complex relationships, and enough data to allow it.</a:t>
+            </a:r>
+          </a:p>
+          <a:p>
+            <a:pPr lvl="1"/>
+            <a:r>
+              <a:rPr lang="en-US" dirty="0"/>
+              <a:t>These scenarios are often unstructured data, building off of what works is smart. </a:t>
+            </a:r>
+          </a:p>
+          <a:p>
+            <a:r>
+              <a:rPr lang="en-US" dirty="0"/>
+              <a:t>Shrinking models can also allow for other devices (phones, watches, </a:t>
+            </a:r>
+            <a:r>
+              <a:rPr lang="en-US" dirty="0" err="1"/>
+              <a:t>rpi</a:t>
+            </a:r>
+            <a:r>
+              <a:rPr lang="en-US" dirty="0"/>
+              <a:t>, </a:t>
+            </a:r>
+            <a:r>
+              <a:rPr lang="en-US" dirty="0" err="1"/>
+              <a:t>etc</a:t>
+            </a:r>
+            <a:r>
+              <a:rPr lang="en-US" dirty="0"/>
+              <a:t>…) to run things. </a:t>
+            </a:r>
+          </a:p>
+          <a:p>
+            <a:r>
+              <a:rPr lang="en-US" dirty="0"/>
+              <a:t>For us, we can use metrics, and be reasonable – we don’t have the domain know/constraints. </a:t>
+            </a:r>
+          </a:p>
+        </p:txBody>
+      </p:sp>
+    </p:spTree>
+    <p:extLst>
+      <p:ext uri="{BB962C8B-B14F-4D97-AF65-F5344CB8AC3E}">
+        <p14:creationId xmlns:p14="http://schemas.microsoft.com/office/powerpoint/2010/main" val="2515144660"/>
       </p:ext>
     </p:extLst>
   </p:cSld>
@@ -8046,6 +9099,431 @@
           <p:cNvPr id="2" name="Title 1">
             <a:extLst>
               <a:ext uri="{FF2B5EF4-FFF2-40B4-BE49-F238E27FC236}">
+                <a16:creationId xmlns:a16="http://schemas.microsoft.com/office/drawing/2014/main" id="{0BA242BF-09A0-F769-F489-35FC76078109}"/>
+              </a:ext>
+            </a:extLst>
+          </p:cNvPr>
+          <p:cNvSpPr>
+            <a:spLocks noGrp="1"/>
+          </p:cNvSpPr>
+          <p:nvPr>
+            <p:ph type="title"/>
+          </p:nvPr>
+        </p:nvSpPr>
+        <p:spPr/>
+        <p:txBody>
+          <a:bodyPr/>
+          <a:lstStyle/>
+          <a:p>
+            <a:r>
+              <a:rPr lang="en-US" dirty="0"/>
+              <a:t>Labels and </a:t>
+            </a:r>
+            <a:r>
+              <a:rPr lang="en-US" dirty="0" err="1"/>
+              <a:t>Softmax</a:t>
+            </a:r>
+            <a:r>
+              <a:rPr lang="en-US" dirty="0"/>
+              <a:t> and Sklearn and You</a:t>
+            </a:r>
+          </a:p>
+        </p:txBody>
+      </p:sp>
+      <p:sp>
+        <p:nvSpPr>
+          <p:cNvPr id="3" name="Content Placeholder 2">
+            <a:extLst>
+              <a:ext uri="{FF2B5EF4-FFF2-40B4-BE49-F238E27FC236}">
+                <a16:creationId xmlns:a16="http://schemas.microsoft.com/office/drawing/2014/main" id="{720F5974-5167-DAFA-A6B4-F711A02F4359}"/>
+              </a:ext>
+            </a:extLst>
+          </p:cNvPr>
+          <p:cNvSpPr>
+            <a:spLocks noGrp="1"/>
+          </p:cNvSpPr>
+          <p:nvPr>
+            <p:ph idx="1"/>
+          </p:nvPr>
+        </p:nvSpPr>
+        <p:spPr>
+          <a:xfrm>
+            <a:off x="246185" y="2015732"/>
+            <a:ext cx="6286627" cy="4037749"/>
+          </a:xfrm>
+        </p:spPr>
+        <p:txBody>
+          <a:bodyPr/>
+          <a:lstStyle/>
+          <a:p>
+            <a:r>
+              <a:rPr lang="en-US" dirty="0"/>
+              <a:t>In </a:t>
+            </a:r>
+            <a:r>
+              <a:rPr lang="en-US" dirty="0" err="1"/>
+              <a:t>softmax</a:t>
+            </a:r>
+            <a:r>
+              <a:rPr lang="en-US" dirty="0"/>
+              <a:t>, the way it works is that it:</a:t>
+            </a:r>
+          </a:p>
+          <a:p>
+            <a:pPr lvl="1"/>
+            <a:r>
+              <a:rPr lang="en-US" dirty="0"/>
+              <a:t>Receives a tensor of logits, one for each output class. </a:t>
+            </a:r>
+          </a:p>
+          <a:p>
+            <a:pPr lvl="1"/>
+            <a:r>
+              <a:rPr lang="en-US" dirty="0"/>
+              <a:t>Creates a tensor of probabilities, one per output class. </a:t>
+            </a:r>
+          </a:p>
+          <a:p>
+            <a:r>
+              <a:rPr lang="en-US" dirty="0"/>
+              <a:t>In sklearn, they’ve done some simplifying. </a:t>
+            </a:r>
+          </a:p>
+          <a:p>
+            <a:pPr lvl="1"/>
+            <a:r>
+              <a:rPr lang="en-US" dirty="0"/>
+              <a:t>Sklearn can provide those individual probabilities if asked. </a:t>
+            </a:r>
+          </a:p>
+          <a:p>
+            <a:pPr lvl="1"/>
+            <a:r>
+              <a:rPr lang="en-US" dirty="0"/>
+              <a:t>The main interface allows us to use label encoded data. </a:t>
+            </a:r>
+          </a:p>
+          <a:p>
+            <a:r>
+              <a:rPr lang="en-US" dirty="0"/>
+              <a:t>In sklearn we don’t need to worry about array of probs.</a:t>
+            </a:r>
+          </a:p>
+          <a:p>
+            <a:r>
+              <a:rPr lang="en-US" dirty="0"/>
+              <a:t>In sklearn, they handle this translation invisibly. </a:t>
+            </a:r>
+          </a:p>
+          <a:p>
+            <a:pPr lvl="1"/>
+            <a:r>
+              <a:rPr lang="en-US" dirty="0"/>
+              <a:t>We can interact with 7 instead of [0,0,0,0,0,0,0,1,0,0]. </a:t>
+            </a:r>
+          </a:p>
+        </p:txBody>
+      </p:sp>
+      <p:pic>
+        <p:nvPicPr>
+          <p:cNvPr id="4" name="Picture 3">
+            <a:extLst>
+              <a:ext uri="{FF2B5EF4-FFF2-40B4-BE49-F238E27FC236}">
+                <a16:creationId xmlns:a16="http://schemas.microsoft.com/office/drawing/2014/main" id="{BE2E592C-E9D2-176A-49EE-CB97FCD1CF39}"/>
+              </a:ext>
+            </a:extLst>
+          </p:cNvPr>
+          <p:cNvPicPr>
+            <a:picLocks noChangeAspect="1"/>
+          </p:cNvPicPr>
+          <p:nvPr/>
+        </p:nvPicPr>
+        <p:blipFill>
+          <a:blip r:embed="rId2"/>
+          <a:srcRect r="2036"/>
+          <a:stretch>
+            <a:fillRect/>
+          </a:stretch>
+        </p:blipFill>
+        <p:spPr>
+          <a:xfrm>
+            <a:off x="6532812" y="1544045"/>
+            <a:ext cx="5659188" cy="3922300"/>
+          </a:xfrm>
+          <a:prstGeom prst="rect">
+            <a:avLst/>
+          </a:prstGeom>
+        </p:spPr>
+      </p:pic>
+    </p:spTree>
+    <p:extLst>
+      <p:ext uri="{BB962C8B-B14F-4D97-AF65-F5344CB8AC3E}">
+        <p14:creationId xmlns:p14="http://schemas.microsoft.com/office/powerpoint/2010/main" val="4174432950"/>
+      </p:ext>
+    </p:extLst>
+  </p:cSld>
+  <p:clrMapOvr>
+    <a:masterClrMapping/>
+  </p:clrMapOvr>
+</p:sld>
+</file>
+
+<file path=ppt/slides/slide5.xml><?xml version="1.0" encoding="utf-8"?>
+<p:sld xmlns:a="http://schemas.openxmlformats.org/drawingml/2006/main" xmlns:r="http://schemas.openxmlformats.org/officeDocument/2006/relationships" xmlns:p="http://schemas.openxmlformats.org/presentationml/2006/main">
+  <p:cSld>
+    <p:spTree>
+      <p:nvGrpSpPr>
+        <p:cNvPr id="1" name=""/>
+        <p:cNvGrpSpPr/>
+        <p:nvPr/>
+      </p:nvGrpSpPr>
+      <p:grpSpPr>
+        <a:xfrm>
+          <a:off x="0" y="0"/>
+          <a:ext cx="0" cy="0"/>
+          <a:chOff x="0" y="0"/>
+          <a:chExt cx="0" cy="0"/>
+        </a:xfrm>
+      </p:grpSpPr>
+      <p:sp>
+        <p:nvSpPr>
+          <p:cNvPr id="2" name="Title 1">
+            <a:extLst>
+              <a:ext uri="{FF2B5EF4-FFF2-40B4-BE49-F238E27FC236}">
+                <a16:creationId xmlns:a16="http://schemas.microsoft.com/office/drawing/2014/main" id="{4479753A-2A8C-F149-8035-FB4E6ADA2349}"/>
+              </a:ext>
+            </a:extLst>
+          </p:cNvPr>
+          <p:cNvSpPr>
+            <a:spLocks noGrp="1"/>
+          </p:cNvSpPr>
+          <p:nvPr>
+            <p:ph type="ctrTitle"/>
+          </p:nvPr>
+        </p:nvSpPr>
+        <p:spPr/>
+        <p:txBody>
+          <a:bodyPr/>
+          <a:lstStyle/>
+          <a:p>
+            <a:r>
+              <a:rPr lang="en-US" dirty="0"/>
+              <a:t>Feature Selection</a:t>
+            </a:r>
+          </a:p>
+        </p:txBody>
+      </p:sp>
+      <p:sp>
+        <p:nvSpPr>
+          <p:cNvPr id="3" name="Subtitle 2">
+            <a:extLst>
+              <a:ext uri="{FF2B5EF4-FFF2-40B4-BE49-F238E27FC236}">
+                <a16:creationId xmlns:a16="http://schemas.microsoft.com/office/drawing/2014/main" id="{6EDDED44-6CBD-694F-83C3-CECD1E53689E}"/>
+              </a:ext>
+            </a:extLst>
+          </p:cNvPr>
+          <p:cNvSpPr>
+            <a:spLocks noGrp="1"/>
+          </p:cNvSpPr>
+          <p:nvPr>
+            <p:ph type="subTitle" idx="1"/>
+          </p:nvPr>
+        </p:nvSpPr>
+        <p:spPr/>
+        <p:txBody>
+          <a:bodyPr/>
+          <a:lstStyle/>
+          <a:p>
+            <a:endParaRPr lang="en-US"/>
+          </a:p>
+        </p:txBody>
+      </p:sp>
+    </p:spTree>
+    <p:extLst>
+      <p:ext uri="{BB962C8B-B14F-4D97-AF65-F5344CB8AC3E}">
+        <p14:creationId xmlns:p14="http://schemas.microsoft.com/office/powerpoint/2010/main" val="844244035"/>
+      </p:ext>
+    </p:extLst>
+  </p:cSld>
+  <p:clrMapOvr>
+    <a:masterClrMapping/>
+  </p:clrMapOvr>
+</p:sld>
+</file>
+
+<file path=ppt/slides/slide6.xml><?xml version="1.0" encoding="utf-8"?>
+<p:sld xmlns:a="http://schemas.openxmlformats.org/drawingml/2006/main" xmlns:r="http://schemas.openxmlformats.org/officeDocument/2006/relationships" xmlns:p="http://schemas.openxmlformats.org/presentationml/2006/main" show="0">
+  <p:cSld>
+    <p:spTree>
+      <p:nvGrpSpPr>
+        <p:cNvPr id="1" name=""/>
+        <p:cNvGrpSpPr/>
+        <p:nvPr/>
+      </p:nvGrpSpPr>
+      <p:grpSpPr>
+        <a:xfrm>
+          <a:off x="0" y="0"/>
+          <a:ext cx="0" cy="0"/>
+          <a:chOff x="0" y="0"/>
+          <a:chExt cx="0" cy="0"/>
+        </a:xfrm>
+      </p:grpSpPr>
+      <p:sp>
+        <p:nvSpPr>
+          <p:cNvPr id="2" name="Title 1">
+            <a:extLst>
+              <a:ext uri="{FF2B5EF4-FFF2-40B4-BE49-F238E27FC236}">
+                <a16:creationId xmlns:a16="http://schemas.microsoft.com/office/drawing/2014/main" id="{BE47DD47-F066-1249-9FC1-291033AFF13F}"/>
+              </a:ext>
+            </a:extLst>
+          </p:cNvPr>
+          <p:cNvSpPr>
+            <a:spLocks noGrp="1"/>
+          </p:cNvSpPr>
+          <p:nvPr>
+            <p:ph type="title"/>
+          </p:nvPr>
+        </p:nvSpPr>
+        <p:spPr/>
+        <p:txBody>
+          <a:bodyPr/>
+          <a:lstStyle/>
+          <a:p>
+            <a:r>
+              <a:rPr lang="en-US" dirty="0"/>
+              <a:t>Detour – Sparse vs Dense</a:t>
+            </a:r>
+          </a:p>
+        </p:txBody>
+      </p:sp>
+      <p:sp>
+        <p:nvSpPr>
+          <p:cNvPr id="3" name="Content Placeholder 2">
+            <a:extLst>
+              <a:ext uri="{FF2B5EF4-FFF2-40B4-BE49-F238E27FC236}">
+                <a16:creationId xmlns:a16="http://schemas.microsoft.com/office/drawing/2014/main" id="{226B2D96-A879-D94E-BDF3-787B0AC923DF}"/>
+              </a:ext>
+            </a:extLst>
+          </p:cNvPr>
+          <p:cNvSpPr>
+            <a:spLocks noGrp="1"/>
+          </p:cNvSpPr>
+          <p:nvPr>
+            <p:ph idx="1"/>
+          </p:nvPr>
+        </p:nvSpPr>
+        <p:spPr>
+          <a:xfrm>
+            <a:off x="1451579" y="2015732"/>
+            <a:ext cx="9603275" cy="4037749"/>
+          </a:xfrm>
+        </p:spPr>
+        <p:txBody>
+          <a:bodyPr/>
+          <a:lstStyle/>
+          <a:p>
+            <a:r>
+              <a:rPr lang="en-US" dirty="0"/>
+              <a:t>One thing that is mentioned regularly is a sparse or dense matrix. </a:t>
+            </a:r>
+          </a:p>
+          <a:p>
+            <a:r>
+              <a:rPr lang="en-US" dirty="0"/>
+              <a:t>Sparse matrices are mostly 0, dense matrices are not. </a:t>
+            </a:r>
+          </a:p>
+          <a:p>
+            <a:pPr lvl="1"/>
+            <a:r>
+              <a:rPr lang="en-US" dirty="0"/>
+              <a:t>E.g. one hot encoded data with many classes makes a very sparse matrix. </a:t>
+            </a:r>
+          </a:p>
+          <a:p>
+            <a:r>
+              <a:rPr lang="en-US" dirty="0"/>
+              <a:t>The difference is in how they are treated (sometimes) in code. </a:t>
+            </a:r>
+          </a:p>
+          <a:p>
+            <a:r>
+              <a:rPr lang="en-US" dirty="0"/>
+              <a:t>Sparse matrices can be represented differently in storage:</a:t>
+            </a:r>
+          </a:p>
+          <a:p>
+            <a:pPr lvl="1"/>
+            <a:r>
+              <a:rPr lang="en-US" dirty="0"/>
+              <a:t>Storage space can be more efficient.</a:t>
+            </a:r>
+          </a:p>
+          <a:p>
+            <a:pPr lvl="1"/>
+            <a:r>
+              <a:rPr lang="en-US" dirty="0"/>
+              <a:t>Processing speed can be quicker.</a:t>
+            </a:r>
+          </a:p>
+          <a:p>
+            <a:r>
+              <a:rPr lang="en-US" dirty="0"/>
+              <a:t>We don’t really need to think about it much, it is a concern with large amounts of data.</a:t>
+            </a:r>
+          </a:p>
+          <a:p>
+            <a:pPr lvl="1"/>
+            <a:r>
+              <a:rPr lang="en-US" dirty="0"/>
+              <a:t>E.g. </a:t>
+            </a:r>
+            <a:r>
+              <a:rPr lang="en-US" dirty="0" err="1"/>
+              <a:t>Sklearn</a:t>
+            </a:r>
+            <a:r>
+              <a:rPr lang="en-US" dirty="0"/>
+              <a:t> data needs to fit in RAM. </a:t>
+            </a:r>
+          </a:p>
+        </p:txBody>
+      </p:sp>
+    </p:spTree>
+    <p:extLst>
+      <p:ext uri="{BB962C8B-B14F-4D97-AF65-F5344CB8AC3E}">
+        <p14:creationId xmlns:p14="http://schemas.microsoft.com/office/powerpoint/2010/main" val="2869976543"/>
+      </p:ext>
+    </p:extLst>
+  </p:cSld>
+  <p:clrMapOvr>
+    <a:masterClrMapping/>
+  </p:clrMapOvr>
+</p:sld>
+</file>
+
+<file path=ppt/slides/slide7.xml><?xml version="1.0" encoding="utf-8"?>
+<p:sld xmlns:a="http://schemas.openxmlformats.org/drawingml/2006/main" xmlns:r="http://schemas.openxmlformats.org/officeDocument/2006/relationships" xmlns:p="http://schemas.openxmlformats.org/presentationml/2006/main">
+  <p:cSld>
+    <p:spTree>
+      <p:nvGrpSpPr>
+        <p:cNvPr id="1" name=""/>
+        <p:cNvGrpSpPr/>
+        <p:nvPr/>
+      </p:nvGrpSpPr>
+      <p:grpSpPr>
+        <a:xfrm>
+          <a:off x="0" y="0"/>
+          <a:ext cx="0" cy="0"/>
+          <a:chOff x="0" y="0"/>
+          <a:chExt cx="0" cy="0"/>
+        </a:xfrm>
+      </p:grpSpPr>
+      <p:sp>
+        <p:nvSpPr>
+          <p:cNvPr id="2" name="Title 1">
+            <a:extLst>
+              <a:ext uri="{FF2B5EF4-FFF2-40B4-BE49-F238E27FC236}">
                 <a16:creationId xmlns:a16="http://schemas.microsoft.com/office/drawing/2014/main" id="{1991E9C2-ED82-7641-89DF-BD0FD9009908}"/>
               </a:ext>
             </a:extLst>
@@ -8109,9 +9587,16 @@
             </a:r>
           </a:p>
           <a:p>
-            <a:r>
-              <a:rPr lang="en-US" dirty="0"/>
-              <a:t>Just like with linear regression with p values, we can select some features to help our models. </a:t>
+            <a:pPr lvl="1"/>
+            <a:r>
+              <a:rPr lang="en-US" dirty="0"/>
+              <a:t>E.g. images once flattened. </a:t>
+            </a:r>
+          </a:p>
+          <a:p>
+            <a:r>
+              <a:rPr lang="en-US" dirty="0"/>
+              <a:t>We can select some features to help our models. </a:t>
             </a:r>
           </a:p>
           <a:p>
@@ -8135,7 +9620,7 @@
 </p:sld>
 </file>
 
-<file path=ppt/slides/slide5.xml><?xml version="1.0" encoding="utf-8"?>
+<file path=ppt/slides/slide8.xml><?xml version="1.0" encoding="utf-8"?>
 <p:sld xmlns:a="http://schemas.openxmlformats.org/drawingml/2006/main" xmlns:r="http://schemas.openxmlformats.org/officeDocument/2006/relationships" xmlns:p="http://schemas.openxmlformats.org/presentationml/2006/main">
   <p:cSld>
     <p:spTree>
@@ -8319,530 +9804,6 @@
 </p:sld>
 </file>
 
-<file path=ppt/slides/slide6.xml><?xml version="1.0" encoding="utf-8"?>
-<p:sld xmlns:a="http://schemas.openxmlformats.org/drawingml/2006/main" xmlns:r="http://schemas.openxmlformats.org/officeDocument/2006/relationships" xmlns:p="http://schemas.openxmlformats.org/presentationml/2006/main">
-  <p:cSld>
-    <p:spTree>
-      <p:nvGrpSpPr>
-        <p:cNvPr id="1" name=""/>
-        <p:cNvGrpSpPr/>
-        <p:nvPr/>
-      </p:nvGrpSpPr>
-      <p:grpSpPr>
-        <a:xfrm>
-          <a:off x="0" y="0"/>
-          <a:ext cx="0" cy="0"/>
-          <a:chOff x="0" y="0"/>
-          <a:chExt cx="0" cy="0"/>
-        </a:xfrm>
-      </p:grpSpPr>
-      <p:sp>
-        <p:nvSpPr>
-          <p:cNvPr id="2" name="Title 1">
-            <a:extLst>
-              <a:ext uri="{FF2B5EF4-FFF2-40B4-BE49-F238E27FC236}">
-                <a16:creationId xmlns:a16="http://schemas.microsoft.com/office/drawing/2014/main" id="{8EA20616-9A4B-8E8A-C18F-57E8CFE9D4D9}"/>
-              </a:ext>
-            </a:extLst>
-          </p:cNvPr>
-          <p:cNvSpPr>
-            <a:spLocks noGrp="1"/>
-          </p:cNvSpPr>
-          <p:nvPr>
-            <p:ph type="title"/>
-          </p:nvPr>
-        </p:nvSpPr>
-        <p:spPr/>
-        <p:txBody>
-          <a:bodyPr/>
-          <a:lstStyle/>
-          <a:p>
-            <a:r>
-              <a:rPr lang="en-US" dirty="0"/>
-              <a:t>Feature Selection Basics</a:t>
-            </a:r>
-          </a:p>
-        </p:txBody>
-      </p:sp>
-      <p:sp>
-        <p:nvSpPr>
-          <p:cNvPr id="3" name="Content Placeholder 2">
-            <a:extLst>
-              <a:ext uri="{FF2B5EF4-FFF2-40B4-BE49-F238E27FC236}">
-                <a16:creationId xmlns:a16="http://schemas.microsoft.com/office/drawing/2014/main" id="{9B46B182-4F74-041F-E8F0-44F9A5145A9E}"/>
-              </a:ext>
-            </a:extLst>
-          </p:cNvPr>
-          <p:cNvSpPr>
-            <a:spLocks noGrp="1"/>
-          </p:cNvSpPr>
-          <p:nvPr>
-            <p:ph idx="1"/>
-          </p:nvPr>
-        </p:nvSpPr>
-        <p:spPr>
-          <a:xfrm>
-            <a:off x="1451579" y="1853754"/>
-            <a:ext cx="9603275" cy="4199727"/>
-          </a:xfrm>
-        </p:spPr>
-        <p:txBody>
-          <a:bodyPr>
-            <a:normAutofit lnSpcReduction="10000"/>
-          </a:bodyPr>
-          <a:lstStyle/>
-          <a:p>
-            <a:r>
-              <a:rPr lang="en-US" dirty="0"/>
-              <a:t>In general, selecting features won’t improve a model’s </a:t>
-            </a:r>
-            <a:r>
-              <a:rPr lang="en-US" i="1" dirty="0"/>
-              <a:t>overall</a:t>
-            </a:r>
-            <a:r>
-              <a:rPr lang="en-US" dirty="0"/>
-              <a:t> performance very often. </a:t>
-            </a:r>
-          </a:p>
-          <a:p>
-            <a:r>
-              <a:rPr lang="en-US" dirty="0"/>
-              <a:t>Feature selection allows us to have simpler models:</a:t>
-            </a:r>
-          </a:p>
-          <a:p>
-            <a:pPr lvl="1"/>
-            <a:r>
-              <a:rPr lang="en-US" dirty="0"/>
-              <a:t>Fewer features can make for less data, quicker execution, lower cost, or more transparency.  </a:t>
-            </a:r>
-          </a:p>
-          <a:p>
-            <a:r>
-              <a:rPr lang="en-US" dirty="0"/>
-              <a:t>We want to include the things helpful to an accurate prediction, exclude those not. </a:t>
-            </a:r>
-          </a:p>
-          <a:p>
-            <a:r>
-              <a:rPr lang="en-US" dirty="0"/>
-              <a:t>The metric for helpful can change:</a:t>
-            </a:r>
-          </a:p>
-          <a:p>
-            <a:pPr lvl="1"/>
-            <a:r>
-              <a:rPr lang="en-US" dirty="0"/>
-              <a:t>Basic statistics or inspection – does this value vary enough or is it clearly useless? </a:t>
-            </a:r>
-          </a:p>
-          <a:p>
-            <a:pPr lvl="1"/>
-            <a:r>
-              <a:rPr lang="en-US" dirty="0"/>
-              <a:t>Correlation-</a:t>
-            </a:r>
-            <a:r>
-              <a:rPr lang="en-US" dirty="0" err="1"/>
-              <a:t>ish</a:t>
-            </a:r>
-            <a:r>
-              <a:rPr lang="en-US" dirty="0"/>
-              <a:t> measures. </a:t>
-            </a:r>
-          </a:p>
-          <a:p>
-            <a:pPr lvl="1"/>
-            <a:r>
-              <a:rPr lang="en-US" dirty="0"/>
-              <a:t>Model determinations from internal measures, such as tree feature importance. </a:t>
-            </a:r>
-          </a:p>
-          <a:p>
-            <a:pPr lvl="1"/>
-            <a:r>
-              <a:rPr lang="en-US" dirty="0"/>
-              <a:t>Performance of the actual model with/without. </a:t>
-            </a:r>
-          </a:p>
-          <a:p>
-            <a:r>
-              <a:rPr lang="en-US" dirty="0"/>
-              <a:t>All feature selection is basically different methods of calculating and testing this. </a:t>
-            </a:r>
-          </a:p>
-        </p:txBody>
-      </p:sp>
-    </p:spTree>
-    <p:extLst>
-      <p:ext uri="{BB962C8B-B14F-4D97-AF65-F5344CB8AC3E}">
-        <p14:creationId xmlns:p14="http://schemas.microsoft.com/office/powerpoint/2010/main" val="2612277619"/>
-      </p:ext>
-    </p:extLst>
-  </p:cSld>
-  <p:clrMapOvr>
-    <a:masterClrMapping/>
-  </p:clrMapOvr>
-</p:sld>
-</file>
-
-<file path=ppt/slides/slide7.xml><?xml version="1.0" encoding="utf-8"?>
-<p:sld xmlns:a="http://schemas.openxmlformats.org/drawingml/2006/main" xmlns:r="http://schemas.openxmlformats.org/officeDocument/2006/relationships" xmlns:p="http://schemas.openxmlformats.org/presentationml/2006/main" show="0">
-  <p:cSld>
-    <p:spTree>
-      <p:nvGrpSpPr>
-        <p:cNvPr id="1" name=""/>
-        <p:cNvGrpSpPr/>
-        <p:nvPr/>
-      </p:nvGrpSpPr>
-      <p:grpSpPr>
-        <a:xfrm>
-          <a:off x="0" y="0"/>
-          <a:ext cx="0" cy="0"/>
-          <a:chOff x="0" y="0"/>
-          <a:chExt cx="0" cy="0"/>
-        </a:xfrm>
-      </p:grpSpPr>
-      <p:sp>
-        <p:nvSpPr>
-          <p:cNvPr id="2" name="Title 1">
-            <a:extLst>
-              <a:ext uri="{FF2B5EF4-FFF2-40B4-BE49-F238E27FC236}">
-                <a16:creationId xmlns:a16="http://schemas.microsoft.com/office/drawing/2014/main" id="{556D50C4-42CC-DBCA-0060-336BA6544C65}"/>
-              </a:ext>
-            </a:extLst>
-          </p:cNvPr>
-          <p:cNvSpPr>
-            <a:spLocks noGrp="1"/>
-          </p:cNvSpPr>
-          <p:nvPr>
-            <p:ph type="title"/>
-          </p:nvPr>
-        </p:nvSpPr>
-        <p:spPr/>
-        <p:txBody>
-          <a:bodyPr/>
-          <a:lstStyle/>
-          <a:p>
-            <a:r>
-              <a:rPr lang="en-US" dirty="0"/>
-              <a:t>It’s Hip to be (R) Square(d). </a:t>
-            </a:r>
-          </a:p>
-        </p:txBody>
-      </p:sp>
-      <p:sp>
-        <p:nvSpPr>
-          <p:cNvPr id="3" name="Content Placeholder 2">
-            <a:extLst>
-              <a:ext uri="{FF2B5EF4-FFF2-40B4-BE49-F238E27FC236}">
-                <a16:creationId xmlns:a16="http://schemas.microsoft.com/office/drawing/2014/main" id="{E1B095E7-9DAA-832B-6BDA-119E20210453}"/>
-              </a:ext>
-            </a:extLst>
-          </p:cNvPr>
-          <p:cNvSpPr>
-            <a:spLocks noGrp="1"/>
-          </p:cNvSpPr>
-          <p:nvPr>
-            <p:ph idx="1"/>
-          </p:nvPr>
-        </p:nvSpPr>
-        <p:spPr/>
-        <p:txBody>
-          <a:bodyPr/>
-          <a:lstStyle/>
-          <a:p>
-            <a:endParaRPr lang="en-US" dirty="0"/>
-          </a:p>
-        </p:txBody>
-      </p:sp>
-    </p:spTree>
-    <p:extLst>
-      <p:ext uri="{BB962C8B-B14F-4D97-AF65-F5344CB8AC3E}">
-        <p14:creationId xmlns:p14="http://schemas.microsoft.com/office/powerpoint/2010/main" val="814378992"/>
-      </p:ext>
-    </p:extLst>
-  </p:cSld>
-  <p:clrMapOvr>
-    <a:masterClrMapping/>
-  </p:clrMapOvr>
-</p:sld>
-</file>
-
-<file path=ppt/slides/slide8.xml><?xml version="1.0" encoding="utf-8"?>
-<p:sld xmlns:a="http://schemas.openxmlformats.org/drawingml/2006/main" xmlns:r="http://schemas.openxmlformats.org/officeDocument/2006/relationships" xmlns:p="http://schemas.openxmlformats.org/presentationml/2006/main">
-  <p:cSld>
-    <p:spTree>
-      <p:nvGrpSpPr>
-        <p:cNvPr id="1" name=""/>
-        <p:cNvGrpSpPr/>
-        <p:nvPr/>
-      </p:nvGrpSpPr>
-      <p:grpSpPr>
-        <a:xfrm>
-          <a:off x="0" y="0"/>
-          <a:ext cx="0" cy="0"/>
-          <a:chOff x="0" y="0"/>
-          <a:chExt cx="0" cy="0"/>
-        </a:xfrm>
-      </p:grpSpPr>
-      <p:sp>
-        <p:nvSpPr>
-          <p:cNvPr id="2" name="Title 1">
-            <a:extLst>
-              <a:ext uri="{FF2B5EF4-FFF2-40B4-BE49-F238E27FC236}">
-                <a16:creationId xmlns:a16="http://schemas.microsoft.com/office/drawing/2014/main" id="{D5F03E50-4F61-934C-A969-5E4018A16B26}"/>
-              </a:ext>
-            </a:extLst>
-          </p:cNvPr>
-          <p:cNvSpPr>
-            <a:spLocks noGrp="1"/>
-          </p:cNvSpPr>
-          <p:nvPr>
-            <p:ph type="title"/>
-          </p:nvPr>
-        </p:nvSpPr>
-        <p:spPr>
-          <a:xfrm>
-            <a:off x="98855" y="1"/>
-            <a:ext cx="6051979" cy="556053"/>
-          </a:xfrm>
-        </p:spPr>
-        <p:txBody>
-          <a:bodyPr/>
-          <a:lstStyle/>
-          <a:p>
-            <a:r>
-              <a:rPr lang="en-US" dirty="0"/>
-              <a:t>Feature Selection Impacts</a:t>
-            </a:r>
-          </a:p>
-        </p:txBody>
-      </p:sp>
-      <p:sp>
-        <p:nvSpPr>
-          <p:cNvPr id="3" name="Content Placeholder 2">
-            <a:extLst>
-              <a:ext uri="{FF2B5EF4-FFF2-40B4-BE49-F238E27FC236}">
-                <a16:creationId xmlns:a16="http://schemas.microsoft.com/office/drawing/2014/main" id="{DC881FF8-EA80-EB63-20E7-0664DD00E312}"/>
-              </a:ext>
-            </a:extLst>
-          </p:cNvPr>
-          <p:cNvSpPr>
-            <a:spLocks noGrp="1"/>
-          </p:cNvSpPr>
-          <p:nvPr>
-            <p:ph idx="1"/>
-          </p:nvPr>
-        </p:nvSpPr>
-        <p:spPr>
-          <a:xfrm>
-            <a:off x="1013791" y="1853754"/>
-            <a:ext cx="10515599" cy="4199727"/>
-          </a:xfrm>
-        </p:spPr>
-        <p:txBody>
-          <a:bodyPr/>
-          <a:lstStyle/>
-          <a:p>
-            <a:r>
-              <a:rPr lang="en-US" dirty="0"/>
-              <a:t>Models will internally already have some aspect of weighting feature impacts. </a:t>
-            </a:r>
-          </a:p>
-          <a:p>
-            <a:pPr lvl="1"/>
-            <a:r>
-              <a:rPr lang="en-US" dirty="0"/>
-              <a:t>Trees choose to use different features, regression coefficients can shrink (maybe to 0). </a:t>
-            </a:r>
-          </a:p>
-          <a:p>
-            <a:pPr lvl="1"/>
-            <a:r>
-              <a:rPr lang="en-US" dirty="0"/>
-              <a:t>Removing a useless feature won’t really make performance jump, since it’s already deemphasized. </a:t>
-            </a:r>
-          </a:p>
-          <a:p>
-            <a:r>
-              <a:rPr lang="en-US" dirty="0"/>
-              <a:t>Remember R2 – the proportion of variance explained by the model:</a:t>
-            </a:r>
-          </a:p>
-          <a:p>
-            <a:pPr lvl="1"/>
-            <a:r>
-              <a:rPr lang="en-US" dirty="0"/>
-              <a:t>R2 of 1 is perfect correlation and perfect predictions, x tells us y. 0 is no correlation. </a:t>
-            </a:r>
-          </a:p>
-          <a:p>
-            <a:pPr lvl="1"/>
-            <a:r>
-              <a:rPr lang="en-US" dirty="0"/>
-              <a:t>Added features rarely have </a:t>
-            </a:r>
-            <a:r>
-              <a:rPr lang="en-US" i="1" dirty="0"/>
-              <a:t>absolutely no</a:t>
-            </a:r>
-            <a:r>
-              <a:rPr lang="en-US" dirty="0"/>
-              <a:t> correlation with the target, so they contribute </a:t>
-            </a:r>
-            <a:r>
-              <a:rPr lang="en-US" i="1" dirty="0"/>
-              <a:t>something.</a:t>
-            </a:r>
-            <a:r>
-              <a:rPr lang="en-US" dirty="0"/>
-              <a:t> </a:t>
-            </a:r>
-          </a:p>
-          <a:p>
-            <a:pPr lvl="1"/>
-            <a:r>
-              <a:rPr lang="en-US" dirty="0"/>
-              <a:t>Could add many bad features to a few good ones to get a higher R2. </a:t>
-            </a:r>
-          </a:p>
-          <a:p>
-            <a:pPr lvl="1"/>
-            <a:r>
-              <a:rPr lang="en-US" dirty="0"/>
-              <a:t>Think of </a:t>
-            </a:r>
-            <a:r>
-              <a:rPr lang="en-US" dirty="0" err="1"/>
-              <a:t>multicorrelation</a:t>
-            </a:r>
-            <a:r>
-              <a:rPr lang="en-US" dirty="0"/>
-              <a:t> examples – we can remove redundant features and r2 is basically unchanged. </a:t>
-            </a:r>
-          </a:p>
-          <a:p>
-            <a:r>
-              <a:rPr lang="en-US" dirty="0"/>
-              <a:t>Adjusted R2 measures the correlation, adjusted for size of data and # of features. </a:t>
-            </a:r>
-          </a:p>
-          <a:p>
-            <a:pPr lvl="1"/>
-            <a:r>
-              <a:rPr lang="en-US" dirty="0"/>
-              <a:t>Similar concept to regularization – there’s a penalty (to overcome) for making the model larger. </a:t>
-            </a:r>
-          </a:p>
-        </p:txBody>
-      </p:sp>
-      <p:pic>
-        <p:nvPicPr>
-          <p:cNvPr id="1028" name="Picture 4" descr="Adjusted R2">
-            <a:extLst>
-              <a:ext uri="{FF2B5EF4-FFF2-40B4-BE49-F238E27FC236}">
-                <a16:creationId xmlns:a16="http://schemas.microsoft.com/office/drawing/2014/main" id="{552A0F20-50BC-40C5-D9BA-6805A803F6E9}"/>
-              </a:ext>
-            </a:extLst>
-          </p:cNvPr>
-          <p:cNvPicPr>
-            <a:picLocks noChangeAspect="1" noChangeArrowheads="1"/>
-          </p:cNvPicPr>
-          <p:nvPr/>
-        </p:nvPicPr>
-        <p:blipFill rotWithShape="1">
-          <a:blip r:embed="rId2">
-            <a:extLst>
-              <a:ext uri="{28A0092B-C50C-407E-A947-70E740481C1C}">
-                <a14:useLocalDpi xmlns:a14="http://schemas.microsoft.com/office/drawing/2010/main" val="0"/>
-              </a:ext>
-            </a:extLst>
-          </a:blip>
-          <a:srcRect l="3835" t="6734" r="5897" b="11702"/>
-          <a:stretch/>
-        </p:blipFill>
-        <p:spPr bwMode="auto">
-          <a:xfrm>
-            <a:off x="6150834" y="0"/>
-            <a:ext cx="6041166" cy="1853754"/>
-          </a:xfrm>
-          <a:prstGeom prst="rect">
-            <a:avLst/>
-          </a:prstGeom>
-          <a:noFill/>
-          <a:extLst>
-            <a:ext uri="{909E8E84-426E-40DD-AFC4-6F175D3DCCD1}">
-              <a14:hiddenFill xmlns:a14="http://schemas.microsoft.com/office/drawing/2010/main">
-                <a:solidFill>
-                  <a:srgbClr val="FFFFFF"/>
-                </a:solidFill>
-              </a14:hiddenFill>
-            </a:ext>
-          </a:extLst>
-        </p:spPr>
-      </p:pic>
-      <p:pic>
-        <p:nvPicPr>
-          <p:cNvPr id="1030" name="Picture 6" descr="R-Squared: Formula Explanation. We all must have seen these terms… | by  Saurabh Gupta | Analytics Vidhya | Medium">
-            <a:extLst>
-              <a:ext uri="{FF2B5EF4-FFF2-40B4-BE49-F238E27FC236}">
-                <a16:creationId xmlns:a16="http://schemas.microsoft.com/office/drawing/2014/main" id="{BC2CF55A-2DA9-BFC3-77C7-7E5EF77A9E92}"/>
-              </a:ext>
-            </a:extLst>
-          </p:cNvPr>
-          <p:cNvPicPr>
-            <a:picLocks noChangeAspect="1" noChangeArrowheads="1"/>
-          </p:cNvPicPr>
-          <p:nvPr/>
-        </p:nvPicPr>
-        <p:blipFill>
-          <a:blip r:embed="rId3">
-            <a:extLst>
-              <a:ext uri="{28A0092B-C50C-407E-A947-70E740481C1C}">
-                <a14:useLocalDpi xmlns:a14="http://schemas.microsoft.com/office/drawing/2010/main" val="0"/>
-              </a:ext>
-            </a:extLst>
-          </a:blip>
-          <a:srcRect/>
-          <a:stretch>
-            <a:fillRect/>
-          </a:stretch>
-        </p:blipFill>
-        <p:spPr bwMode="auto">
-          <a:xfrm>
-            <a:off x="175113" y="690473"/>
-            <a:ext cx="5866054" cy="1163282"/>
-          </a:xfrm>
-          <a:prstGeom prst="rect">
-            <a:avLst/>
-          </a:prstGeom>
-          <a:noFill/>
-          <a:extLst>
-            <a:ext uri="{909E8E84-426E-40DD-AFC4-6F175D3DCCD1}">
-              <a14:hiddenFill xmlns:a14="http://schemas.microsoft.com/office/drawing/2010/main">
-                <a:solidFill>
-                  <a:srgbClr val="FFFFFF"/>
-                </a:solidFill>
-              </a14:hiddenFill>
-            </a:ext>
-          </a:extLst>
-        </p:spPr>
-      </p:pic>
-    </p:spTree>
-    <p:extLst>
-      <p:ext uri="{BB962C8B-B14F-4D97-AF65-F5344CB8AC3E}">
-        <p14:creationId xmlns:p14="http://schemas.microsoft.com/office/powerpoint/2010/main" val="106115371"/>
-      </p:ext>
-    </p:extLst>
-  </p:cSld>
-  <p:clrMapOvr>
-    <a:masterClrMapping/>
-  </p:clrMapOvr>
-</p:sld>
-</file>
-
 <file path=ppt/slides/slide9.xml><?xml version="1.0" encoding="utf-8"?>
 <p:sld xmlns:a="http://schemas.openxmlformats.org/drawingml/2006/main" xmlns:r="http://schemas.openxmlformats.org/officeDocument/2006/relationships" xmlns:p="http://schemas.openxmlformats.org/presentationml/2006/main">
   <p:cSld>
@@ -8865,7 +9826,7 @@
           <p:cNvPr id="2" name="Title 1">
             <a:extLst>
               <a:ext uri="{FF2B5EF4-FFF2-40B4-BE49-F238E27FC236}">
-                <a16:creationId xmlns:a16="http://schemas.microsoft.com/office/drawing/2014/main" id="{67762C61-7EFB-BB84-845B-D271322F589B}"/>
+                <a16:creationId xmlns:a16="http://schemas.microsoft.com/office/drawing/2014/main" id="{8EA20616-9A4B-8E8A-C18F-57E8CFE9D4D9}"/>
               </a:ext>
             </a:extLst>
           </p:cNvPr>
@@ -8883,7 +9844,7 @@
           <a:p>
             <a:r>
               <a:rPr lang="en-US" dirty="0"/>
-              <a:t>The Human Touch (Maybe it’ll Touch You In That Project class…)</a:t>
+              <a:t>Feature Selection Basics</a:t>
             </a:r>
           </a:p>
         </p:txBody>
@@ -8893,7 +9854,7 @@
           <p:cNvPr id="3" name="Content Placeholder 2">
             <a:extLst>
               <a:ext uri="{FF2B5EF4-FFF2-40B4-BE49-F238E27FC236}">
-                <a16:creationId xmlns:a16="http://schemas.microsoft.com/office/drawing/2014/main" id="{4F644EF6-D3E2-8211-A1C1-9EE5511963D8}"/>
+                <a16:creationId xmlns:a16="http://schemas.microsoft.com/office/drawing/2014/main" id="{9B46B182-4F74-041F-E8F0-44F9A5145A9E}"/>
               </a:ext>
             </a:extLst>
           </p:cNvPr>
@@ -8906,64 +9867,66 @@
         </p:nvSpPr>
         <p:spPr>
           <a:xfrm>
-            <a:off x="1451579" y="1914258"/>
-            <a:ext cx="9603275" cy="4139223"/>
+            <a:off x="1451579" y="1853754"/>
+            <a:ext cx="9603275" cy="4199727"/>
           </a:xfrm>
         </p:spPr>
         <p:txBody>
-          <a:bodyPr/>
-          <a:lstStyle/>
-          <a:p>
-            <a:r>
-              <a:rPr lang="en-US" dirty="0"/>
-              <a:t>The first point of feature selection is human judgement of what matters. </a:t>
-            </a:r>
-          </a:p>
-          <a:p>
-            <a:pPr lvl="1"/>
-            <a:r>
-              <a:rPr lang="en-US" dirty="0"/>
-              <a:t>Requires some domain knowledge – what is actually relevant?</a:t>
-            </a:r>
-          </a:p>
-          <a:p>
-            <a:r>
-              <a:rPr lang="en-US" dirty="0"/>
-              <a:t>This is something much more critical in real life than in learning machine learning. </a:t>
-            </a:r>
-          </a:p>
-          <a:p>
-            <a:r>
-              <a:rPr lang="en-US" dirty="0"/>
-              <a:t>In examples/exercises, we typically use preformed datasets. </a:t>
-            </a:r>
-          </a:p>
-          <a:p>
-            <a:pPr lvl="1"/>
-            <a:r>
-              <a:rPr lang="en-US" dirty="0"/>
-              <a:t>These datasets were made/curated for machine learning, so set up for that. </a:t>
-            </a:r>
-          </a:p>
-          <a:p>
-            <a:pPr lvl="1"/>
-            <a:r>
-              <a:rPr lang="en-US" dirty="0"/>
-              <a:t>Even if data is very dirty, it is usually more or less what you need. </a:t>
-            </a:r>
-          </a:p>
-          <a:p>
-            <a:pPr lvl="1"/>
-            <a:r>
-              <a:rPr lang="en-US" dirty="0"/>
-              <a:t>The data is already assembled – many/most real life things will need joins. </a:t>
-            </a:r>
-          </a:p>
-          <a:p>
-            <a:pPr lvl="1"/>
-            <a:r>
-              <a:rPr lang="en-US" dirty="0"/>
-              <a:t>E.g. there’s probably only relevant-</a:t>
+          <a:bodyPr>
+            <a:normAutofit lnSpcReduction="10000"/>
+          </a:bodyPr>
+          <a:lstStyle/>
+          <a:p>
+            <a:r>
+              <a:rPr lang="en-US" dirty="0"/>
+              <a:t>In general, selecting features won’t improve a model’s </a:t>
+            </a:r>
+            <a:r>
+              <a:rPr lang="en-US" i="1" dirty="0"/>
+              <a:t>overall</a:t>
+            </a:r>
+            <a:r>
+              <a:rPr lang="en-US" dirty="0"/>
+              <a:t> performance very often. </a:t>
+            </a:r>
+          </a:p>
+          <a:p>
+            <a:r>
+              <a:rPr lang="en-US" dirty="0"/>
+              <a:t>Feature selection allows us to have simpler models:</a:t>
+            </a:r>
+          </a:p>
+          <a:p>
+            <a:pPr lvl="1"/>
+            <a:r>
+              <a:rPr lang="en-US" dirty="0"/>
+              <a:t>Fewer features can make for less data, quicker execution, lower cost, or more transparency.  </a:t>
+            </a:r>
+          </a:p>
+          <a:p>
+            <a:r>
+              <a:rPr lang="en-US" dirty="0"/>
+              <a:t>We want to include the things helpful to an accurate prediction, exclude those not. </a:t>
+            </a:r>
+          </a:p>
+          <a:p>
+            <a:r>
+              <a:rPr lang="en-US" dirty="0"/>
+              <a:t>The metric for helpful can change:</a:t>
+            </a:r>
+          </a:p>
+          <a:p>
+            <a:pPr lvl="1"/>
+            <a:r>
+              <a:rPr lang="en-US" dirty="0"/>
+              <a:t>Basic statistics or inspection – does this value vary enough or is it clearly useless? </a:t>
+            </a:r>
+          </a:p>
+          <a:p>
+            <a:pPr lvl="1"/>
+            <a:r>
+              <a:rPr lang="en-US" dirty="0"/>
+              <a:t>Correlation-</a:t>
             </a:r>
             <a:r>
               <a:rPr lang="en-US" dirty="0" err="1"/>
@@ -8971,13 +9934,27 @@
             </a:r>
             <a:r>
               <a:rPr lang="en-US" dirty="0"/>
-              <a:t> stuff in the dataset to begin with, it is curated. </a:t>
-            </a:r>
-          </a:p>
-          <a:p>
-            <a:r>
-              <a:rPr lang="en-US" dirty="0"/>
-              <a:t>Real life data is more annoying, we need to judge what matters as humans. </a:t>
+              <a:t> measures. </a:t>
+            </a:r>
+          </a:p>
+          <a:p>
+            <a:pPr lvl="1"/>
+            <a:r>
+              <a:rPr lang="en-US" dirty="0"/>
+              <a:t>Model determinations from internal measures, such as tree feature importance. </a:t>
+            </a:r>
+          </a:p>
+          <a:p>
+            <a:pPr lvl="1"/>
+            <a:r>
+              <a:rPr lang="en-US" dirty="0"/>
+              <a:t>Performance of the actual model with/without. </a:t>
+            </a:r>
+          </a:p>
+          <a:p>
+            <a:r>
+              <a:rPr lang="en-US" dirty="0"/>
+              <a:t>All feature selection is basically different methods of calculating and testing this. </a:t>
             </a:r>
           </a:p>
         </p:txBody>
@@ -8985,7 +9962,7 @@
     </p:spTree>
     <p:extLst>
       <p:ext uri="{BB962C8B-B14F-4D97-AF65-F5344CB8AC3E}">
-        <p14:creationId xmlns:p14="http://schemas.microsoft.com/office/powerpoint/2010/main" val="1073733013"/>
+        <p14:creationId xmlns:p14="http://schemas.microsoft.com/office/powerpoint/2010/main" val="2612277619"/>
       </p:ext>
     </p:extLst>
   </p:cSld>
